--- a/restSeqApi/work/이미지.pptx
+++ b/restSeqApi/work/이미지.pptx
@@ -9,6 +9,13 @@
     <p:sldId id="257" r:id="rId3"/>
     <p:sldId id="258" r:id="rId4"/>
     <p:sldId id="259" r:id="rId5"/>
+    <p:sldId id="260" r:id="rId6"/>
+    <p:sldId id="261" r:id="rId7"/>
+    <p:sldId id="262" r:id="rId8"/>
+    <p:sldId id="263" r:id="rId9"/>
+    <p:sldId id="264" r:id="rId10"/>
+    <p:sldId id="265" r:id="rId11"/>
+    <p:sldId id="266" r:id="rId12"/>
   </p:sldIdLst>
   <p:sldSz cx="9144000" cy="6858000" type="screen4x3"/>
   <p:notesSz cx="6858000" cy="9144000"/>
@@ -3106,7 +3113,7 @@
         </p:nvSpPr>
         <p:spPr>
           <a:xfrm>
-            <a:off x="7596336" y="2945307"/>
+            <a:off x="7524328" y="3993674"/>
             <a:ext cx="1224136" cy="936104"/>
           </a:xfrm>
           <a:prstGeom prst="can">
@@ -3149,12 +3156,12 @@
           <a:p>
             <a:pPr algn="ctr"/>
             <a:r>
-              <a:rPr lang="en-US" altLang="ko-KR" sz="1600" b="1" dirty="0" err="1" smtClean="0">
+              <a:rPr lang="en-US" altLang="ko-KR" sz="1600" b="1" dirty="0" smtClean="0">
                 <a:solidFill>
                   <a:schemeClr val="tx1"/>
                 </a:solidFill>
               </a:rPr>
-              <a:t>Redis</a:t>
+              <a:t>DB</a:t>
             </a:r>
             <a:endParaRPr lang="ko-KR" altLang="en-US" sz="1600" b="1" dirty="0">
               <a:solidFill>
@@ -3172,8 +3179,8 @@
         </p:nvSpPr>
         <p:spPr>
           <a:xfrm>
-            <a:off x="179512" y="1268760"/>
-            <a:ext cx="8784976" cy="4608512"/>
+            <a:off x="179512" y="1528799"/>
+            <a:ext cx="8784976" cy="3808687"/>
           </a:xfrm>
           <a:prstGeom prst="rect">
             <a:avLst/>
@@ -3220,7 +3227,7 @@
         </p:nvSpPr>
         <p:spPr>
           <a:xfrm>
-            <a:off x="385850" y="1601299"/>
+            <a:off x="323528" y="2945307"/>
             <a:ext cx="1066918" cy="972108"/>
           </a:xfrm>
           <a:prstGeom prst="rect">
@@ -3266,7 +3273,7 @@
                   <a:sysClr val="windowText" lastClr="000000"/>
                 </a:solidFill>
               </a:rPr>
-              <a:t>Html Test Page</a:t>
+              <a:t>Client</a:t>
             </a:r>
             <a:endParaRPr lang="ko-KR" altLang="en-US" sz="1600" b="1" dirty="0">
               <a:solidFill>
@@ -3319,81 +3326,14 @@
           <a:p>
             <a:pPr algn="ctr"/>
             <a:r>
-              <a:rPr lang="ko-KR" altLang="en-US" sz="1400" b="1" dirty="0" err="1" smtClean="0">
+              <a:rPr lang="en-US" altLang="ko-KR" sz="1400" b="1" dirty="0" smtClean="0">
                 <a:solidFill>
                   <a:schemeClr val="tx1"/>
                 </a:solidFill>
               </a:rPr>
-              <a:t>채번</a:t>
-            </a:r>
-            <a:r>
-              <a:rPr lang="ko-KR" altLang="en-US" sz="1400" b="1" dirty="0" smtClean="0">
-                <a:solidFill>
-                  <a:schemeClr val="tx1"/>
-                </a:solidFill>
-              </a:rPr>
-              <a:t> </a:t>
-            </a:r>
-            <a:r>
-              <a:rPr lang="en-US" altLang="ko-KR" sz="1400" b="1" dirty="0" smtClean="0">
-                <a:solidFill>
-                  <a:schemeClr val="tx1"/>
-                </a:solidFill>
-              </a:rPr>
-              <a:t>API </a:t>
-            </a:r>
-            <a:r>
-              <a:rPr lang="ko-KR" altLang="en-US" sz="1400" b="1" dirty="0" smtClean="0">
-                <a:solidFill>
-                  <a:schemeClr val="tx1"/>
-                </a:solidFill>
-              </a:rPr>
-              <a:t>서버</a:t>
+              <a:t>WAS</a:t>
             </a:r>
             <a:endParaRPr lang="en-US" altLang="ko-KR" sz="1400" b="1" dirty="0" smtClean="0">
-              <a:solidFill>
-                <a:schemeClr val="tx1"/>
-              </a:solidFill>
-            </a:endParaRPr>
-          </a:p>
-          <a:p>
-            <a:pPr algn="ctr"/>
-            <a:r>
-              <a:rPr lang="ko-KR" altLang="en-US" sz="1400" b="1" dirty="0" err="1" smtClean="0">
-                <a:solidFill>
-                  <a:schemeClr val="tx1"/>
-                </a:solidFill>
-              </a:rPr>
-              <a:t>인스턴스</a:t>
-            </a:r>
-            <a:r>
-              <a:rPr lang="ko-KR" altLang="en-US" sz="1400" b="1" dirty="0" smtClean="0">
-                <a:solidFill>
-                  <a:schemeClr val="tx1"/>
-                </a:solidFill>
-              </a:rPr>
-              <a:t> </a:t>
-            </a:r>
-            <a:r>
-              <a:rPr lang="en-US" altLang="ko-KR" sz="1400" b="1" dirty="0" smtClean="0">
-                <a:solidFill>
-                  <a:schemeClr val="tx1"/>
-                </a:solidFill>
-              </a:rPr>
-              <a:t>#1(9091)</a:t>
-            </a:r>
-          </a:p>
-          <a:p>
-            <a:pPr algn="ctr"/>
-            <a:r>
-              <a:rPr lang="en-US" altLang="ko-KR" sz="1400" b="1" dirty="0" smtClean="0">
-                <a:solidFill>
-                  <a:schemeClr val="tx1"/>
-                </a:solidFill>
-              </a:rPr>
-              <a:t>(Spring boot)</a:t>
-            </a:r>
-            <a:endParaRPr lang="ko-KR" altLang="en-US" sz="1400" b="1" dirty="0">
               <a:solidFill>
                 <a:schemeClr val="tx1"/>
               </a:solidFill>
@@ -3444,36 +3384,12 @@
           <a:p>
             <a:pPr algn="ctr"/>
             <a:r>
-              <a:rPr lang="ko-KR" altLang="en-US" sz="1400" b="1" dirty="0" err="1" smtClean="0">
+              <a:rPr lang="en-US" altLang="ko-KR" sz="1400" b="1" dirty="0" smtClean="0">
                 <a:solidFill>
                   <a:schemeClr val="tx1"/>
                 </a:solidFill>
               </a:rPr>
-              <a:t>채번</a:t>
-            </a:r>
-            <a:r>
-              <a:rPr lang="ko-KR" altLang="en-US" sz="1400" b="1" dirty="0" smtClean="0">
-                <a:solidFill>
-                  <a:schemeClr val="tx1"/>
-                </a:solidFill>
-              </a:rPr>
-              <a:t> </a:t>
-            </a:r>
-            <a:r>
-              <a:rPr lang="en-US" altLang="ko-KR" sz="1400" b="1" dirty="0" smtClean="0">
-                <a:solidFill>
-                  <a:schemeClr val="tx1"/>
-                </a:solidFill>
-              </a:rPr>
-              <a:t>API </a:t>
-            </a:r>
-            <a:r>
-              <a:rPr lang="ko-KR" altLang="en-US" sz="1400" b="1" dirty="0" smtClean="0">
-                <a:solidFill>
-                  <a:schemeClr val="tx1"/>
-                </a:solidFill>
-              </a:rPr>
-              <a:t>서버</a:t>
+              <a:t>WAS</a:t>
             </a:r>
             <a:endParaRPr lang="en-US" altLang="ko-KR" sz="1400" b="1" dirty="0" smtClean="0">
               <a:solidFill>
@@ -3481,73 +3397,31 @@
               </a:solidFill>
             </a:endParaRPr>
           </a:p>
-          <a:p>
-            <a:pPr algn="ctr"/>
-            <a:r>
-              <a:rPr lang="ko-KR" altLang="en-US" sz="1400" b="1" dirty="0" err="1" smtClean="0">
-                <a:solidFill>
-                  <a:schemeClr val="tx1"/>
-                </a:solidFill>
-              </a:rPr>
-              <a:t>인스턴스</a:t>
-            </a:r>
-            <a:r>
-              <a:rPr lang="ko-KR" altLang="en-US" sz="1400" b="1" dirty="0" smtClean="0">
-                <a:solidFill>
-                  <a:schemeClr val="tx1"/>
-                </a:solidFill>
-              </a:rPr>
-              <a:t> </a:t>
-            </a:r>
-            <a:r>
-              <a:rPr lang="en-US" altLang="ko-KR" sz="1400" b="1" dirty="0" smtClean="0">
-                <a:solidFill>
-                  <a:schemeClr val="tx1"/>
-                </a:solidFill>
-              </a:rPr>
-              <a:t>#2(9092)</a:t>
-            </a:r>
-          </a:p>
-          <a:p>
-            <a:pPr algn="ctr"/>
-            <a:r>
-              <a:rPr lang="en-US" altLang="ko-KR" sz="1400" b="1" dirty="0" smtClean="0">
-                <a:solidFill>
-                  <a:schemeClr val="tx1"/>
-                </a:solidFill>
-              </a:rPr>
-              <a:t>(Spring boot)</a:t>
-            </a:r>
-            <a:endParaRPr lang="ko-KR" altLang="en-US" sz="1400" b="1" dirty="0" smtClean="0">
-              <a:solidFill>
-                <a:schemeClr val="tx1"/>
-              </a:solidFill>
-            </a:endParaRPr>
-          </a:p>
-        </p:txBody>
-      </p:sp>
-      <p:sp>
-        <p:nvSpPr>
-          <p:cNvPr id="11" name="직사각형 10"/>
+        </p:txBody>
+      </p:sp>
+      <p:sp>
+        <p:nvSpPr>
+          <p:cNvPr id="8" name="직사각형 7"/>
           <p:cNvSpPr/>
           <p:nvPr/>
         </p:nvSpPr>
         <p:spPr>
           <a:xfrm>
-            <a:off x="385850" y="4677723"/>
-            <a:ext cx="1066918" cy="972108"/>
+            <a:off x="2195736" y="3010080"/>
+            <a:ext cx="1606790" cy="857330"/>
           </a:xfrm>
           <a:prstGeom prst="rect">
             <a:avLst/>
           </a:prstGeom>
           <a:solidFill>
-            <a:schemeClr val="bg1">
-              <a:lumMod val="95000"/>
+            <a:schemeClr val="accent3">
+              <a:lumMod val="20000"/>
+              <a:lumOff val="80000"/>
             </a:schemeClr>
           </a:solidFill>
           <a:ln>
             <a:solidFill>
-              <a:schemeClr val="bg1">
+              <a:schemeClr val="accent3">
                 <a:lumMod val="75000"/>
               </a:schemeClr>
             </a:solidFill>
@@ -3574,17 +3448,292 @@
           <a:lstStyle/>
           <a:p>
             <a:pPr algn="ctr"/>
-            <a:endParaRPr lang="ko-KR" altLang="en-US" dirty="0">
-              <a:solidFill>
-                <a:sysClr val="windowText" lastClr="000000"/>
-              </a:solidFill>
-            </a:endParaRPr>
+            <a:endParaRPr lang="ko-KR" altLang="en-US"/>
+          </a:p>
+        </p:txBody>
+      </p:sp>
+      <p:sp>
+        <p:nvSpPr>
+          <p:cNvPr id="9" name="TextBox 8"/>
+          <p:cNvSpPr txBox="1"/>
+          <p:nvPr/>
+        </p:nvSpPr>
+        <p:spPr>
+          <a:xfrm>
+            <a:off x="2829908" y="3168400"/>
+            <a:ext cx="950004" cy="523220"/>
+          </a:xfrm>
+          <a:prstGeom prst="rect">
+            <a:avLst/>
+          </a:prstGeom>
+          <a:noFill/>
+        </p:spPr>
+        <p:txBody>
+          <a:bodyPr wrap="square" rtlCol="0">
+            <a:spAutoFit/>
+          </a:bodyPr>
+          <a:lstStyle/>
+          <a:p>
+            <a:pPr algn="ctr"/>
+            <a:r>
+              <a:rPr lang="en-US" altLang="ko-KR" sz="1400" b="1" dirty="0" smtClean="0"/>
+              <a:t>Load</a:t>
+            </a:r>
+          </a:p>
+          <a:p>
+            <a:pPr algn="ctr"/>
+            <a:r>
+              <a:rPr lang="en-US" altLang="ko-KR" sz="1400" b="1" dirty="0" smtClean="0"/>
+              <a:t>Balancer</a:t>
+            </a:r>
+            <a:endParaRPr lang="ko-KR" altLang="en-US" sz="1400" b="1" dirty="0"/>
+          </a:p>
+        </p:txBody>
+      </p:sp>
+      <p:cxnSp>
+        <p:nvCxnSpPr>
+          <p:cNvPr id="13" name="직선 화살표 연결선 12"/>
+          <p:cNvCxnSpPr>
+            <a:stCxn id="6" idx="3"/>
+            <a:endCxn id="8" idx="1"/>
+          </p:cNvCxnSpPr>
+          <p:nvPr/>
+        </p:nvCxnSpPr>
+        <p:spPr>
+          <a:xfrm>
+            <a:off x="1390446" y="3431361"/>
+            <a:ext cx="805290" cy="7384"/>
+          </a:xfrm>
+          <a:prstGeom prst="straightConnector1">
+            <a:avLst/>
+          </a:prstGeom>
+          <a:ln w="19050">
+            <a:solidFill>
+              <a:schemeClr val="bg1">
+                <a:lumMod val="50000"/>
+              </a:schemeClr>
+            </a:solidFill>
+            <a:headEnd type="arrow" w="med" len="med"/>
+            <a:tailEnd type="arrow" w="med" len="med"/>
+          </a:ln>
+        </p:spPr>
+        <p:style>
+          <a:lnRef idx="1">
+            <a:schemeClr val="dk1"/>
+          </a:lnRef>
+          <a:fillRef idx="0">
+            <a:schemeClr val="dk1"/>
+          </a:fillRef>
+          <a:effectRef idx="0">
+            <a:schemeClr val="dk1"/>
+          </a:effectRef>
+          <a:fontRef idx="minor">
+            <a:schemeClr val="tx1"/>
+          </a:fontRef>
+        </p:style>
+      </p:cxnSp>
+      <p:cxnSp>
+        <p:nvCxnSpPr>
+          <p:cNvPr id="22" name="직선 화살표 연결선 21"/>
+          <p:cNvCxnSpPr>
+            <a:stCxn id="8" idx="3"/>
+            <a:endCxn id="7" idx="1"/>
+          </p:cNvCxnSpPr>
+          <p:nvPr/>
+        </p:nvCxnSpPr>
+        <p:spPr>
+          <a:xfrm flipV="1">
+            <a:off x="3802526" y="2421815"/>
+            <a:ext cx="1201522" cy="1016930"/>
+          </a:xfrm>
+          <a:prstGeom prst="straightConnector1">
+            <a:avLst/>
+          </a:prstGeom>
+          <a:ln w="19050">
+            <a:solidFill>
+              <a:schemeClr val="bg1">
+                <a:lumMod val="50000"/>
+              </a:schemeClr>
+            </a:solidFill>
+            <a:headEnd type="arrow" w="med" len="med"/>
+            <a:tailEnd type="arrow" w="med" len="med"/>
+          </a:ln>
+        </p:spPr>
+        <p:style>
+          <a:lnRef idx="1">
+            <a:schemeClr val="dk1"/>
+          </a:lnRef>
+          <a:fillRef idx="0">
+            <a:schemeClr val="dk1"/>
+          </a:fillRef>
+          <a:effectRef idx="0">
+            <a:schemeClr val="dk1"/>
+          </a:effectRef>
+          <a:fontRef idx="minor">
+            <a:schemeClr val="tx1"/>
+          </a:fontRef>
+        </p:style>
+      </p:cxnSp>
+      <p:cxnSp>
+        <p:nvCxnSpPr>
+          <p:cNvPr id="25" name="직선 화살표 연결선 24"/>
+          <p:cNvCxnSpPr>
+            <a:stCxn id="8" idx="3"/>
+            <a:endCxn id="10" idx="1"/>
+          </p:cNvCxnSpPr>
+          <p:nvPr/>
+        </p:nvCxnSpPr>
+        <p:spPr>
+          <a:xfrm>
+            <a:off x="3802526" y="3438745"/>
+            <a:ext cx="1201522" cy="1022982"/>
+          </a:xfrm>
+          <a:prstGeom prst="straightConnector1">
+            <a:avLst/>
+          </a:prstGeom>
+          <a:ln w="19050">
+            <a:solidFill>
+              <a:schemeClr val="bg1">
+                <a:lumMod val="50000"/>
+              </a:schemeClr>
+            </a:solidFill>
+            <a:headEnd type="arrow" w="med" len="med"/>
+            <a:tailEnd type="arrow" w="med" len="med"/>
+          </a:ln>
+        </p:spPr>
+        <p:style>
+          <a:lnRef idx="1">
+            <a:schemeClr val="dk1"/>
+          </a:lnRef>
+          <a:fillRef idx="0">
+            <a:schemeClr val="dk1"/>
+          </a:fillRef>
+          <a:effectRef idx="0">
+            <a:schemeClr val="dk1"/>
+          </a:effectRef>
+          <a:fontRef idx="minor">
+            <a:schemeClr val="tx1"/>
+          </a:fontRef>
+        </p:style>
+      </p:cxnSp>
+      <p:cxnSp>
+        <p:nvCxnSpPr>
+          <p:cNvPr id="29" name="직선 화살표 연결선 28"/>
+          <p:cNvCxnSpPr>
+            <a:stCxn id="7" idx="3"/>
+            <a:endCxn id="4" idx="2"/>
+          </p:cNvCxnSpPr>
+          <p:nvPr/>
+        </p:nvCxnSpPr>
+        <p:spPr>
+          <a:xfrm>
+            <a:off x="6876256" y="2421815"/>
+            <a:ext cx="648072" cy="2039911"/>
+          </a:xfrm>
+          <a:prstGeom prst="straightConnector1">
+            <a:avLst/>
+          </a:prstGeom>
+          <a:ln w="19050">
+            <a:solidFill>
+              <a:schemeClr val="bg1">
+                <a:lumMod val="50000"/>
+              </a:schemeClr>
+            </a:solidFill>
+            <a:headEnd type="arrow" w="med" len="med"/>
+            <a:tailEnd type="arrow" w="med" len="med"/>
+          </a:ln>
+        </p:spPr>
+        <p:style>
+          <a:lnRef idx="1">
+            <a:schemeClr val="dk1"/>
+          </a:lnRef>
+          <a:fillRef idx="0">
+            <a:schemeClr val="dk1"/>
+          </a:fillRef>
+          <a:effectRef idx="0">
+            <a:schemeClr val="dk1"/>
+          </a:effectRef>
+          <a:fontRef idx="minor">
+            <a:schemeClr val="tx1"/>
+          </a:fontRef>
+        </p:style>
+      </p:cxnSp>
+      <p:cxnSp>
+        <p:nvCxnSpPr>
+          <p:cNvPr id="32" name="직선 화살표 연결선 31"/>
+          <p:cNvCxnSpPr>
+            <a:stCxn id="10" idx="3"/>
+            <a:endCxn id="4" idx="2"/>
+          </p:cNvCxnSpPr>
+          <p:nvPr/>
+        </p:nvCxnSpPr>
+        <p:spPr>
+          <a:xfrm flipV="1">
+            <a:off x="6876256" y="4461726"/>
+            <a:ext cx="648072" cy="1"/>
+          </a:xfrm>
+          <a:prstGeom prst="straightConnector1">
+            <a:avLst/>
+          </a:prstGeom>
+          <a:ln w="19050">
+            <a:solidFill>
+              <a:schemeClr val="bg1">
+                <a:lumMod val="50000"/>
+              </a:schemeClr>
+            </a:solidFill>
+            <a:headEnd type="arrow" w="med" len="med"/>
+            <a:tailEnd type="arrow" w="med" len="med"/>
+          </a:ln>
+        </p:spPr>
+        <p:style>
+          <a:lnRef idx="1">
+            <a:schemeClr val="dk1"/>
+          </a:lnRef>
+          <a:fillRef idx="0">
+            <a:schemeClr val="dk1"/>
+          </a:fillRef>
+          <a:effectRef idx="0">
+            <a:schemeClr val="dk1"/>
+          </a:effectRef>
+          <a:fontRef idx="minor">
+            <a:schemeClr val="tx1"/>
+          </a:fontRef>
+        </p:style>
+      </p:cxnSp>
+      <p:sp>
+        <p:nvSpPr>
+          <p:cNvPr id="45" name="TextBox 44"/>
+          <p:cNvSpPr txBox="1"/>
+          <p:nvPr/>
+        </p:nvSpPr>
+        <p:spPr>
+          <a:xfrm>
+            <a:off x="3604049" y="3308411"/>
+            <a:ext cx="1368152" cy="261610"/>
+          </a:xfrm>
+          <a:prstGeom prst="rect">
+            <a:avLst/>
+          </a:prstGeom>
+          <a:noFill/>
+        </p:spPr>
+        <p:txBody>
+          <a:bodyPr wrap="square" rtlCol="0">
+            <a:spAutoFit/>
+          </a:bodyPr>
+          <a:lstStyle/>
+          <a:p>
+            <a:pPr algn="ctr"/>
+            <a:r>
+              <a:rPr lang="ko-KR" altLang="en-US" sz="1100" smtClean="0"/>
+              <a:t>부하 분산</a:t>
+            </a:r>
+            <a:endParaRPr lang="ko-KR" altLang="en-US" sz="1100" dirty="0"/>
           </a:p>
         </p:txBody>
       </p:sp>
       <p:pic>
         <p:nvPicPr>
-          <p:cNvPr id="1026" name="Picture 2"/>
+          <p:cNvPr id="5122" name="Picture 2"/>
           <p:cNvPicPr>
             <a:picLocks noChangeAspect="1" noChangeArrowheads="1"/>
           </p:cNvPicPr>
@@ -3605,8 +3754,8 @@
         </p:blipFill>
         <p:spPr bwMode="auto">
           <a:xfrm>
-            <a:off x="570670" y="4857670"/>
-            <a:ext cx="697278" cy="585714"/>
+            <a:off x="2264738" y="3109711"/>
+            <a:ext cx="658377" cy="658377"/>
           </a:xfrm>
           <a:prstGeom prst="rect">
             <a:avLst/>
@@ -3638,14 +3787,357 @@
       </p:pic>
       <p:sp>
         <p:nvSpPr>
+          <p:cNvPr id="28" name="원통 27"/>
+          <p:cNvSpPr/>
+          <p:nvPr/>
+        </p:nvSpPr>
+        <p:spPr>
+          <a:xfrm>
+            <a:off x="7524328" y="1953762"/>
+            <a:ext cx="1224136" cy="936104"/>
+          </a:xfrm>
+          <a:prstGeom prst="can">
+            <a:avLst/>
+          </a:prstGeom>
+          <a:solidFill>
+            <a:schemeClr val="accent6">
+              <a:lumMod val="20000"/>
+              <a:lumOff val="80000"/>
+            </a:schemeClr>
+          </a:solidFill>
+          <a:ln>
+            <a:solidFill>
+              <a:schemeClr val="accent6">
+                <a:lumMod val="60000"/>
+                <a:lumOff val="40000"/>
+              </a:schemeClr>
+            </a:solidFill>
+          </a:ln>
+        </p:spPr>
+        <p:style>
+          <a:lnRef idx="2">
+            <a:schemeClr val="accent1">
+              <a:shade val="50000"/>
+            </a:schemeClr>
+          </a:lnRef>
+          <a:fillRef idx="1">
+            <a:schemeClr val="accent1"/>
+          </a:fillRef>
+          <a:effectRef idx="0">
+            <a:schemeClr val="accent1"/>
+          </a:effectRef>
+          <a:fontRef idx="minor">
+            <a:schemeClr val="lt1"/>
+          </a:fontRef>
+        </p:style>
+        <p:txBody>
+          <a:bodyPr rtlCol="0" anchor="ctr"/>
+          <a:lstStyle/>
+          <a:p>
+            <a:pPr algn="ctr"/>
+            <a:r>
+              <a:rPr lang="en-US" altLang="ko-KR" sz="1600" b="1" dirty="0" smtClean="0">
+                <a:solidFill>
+                  <a:schemeClr val="tx1"/>
+                </a:solidFill>
+              </a:rPr>
+              <a:t>DB</a:t>
+            </a:r>
+            <a:endParaRPr lang="ko-KR" altLang="en-US" sz="1600" b="1" dirty="0">
+              <a:solidFill>
+                <a:schemeClr val="tx1"/>
+              </a:solidFill>
+            </a:endParaRPr>
+          </a:p>
+        </p:txBody>
+      </p:sp>
+      <p:cxnSp>
+        <p:nvCxnSpPr>
+          <p:cNvPr id="31" name="직선 화살표 연결선 30"/>
+          <p:cNvCxnSpPr>
+            <a:stCxn id="7" idx="3"/>
+            <a:endCxn id="28" idx="2"/>
+          </p:cNvCxnSpPr>
+          <p:nvPr/>
+        </p:nvCxnSpPr>
+        <p:spPr>
+          <a:xfrm flipV="1">
+            <a:off x="6876256" y="2421814"/>
+            <a:ext cx="648072" cy="1"/>
+          </a:xfrm>
+          <a:prstGeom prst="straightConnector1">
+            <a:avLst/>
+          </a:prstGeom>
+          <a:ln w="19050">
+            <a:solidFill>
+              <a:schemeClr val="bg1">
+                <a:lumMod val="50000"/>
+              </a:schemeClr>
+            </a:solidFill>
+            <a:headEnd type="arrow" w="med" len="med"/>
+            <a:tailEnd type="arrow" w="med" len="med"/>
+          </a:ln>
+        </p:spPr>
+        <p:style>
+          <a:lnRef idx="1">
+            <a:schemeClr val="dk1"/>
+          </a:lnRef>
+          <a:fillRef idx="0">
+            <a:schemeClr val="dk1"/>
+          </a:fillRef>
+          <a:effectRef idx="0">
+            <a:schemeClr val="dk1"/>
+          </a:effectRef>
+          <a:fontRef idx="minor">
+            <a:schemeClr val="tx1"/>
+          </a:fontRef>
+        </p:style>
+      </p:cxnSp>
+      <p:cxnSp>
+        <p:nvCxnSpPr>
+          <p:cNvPr id="34" name="직선 화살표 연결선 33"/>
+          <p:cNvCxnSpPr>
+            <a:stCxn id="28" idx="2"/>
+            <a:endCxn id="10" idx="3"/>
+          </p:cNvCxnSpPr>
+          <p:nvPr/>
+        </p:nvCxnSpPr>
+        <p:spPr>
+          <a:xfrm flipH="1">
+            <a:off x="6876256" y="2421814"/>
+            <a:ext cx="648072" cy="2039913"/>
+          </a:xfrm>
+          <a:prstGeom prst="straightConnector1">
+            <a:avLst/>
+          </a:prstGeom>
+          <a:ln w="19050">
+            <a:solidFill>
+              <a:schemeClr val="bg1">
+                <a:lumMod val="50000"/>
+              </a:schemeClr>
+            </a:solidFill>
+            <a:headEnd type="arrow" w="med" len="med"/>
+            <a:tailEnd type="arrow" w="med" len="med"/>
+          </a:ln>
+        </p:spPr>
+        <p:style>
+          <a:lnRef idx="1">
+            <a:schemeClr val="dk1"/>
+          </a:lnRef>
+          <a:fillRef idx="0">
+            <a:schemeClr val="dk1"/>
+          </a:fillRef>
+          <a:effectRef idx="0">
+            <a:schemeClr val="dk1"/>
+          </a:effectRef>
+          <a:fontRef idx="minor">
+            <a:schemeClr val="tx1"/>
+          </a:fontRef>
+        </p:style>
+      </p:cxnSp>
+    </p:spTree>
+    <p:extLst>
+      <p:ext uri="{BB962C8B-B14F-4D97-AF65-F5344CB8AC3E}">
+        <p14:creationId xmlns:p14="http://schemas.microsoft.com/office/powerpoint/2010/main" val="1227316301"/>
+      </p:ext>
+    </p:extLst>
+  </p:cSld>
+  <p:clrMapOvr>
+    <a:masterClrMapping/>
+  </p:clrMapOvr>
+</p:sld>
+</file>
+
+<file path=ppt/slides/slide10.xml><?xml version="1.0" encoding="utf-8"?>
+<p:sld xmlns:a="http://schemas.openxmlformats.org/drawingml/2006/main" xmlns:r="http://schemas.openxmlformats.org/officeDocument/2006/relationships" xmlns:p="http://schemas.openxmlformats.org/presentationml/2006/main">
+  <p:cSld>
+    <p:spTree>
+      <p:nvGrpSpPr>
+        <p:cNvPr id="1" name=""/>
+        <p:cNvGrpSpPr/>
+        <p:nvPr/>
+      </p:nvGrpSpPr>
+      <p:grpSpPr>
+        <a:xfrm>
+          <a:off x="0" y="0"/>
+          <a:ext cx="0" cy="0"/>
+          <a:chOff x="0" y="0"/>
+          <a:chExt cx="0" cy="0"/>
+        </a:xfrm>
+      </p:grpSpPr>
+      <p:sp>
+        <p:nvSpPr>
+          <p:cNvPr id="5" name="직사각형 4"/>
+          <p:cNvSpPr/>
+          <p:nvPr/>
+        </p:nvSpPr>
+        <p:spPr>
+          <a:xfrm>
+            <a:off x="1691680" y="653039"/>
+            <a:ext cx="5760640" cy="5224233"/>
+          </a:xfrm>
+          <a:prstGeom prst="rect">
+            <a:avLst/>
+          </a:prstGeom>
+          <a:noFill/>
+          <a:ln>
+            <a:solidFill>
+              <a:schemeClr val="bg1">
+                <a:lumMod val="85000"/>
+              </a:schemeClr>
+            </a:solidFill>
+          </a:ln>
+        </p:spPr>
+        <p:style>
+          <a:lnRef idx="2">
+            <a:schemeClr val="accent1">
+              <a:shade val="50000"/>
+            </a:schemeClr>
+          </a:lnRef>
+          <a:fillRef idx="1">
+            <a:schemeClr val="accent1"/>
+          </a:fillRef>
+          <a:effectRef idx="0">
+            <a:schemeClr val="accent1"/>
+          </a:effectRef>
+          <a:fontRef idx="minor">
+            <a:schemeClr val="lt1"/>
+          </a:fontRef>
+        </p:style>
+        <p:txBody>
+          <a:bodyPr rtlCol="0" anchor="ctr"/>
+          <a:lstStyle/>
+          <a:p>
+            <a:pPr algn="ctr"/>
+            <a:endParaRPr lang="ko-KR" altLang="en-US"/>
+          </a:p>
+        </p:txBody>
+      </p:sp>
+      <p:sp>
+        <p:nvSpPr>
+          <p:cNvPr id="7" name="모서리가 둥근 직사각형 6"/>
+          <p:cNvSpPr/>
+          <p:nvPr/>
+        </p:nvSpPr>
+        <p:spPr>
+          <a:xfrm>
+            <a:off x="4932040" y="1151962"/>
+            <a:ext cx="1872208" cy="788185"/>
+          </a:xfrm>
+          <a:prstGeom prst="roundRect">
+            <a:avLst/>
+          </a:prstGeom>
+          <a:solidFill>
+            <a:schemeClr val="accent1">
+              <a:lumMod val="50000"/>
+            </a:schemeClr>
+          </a:solidFill>
+        </p:spPr>
+        <p:style>
+          <a:lnRef idx="2">
+            <a:schemeClr val="accent1">
+              <a:shade val="50000"/>
+            </a:schemeClr>
+          </a:lnRef>
+          <a:fillRef idx="1">
+            <a:schemeClr val="accent1"/>
+          </a:fillRef>
+          <a:effectRef idx="0">
+            <a:schemeClr val="accent1"/>
+          </a:effectRef>
+          <a:fontRef idx="minor">
+            <a:schemeClr val="lt1"/>
+          </a:fontRef>
+        </p:style>
+        <p:txBody>
+          <a:bodyPr rtlCol="0" anchor="ctr"/>
+          <a:lstStyle/>
+          <a:p>
+            <a:pPr algn="ctr"/>
+            <a:r>
+              <a:rPr lang="en-US" altLang="ko-KR" sz="1400" b="1" dirty="0" smtClean="0">
+                <a:solidFill>
+                  <a:schemeClr val="bg1"/>
+                </a:solidFill>
+              </a:rPr>
+              <a:t>WAS #1</a:t>
+            </a:r>
+            <a:endParaRPr lang="en-US" altLang="ko-KR" sz="1400" b="1" dirty="0" smtClean="0">
+              <a:solidFill>
+                <a:schemeClr val="bg1"/>
+              </a:solidFill>
+            </a:endParaRPr>
+          </a:p>
+        </p:txBody>
+      </p:sp>
+      <p:sp>
+        <p:nvSpPr>
+          <p:cNvPr id="10" name="모서리가 둥근 직사각형 9"/>
+          <p:cNvSpPr/>
+          <p:nvPr/>
+        </p:nvSpPr>
+        <p:spPr>
+          <a:xfrm>
+            <a:off x="4941979" y="2321181"/>
+            <a:ext cx="1872208" cy="753295"/>
+          </a:xfrm>
+          <a:prstGeom prst="roundRect">
+            <a:avLst/>
+          </a:prstGeom>
+          <a:solidFill>
+            <a:schemeClr val="accent1">
+              <a:lumMod val="20000"/>
+              <a:lumOff val="80000"/>
+            </a:schemeClr>
+          </a:solidFill>
+        </p:spPr>
+        <p:style>
+          <a:lnRef idx="2">
+            <a:schemeClr val="accent1">
+              <a:shade val="50000"/>
+            </a:schemeClr>
+          </a:lnRef>
+          <a:fillRef idx="1">
+            <a:schemeClr val="accent1"/>
+          </a:fillRef>
+          <a:effectRef idx="0">
+            <a:schemeClr val="accent1"/>
+          </a:effectRef>
+          <a:fontRef idx="minor">
+            <a:schemeClr val="lt1"/>
+          </a:fontRef>
+        </p:style>
+        <p:txBody>
+          <a:bodyPr rtlCol="0" anchor="ctr"/>
+          <a:lstStyle/>
+          <a:p>
+            <a:pPr algn="ctr"/>
+            <a:r>
+              <a:rPr lang="en-US" altLang="ko-KR" sz="1400" b="1" dirty="0" smtClean="0">
+                <a:solidFill>
+                  <a:schemeClr val="tx1"/>
+                </a:solidFill>
+              </a:rPr>
+              <a:t>WAS #2</a:t>
+            </a:r>
+            <a:endParaRPr lang="en-US" altLang="ko-KR" sz="1400" b="1" dirty="0" smtClean="0">
+              <a:solidFill>
+                <a:schemeClr val="tx1"/>
+              </a:solidFill>
+            </a:endParaRPr>
+          </a:p>
+        </p:txBody>
+      </p:sp>
+      <p:sp>
+        <p:nvSpPr>
           <p:cNvPr id="8" name="직사각형 7"/>
           <p:cNvSpPr/>
           <p:nvPr/>
         </p:nvSpPr>
         <p:spPr>
           <a:xfrm>
-            <a:off x="2195736" y="3010080"/>
-            <a:ext cx="1606790" cy="857330"/>
+            <a:off x="2123728" y="2528961"/>
+            <a:ext cx="1606790" cy="1518813"/>
           </a:xfrm>
           <a:prstGeom prst="rect">
             <a:avLst/>
@@ -3689,60 +4181,6 @@
           </a:p>
         </p:txBody>
       </p:sp>
-      <p:pic>
-        <p:nvPicPr>
-          <p:cNvPr id="1027" name="Picture 3"/>
-          <p:cNvPicPr>
-            <a:picLocks noChangeAspect="1" noChangeArrowheads="1"/>
-          </p:cNvPicPr>
-          <p:nvPr/>
-        </p:nvPicPr>
-        <p:blipFill>
-          <a:blip r:embed="rId3" cstate="print">
-            <a:extLst>
-              <a:ext uri="{28A0092B-C50C-407E-A947-70E740481C1C}">
-                <a14:useLocalDpi xmlns:a14="http://schemas.microsoft.com/office/drawing/2010/main" val="0"/>
-              </a:ext>
-            </a:extLst>
-          </a:blip>
-          <a:srcRect/>
-          <a:stretch>
-            <a:fillRect/>
-          </a:stretch>
-        </p:blipFill>
-        <p:spPr bwMode="auto">
-          <a:xfrm>
-            <a:off x="2219882" y="3107918"/>
-            <a:ext cx="610026" cy="667690"/>
-          </a:xfrm>
-          <a:prstGeom prst="rect">
-            <a:avLst/>
-          </a:prstGeom>
-          <a:noFill/>
-          <a:ln>
-            <a:noFill/>
-          </a:ln>
-          <a:extLst>
-            <a:ext uri="{909E8E84-426E-40DD-AFC4-6F175D3DCCD1}">
-              <a14:hiddenFill xmlns:a14="http://schemas.microsoft.com/office/drawing/2010/main">
-                <a:solidFill>
-                  <a:schemeClr val="accent1"/>
-                </a:solidFill>
-              </a14:hiddenFill>
-            </a:ext>
-            <a:ext uri="{91240B29-F687-4F45-9708-019B960494DF}">
-              <a14:hiddenLine xmlns:a14="http://schemas.microsoft.com/office/drawing/2010/main" w="9525">
-                <a:solidFill>
-                  <a:schemeClr val="tx1"/>
-                </a:solidFill>
-                <a:miter lim="800000"/>
-                <a:headEnd/>
-                <a:tailEnd/>
-              </a14:hiddenLine>
-            </a:ext>
-          </a:extLst>
-        </p:spPr>
-      </p:pic>
       <p:sp>
         <p:nvSpPr>
           <p:cNvPr id="9" name="TextBox 8"/>
@@ -3751,8 +4189,8 @@
         </p:nvSpPr>
         <p:spPr>
           <a:xfrm>
-            <a:off x="2829908" y="3168400"/>
-            <a:ext cx="1044116" cy="523220"/>
+            <a:off x="2744107" y="2642808"/>
+            <a:ext cx="950004" cy="523220"/>
           </a:xfrm>
           <a:prstGeom prst="rect">
             <a:avLst/>
@@ -3768,132 +4206,19 @@
             <a:pPr algn="ctr"/>
             <a:r>
               <a:rPr lang="en-US" altLang="ko-KR" sz="1400" b="1" dirty="0" smtClean="0"/>
-              <a:t>Nginx</a:t>
+              <a:t>Load</a:t>
             </a:r>
           </a:p>
           <a:p>
             <a:pPr algn="ctr"/>
             <a:r>
               <a:rPr lang="en-US" altLang="ko-KR" sz="1400" b="1" dirty="0" smtClean="0"/>
-              <a:t>(9090)</a:t>
+              <a:t>Balancer</a:t>
             </a:r>
             <a:endParaRPr lang="ko-KR" altLang="en-US" sz="1400" b="1" dirty="0"/>
           </a:p>
         </p:txBody>
       </p:sp>
-      <p:sp>
-        <p:nvSpPr>
-          <p:cNvPr id="14" name="TextBox 13"/>
-          <p:cNvSpPr txBox="1"/>
-          <p:nvPr/>
-        </p:nvSpPr>
-        <p:spPr>
-          <a:xfrm>
-            <a:off x="404391" y="5258718"/>
-            <a:ext cx="1044116" cy="369332"/>
-          </a:xfrm>
-          <a:prstGeom prst="rect">
-            <a:avLst/>
-          </a:prstGeom>
-          <a:noFill/>
-        </p:spPr>
-        <p:txBody>
-          <a:bodyPr wrap="square" rtlCol="0">
-            <a:spAutoFit/>
-          </a:bodyPr>
-          <a:lstStyle/>
-          <a:p>
-            <a:pPr algn="ctr"/>
-            <a:r>
-              <a:rPr lang="en-US" altLang="ko-KR" b="1" dirty="0" err="1" smtClean="0"/>
-              <a:t>Jmeter</a:t>
-            </a:r>
-            <a:endParaRPr lang="ko-KR" altLang="en-US" b="1" dirty="0"/>
-          </a:p>
-        </p:txBody>
-      </p:sp>
-      <p:cxnSp>
-        <p:nvCxnSpPr>
-          <p:cNvPr id="13" name="직선 화살표 연결선 12"/>
-          <p:cNvCxnSpPr>
-            <a:stCxn id="6" idx="3"/>
-            <a:endCxn id="8" idx="1"/>
-          </p:cNvCxnSpPr>
-          <p:nvPr/>
-        </p:nvCxnSpPr>
-        <p:spPr>
-          <a:xfrm>
-            <a:off x="1452768" y="2087353"/>
-            <a:ext cx="742968" cy="1351392"/>
-          </a:xfrm>
-          <a:prstGeom prst="straightConnector1">
-            <a:avLst/>
-          </a:prstGeom>
-          <a:ln w="19050">
-            <a:solidFill>
-              <a:schemeClr val="bg1">
-                <a:lumMod val="50000"/>
-              </a:schemeClr>
-            </a:solidFill>
-            <a:tailEnd type="arrow"/>
-          </a:ln>
-        </p:spPr>
-        <p:style>
-          <a:lnRef idx="1">
-            <a:schemeClr val="dk1"/>
-          </a:lnRef>
-          <a:fillRef idx="0">
-            <a:schemeClr val="dk1"/>
-          </a:fillRef>
-          <a:effectRef idx="0">
-            <a:schemeClr val="dk1"/>
-          </a:effectRef>
-          <a:fontRef idx="minor">
-            <a:schemeClr val="tx1"/>
-          </a:fontRef>
-        </p:style>
-      </p:cxnSp>
-      <p:cxnSp>
-        <p:nvCxnSpPr>
-          <p:cNvPr id="17" name="직선 화살표 연결선 16"/>
-          <p:cNvCxnSpPr>
-            <a:stCxn id="11" idx="3"/>
-            <a:endCxn id="8" idx="1"/>
-          </p:cNvCxnSpPr>
-          <p:nvPr/>
-        </p:nvCxnSpPr>
-        <p:spPr>
-          <a:xfrm flipV="1">
-            <a:off x="1452768" y="3438745"/>
-            <a:ext cx="742968" cy="1725032"/>
-          </a:xfrm>
-          <a:prstGeom prst="straightConnector1">
-            <a:avLst/>
-          </a:prstGeom>
-          <a:ln w="19050">
-            <a:solidFill>
-              <a:schemeClr val="bg1">
-                <a:lumMod val="50000"/>
-              </a:schemeClr>
-            </a:solidFill>
-            <a:tailEnd type="arrow"/>
-          </a:ln>
-        </p:spPr>
-        <p:style>
-          <a:lnRef idx="1">
-            <a:schemeClr val="dk1"/>
-          </a:lnRef>
-          <a:fillRef idx="0">
-            <a:schemeClr val="dk1"/>
-          </a:fillRef>
-          <a:effectRef idx="0">
-            <a:schemeClr val="dk1"/>
-          </a:effectRef>
-          <a:fontRef idx="minor">
-            <a:schemeClr val="tx1"/>
-          </a:fontRef>
-        </p:style>
-      </p:cxnSp>
       <p:cxnSp>
         <p:nvCxnSpPr>
           <p:cNvPr id="22" name="직선 화살표 연결선 21"/>
@@ -3905,8 +4230,8 @@
         </p:nvCxnSpPr>
         <p:spPr>
           <a:xfrm flipV="1">
-            <a:off x="3802526" y="2421815"/>
-            <a:ext cx="1201522" cy="1016930"/>
+            <a:off x="3730518" y="1546055"/>
+            <a:ext cx="1201522" cy="1742313"/>
           </a:xfrm>
           <a:prstGeom prst="straightConnector1">
             <a:avLst/>
@@ -3917,7 +4242,9 @@
                 <a:lumMod val="50000"/>
               </a:schemeClr>
             </a:solidFill>
-            <a:tailEnd type="arrow"/>
+            <a:prstDash val="sysDash"/>
+            <a:headEnd type="arrow" w="med" len="med"/>
+            <a:tailEnd type="arrow" w="med" len="med"/>
           </a:ln>
         </p:spPr>
         <p:style>
@@ -3945,50 +4272,9 @@
           <p:nvPr/>
         </p:nvCxnSpPr>
         <p:spPr>
-          <a:xfrm>
-            <a:off x="3802526" y="3438745"/>
-            <a:ext cx="1201522" cy="1022982"/>
-          </a:xfrm>
-          <a:prstGeom prst="straightConnector1">
-            <a:avLst/>
-          </a:prstGeom>
-          <a:ln w="19050">
-            <a:solidFill>
-              <a:schemeClr val="bg1">
-                <a:lumMod val="50000"/>
-              </a:schemeClr>
-            </a:solidFill>
-            <a:tailEnd type="arrow"/>
-          </a:ln>
-        </p:spPr>
-        <p:style>
-          <a:lnRef idx="1">
-            <a:schemeClr val="dk1"/>
-          </a:lnRef>
-          <a:fillRef idx="0">
-            <a:schemeClr val="dk1"/>
-          </a:fillRef>
-          <a:effectRef idx="0">
-            <a:schemeClr val="dk1"/>
-          </a:effectRef>
-          <a:fontRef idx="minor">
-            <a:schemeClr val="tx1"/>
-          </a:fontRef>
-        </p:style>
-      </p:cxnSp>
-      <p:cxnSp>
-        <p:nvCxnSpPr>
-          <p:cNvPr id="29" name="직선 화살표 연결선 28"/>
-          <p:cNvCxnSpPr>
-            <a:stCxn id="7" idx="3"/>
-            <a:endCxn id="4" idx="2"/>
-          </p:cNvCxnSpPr>
-          <p:nvPr/>
-        </p:nvCxnSpPr>
-        <p:spPr>
-          <a:xfrm>
-            <a:off x="6876256" y="2421815"/>
-            <a:ext cx="720080" cy="991544"/>
+          <a:xfrm flipV="1">
+            <a:off x="3730518" y="2697829"/>
+            <a:ext cx="1211461" cy="590539"/>
           </a:xfrm>
           <a:prstGeom prst="straightConnector1">
             <a:avLst/>
@@ -4018,19 +4304,220 @@
           </a:fontRef>
         </p:style>
       </p:cxnSp>
+      <p:sp>
+        <p:nvSpPr>
+          <p:cNvPr id="45" name="TextBox 44"/>
+          <p:cNvSpPr txBox="1"/>
+          <p:nvPr/>
+        </p:nvSpPr>
+        <p:spPr>
+          <a:xfrm>
+            <a:off x="3730518" y="3111691"/>
+            <a:ext cx="1368152" cy="261610"/>
+          </a:xfrm>
+          <a:prstGeom prst="rect">
+            <a:avLst/>
+          </a:prstGeom>
+          <a:noFill/>
+        </p:spPr>
+        <p:txBody>
+          <a:bodyPr wrap="square" rtlCol="0">
+            <a:spAutoFit/>
+          </a:bodyPr>
+          <a:lstStyle/>
+          <a:p>
+            <a:pPr algn="ctr"/>
+            <a:r>
+              <a:rPr lang="en-US" altLang="ko-KR" sz="1100" b="1" dirty="0" smtClean="0"/>
+              <a:t>Health Check</a:t>
+            </a:r>
+            <a:endParaRPr lang="ko-KR" altLang="en-US" sz="1100" b="1" dirty="0"/>
+          </a:p>
+        </p:txBody>
+      </p:sp>
+      <p:pic>
+        <p:nvPicPr>
+          <p:cNvPr id="5122" name="Picture 2"/>
+          <p:cNvPicPr>
+            <a:picLocks noChangeAspect="1" noChangeArrowheads="1"/>
+          </p:cNvPicPr>
+          <p:nvPr/>
+        </p:nvPicPr>
+        <p:blipFill>
+          <a:blip r:embed="rId2">
+            <a:extLst>
+              <a:ext uri="{28A0092B-C50C-407E-A947-70E740481C1C}">
+                <a14:useLocalDpi xmlns:a14="http://schemas.microsoft.com/office/drawing/2010/main" val="0"/>
+              </a:ext>
+            </a:extLst>
+          </a:blip>
+          <a:srcRect/>
+          <a:stretch>
+            <a:fillRect/>
+          </a:stretch>
+        </p:blipFill>
+        <p:spPr bwMode="auto">
+          <a:xfrm>
+            <a:off x="2178937" y="2584119"/>
+            <a:ext cx="658377" cy="658377"/>
+          </a:xfrm>
+          <a:prstGeom prst="rect">
+            <a:avLst/>
+          </a:prstGeom>
+          <a:noFill/>
+          <a:ln>
+            <a:noFill/>
+          </a:ln>
+          <a:extLst>
+            <a:ext uri="{909E8E84-426E-40DD-AFC4-6F175D3DCCD1}">
+              <a14:hiddenFill xmlns:a14="http://schemas.microsoft.com/office/drawing/2010/main">
+                <a:solidFill>
+                  <a:schemeClr val="accent1"/>
+                </a:solidFill>
+              </a14:hiddenFill>
+            </a:ext>
+            <a:ext uri="{91240B29-F687-4F45-9708-019B960494DF}">
+              <a14:hiddenLine xmlns:a14="http://schemas.microsoft.com/office/drawing/2010/main" w="9525">
+                <a:solidFill>
+                  <a:schemeClr val="tx1"/>
+                </a:solidFill>
+                <a:miter lim="800000"/>
+                <a:headEnd/>
+                <a:tailEnd/>
+              </a14:hiddenLine>
+            </a:ext>
+          </a:extLst>
+        </p:spPr>
+      </p:pic>
+      <p:sp>
+        <p:nvSpPr>
+          <p:cNvPr id="26" name="모서리가 둥근 직사각형 25"/>
+          <p:cNvSpPr/>
+          <p:nvPr/>
+        </p:nvSpPr>
+        <p:spPr>
+          <a:xfrm>
+            <a:off x="4941979" y="3429000"/>
+            <a:ext cx="1872208" cy="753295"/>
+          </a:xfrm>
+          <a:prstGeom prst="roundRect">
+            <a:avLst/>
+          </a:prstGeom>
+          <a:solidFill>
+            <a:schemeClr val="accent1">
+              <a:lumMod val="20000"/>
+              <a:lumOff val="80000"/>
+            </a:schemeClr>
+          </a:solidFill>
+        </p:spPr>
+        <p:style>
+          <a:lnRef idx="2">
+            <a:schemeClr val="accent1">
+              <a:shade val="50000"/>
+            </a:schemeClr>
+          </a:lnRef>
+          <a:fillRef idx="1">
+            <a:schemeClr val="accent1"/>
+          </a:fillRef>
+          <a:effectRef idx="0">
+            <a:schemeClr val="accent1"/>
+          </a:effectRef>
+          <a:fontRef idx="minor">
+            <a:schemeClr val="lt1"/>
+          </a:fontRef>
+        </p:style>
+        <p:txBody>
+          <a:bodyPr rtlCol="0" anchor="ctr"/>
+          <a:lstStyle/>
+          <a:p>
+            <a:pPr algn="ctr"/>
+            <a:r>
+              <a:rPr lang="en-US" altLang="ko-KR" sz="1400" b="1" dirty="0" smtClean="0">
+                <a:solidFill>
+                  <a:schemeClr val="tx1"/>
+                </a:solidFill>
+              </a:rPr>
+              <a:t>WAS #3</a:t>
+            </a:r>
+            <a:endParaRPr lang="en-US" altLang="ko-KR" sz="1400" b="1" dirty="0" smtClean="0">
+              <a:solidFill>
+                <a:schemeClr val="tx1"/>
+              </a:solidFill>
+            </a:endParaRPr>
+          </a:p>
+        </p:txBody>
+      </p:sp>
+      <p:sp>
+        <p:nvSpPr>
+          <p:cNvPr id="27" name="모서리가 둥근 직사각형 26"/>
+          <p:cNvSpPr/>
+          <p:nvPr/>
+        </p:nvSpPr>
+        <p:spPr>
+          <a:xfrm>
+            <a:off x="4941979" y="4653136"/>
+            <a:ext cx="1872208" cy="753295"/>
+          </a:xfrm>
+          <a:prstGeom prst="roundRect">
+            <a:avLst/>
+          </a:prstGeom>
+          <a:solidFill>
+            <a:schemeClr val="accent1">
+              <a:lumMod val="20000"/>
+              <a:lumOff val="80000"/>
+            </a:schemeClr>
+          </a:solidFill>
+        </p:spPr>
+        <p:style>
+          <a:lnRef idx="2">
+            <a:schemeClr val="accent1">
+              <a:shade val="50000"/>
+            </a:schemeClr>
+          </a:lnRef>
+          <a:fillRef idx="1">
+            <a:schemeClr val="accent1"/>
+          </a:fillRef>
+          <a:effectRef idx="0">
+            <a:schemeClr val="accent1"/>
+          </a:effectRef>
+          <a:fontRef idx="minor">
+            <a:schemeClr val="lt1"/>
+          </a:fontRef>
+        </p:style>
+        <p:txBody>
+          <a:bodyPr rtlCol="0" anchor="ctr"/>
+          <a:lstStyle/>
+          <a:p>
+            <a:pPr algn="ctr"/>
+            <a:r>
+              <a:rPr lang="en-US" altLang="ko-KR" sz="1400" b="1" dirty="0" smtClean="0">
+                <a:solidFill>
+                  <a:schemeClr val="tx1"/>
+                </a:solidFill>
+              </a:rPr>
+              <a:t>WAS #4</a:t>
+            </a:r>
+            <a:endParaRPr lang="en-US" altLang="ko-KR" sz="1400" b="1" dirty="0" smtClean="0">
+              <a:solidFill>
+                <a:schemeClr val="tx1"/>
+              </a:solidFill>
+            </a:endParaRPr>
+          </a:p>
+        </p:txBody>
+      </p:sp>
       <p:cxnSp>
         <p:nvCxnSpPr>
-          <p:cNvPr id="32" name="직선 화살표 연결선 31"/>
+          <p:cNvPr id="30" name="직선 화살표 연결선 29"/>
           <p:cNvCxnSpPr>
-            <a:stCxn id="10" idx="3"/>
-            <a:endCxn id="4" idx="2"/>
+            <a:stCxn id="8" idx="3"/>
+            <a:endCxn id="26" idx="1"/>
           </p:cNvCxnSpPr>
           <p:nvPr/>
         </p:nvCxnSpPr>
         <p:spPr>
-          <a:xfrm flipV="1">
-            <a:off x="6876256" y="3413359"/>
-            <a:ext cx="720080" cy="1048368"/>
+          <a:xfrm>
+            <a:off x="3730518" y="3288368"/>
+            <a:ext cx="1211461" cy="517280"/>
           </a:xfrm>
           <a:prstGeom prst="straightConnector1">
             <a:avLst/>
@@ -4060,6 +4547,48 @@
           </a:fontRef>
         </p:style>
       </p:cxnSp>
+      <p:cxnSp>
+        <p:nvCxnSpPr>
+          <p:cNvPr id="33" name="직선 화살표 연결선 32"/>
+          <p:cNvCxnSpPr>
+            <a:stCxn id="8" idx="3"/>
+            <a:endCxn id="27" idx="1"/>
+          </p:cNvCxnSpPr>
+          <p:nvPr/>
+        </p:nvCxnSpPr>
+        <p:spPr>
+          <a:xfrm>
+            <a:off x="3730518" y="3288368"/>
+            <a:ext cx="1211461" cy="1741416"/>
+          </a:xfrm>
+          <a:prstGeom prst="straightConnector1">
+            <a:avLst/>
+          </a:prstGeom>
+          <a:ln w="19050">
+            <a:solidFill>
+              <a:schemeClr val="bg1">
+                <a:lumMod val="50000"/>
+              </a:schemeClr>
+            </a:solidFill>
+            <a:headEnd type="arrow" w="med" len="med"/>
+            <a:tailEnd type="arrow" w="med" len="med"/>
+          </a:ln>
+        </p:spPr>
+        <p:style>
+          <a:lnRef idx="1">
+            <a:schemeClr val="dk1"/>
+          </a:lnRef>
+          <a:fillRef idx="0">
+            <a:schemeClr val="dk1"/>
+          </a:fillRef>
+          <a:effectRef idx="0">
+            <a:schemeClr val="dk1"/>
+          </a:effectRef>
+          <a:fontRef idx="minor">
+            <a:schemeClr val="tx1"/>
+          </a:fontRef>
+        </p:style>
+      </p:cxnSp>
       <p:sp>
         <p:nvSpPr>
           <p:cNvPr id="35" name="TextBox 34"/>
@@ -4068,8 +4597,8 @@
         </p:nvSpPr>
         <p:spPr>
           <a:xfrm>
-            <a:off x="229762" y="3274301"/>
-            <a:ext cx="1607269" cy="430887"/>
+            <a:off x="2452121" y="3242496"/>
+            <a:ext cx="950004" cy="307777"/>
           </a:xfrm>
           <a:prstGeom prst="rect">
             <a:avLst/>
@@ -4084,18 +4613,18 @@
           <a:p>
             <a:pPr algn="ctr"/>
             <a:r>
-              <a:rPr lang="ko-KR" altLang="en-US" sz="1100" dirty="0" smtClean="0"/>
-              <a:t>각각 테스트 페이지에서 </a:t>
-            </a:r>
-            <a:r>
-              <a:rPr lang="en-US" altLang="ko-KR" sz="1100" dirty="0" smtClean="0"/>
-              <a:t>http </a:t>
-            </a:r>
-            <a:r>
-              <a:rPr lang="ko-KR" altLang="en-US" sz="1100" dirty="0" smtClean="0"/>
-              <a:t>요청</a:t>
-            </a:r>
-            <a:endParaRPr lang="ko-KR" altLang="en-US" sz="1100" dirty="0"/>
+              <a:rPr lang="en-US" altLang="ko-KR" sz="1400" b="1" dirty="0" smtClean="0">
+                <a:solidFill>
+                  <a:srgbClr val="FF0000"/>
+                </a:solidFill>
+              </a:rPr>
+              <a:t>or</a:t>
+            </a:r>
+            <a:endParaRPr lang="ko-KR" altLang="en-US" sz="1400" b="1" dirty="0">
+              <a:solidFill>
+                <a:srgbClr val="FF0000"/>
+              </a:solidFill>
+            </a:endParaRPr>
           </a:p>
         </p:txBody>
       </p:sp>
@@ -4107,8 +4636,8 @@
         </p:nvSpPr>
         <p:spPr>
           <a:xfrm>
-            <a:off x="3779912" y="3223302"/>
-            <a:ext cx="1368152" cy="430887"/>
+            <a:off x="2231674" y="3542317"/>
+            <a:ext cx="1390899" cy="523220"/>
           </a:xfrm>
           <a:prstGeom prst="rect">
             <a:avLst/>
@@ -4123,43 +4652,754 @@
           <a:p>
             <a:pPr algn="ctr"/>
             <a:r>
-              <a:rPr lang="en-US" altLang="ko-KR" sz="1100" dirty="0" smtClean="0"/>
-              <a:t>Nginx</a:t>
-            </a:r>
-            <a:r>
-              <a:rPr lang="ko-KR" altLang="en-US" sz="1100" dirty="0" smtClean="0"/>
-              <a:t>를</a:t>
-            </a:r>
-            <a:r>
-              <a:rPr lang="en-US" altLang="ko-KR" sz="1100" dirty="0"/>
-              <a:t> </a:t>
-            </a:r>
-            <a:r>
-              <a:rPr lang="ko-KR" altLang="en-US" sz="1100" dirty="0" smtClean="0"/>
-              <a:t>통한</a:t>
-            </a:r>
-            <a:endParaRPr lang="en-US" altLang="ko-KR" sz="1100" dirty="0" smtClean="0"/>
-          </a:p>
-          <a:p>
-            <a:pPr algn="ctr"/>
-            <a:r>
-              <a:rPr lang="ko-KR" altLang="en-US" sz="1100" dirty="0" err="1" smtClean="0"/>
-              <a:t>로드밸런싱</a:t>
-            </a:r>
-            <a:endParaRPr lang="ko-KR" altLang="en-US" sz="1100" dirty="0"/>
-          </a:p>
-        </p:txBody>
-      </p:sp>
-      <p:sp>
-        <p:nvSpPr>
-          <p:cNvPr id="45" name="TextBox 44"/>
+              <a:rPr lang="en-US" altLang="ko-KR" sz="1400" b="1" dirty="0" smtClean="0"/>
+              <a:t>Interface System</a:t>
+            </a:r>
+            <a:endParaRPr lang="ko-KR" altLang="en-US" sz="1400" b="1" dirty="0"/>
+          </a:p>
+        </p:txBody>
+      </p:sp>
+      <p:sp>
+        <p:nvSpPr>
+          <p:cNvPr id="24" name="곱셈 기호 23"/>
+          <p:cNvSpPr/>
+          <p:nvPr/>
+        </p:nvSpPr>
+        <p:spPr>
+          <a:xfrm>
+            <a:off x="4860032" y="1102469"/>
+            <a:ext cx="894000" cy="864096"/>
+          </a:xfrm>
+          <a:prstGeom prst="mathMultiply">
+            <a:avLst/>
+          </a:prstGeom>
+          <a:solidFill>
+            <a:srgbClr val="FF0000"/>
+          </a:solidFill>
+          <a:ln>
+            <a:solidFill>
+              <a:srgbClr val="FF0000"/>
+            </a:solidFill>
+          </a:ln>
+        </p:spPr>
+        <p:style>
+          <a:lnRef idx="2">
+            <a:schemeClr val="accent1">
+              <a:shade val="50000"/>
+            </a:schemeClr>
+          </a:lnRef>
+          <a:fillRef idx="1">
+            <a:schemeClr val="accent1"/>
+          </a:fillRef>
+          <a:effectRef idx="0">
+            <a:schemeClr val="accent1"/>
+          </a:effectRef>
+          <a:fontRef idx="minor">
+            <a:schemeClr val="lt1"/>
+          </a:fontRef>
+        </p:style>
+        <p:txBody>
+          <a:bodyPr rtlCol="0" anchor="ctr"/>
+          <a:lstStyle/>
+          <a:p>
+            <a:pPr algn="ctr"/>
+            <a:endParaRPr lang="ko-KR" altLang="en-US"/>
+          </a:p>
+        </p:txBody>
+      </p:sp>
+      <p:sp>
+        <p:nvSpPr>
+          <p:cNvPr id="39" name="곱셈 기호 38"/>
+          <p:cNvSpPr/>
+          <p:nvPr/>
+        </p:nvSpPr>
+        <p:spPr>
+          <a:xfrm>
+            <a:off x="4127719" y="2195503"/>
+            <a:ext cx="417058" cy="443417"/>
+          </a:xfrm>
+          <a:prstGeom prst="mathMultiply">
+            <a:avLst/>
+          </a:prstGeom>
+          <a:solidFill>
+            <a:srgbClr val="FF0000"/>
+          </a:solidFill>
+          <a:ln>
+            <a:solidFill>
+              <a:srgbClr val="FF0000"/>
+            </a:solidFill>
+          </a:ln>
+        </p:spPr>
+        <p:style>
+          <a:lnRef idx="2">
+            <a:schemeClr val="accent1">
+              <a:shade val="50000"/>
+            </a:schemeClr>
+          </a:lnRef>
+          <a:fillRef idx="1">
+            <a:schemeClr val="accent1"/>
+          </a:fillRef>
+          <a:effectRef idx="0">
+            <a:schemeClr val="accent1"/>
+          </a:effectRef>
+          <a:fontRef idx="minor">
+            <a:schemeClr val="lt1"/>
+          </a:fontRef>
+        </p:style>
+        <p:txBody>
+          <a:bodyPr rtlCol="0" anchor="ctr"/>
+          <a:lstStyle/>
+          <a:p>
+            <a:pPr algn="ctr"/>
+            <a:endParaRPr lang="ko-KR" altLang="en-US"/>
+          </a:p>
+        </p:txBody>
+      </p:sp>
+    </p:spTree>
+    <p:extLst>
+      <p:ext uri="{BB962C8B-B14F-4D97-AF65-F5344CB8AC3E}">
+        <p14:creationId xmlns:p14="http://schemas.microsoft.com/office/powerpoint/2010/main" val="607716620"/>
+      </p:ext>
+    </p:extLst>
+  </p:cSld>
+  <p:clrMapOvr>
+    <a:masterClrMapping/>
+  </p:clrMapOvr>
+</p:sld>
+</file>
+
+<file path=ppt/slides/slide11.xml><?xml version="1.0" encoding="utf-8"?>
+<p:sld xmlns:a="http://schemas.openxmlformats.org/drawingml/2006/main" xmlns:r="http://schemas.openxmlformats.org/officeDocument/2006/relationships" xmlns:p="http://schemas.openxmlformats.org/presentationml/2006/main">
+  <p:cSld>
+    <p:spTree>
+      <p:nvGrpSpPr>
+        <p:cNvPr id="1" name=""/>
+        <p:cNvGrpSpPr/>
+        <p:nvPr/>
+      </p:nvGrpSpPr>
+      <p:grpSpPr>
+        <a:xfrm>
+          <a:off x="0" y="0"/>
+          <a:ext cx="0" cy="0"/>
+          <a:chOff x="0" y="0"/>
+          <a:chExt cx="0" cy="0"/>
+        </a:xfrm>
+      </p:grpSpPr>
+      <p:sp>
+        <p:nvSpPr>
+          <p:cNvPr id="5" name="직사각형 4"/>
+          <p:cNvSpPr/>
+          <p:nvPr/>
+        </p:nvSpPr>
+        <p:spPr>
+          <a:xfrm>
+            <a:off x="467544" y="653039"/>
+            <a:ext cx="8208912" cy="4576161"/>
+          </a:xfrm>
+          <a:prstGeom prst="rect">
+            <a:avLst/>
+          </a:prstGeom>
+          <a:noFill/>
+          <a:ln>
+            <a:solidFill>
+              <a:schemeClr val="bg1">
+                <a:lumMod val="85000"/>
+              </a:schemeClr>
+            </a:solidFill>
+          </a:ln>
+        </p:spPr>
+        <p:style>
+          <a:lnRef idx="2">
+            <a:schemeClr val="accent1">
+              <a:shade val="50000"/>
+            </a:schemeClr>
+          </a:lnRef>
+          <a:fillRef idx="1">
+            <a:schemeClr val="accent1"/>
+          </a:fillRef>
+          <a:effectRef idx="0">
+            <a:schemeClr val="accent1"/>
+          </a:effectRef>
+          <a:fontRef idx="minor">
+            <a:schemeClr val="lt1"/>
+          </a:fontRef>
+        </p:style>
+        <p:txBody>
+          <a:bodyPr rtlCol="0" anchor="ctr"/>
+          <a:lstStyle/>
+          <a:p>
+            <a:pPr algn="ctr"/>
+            <a:endParaRPr lang="ko-KR" altLang="en-US"/>
+          </a:p>
+        </p:txBody>
+      </p:sp>
+      <p:sp>
+        <p:nvSpPr>
+          <p:cNvPr id="19" name="직사각형 18"/>
+          <p:cNvSpPr/>
+          <p:nvPr/>
+        </p:nvSpPr>
+        <p:spPr>
+          <a:xfrm>
+            <a:off x="683568" y="836712"/>
+            <a:ext cx="7776864" cy="1944216"/>
+          </a:xfrm>
+          <a:prstGeom prst="rect">
+            <a:avLst/>
+          </a:prstGeom>
+          <a:solidFill>
+            <a:schemeClr val="bg1">
+              <a:lumMod val="95000"/>
+            </a:schemeClr>
+          </a:solidFill>
+          <a:ln>
+            <a:solidFill>
+              <a:schemeClr val="bg1">
+                <a:lumMod val="95000"/>
+              </a:schemeClr>
+            </a:solidFill>
+          </a:ln>
+        </p:spPr>
+        <p:style>
+          <a:lnRef idx="2">
+            <a:schemeClr val="accent1">
+              <a:shade val="50000"/>
+            </a:schemeClr>
+          </a:lnRef>
+          <a:fillRef idx="1">
+            <a:schemeClr val="accent1"/>
+          </a:fillRef>
+          <a:effectRef idx="0">
+            <a:schemeClr val="accent1"/>
+          </a:effectRef>
+          <a:fontRef idx="minor">
+            <a:schemeClr val="lt1"/>
+          </a:fontRef>
+        </p:style>
+        <p:txBody>
+          <a:bodyPr rtlCol="0" anchor="t"/>
+          <a:lstStyle/>
+          <a:p>
+            <a:r>
+              <a:rPr lang="ko-KR" altLang="en-US" sz="1400" b="1" dirty="0" smtClean="0">
+                <a:solidFill>
+                  <a:schemeClr val="tx1"/>
+                </a:solidFill>
+              </a:rPr>
+              <a:t>운영시스템</a:t>
+            </a:r>
+            <a:r>
+              <a:rPr lang="en-US" altLang="ko-KR" sz="1400" b="1" dirty="0" smtClean="0">
+                <a:solidFill>
+                  <a:schemeClr val="tx1"/>
+                </a:solidFill>
+              </a:rPr>
+              <a:t>(</a:t>
+            </a:r>
+            <a:r>
+              <a:rPr lang="ko-KR" altLang="en-US" sz="1400" b="1" dirty="0" smtClean="0">
+                <a:solidFill>
+                  <a:schemeClr val="tx1"/>
+                </a:solidFill>
+              </a:rPr>
+              <a:t>서울</a:t>
+            </a:r>
+            <a:r>
+              <a:rPr lang="en-US" altLang="ko-KR" sz="1400" b="1" dirty="0" smtClean="0">
+                <a:solidFill>
+                  <a:schemeClr val="tx1"/>
+                </a:solidFill>
+              </a:rPr>
+              <a:t>)</a:t>
+            </a:r>
+            <a:endParaRPr lang="en-US" altLang="ko-KR" sz="1400" b="1" dirty="0" smtClean="0">
+              <a:solidFill>
+                <a:schemeClr val="tx1"/>
+              </a:solidFill>
+            </a:endParaRPr>
+          </a:p>
+        </p:txBody>
+      </p:sp>
+      <p:sp>
+        <p:nvSpPr>
+          <p:cNvPr id="20" name="직사각형 19"/>
+          <p:cNvSpPr/>
+          <p:nvPr/>
+        </p:nvSpPr>
+        <p:spPr>
+          <a:xfrm>
+            <a:off x="698173" y="2941119"/>
+            <a:ext cx="7776864" cy="1944216"/>
+          </a:xfrm>
+          <a:prstGeom prst="rect">
+            <a:avLst/>
+          </a:prstGeom>
+          <a:solidFill>
+            <a:schemeClr val="accent5">
+              <a:lumMod val="20000"/>
+              <a:lumOff val="80000"/>
+            </a:schemeClr>
+          </a:solidFill>
+          <a:ln>
+            <a:solidFill>
+              <a:schemeClr val="accent5">
+                <a:lumMod val="20000"/>
+                <a:lumOff val="80000"/>
+              </a:schemeClr>
+            </a:solidFill>
+          </a:ln>
+        </p:spPr>
+        <p:style>
+          <a:lnRef idx="2">
+            <a:schemeClr val="accent1">
+              <a:shade val="50000"/>
+            </a:schemeClr>
+          </a:lnRef>
+          <a:fillRef idx="1">
+            <a:schemeClr val="accent1"/>
+          </a:fillRef>
+          <a:effectRef idx="0">
+            <a:schemeClr val="accent1"/>
+          </a:effectRef>
+          <a:fontRef idx="minor">
+            <a:schemeClr val="lt1"/>
+          </a:fontRef>
+        </p:style>
+        <p:txBody>
+          <a:bodyPr rtlCol="0" anchor="t"/>
+          <a:lstStyle/>
+          <a:p>
+            <a:r>
+              <a:rPr lang="en-US" altLang="ko-KR" sz="1400" b="1" dirty="0" smtClean="0">
+                <a:solidFill>
+                  <a:schemeClr val="tx1"/>
+                </a:solidFill>
+              </a:rPr>
+              <a:t>DR </a:t>
+            </a:r>
+            <a:r>
+              <a:rPr lang="ko-KR" altLang="en-US" sz="1400" b="1" dirty="0" smtClean="0">
+                <a:solidFill>
+                  <a:schemeClr val="tx1"/>
+                </a:solidFill>
+              </a:rPr>
+              <a:t>시스템</a:t>
+            </a:r>
+            <a:r>
+              <a:rPr lang="en-US" altLang="ko-KR" sz="1400" b="1" dirty="0" smtClean="0">
+                <a:solidFill>
+                  <a:schemeClr val="tx1"/>
+                </a:solidFill>
+              </a:rPr>
+              <a:t>(</a:t>
+            </a:r>
+            <a:r>
+              <a:rPr lang="ko-KR" altLang="en-US" sz="1400" b="1" dirty="0" smtClean="0">
+                <a:solidFill>
+                  <a:schemeClr val="tx1"/>
+                </a:solidFill>
+              </a:rPr>
+              <a:t>부산</a:t>
+            </a:r>
+            <a:r>
+              <a:rPr lang="en-US" altLang="ko-KR" sz="1400" b="1" dirty="0" smtClean="0">
+                <a:solidFill>
+                  <a:schemeClr val="tx1"/>
+                </a:solidFill>
+              </a:rPr>
+              <a:t>)</a:t>
+            </a:r>
+            <a:endParaRPr lang="en-US" altLang="ko-KR" sz="1400" b="1" dirty="0" smtClean="0">
+              <a:solidFill>
+                <a:schemeClr val="tx1"/>
+              </a:solidFill>
+            </a:endParaRPr>
+          </a:p>
+        </p:txBody>
+      </p:sp>
+      <p:sp>
+        <p:nvSpPr>
+          <p:cNvPr id="21" name="모서리가 둥근 직사각형 20"/>
+          <p:cNvSpPr/>
+          <p:nvPr/>
+        </p:nvSpPr>
+        <p:spPr>
+          <a:xfrm>
+            <a:off x="1422310" y="1268760"/>
+            <a:ext cx="2736304" cy="1224136"/>
+          </a:xfrm>
+          <a:prstGeom prst="roundRect">
+            <a:avLst/>
+          </a:prstGeom>
+          <a:solidFill>
+            <a:schemeClr val="accent1">
+              <a:lumMod val="20000"/>
+              <a:lumOff val="80000"/>
+            </a:schemeClr>
+          </a:solidFill>
+        </p:spPr>
+        <p:style>
+          <a:lnRef idx="2">
+            <a:schemeClr val="accent1">
+              <a:shade val="50000"/>
+            </a:schemeClr>
+          </a:lnRef>
+          <a:fillRef idx="1">
+            <a:schemeClr val="accent1"/>
+          </a:fillRef>
+          <a:effectRef idx="0">
+            <a:schemeClr val="accent1"/>
+          </a:effectRef>
+          <a:fontRef idx="minor">
+            <a:schemeClr val="lt1"/>
+          </a:fontRef>
+        </p:style>
+        <p:txBody>
+          <a:bodyPr rtlCol="0" anchor="ctr"/>
+          <a:lstStyle/>
+          <a:p>
+            <a:pPr algn="ctr"/>
+            <a:r>
+              <a:rPr lang="ko-KR" altLang="en-US" sz="1400" b="1" dirty="0" smtClean="0">
+                <a:solidFill>
+                  <a:schemeClr val="tx1"/>
+                </a:solidFill>
+              </a:rPr>
+              <a:t>운영 시스템</a:t>
+            </a:r>
+            <a:endParaRPr lang="en-US" altLang="ko-KR" sz="1400" b="1" dirty="0" smtClean="0">
+              <a:solidFill>
+                <a:schemeClr val="tx1"/>
+              </a:solidFill>
+            </a:endParaRPr>
+          </a:p>
+        </p:txBody>
+      </p:sp>
+      <p:sp>
+        <p:nvSpPr>
+          <p:cNvPr id="23" name="원통 22"/>
+          <p:cNvSpPr/>
+          <p:nvPr/>
+        </p:nvSpPr>
+        <p:spPr>
+          <a:xfrm>
+            <a:off x="5364088" y="1268760"/>
+            <a:ext cx="1728192" cy="1224136"/>
+          </a:xfrm>
+          <a:prstGeom prst="can">
+            <a:avLst/>
+          </a:prstGeom>
+          <a:solidFill>
+            <a:schemeClr val="accent6">
+              <a:lumMod val="20000"/>
+              <a:lumOff val="80000"/>
+            </a:schemeClr>
+          </a:solidFill>
+          <a:ln>
+            <a:solidFill>
+              <a:schemeClr val="accent6">
+                <a:lumMod val="60000"/>
+                <a:lumOff val="40000"/>
+              </a:schemeClr>
+            </a:solidFill>
+          </a:ln>
+        </p:spPr>
+        <p:style>
+          <a:lnRef idx="2">
+            <a:schemeClr val="accent1">
+              <a:shade val="50000"/>
+            </a:schemeClr>
+          </a:lnRef>
+          <a:fillRef idx="1">
+            <a:schemeClr val="accent1"/>
+          </a:fillRef>
+          <a:effectRef idx="0">
+            <a:schemeClr val="accent1"/>
+          </a:effectRef>
+          <a:fontRef idx="minor">
+            <a:schemeClr val="lt1"/>
+          </a:fontRef>
+        </p:style>
+        <p:txBody>
+          <a:bodyPr rtlCol="0" anchor="ctr"/>
+          <a:lstStyle/>
+          <a:p>
+            <a:pPr algn="ctr"/>
+            <a:r>
+              <a:rPr lang="en-US" altLang="ko-KR" sz="1600" b="1" dirty="0" smtClean="0">
+                <a:solidFill>
+                  <a:schemeClr val="tx1"/>
+                </a:solidFill>
+              </a:rPr>
+              <a:t>DB</a:t>
+            </a:r>
+            <a:endParaRPr lang="ko-KR" altLang="en-US" sz="1600" b="1" dirty="0">
+              <a:solidFill>
+                <a:schemeClr val="tx1"/>
+              </a:solidFill>
+            </a:endParaRPr>
+          </a:p>
+        </p:txBody>
+      </p:sp>
+      <p:sp>
+        <p:nvSpPr>
+          <p:cNvPr id="28" name="모서리가 둥근 직사각형 27"/>
+          <p:cNvSpPr/>
+          <p:nvPr/>
+        </p:nvSpPr>
+        <p:spPr>
+          <a:xfrm>
+            <a:off x="1429001" y="3301159"/>
+            <a:ext cx="2736304" cy="1224136"/>
+          </a:xfrm>
+          <a:prstGeom prst="roundRect">
+            <a:avLst/>
+          </a:prstGeom>
+          <a:solidFill>
+            <a:schemeClr val="accent1">
+              <a:lumMod val="20000"/>
+              <a:lumOff val="80000"/>
+            </a:schemeClr>
+          </a:solidFill>
+        </p:spPr>
+        <p:style>
+          <a:lnRef idx="2">
+            <a:schemeClr val="accent1">
+              <a:shade val="50000"/>
+            </a:schemeClr>
+          </a:lnRef>
+          <a:fillRef idx="1">
+            <a:schemeClr val="accent1"/>
+          </a:fillRef>
+          <a:effectRef idx="0">
+            <a:schemeClr val="accent1"/>
+          </a:effectRef>
+          <a:fontRef idx="minor">
+            <a:schemeClr val="lt1"/>
+          </a:fontRef>
+        </p:style>
+        <p:txBody>
+          <a:bodyPr rtlCol="0" anchor="ctr"/>
+          <a:lstStyle/>
+          <a:p>
+            <a:pPr algn="ctr"/>
+            <a:r>
+              <a:rPr lang="en-US" altLang="ko-KR" sz="1400" b="1" dirty="0" smtClean="0">
+                <a:solidFill>
+                  <a:schemeClr val="tx1"/>
+                </a:solidFill>
+              </a:rPr>
+              <a:t>DR</a:t>
+            </a:r>
+            <a:r>
+              <a:rPr lang="ko-KR" altLang="en-US" sz="1400" b="1" dirty="0" smtClean="0">
+                <a:solidFill>
+                  <a:schemeClr val="tx1"/>
+                </a:solidFill>
+              </a:rPr>
+              <a:t> 시스템</a:t>
+            </a:r>
+            <a:endParaRPr lang="en-US" altLang="ko-KR" sz="1400" b="1" dirty="0" smtClean="0">
+              <a:solidFill>
+                <a:schemeClr val="tx1"/>
+              </a:solidFill>
+            </a:endParaRPr>
+          </a:p>
+        </p:txBody>
+      </p:sp>
+      <p:sp>
+        <p:nvSpPr>
+          <p:cNvPr id="29" name="원통 28"/>
+          <p:cNvSpPr/>
+          <p:nvPr/>
+        </p:nvSpPr>
+        <p:spPr>
+          <a:xfrm>
+            <a:off x="5389441" y="3301159"/>
+            <a:ext cx="1728192" cy="1224136"/>
+          </a:xfrm>
+          <a:prstGeom prst="can">
+            <a:avLst/>
+          </a:prstGeom>
+          <a:solidFill>
+            <a:schemeClr val="accent6">
+              <a:lumMod val="20000"/>
+              <a:lumOff val="80000"/>
+            </a:schemeClr>
+          </a:solidFill>
+          <a:ln>
+            <a:solidFill>
+              <a:schemeClr val="accent6">
+                <a:lumMod val="60000"/>
+                <a:lumOff val="40000"/>
+              </a:schemeClr>
+            </a:solidFill>
+          </a:ln>
+        </p:spPr>
+        <p:style>
+          <a:lnRef idx="2">
+            <a:schemeClr val="accent1">
+              <a:shade val="50000"/>
+            </a:schemeClr>
+          </a:lnRef>
+          <a:fillRef idx="1">
+            <a:schemeClr val="accent1"/>
+          </a:fillRef>
+          <a:effectRef idx="0">
+            <a:schemeClr val="accent1"/>
+          </a:effectRef>
+          <a:fontRef idx="minor">
+            <a:schemeClr val="lt1"/>
+          </a:fontRef>
+        </p:style>
+        <p:txBody>
+          <a:bodyPr rtlCol="0" anchor="ctr"/>
+          <a:lstStyle/>
+          <a:p>
+            <a:pPr algn="ctr"/>
+            <a:r>
+              <a:rPr lang="en-US" altLang="ko-KR" sz="1600" b="1" dirty="0" smtClean="0">
+                <a:solidFill>
+                  <a:schemeClr val="tx1"/>
+                </a:solidFill>
+              </a:rPr>
+              <a:t>DB</a:t>
+            </a:r>
+            <a:endParaRPr lang="ko-KR" altLang="en-US" sz="1600" b="1" dirty="0">
+              <a:solidFill>
+                <a:schemeClr val="tx1"/>
+              </a:solidFill>
+            </a:endParaRPr>
+          </a:p>
+        </p:txBody>
+      </p:sp>
+      <p:cxnSp>
+        <p:nvCxnSpPr>
+          <p:cNvPr id="31" name="직선 화살표 연결선 30"/>
+          <p:cNvCxnSpPr>
+            <a:stCxn id="21" idx="3"/>
+            <a:endCxn id="23" idx="2"/>
+          </p:cNvCxnSpPr>
+          <p:nvPr/>
+        </p:nvCxnSpPr>
+        <p:spPr>
+          <a:xfrm>
+            <a:off x="4158614" y="1880828"/>
+            <a:ext cx="1205474" cy="0"/>
+          </a:xfrm>
+          <a:prstGeom prst="straightConnector1">
+            <a:avLst/>
+          </a:prstGeom>
+          <a:ln w="19050">
+            <a:solidFill>
+              <a:srgbClr val="FF0000"/>
+            </a:solidFill>
+            <a:headEnd type="arrow" w="med" len="med"/>
+            <a:tailEnd type="arrow" w="med" len="med"/>
+          </a:ln>
+        </p:spPr>
+        <p:style>
+          <a:lnRef idx="1">
+            <a:schemeClr val="dk1"/>
+          </a:lnRef>
+          <a:fillRef idx="0">
+            <a:schemeClr val="dk1"/>
+          </a:fillRef>
+          <a:effectRef idx="0">
+            <a:schemeClr val="dk1"/>
+          </a:effectRef>
+          <a:fontRef idx="minor">
+            <a:schemeClr val="tx1"/>
+          </a:fontRef>
+        </p:style>
+      </p:cxnSp>
+      <p:cxnSp>
+        <p:nvCxnSpPr>
+          <p:cNvPr id="32" name="직선 화살표 연결선 31"/>
+          <p:cNvCxnSpPr/>
+          <p:nvPr/>
+        </p:nvCxnSpPr>
+        <p:spPr>
+          <a:xfrm>
+            <a:off x="4165305" y="3913227"/>
+            <a:ext cx="1224136" cy="0"/>
+          </a:xfrm>
+          <a:prstGeom prst="straightConnector1">
+            <a:avLst/>
+          </a:prstGeom>
+          <a:ln w="19050">
+            <a:solidFill>
+              <a:srgbClr val="FF0000"/>
+            </a:solidFill>
+            <a:headEnd type="arrow" w="med" len="med"/>
+            <a:tailEnd type="arrow" w="med" len="med"/>
+          </a:ln>
+        </p:spPr>
+        <p:style>
+          <a:lnRef idx="1">
+            <a:schemeClr val="dk1"/>
+          </a:lnRef>
+          <a:fillRef idx="0">
+            <a:schemeClr val="dk1"/>
+          </a:fillRef>
+          <a:effectRef idx="0">
+            <a:schemeClr val="dk1"/>
+          </a:effectRef>
+          <a:fontRef idx="minor">
+            <a:schemeClr val="tx1"/>
+          </a:fontRef>
+        </p:style>
+      </p:cxnSp>
+      <p:cxnSp>
+        <p:nvCxnSpPr>
+          <p:cNvPr id="34" name="직선 화살표 연결선 33"/>
+          <p:cNvCxnSpPr>
+            <a:stCxn id="21" idx="2"/>
+            <a:endCxn id="28" idx="0"/>
+          </p:cNvCxnSpPr>
+          <p:nvPr/>
+        </p:nvCxnSpPr>
+        <p:spPr>
+          <a:xfrm>
+            <a:off x="2790462" y="2492896"/>
+            <a:ext cx="6691" cy="808263"/>
+          </a:xfrm>
+          <a:prstGeom prst="straightConnector1">
+            <a:avLst/>
+          </a:prstGeom>
+          <a:ln w="19050">
+            <a:solidFill>
+              <a:srgbClr val="0000FF"/>
+            </a:solidFill>
+            <a:headEnd type="none" w="med" len="med"/>
+            <a:tailEnd type="triangle" w="med" len="med"/>
+          </a:ln>
+        </p:spPr>
+        <p:style>
+          <a:lnRef idx="1">
+            <a:schemeClr val="dk1"/>
+          </a:lnRef>
+          <a:fillRef idx="0">
+            <a:schemeClr val="dk1"/>
+          </a:fillRef>
+          <a:effectRef idx="0">
+            <a:schemeClr val="dk1"/>
+          </a:effectRef>
+          <a:fontRef idx="minor">
+            <a:schemeClr val="tx1"/>
+          </a:fontRef>
+        </p:style>
+      </p:cxnSp>
+      <p:sp>
+        <p:nvSpPr>
+          <p:cNvPr id="38" name="TextBox 37"/>
           <p:cNvSpPr txBox="1"/>
           <p:nvPr/>
         </p:nvSpPr>
         <p:spPr>
           <a:xfrm>
-            <a:off x="6372200" y="3214566"/>
-            <a:ext cx="1368152" cy="430887"/>
+            <a:off x="2536955" y="2770581"/>
+            <a:ext cx="1652082" cy="261610"/>
           </a:xfrm>
           <a:prstGeom prst="rect">
             <a:avLst/>
@@ -4174,35 +5414,60 @@
           <a:p>
             <a:pPr algn="ctr"/>
             <a:r>
-              <a:rPr lang="en-US" altLang="ko-KR" sz="1100" dirty="0" err="1" smtClean="0"/>
-              <a:t>Redis</a:t>
-            </a:r>
-            <a:r>
               <a:rPr lang="ko-KR" altLang="en-US" sz="1100" dirty="0" smtClean="0"/>
-              <a:t>를 통한</a:t>
+              <a:t>주기적으로 백업</a:t>
             </a:r>
             <a:endParaRPr lang="en-US" altLang="ko-KR" sz="1100" dirty="0" smtClean="0"/>
           </a:p>
-          <a:p>
-            <a:pPr algn="ctr"/>
-            <a:r>
-              <a:rPr lang="ko-KR" altLang="en-US" sz="1100" dirty="0" smtClean="0"/>
-              <a:t>데이터 관리</a:t>
-            </a:r>
-            <a:endParaRPr lang="ko-KR" altLang="en-US" sz="1100" dirty="0"/>
-          </a:p>
-        </p:txBody>
-      </p:sp>
-      <p:sp>
-        <p:nvSpPr>
-          <p:cNvPr id="48" name="TextBox 47"/>
+        </p:txBody>
+      </p:sp>
+      <p:cxnSp>
+        <p:nvCxnSpPr>
+          <p:cNvPr id="40" name="직선 화살표 연결선 39"/>
+          <p:cNvCxnSpPr/>
+          <p:nvPr/>
+        </p:nvCxnSpPr>
+        <p:spPr>
+          <a:xfrm>
+            <a:off x="6221493" y="2492895"/>
+            <a:ext cx="6691" cy="808263"/>
+          </a:xfrm>
+          <a:prstGeom prst="straightConnector1">
+            <a:avLst/>
+          </a:prstGeom>
+          <a:ln w="19050">
+            <a:solidFill>
+              <a:srgbClr val="0000FF"/>
+            </a:solidFill>
+            <a:headEnd type="none" w="med" len="med"/>
+            <a:tailEnd type="triangle" w="med" len="med"/>
+          </a:ln>
+        </p:spPr>
+        <p:style>
+          <a:lnRef idx="1">
+            <a:schemeClr val="dk1"/>
+          </a:lnRef>
+          <a:fillRef idx="0">
+            <a:schemeClr val="dk1"/>
+          </a:fillRef>
+          <a:effectRef idx="0">
+            <a:schemeClr val="dk1"/>
+          </a:effectRef>
+          <a:fontRef idx="minor">
+            <a:schemeClr val="tx1"/>
+          </a:fontRef>
+        </p:style>
+      </p:cxnSp>
+      <p:sp>
+        <p:nvSpPr>
+          <p:cNvPr id="41" name="TextBox 40"/>
           <p:cNvSpPr txBox="1"/>
           <p:nvPr/>
         </p:nvSpPr>
         <p:spPr>
           <a:xfrm>
-            <a:off x="1222639" y="2421815"/>
-            <a:ext cx="1607269" cy="261610"/>
+            <a:off x="5968145" y="2766221"/>
+            <a:ext cx="1652082" cy="261610"/>
           </a:xfrm>
           <a:prstGeom prst="rect">
             <a:avLst/>
@@ -4217,60 +5482,17 @@
           <a:p>
             <a:pPr algn="ctr"/>
             <a:r>
-              <a:rPr lang="ko-KR" altLang="en-US" sz="1100" dirty="0" err="1" smtClean="0"/>
-              <a:t>단건</a:t>
-            </a:r>
-            <a:r>
               <a:rPr lang="ko-KR" altLang="en-US" sz="1100" dirty="0" smtClean="0"/>
-              <a:t> 테스트 요청</a:t>
-            </a:r>
-            <a:endParaRPr lang="ko-KR" altLang="en-US" sz="1100" dirty="0"/>
-          </a:p>
-        </p:txBody>
-      </p:sp>
-      <p:sp>
-        <p:nvSpPr>
-          <p:cNvPr id="49" name="TextBox 48"/>
-          <p:cNvSpPr txBox="1"/>
-          <p:nvPr/>
-        </p:nvSpPr>
-        <p:spPr>
-          <a:xfrm>
-            <a:off x="1267948" y="4301529"/>
-            <a:ext cx="1607269" cy="430887"/>
-          </a:xfrm>
-          <a:prstGeom prst="rect">
-            <a:avLst/>
-          </a:prstGeom>
-          <a:noFill/>
-        </p:spPr>
-        <p:txBody>
-          <a:bodyPr wrap="square" rtlCol="0">
-            <a:spAutoFit/>
-          </a:bodyPr>
-          <a:lstStyle/>
-          <a:p>
-            <a:pPr algn="ctr"/>
-            <a:r>
-              <a:rPr lang="ko-KR" altLang="en-US" sz="1100" dirty="0" smtClean="0"/>
-              <a:t>성능 테스트를 위한</a:t>
+              <a:t>주기적으로 백업</a:t>
             </a:r>
             <a:endParaRPr lang="en-US" altLang="ko-KR" sz="1100" dirty="0" smtClean="0"/>
-          </a:p>
-          <a:p>
-            <a:pPr algn="ctr"/>
-            <a:r>
-              <a:rPr lang="ko-KR" altLang="en-US" sz="1100" dirty="0" smtClean="0"/>
-              <a:t>다건 요청</a:t>
-            </a:r>
-            <a:endParaRPr lang="ko-KR" altLang="en-US" sz="1100" dirty="0"/>
           </a:p>
         </p:txBody>
       </p:sp>
     </p:spTree>
     <p:extLst>
       <p:ext uri="{BB962C8B-B14F-4D97-AF65-F5344CB8AC3E}">
-        <p14:creationId xmlns:p14="http://schemas.microsoft.com/office/powerpoint/2010/main" val="1227316301"/>
+        <p14:creationId xmlns:p14="http://schemas.microsoft.com/office/powerpoint/2010/main" val="3629441031"/>
       </p:ext>
     </p:extLst>
   </p:cSld>
@@ -4696,16 +5918,6 @@
                 </a:solidFill>
               </a14:hiddenFill>
             </a:ext>
-            <a:ext uri="{91240B29-F687-4F45-9708-019B960494DF}">
-              <a14:hiddenLine xmlns:a14="http://schemas.microsoft.com/office/drawing/2010/main" w="9525">
-                <a:solidFill>
-                  <a:schemeClr val="tx1"/>
-                </a:solidFill>
-                <a:miter lim="800000"/>
-                <a:headEnd/>
-                <a:tailEnd/>
-              </a14:hiddenLine>
-            </a:ext>
           </a:extLst>
         </p:spPr>
       </p:pic>
@@ -4800,16 +6012,6 @@
                   <a:schemeClr val="accent1"/>
                 </a:solidFill>
               </a14:hiddenFill>
-            </a:ext>
-            <a:ext uri="{91240B29-F687-4F45-9708-019B960494DF}">
-              <a14:hiddenLine xmlns:a14="http://schemas.microsoft.com/office/drawing/2010/main" w="9525">
-                <a:solidFill>
-                  <a:schemeClr val="tx1"/>
-                </a:solidFill>
-                <a:miter lim="800000"/>
-                <a:headEnd/>
-                <a:tailEnd/>
-              </a14:hiddenLine>
             </a:ext>
           </a:extLst>
         </p:spPr>
@@ -5658,6 +6860,5428 @@
     <p:extLst>
       <p:ext uri="{BB962C8B-B14F-4D97-AF65-F5344CB8AC3E}">
         <p14:creationId xmlns:p14="http://schemas.microsoft.com/office/powerpoint/2010/main" val="616199088"/>
+      </p:ext>
+    </p:extLst>
+  </p:cSld>
+  <p:clrMapOvr>
+    <a:masterClrMapping/>
+  </p:clrMapOvr>
+</p:sld>
+</file>
+
+<file path=ppt/slides/slide5.xml><?xml version="1.0" encoding="utf-8"?>
+<p:sld xmlns:a="http://schemas.openxmlformats.org/drawingml/2006/main" xmlns:r="http://schemas.openxmlformats.org/officeDocument/2006/relationships" xmlns:p="http://schemas.openxmlformats.org/presentationml/2006/main">
+  <p:cSld>
+    <p:spTree>
+      <p:nvGrpSpPr>
+        <p:cNvPr id="1" name=""/>
+        <p:cNvGrpSpPr/>
+        <p:nvPr/>
+      </p:nvGrpSpPr>
+      <p:grpSpPr>
+        <a:xfrm>
+          <a:off x="0" y="0"/>
+          <a:ext cx="0" cy="0"/>
+          <a:chOff x="0" y="0"/>
+          <a:chExt cx="0" cy="0"/>
+        </a:xfrm>
+      </p:grpSpPr>
+      <p:sp>
+        <p:nvSpPr>
+          <p:cNvPr id="4" name="원통 3"/>
+          <p:cNvSpPr/>
+          <p:nvPr/>
+        </p:nvSpPr>
+        <p:spPr>
+          <a:xfrm>
+            <a:off x="7596336" y="2945307"/>
+            <a:ext cx="1224136" cy="936104"/>
+          </a:xfrm>
+          <a:prstGeom prst="can">
+            <a:avLst/>
+          </a:prstGeom>
+          <a:solidFill>
+            <a:schemeClr val="accent6">
+              <a:lumMod val="20000"/>
+              <a:lumOff val="80000"/>
+            </a:schemeClr>
+          </a:solidFill>
+          <a:ln>
+            <a:solidFill>
+              <a:schemeClr val="accent6">
+                <a:lumMod val="60000"/>
+                <a:lumOff val="40000"/>
+              </a:schemeClr>
+            </a:solidFill>
+          </a:ln>
+        </p:spPr>
+        <p:style>
+          <a:lnRef idx="2">
+            <a:schemeClr val="accent1">
+              <a:shade val="50000"/>
+            </a:schemeClr>
+          </a:lnRef>
+          <a:fillRef idx="1">
+            <a:schemeClr val="accent1"/>
+          </a:fillRef>
+          <a:effectRef idx="0">
+            <a:schemeClr val="accent1"/>
+          </a:effectRef>
+          <a:fontRef idx="minor">
+            <a:schemeClr val="lt1"/>
+          </a:fontRef>
+        </p:style>
+        <p:txBody>
+          <a:bodyPr rtlCol="0" anchor="ctr"/>
+          <a:lstStyle/>
+          <a:p>
+            <a:pPr algn="ctr"/>
+            <a:r>
+              <a:rPr lang="en-US" altLang="ko-KR" sz="1600" b="1" dirty="0" err="1" smtClean="0">
+                <a:solidFill>
+                  <a:schemeClr val="tx1"/>
+                </a:solidFill>
+              </a:rPr>
+              <a:t>Redis</a:t>
+            </a:r>
+            <a:endParaRPr lang="ko-KR" altLang="en-US" sz="1600" b="1" dirty="0">
+              <a:solidFill>
+                <a:schemeClr val="tx1"/>
+              </a:solidFill>
+            </a:endParaRPr>
+          </a:p>
+        </p:txBody>
+      </p:sp>
+      <p:sp>
+        <p:nvSpPr>
+          <p:cNvPr id="5" name="직사각형 4"/>
+          <p:cNvSpPr/>
+          <p:nvPr/>
+        </p:nvSpPr>
+        <p:spPr>
+          <a:xfrm>
+            <a:off x="179512" y="1268760"/>
+            <a:ext cx="8784976" cy="4608512"/>
+          </a:xfrm>
+          <a:prstGeom prst="rect">
+            <a:avLst/>
+          </a:prstGeom>
+          <a:noFill/>
+          <a:ln>
+            <a:solidFill>
+              <a:schemeClr val="bg1">
+                <a:lumMod val="85000"/>
+              </a:schemeClr>
+            </a:solidFill>
+          </a:ln>
+        </p:spPr>
+        <p:style>
+          <a:lnRef idx="2">
+            <a:schemeClr val="accent1">
+              <a:shade val="50000"/>
+            </a:schemeClr>
+          </a:lnRef>
+          <a:fillRef idx="1">
+            <a:schemeClr val="accent1"/>
+          </a:fillRef>
+          <a:effectRef idx="0">
+            <a:schemeClr val="accent1"/>
+          </a:effectRef>
+          <a:fontRef idx="minor">
+            <a:schemeClr val="lt1"/>
+          </a:fontRef>
+        </p:style>
+        <p:txBody>
+          <a:bodyPr rtlCol="0" anchor="ctr"/>
+          <a:lstStyle/>
+          <a:p>
+            <a:pPr algn="ctr"/>
+            <a:endParaRPr lang="ko-KR" altLang="en-US"/>
+          </a:p>
+        </p:txBody>
+      </p:sp>
+      <p:sp>
+        <p:nvSpPr>
+          <p:cNvPr id="6" name="직사각형 5"/>
+          <p:cNvSpPr/>
+          <p:nvPr/>
+        </p:nvSpPr>
+        <p:spPr>
+          <a:xfrm>
+            <a:off x="385850" y="2945307"/>
+            <a:ext cx="1066918" cy="972108"/>
+          </a:xfrm>
+          <a:prstGeom prst="rect">
+            <a:avLst/>
+          </a:prstGeom>
+          <a:solidFill>
+            <a:schemeClr val="bg1">
+              <a:lumMod val="95000"/>
+            </a:schemeClr>
+          </a:solidFill>
+          <a:ln>
+            <a:solidFill>
+              <a:schemeClr val="bg1">
+                <a:lumMod val="75000"/>
+              </a:schemeClr>
+            </a:solidFill>
+          </a:ln>
+        </p:spPr>
+        <p:style>
+          <a:lnRef idx="2">
+            <a:schemeClr val="accent1">
+              <a:shade val="50000"/>
+            </a:schemeClr>
+          </a:lnRef>
+          <a:fillRef idx="1">
+            <a:schemeClr val="accent1"/>
+          </a:fillRef>
+          <a:effectRef idx="0">
+            <a:schemeClr val="accent1"/>
+          </a:effectRef>
+          <a:fontRef idx="minor">
+            <a:schemeClr val="lt1"/>
+          </a:fontRef>
+        </p:style>
+        <p:txBody>
+          <a:bodyPr rtlCol="0" anchor="ctr"/>
+          <a:lstStyle/>
+          <a:p>
+            <a:pPr algn="ctr"/>
+            <a:r>
+              <a:rPr lang="en-US" altLang="ko-KR" sz="1600" b="1" dirty="0" smtClean="0">
+                <a:solidFill>
+                  <a:sysClr val="windowText" lastClr="000000"/>
+                </a:solidFill>
+              </a:rPr>
+              <a:t>Html Test Page</a:t>
+            </a:r>
+            <a:endParaRPr lang="ko-KR" altLang="en-US" sz="1600" b="1" dirty="0">
+              <a:solidFill>
+                <a:sysClr val="windowText" lastClr="000000"/>
+              </a:solidFill>
+            </a:endParaRPr>
+          </a:p>
+        </p:txBody>
+      </p:sp>
+      <p:sp>
+        <p:nvSpPr>
+          <p:cNvPr id="7" name="모서리가 둥근 직사각형 6"/>
+          <p:cNvSpPr/>
+          <p:nvPr/>
+        </p:nvSpPr>
+        <p:spPr>
+          <a:xfrm>
+            <a:off x="5004048" y="1844824"/>
+            <a:ext cx="1872208" cy="1153981"/>
+          </a:xfrm>
+          <a:prstGeom prst="roundRect">
+            <a:avLst/>
+          </a:prstGeom>
+          <a:solidFill>
+            <a:schemeClr val="accent1">
+              <a:lumMod val="20000"/>
+              <a:lumOff val="80000"/>
+            </a:schemeClr>
+          </a:solidFill>
+        </p:spPr>
+        <p:style>
+          <a:lnRef idx="2">
+            <a:schemeClr val="accent1">
+              <a:shade val="50000"/>
+            </a:schemeClr>
+          </a:lnRef>
+          <a:fillRef idx="1">
+            <a:schemeClr val="accent1"/>
+          </a:fillRef>
+          <a:effectRef idx="0">
+            <a:schemeClr val="accent1"/>
+          </a:effectRef>
+          <a:fontRef idx="minor">
+            <a:schemeClr val="lt1"/>
+          </a:fontRef>
+        </p:style>
+        <p:txBody>
+          <a:bodyPr rtlCol="0" anchor="ctr"/>
+          <a:lstStyle/>
+          <a:p>
+            <a:pPr algn="ctr"/>
+            <a:r>
+              <a:rPr lang="ko-KR" altLang="en-US" sz="1400" b="1" dirty="0" err="1" smtClean="0">
+                <a:solidFill>
+                  <a:schemeClr val="tx1"/>
+                </a:solidFill>
+              </a:rPr>
+              <a:t>채번</a:t>
+            </a:r>
+            <a:r>
+              <a:rPr lang="ko-KR" altLang="en-US" sz="1400" b="1" dirty="0" smtClean="0">
+                <a:solidFill>
+                  <a:schemeClr val="tx1"/>
+                </a:solidFill>
+              </a:rPr>
+              <a:t> </a:t>
+            </a:r>
+            <a:r>
+              <a:rPr lang="en-US" altLang="ko-KR" sz="1400" b="1" dirty="0" smtClean="0">
+                <a:solidFill>
+                  <a:schemeClr val="tx1"/>
+                </a:solidFill>
+              </a:rPr>
+              <a:t>API </a:t>
+            </a:r>
+            <a:r>
+              <a:rPr lang="ko-KR" altLang="en-US" sz="1400" b="1" dirty="0" smtClean="0">
+                <a:solidFill>
+                  <a:schemeClr val="tx1"/>
+                </a:solidFill>
+              </a:rPr>
+              <a:t>서버</a:t>
+            </a:r>
+            <a:endParaRPr lang="en-US" altLang="ko-KR" sz="1400" b="1" dirty="0" smtClean="0">
+              <a:solidFill>
+                <a:schemeClr val="tx1"/>
+              </a:solidFill>
+            </a:endParaRPr>
+          </a:p>
+          <a:p>
+            <a:pPr algn="ctr"/>
+            <a:r>
+              <a:rPr lang="ko-KR" altLang="en-US" sz="1400" b="1" dirty="0" err="1" smtClean="0">
+                <a:solidFill>
+                  <a:schemeClr val="tx1"/>
+                </a:solidFill>
+              </a:rPr>
+              <a:t>인스턴스</a:t>
+            </a:r>
+            <a:r>
+              <a:rPr lang="ko-KR" altLang="en-US" sz="1400" b="1" dirty="0" smtClean="0">
+                <a:solidFill>
+                  <a:schemeClr val="tx1"/>
+                </a:solidFill>
+              </a:rPr>
+              <a:t> </a:t>
+            </a:r>
+            <a:r>
+              <a:rPr lang="en-US" altLang="ko-KR" sz="1400" b="1" dirty="0" smtClean="0">
+                <a:solidFill>
+                  <a:schemeClr val="tx1"/>
+                </a:solidFill>
+              </a:rPr>
+              <a:t>#1(9091)</a:t>
+            </a:r>
+          </a:p>
+          <a:p>
+            <a:pPr algn="ctr"/>
+            <a:r>
+              <a:rPr lang="en-US" altLang="ko-KR" sz="1400" b="1" dirty="0" smtClean="0">
+                <a:solidFill>
+                  <a:schemeClr val="tx1"/>
+                </a:solidFill>
+              </a:rPr>
+              <a:t>(Spring boot)</a:t>
+            </a:r>
+            <a:endParaRPr lang="ko-KR" altLang="en-US" sz="1400" b="1" dirty="0">
+              <a:solidFill>
+                <a:schemeClr val="tx1"/>
+              </a:solidFill>
+            </a:endParaRPr>
+          </a:p>
+        </p:txBody>
+      </p:sp>
+      <p:sp>
+        <p:nvSpPr>
+          <p:cNvPr id="10" name="모서리가 둥근 직사각형 9"/>
+          <p:cNvSpPr/>
+          <p:nvPr/>
+        </p:nvSpPr>
+        <p:spPr>
+          <a:xfrm>
+            <a:off x="5004048" y="3910277"/>
+            <a:ext cx="1872208" cy="1102899"/>
+          </a:xfrm>
+          <a:prstGeom prst="roundRect">
+            <a:avLst/>
+          </a:prstGeom>
+          <a:solidFill>
+            <a:schemeClr val="accent1">
+              <a:lumMod val="20000"/>
+              <a:lumOff val="80000"/>
+            </a:schemeClr>
+          </a:solidFill>
+        </p:spPr>
+        <p:style>
+          <a:lnRef idx="2">
+            <a:schemeClr val="accent1">
+              <a:shade val="50000"/>
+            </a:schemeClr>
+          </a:lnRef>
+          <a:fillRef idx="1">
+            <a:schemeClr val="accent1"/>
+          </a:fillRef>
+          <a:effectRef idx="0">
+            <a:schemeClr val="accent1"/>
+          </a:effectRef>
+          <a:fontRef idx="minor">
+            <a:schemeClr val="lt1"/>
+          </a:fontRef>
+        </p:style>
+        <p:txBody>
+          <a:bodyPr rtlCol="0" anchor="ctr"/>
+          <a:lstStyle/>
+          <a:p>
+            <a:pPr algn="ctr"/>
+            <a:r>
+              <a:rPr lang="ko-KR" altLang="en-US" sz="1400" b="1" dirty="0" err="1" smtClean="0">
+                <a:solidFill>
+                  <a:schemeClr val="tx1"/>
+                </a:solidFill>
+              </a:rPr>
+              <a:t>채번</a:t>
+            </a:r>
+            <a:r>
+              <a:rPr lang="ko-KR" altLang="en-US" sz="1400" b="1" dirty="0" smtClean="0">
+                <a:solidFill>
+                  <a:schemeClr val="tx1"/>
+                </a:solidFill>
+              </a:rPr>
+              <a:t> </a:t>
+            </a:r>
+            <a:r>
+              <a:rPr lang="en-US" altLang="ko-KR" sz="1400" b="1" dirty="0" smtClean="0">
+                <a:solidFill>
+                  <a:schemeClr val="tx1"/>
+                </a:solidFill>
+              </a:rPr>
+              <a:t>API </a:t>
+            </a:r>
+            <a:r>
+              <a:rPr lang="ko-KR" altLang="en-US" sz="1400" b="1" dirty="0" smtClean="0">
+                <a:solidFill>
+                  <a:schemeClr val="tx1"/>
+                </a:solidFill>
+              </a:rPr>
+              <a:t>서버</a:t>
+            </a:r>
+            <a:endParaRPr lang="en-US" altLang="ko-KR" sz="1400" b="1" dirty="0" smtClean="0">
+              <a:solidFill>
+                <a:schemeClr val="tx1"/>
+              </a:solidFill>
+            </a:endParaRPr>
+          </a:p>
+          <a:p>
+            <a:pPr algn="ctr"/>
+            <a:r>
+              <a:rPr lang="ko-KR" altLang="en-US" sz="1400" b="1" dirty="0" err="1" smtClean="0">
+                <a:solidFill>
+                  <a:schemeClr val="tx1"/>
+                </a:solidFill>
+              </a:rPr>
+              <a:t>인스턴스</a:t>
+            </a:r>
+            <a:r>
+              <a:rPr lang="ko-KR" altLang="en-US" sz="1400" b="1" dirty="0" smtClean="0">
+                <a:solidFill>
+                  <a:schemeClr val="tx1"/>
+                </a:solidFill>
+              </a:rPr>
+              <a:t> </a:t>
+            </a:r>
+            <a:r>
+              <a:rPr lang="en-US" altLang="ko-KR" sz="1400" b="1" dirty="0" smtClean="0">
+                <a:solidFill>
+                  <a:schemeClr val="tx1"/>
+                </a:solidFill>
+              </a:rPr>
+              <a:t>#2(9092)</a:t>
+            </a:r>
+          </a:p>
+          <a:p>
+            <a:pPr algn="ctr"/>
+            <a:r>
+              <a:rPr lang="en-US" altLang="ko-KR" sz="1400" b="1" dirty="0" smtClean="0">
+                <a:solidFill>
+                  <a:schemeClr val="tx1"/>
+                </a:solidFill>
+              </a:rPr>
+              <a:t>(Spring boot)</a:t>
+            </a:r>
+            <a:endParaRPr lang="ko-KR" altLang="en-US" sz="1400" b="1" dirty="0" smtClean="0">
+              <a:solidFill>
+                <a:schemeClr val="tx1"/>
+              </a:solidFill>
+            </a:endParaRPr>
+          </a:p>
+        </p:txBody>
+      </p:sp>
+      <p:sp>
+        <p:nvSpPr>
+          <p:cNvPr id="8" name="직사각형 7"/>
+          <p:cNvSpPr/>
+          <p:nvPr/>
+        </p:nvSpPr>
+        <p:spPr>
+          <a:xfrm>
+            <a:off x="2195736" y="3010080"/>
+            <a:ext cx="1606790" cy="857330"/>
+          </a:xfrm>
+          <a:prstGeom prst="rect">
+            <a:avLst/>
+          </a:prstGeom>
+          <a:solidFill>
+            <a:schemeClr val="accent3">
+              <a:lumMod val="20000"/>
+              <a:lumOff val="80000"/>
+            </a:schemeClr>
+          </a:solidFill>
+          <a:ln>
+            <a:solidFill>
+              <a:schemeClr val="accent3">
+                <a:lumMod val="75000"/>
+              </a:schemeClr>
+            </a:solidFill>
+          </a:ln>
+        </p:spPr>
+        <p:style>
+          <a:lnRef idx="2">
+            <a:schemeClr val="accent1">
+              <a:shade val="50000"/>
+            </a:schemeClr>
+          </a:lnRef>
+          <a:fillRef idx="1">
+            <a:schemeClr val="accent1"/>
+          </a:fillRef>
+          <a:effectRef idx="0">
+            <a:schemeClr val="accent1"/>
+          </a:effectRef>
+          <a:fontRef idx="minor">
+            <a:schemeClr val="lt1"/>
+          </a:fontRef>
+        </p:style>
+        <p:txBody>
+          <a:bodyPr rtlCol="0" anchor="ctr"/>
+          <a:lstStyle/>
+          <a:p>
+            <a:pPr algn="ctr"/>
+            <a:endParaRPr lang="ko-KR" altLang="en-US"/>
+          </a:p>
+        </p:txBody>
+      </p:sp>
+      <p:pic>
+        <p:nvPicPr>
+          <p:cNvPr id="1027" name="Picture 3"/>
+          <p:cNvPicPr>
+            <a:picLocks noChangeAspect="1" noChangeArrowheads="1"/>
+          </p:cNvPicPr>
+          <p:nvPr/>
+        </p:nvPicPr>
+        <p:blipFill>
+          <a:blip r:embed="rId2" cstate="print">
+            <a:extLst>
+              <a:ext uri="{28A0092B-C50C-407E-A947-70E740481C1C}">
+                <a14:useLocalDpi xmlns:a14="http://schemas.microsoft.com/office/drawing/2010/main" val="0"/>
+              </a:ext>
+            </a:extLst>
+          </a:blip>
+          <a:srcRect/>
+          <a:stretch>
+            <a:fillRect/>
+          </a:stretch>
+        </p:blipFill>
+        <p:spPr bwMode="auto">
+          <a:xfrm>
+            <a:off x="2219882" y="3107918"/>
+            <a:ext cx="610026" cy="667690"/>
+          </a:xfrm>
+          <a:prstGeom prst="rect">
+            <a:avLst/>
+          </a:prstGeom>
+          <a:noFill/>
+          <a:ln>
+            <a:noFill/>
+          </a:ln>
+          <a:extLst>
+            <a:ext uri="{909E8E84-426E-40DD-AFC4-6F175D3DCCD1}">
+              <a14:hiddenFill xmlns:a14="http://schemas.microsoft.com/office/drawing/2010/main">
+                <a:solidFill>
+                  <a:schemeClr val="accent1"/>
+                </a:solidFill>
+              </a14:hiddenFill>
+            </a:ext>
+            <a:ext uri="{91240B29-F687-4F45-9708-019B960494DF}">
+              <a14:hiddenLine xmlns:a14="http://schemas.microsoft.com/office/drawing/2010/main" w="9525">
+                <a:solidFill>
+                  <a:schemeClr val="tx1"/>
+                </a:solidFill>
+                <a:miter lim="800000"/>
+                <a:headEnd/>
+                <a:tailEnd/>
+              </a14:hiddenLine>
+            </a:ext>
+          </a:extLst>
+        </p:spPr>
+      </p:pic>
+      <p:sp>
+        <p:nvSpPr>
+          <p:cNvPr id="9" name="TextBox 8"/>
+          <p:cNvSpPr txBox="1"/>
+          <p:nvPr/>
+        </p:nvSpPr>
+        <p:spPr>
+          <a:xfrm>
+            <a:off x="2829908" y="3168400"/>
+            <a:ext cx="1044116" cy="523220"/>
+          </a:xfrm>
+          <a:prstGeom prst="rect">
+            <a:avLst/>
+          </a:prstGeom>
+          <a:noFill/>
+        </p:spPr>
+        <p:txBody>
+          <a:bodyPr wrap="square" rtlCol="0">
+            <a:spAutoFit/>
+          </a:bodyPr>
+          <a:lstStyle/>
+          <a:p>
+            <a:pPr algn="ctr"/>
+            <a:r>
+              <a:rPr lang="en-US" altLang="ko-KR" sz="1400" b="1" dirty="0" smtClean="0"/>
+              <a:t>Nginx</a:t>
+            </a:r>
+          </a:p>
+          <a:p>
+            <a:pPr algn="ctr"/>
+            <a:r>
+              <a:rPr lang="en-US" altLang="ko-KR" sz="1400" b="1" dirty="0" smtClean="0"/>
+              <a:t>(9090)</a:t>
+            </a:r>
+            <a:endParaRPr lang="ko-KR" altLang="en-US" sz="1400" b="1" dirty="0"/>
+          </a:p>
+        </p:txBody>
+      </p:sp>
+      <p:cxnSp>
+        <p:nvCxnSpPr>
+          <p:cNvPr id="13" name="직선 화살표 연결선 12"/>
+          <p:cNvCxnSpPr>
+            <a:stCxn id="6" idx="3"/>
+            <a:endCxn id="8" idx="1"/>
+          </p:cNvCxnSpPr>
+          <p:nvPr/>
+        </p:nvCxnSpPr>
+        <p:spPr>
+          <a:xfrm>
+            <a:off x="1452768" y="3431361"/>
+            <a:ext cx="742968" cy="7384"/>
+          </a:xfrm>
+          <a:prstGeom prst="straightConnector1">
+            <a:avLst/>
+          </a:prstGeom>
+          <a:ln w="19050">
+            <a:solidFill>
+              <a:schemeClr val="bg1">
+                <a:lumMod val="50000"/>
+              </a:schemeClr>
+            </a:solidFill>
+            <a:tailEnd type="arrow"/>
+          </a:ln>
+        </p:spPr>
+        <p:style>
+          <a:lnRef idx="1">
+            <a:schemeClr val="dk1"/>
+          </a:lnRef>
+          <a:fillRef idx="0">
+            <a:schemeClr val="dk1"/>
+          </a:fillRef>
+          <a:effectRef idx="0">
+            <a:schemeClr val="dk1"/>
+          </a:effectRef>
+          <a:fontRef idx="minor">
+            <a:schemeClr val="tx1"/>
+          </a:fontRef>
+        </p:style>
+      </p:cxnSp>
+      <p:cxnSp>
+        <p:nvCxnSpPr>
+          <p:cNvPr id="22" name="직선 화살표 연결선 21"/>
+          <p:cNvCxnSpPr>
+            <a:stCxn id="8" idx="3"/>
+            <a:endCxn id="7" idx="1"/>
+          </p:cNvCxnSpPr>
+          <p:nvPr/>
+        </p:nvCxnSpPr>
+        <p:spPr>
+          <a:xfrm flipV="1">
+            <a:off x="3802526" y="2421815"/>
+            <a:ext cx="1201522" cy="1016930"/>
+          </a:xfrm>
+          <a:prstGeom prst="straightConnector1">
+            <a:avLst/>
+          </a:prstGeom>
+          <a:ln w="19050">
+            <a:solidFill>
+              <a:schemeClr val="bg1">
+                <a:lumMod val="50000"/>
+              </a:schemeClr>
+            </a:solidFill>
+            <a:tailEnd type="arrow"/>
+          </a:ln>
+        </p:spPr>
+        <p:style>
+          <a:lnRef idx="1">
+            <a:schemeClr val="dk1"/>
+          </a:lnRef>
+          <a:fillRef idx="0">
+            <a:schemeClr val="dk1"/>
+          </a:fillRef>
+          <a:effectRef idx="0">
+            <a:schemeClr val="dk1"/>
+          </a:effectRef>
+          <a:fontRef idx="minor">
+            <a:schemeClr val="tx1"/>
+          </a:fontRef>
+        </p:style>
+      </p:cxnSp>
+      <p:cxnSp>
+        <p:nvCxnSpPr>
+          <p:cNvPr id="25" name="직선 화살표 연결선 24"/>
+          <p:cNvCxnSpPr>
+            <a:stCxn id="8" idx="3"/>
+            <a:endCxn id="10" idx="1"/>
+          </p:cNvCxnSpPr>
+          <p:nvPr/>
+        </p:nvCxnSpPr>
+        <p:spPr>
+          <a:xfrm>
+            <a:off x="3802526" y="3438745"/>
+            <a:ext cx="1201522" cy="1022982"/>
+          </a:xfrm>
+          <a:prstGeom prst="straightConnector1">
+            <a:avLst/>
+          </a:prstGeom>
+          <a:ln w="19050">
+            <a:solidFill>
+              <a:schemeClr val="bg1">
+                <a:lumMod val="50000"/>
+              </a:schemeClr>
+            </a:solidFill>
+            <a:tailEnd type="arrow"/>
+          </a:ln>
+        </p:spPr>
+        <p:style>
+          <a:lnRef idx="1">
+            <a:schemeClr val="dk1"/>
+          </a:lnRef>
+          <a:fillRef idx="0">
+            <a:schemeClr val="dk1"/>
+          </a:fillRef>
+          <a:effectRef idx="0">
+            <a:schemeClr val="dk1"/>
+          </a:effectRef>
+          <a:fontRef idx="minor">
+            <a:schemeClr val="tx1"/>
+          </a:fontRef>
+        </p:style>
+      </p:cxnSp>
+      <p:cxnSp>
+        <p:nvCxnSpPr>
+          <p:cNvPr id="29" name="직선 화살표 연결선 28"/>
+          <p:cNvCxnSpPr>
+            <a:stCxn id="7" idx="3"/>
+            <a:endCxn id="4" idx="2"/>
+          </p:cNvCxnSpPr>
+          <p:nvPr/>
+        </p:nvCxnSpPr>
+        <p:spPr>
+          <a:xfrm>
+            <a:off x="6876256" y="2421815"/>
+            <a:ext cx="720080" cy="991544"/>
+          </a:xfrm>
+          <a:prstGeom prst="straightConnector1">
+            <a:avLst/>
+          </a:prstGeom>
+          <a:ln w="19050">
+            <a:solidFill>
+              <a:schemeClr val="bg1">
+                <a:lumMod val="50000"/>
+              </a:schemeClr>
+            </a:solidFill>
+            <a:headEnd type="arrow" w="med" len="med"/>
+            <a:tailEnd type="arrow" w="med" len="med"/>
+          </a:ln>
+        </p:spPr>
+        <p:style>
+          <a:lnRef idx="1">
+            <a:schemeClr val="dk1"/>
+          </a:lnRef>
+          <a:fillRef idx="0">
+            <a:schemeClr val="dk1"/>
+          </a:fillRef>
+          <a:effectRef idx="0">
+            <a:schemeClr val="dk1"/>
+          </a:effectRef>
+          <a:fontRef idx="minor">
+            <a:schemeClr val="tx1"/>
+          </a:fontRef>
+        </p:style>
+      </p:cxnSp>
+      <p:cxnSp>
+        <p:nvCxnSpPr>
+          <p:cNvPr id="32" name="직선 화살표 연결선 31"/>
+          <p:cNvCxnSpPr>
+            <a:stCxn id="10" idx="3"/>
+            <a:endCxn id="4" idx="2"/>
+          </p:cNvCxnSpPr>
+          <p:nvPr/>
+        </p:nvCxnSpPr>
+        <p:spPr>
+          <a:xfrm flipV="1">
+            <a:off x="6876256" y="3413359"/>
+            <a:ext cx="720080" cy="1048368"/>
+          </a:xfrm>
+          <a:prstGeom prst="straightConnector1">
+            <a:avLst/>
+          </a:prstGeom>
+          <a:ln w="19050">
+            <a:solidFill>
+              <a:schemeClr val="bg1">
+                <a:lumMod val="50000"/>
+              </a:schemeClr>
+            </a:solidFill>
+            <a:headEnd type="arrow" w="med" len="med"/>
+            <a:tailEnd type="arrow" w="med" len="med"/>
+          </a:ln>
+        </p:spPr>
+        <p:style>
+          <a:lnRef idx="1">
+            <a:schemeClr val="dk1"/>
+          </a:lnRef>
+          <a:fillRef idx="0">
+            <a:schemeClr val="dk1"/>
+          </a:fillRef>
+          <a:effectRef idx="0">
+            <a:schemeClr val="dk1"/>
+          </a:effectRef>
+          <a:fontRef idx="minor">
+            <a:schemeClr val="tx1"/>
+          </a:fontRef>
+        </p:style>
+      </p:cxnSp>
+      <p:sp>
+        <p:nvSpPr>
+          <p:cNvPr id="36" name="TextBox 35"/>
+          <p:cNvSpPr txBox="1"/>
+          <p:nvPr/>
+        </p:nvSpPr>
+        <p:spPr>
+          <a:xfrm>
+            <a:off x="3779912" y="3223302"/>
+            <a:ext cx="1368152" cy="430887"/>
+          </a:xfrm>
+          <a:prstGeom prst="rect">
+            <a:avLst/>
+          </a:prstGeom>
+          <a:noFill/>
+        </p:spPr>
+        <p:txBody>
+          <a:bodyPr wrap="square" rtlCol="0">
+            <a:spAutoFit/>
+          </a:bodyPr>
+          <a:lstStyle/>
+          <a:p>
+            <a:pPr algn="ctr"/>
+            <a:r>
+              <a:rPr lang="en-US" altLang="ko-KR" sz="1100" dirty="0" smtClean="0"/>
+              <a:t>Nginx</a:t>
+            </a:r>
+            <a:r>
+              <a:rPr lang="ko-KR" altLang="en-US" sz="1100" dirty="0" smtClean="0"/>
+              <a:t>를</a:t>
+            </a:r>
+            <a:r>
+              <a:rPr lang="en-US" altLang="ko-KR" sz="1100" dirty="0"/>
+              <a:t> </a:t>
+            </a:r>
+            <a:r>
+              <a:rPr lang="ko-KR" altLang="en-US" sz="1100" dirty="0" smtClean="0"/>
+              <a:t>통한</a:t>
+            </a:r>
+            <a:endParaRPr lang="en-US" altLang="ko-KR" sz="1100" dirty="0" smtClean="0"/>
+          </a:p>
+          <a:p>
+            <a:pPr algn="ctr"/>
+            <a:r>
+              <a:rPr lang="ko-KR" altLang="en-US" sz="1100" dirty="0" err="1" smtClean="0"/>
+              <a:t>로드밸런싱</a:t>
+            </a:r>
+            <a:endParaRPr lang="ko-KR" altLang="en-US" sz="1100" dirty="0"/>
+          </a:p>
+        </p:txBody>
+      </p:sp>
+      <p:sp>
+        <p:nvSpPr>
+          <p:cNvPr id="45" name="TextBox 44"/>
+          <p:cNvSpPr txBox="1"/>
+          <p:nvPr/>
+        </p:nvSpPr>
+        <p:spPr>
+          <a:xfrm>
+            <a:off x="6372200" y="3214566"/>
+            <a:ext cx="1368152" cy="430887"/>
+          </a:xfrm>
+          <a:prstGeom prst="rect">
+            <a:avLst/>
+          </a:prstGeom>
+          <a:noFill/>
+        </p:spPr>
+        <p:txBody>
+          <a:bodyPr wrap="square" rtlCol="0">
+            <a:spAutoFit/>
+          </a:bodyPr>
+          <a:lstStyle/>
+          <a:p>
+            <a:pPr algn="ctr"/>
+            <a:r>
+              <a:rPr lang="en-US" altLang="ko-KR" sz="1100" dirty="0" err="1" smtClean="0"/>
+              <a:t>Redis</a:t>
+            </a:r>
+            <a:r>
+              <a:rPr lang="ko-KR" altLang="en-US" sz="1100" dirty="0" smtClean="0"/>
+              <a:t>를 통한</a:t>
+            </a:r>
+            <a:endParaRPr lang="en-US" altLang="ko-KR" sz="1100" dirty="0" smtClean="0"/>
+          </a:p>
+          <a:p>
+            <a:pPr algn="ctr"/>
+            <a:r>
+              <a:rPr lang="ko-KR" altLang="en-US" sz="1100" dirty="0" smtClean="0"/>
+              <a:t>데이터 관리</a:t>
+            </a:r>
+            <a:endParaRPr lang="ko-KR" altLang="en-US" sz="1100" dirty="0"/>
+          </a:p>
+        </p:txBody>
+      </p:sp>
+      <p:sp>
+        <p:nvSpPr>
+          <p:cNvPr id="48" name="TextBox 47"/>
+          <p:cNvSpPr txBox="1"/>
+          <p:nvPr/>
+        </p:nvSpPr>
+        <p:spPr>
+          <a:xfrm>
+            <a:off x="1020617" y="3955421"/>
+            <a:ext cx="1809291" cy="600164"/>
+          </a:xfrm>
+          <a:prstGeom prst="rect">
+            <a:avLst/>
+          </a:prstGeom>
+          <a:noFill/>
+        </p:spPr>
+        <p:txBody>
+          <a:bodyPr wrap="square" rtlCol="0">
+            <a:spAutoFit/>
+          </a:bodyPr>
+          <a:lstStyle/>
+          <a:p>
+            <a:pPr algn="ctr"/>
+            <a:r>
+              <a:rPr lang="ko-KR" altLang="en-US" sz="1100" dirty="0" smtClean="0"/>
+              <a:t>시퀀스 </a:t>
+            </a:r>
+            <a:r>
+              <a:rPr lang="ko-KR" altLang="en-US" sz="1100" dirty="0" err="1" smtClean="0"/>
+              <a:t>채번</a:t>
+            </a:r>
+            <a:r>
+              <a:rPr lang="ko-KR" altLang="en-US" sz="1100" dirty="0" smtClean="0"/>
+              <a:t> 테스트</a:t>
+            </a:r>
+            <a:endParaRPr lang="en-US" altLang="ko-KR" sz="1100" dirty="0" smtClean="0"/>
+          </a:p>
+          <a:p>
+            <a:pPr algn="ctr"/>
+            <a:r>
+              <a:rPr lang="en-US" altLang="ko-KR" sz="1100" dirty="0" smtClean="0"/>
+              <a:t>GUID </a:t>
+            </a:r>
+            <a:r>
+              <a:rPr lang="ko-KR" altLang="en-US" sz="1100" dirty="0" err="1" smtClean="0"/>
+              <a:t>채번</a:t>
+            </a:r>
+            <a:r>
+              <a:rPr lang="ko-KR" altLang="en-US" sz="1100" dirty="0" smtClean="0"/>
+              <a:t> 테스트 </a:t>
+            </a:r>
+            <a:r>
+              <a:rPr lang="ko-KR" altLang="en-US" sz="1100" dirty="0" smtClean="0"/>
+              <a:t>요청</a:t>
+            </a:r>
+            <a:endParaRPr lang="en-US" altLang="ko-KR" sz="1100" dirty="0" smtClean="0"/>
+          </a:p>
+          <a:p>
+            <a:pPr algn="ctr"/>
+            <a:r>
+              <a:rPr lang="en-US" altLang="ko-KR" sz="1100" dirty="0" smtClean="0"/>
+              <a:t>Http, </a:t>
+            </a:r>
+            <a:r>
+              <a:rPr lang="en-US" altLang="ko-KR" sz="1100" dirty="0" err="1" smtClean="0"/>
+              <a:t>Json</a:t>
+            </a:r>
+            <a:r>
+              <a:rPr lang="en-US" altLang="ko-KR" sz="1100" dirty="0" smtClean="0"/>
+              <a:t> </a:t>
+            </a:r>
+            <a:r>
+              <a:rPr lang="ko-KR" altLang="en-US" sz="1100" dirty="0" smtClean="0"/>
+              <a:t>방식</a:t>
+            </a:r>
+            <a:endParaRPr lang="ko-KR" altLang="en-US" sz="1100" dirty="0"/>
+          </a:p>
+        </p:txBody>
+      </p:sp>
+    </p:spTree>
+    <p:extLst>
+      <p:ext uri="{BB962C8B-B14F-4D97-AF65-F5344CB8AC3E}">
+        <p14:creationId xmlns:p14="http://schemas.microsoft.com/office/powerpoint/2010/main" val="2136276626"/>
+      </p:ext>
+    </p:extLst>
+  </p:cSld>
+  <p:clrMapOvr>
+    <a:masterClrMapping/>
+  </p:clrMapOvr>
+</p:sld>
+</file>
+
+<file path=ppt/slides/slide6.xml><?xml version="1.0" encoding="utf-8"?>
+<p:sld xmlns:a="http://schemas.openxmlformats.org/drawingml/2006/main" xmlns:r="http://schemas.openxmlformats.org/officeDocument/2006/relationships" xmlns:p="http://schemas.openxmlformats.org/presentationml/2006/main">
+  <p:cSld>
+    <p:spTree>
+      <p:nvGrpSpPr>
+        <p:cNvPr id="1" name=""/>
+        <p:cNvGrpSpPr/>
+        <p:nvPr/>
+      </p:nvGrpSpPr>
+      <p:grpSpPr>
+        <a:xfrm>
+          <a:off x="0" y="0"/>
+          <a:ext cx="0" cy="0"/>
+          <a:chOff x="0" y="0"/>
+          <a:chExt cx="0" cy="0"/>
+        </a:xfrm>
+      </p:grpSpPr>
+      <p:pic>
+        <p:nvPicPr>
+          <p:cNvPr id="1026" name="Picture 2"/>
+          <p:cNvPicPr>
+            <a:picLocks noChangeAspect="1" noChangeArrowheads="1"/>
+          </p:cNvPicPr>
+          <p:nvPr/>
+        </p:nvPicPr>
+        <p:blipFill>
+          <a:blip r:embed="rId2">
+            <a:extLst>
+              <a:ext uri="{28A0092B-C50C-407E-A947-70E740481C1C}">
+                <a14:useLocalDpi xmlns:a14="http://schemas.microsoft.com/office/drawing/2010/main" val="0"/>
+              </a:ext>
+            </a:extLst>
+          </a:blip>
+          <a:srcRect/>
+          <a:stretch>
+            <a:fillRect/>
+          </a:stretch>
+        </p:blipFill>
+        <p:spPr bwMode="auto">
+          <a:xfrm>
+            <a:off x="179513" y="620689"/>
+            <a:ext cx="4680520" cy="1744498"/>
+          </a:xfrm>
+          <a:prstGeom prst="rect">
+            <a:avLst/>
+          </a:prstGeom>
+          <a:noFill/>
+          <a:ln w="19050">
+            <a:solidFill>
+              <a:schemeClr val="accent3"/>
+            </a:solidFill>
+            <a:miter lim="800000"/>
+            <a:headEnd/>
+            <a:tailEnd/>
+          </a:ln>
+          <a:extLst>
+            <a:ext uri="{909E8E84-426E-40DD-AFC4-6F175D3DCCD1}">
+              <a14:hiddenFill xmlns:a14="http://schemas.microsoft.com/office/drawing/2010/main">
+                <a:solidFill>
+                  <a:schemeClr val="accent1"/>
+                </a:solidFill>
+              </a14:hiddenFill>
+            </a:ext>
+            <a:ext uri="{91240B29-F687-4F45-9708-019B960494DF}">
+              <a14:hiddenLine xmlns:a14="http://schemas.microsoft.com/office/drawing/2010/main" w="9525">
+                <a:solidFill>
+                  <a:schemeClr val="tx1"/>
+                </a:solidFill>
+                <a:miter lim="800000"/>
+                <a:headEnd/>
+                <a:tailEnd/>
+              </a14:hiddenLine>
+            </a:ext>
+          </a:extLst>
+        </p:spPr>
+      </p:pic>
+      <p:sp>
+        <p:nvSpPr>
+          <p:cNvPr id="5" name="직사각형 4"/>
+          <p:cNvSpPr/>
+          <p:nvPr/>
+        </p:nvSpPr>
+        <p:spPr>
+          <a:xfrm>
+            <a:off x="1547664" y="1750672"/>
+            <a:ext cx="1581893" cy="208287"/>
+          </a:xfrm>
+          <a:prstGeom prst="rect">
+            <a:avLst/>
+          </a:prstGeom>
+          <a:noFill/>
+          <a:ln w="19050">
+            <a:solidFill>
+              <a:srgbClr val="FF0000"/>
+            </a:solidFill>
+          </a:ln>
+        </p:spPr>
+        <p:style>
+          <a:lnRef idx="2">
+            <a:schemeClr val="accent1">
+              <a:shade val="50000"/>
+            </a:schemeClr>
+          </a:lnRef>
+          <a:fillRef idx="1">
+            <a:schemeClr val="accent1"/>
+          </a:fillRef>
+          <a:effectRef idx="0">
+            <a:schemeClr val="accent1"/>
+          </a:effectRef>
+          <a:fontRef idx="minor">
+            <a:schemeClr val="lt1"/>
+          </a:fontRef>
+        </p:style>
+        <p:txBody>
+          <a:bodyPr rtlCol="0" anchor="ctr"/>
+          <a:lstStyle/>
+          <a:p>
+            <a:pPr algn="ctr"/>
+            <a:endParaRPr lang="ko-KR" altLang="en-US"/>
+          </a:p>
+        </p:txBody>
+      </p:sp>
+      <p:pic>
+        <p:nvPicPr>
+          <p:cNvPr id="1027" name="Picture 3"/>
+          <p:cNvPicPr>
+            <a:picLocks noChangeAspect="1" noChangeArrowheads="1"/>
+          </p:cNvPicPr>
+          <p:nvPr/>
+        </p:nvPicPr>
+        <p:blipFill>
+          <a:blip r:embed="rId3">
+            <a:extLst>
+              <a:ext uri="{28A0092B-C50C-407E-A947-70E740481C1C}">
+                <a14:useLocalDpi xmlns:a14="http://schemas.microsoft.com/office/drawing/2010/main" val="0"/>
+              </a:ext>
+            </a:extLst>
+          </a:blip>
+          <a:srcRect/>
+          <a:stretch>
+            <a:fillRect/>
+          </a:stretch>
+        </p:blipFill>
+        <p:spPr bwMode="auto">
+          <a:xfrm>
+            <a:off x="5364088" y="620689"/>
+            <a:ext cx="4599532" cy="2725889"/>
+          </a:xfrm>
+          <a:prstGeom prst="rect">
+            <a:avLst/>
+          </a:prstGeom>
+          <a:noFill/>
+          <a:ln w="19050">
+            <a:solidFill>
+              <a:schemeClr val="accent3"/>
+            </a:solidFill>
+            <a:miter lim="800000"/>
+            <a:headEnd/>
+            <a:tailEnd/>
+          </a:ln>
+          <a:extLst>
+            <a:ext uri="{909E8E84-426E-40DD-AFC4-6F175D3DCCD1}">
+              <a14:hiddenFill xmlns:a14="http://schemas.microsoft.com/office/drawing/2010/main">
+                <a:solidFill>
+                  <a:schemeClr val="accent1"/>
+                </a:solidFill>
+              </a14:hiddenFill>
+            </a:ext>
+            <a:ext uri="{91240B29-F687-4F45-9708-019B960494DF}">
+              <a14:hiddenLine xmlns:a14="http://schemas.microsoft.com/office/drawing/2010/main" w="9525">
+                <a:solidFill>
+                  <a:schemeClr val="tx1"/>
+                </a:solidFill>
+                <a:miter lim="800000"/>
+                <a:headEnd/>
+                <a:tailEnd/>
+              </a14:hiddenLine>
+            </a:ext>
+          </a:extLst>
+        </p:spPr>
+      </p:pic>
+      <p:cxnSp>
+        <p:nvCxnSpPr>
+          <p:cNvPr id="7" name="직선 화살표 연결선 6"/>
+          <p:cNvCxnSpPr>
+            <a:stCxn id="5" idx="3"/>
+            <a:endCxn id="1027" idx="1"/>
+          </p:cNvCxnSpPr>
+          <p:nvPr/>
+        </p:nvCxnSpPr>
+        <p:spPr>
+          <a:xfrm>
+            <a:off x="3129557" y="1854816"/>
+            <a:ext cx="2234531" cy="128818"/>
+          </a:xfrm>
+          <a:prstGeom prst="straightConnector1">
+            <a:avLst/>
+          </a:prstGeom>
+          <a:ln w="19050">
+            <a:solidFill>
+              <a:schemeClr val="bg1">
+                <a:lumMod val="50000"/>
+              </a:schemeClr>
+            </a:solidFill>
+            <a:tailEnd type="arrow"/>
+          </a:ln>
+        </p:spPr>
+        <p:style>
+          <a:lnRef idx="1">
+            <a:schemeClr val="dk1"/>
+          </a:lnRef>
+          <a:fillRef idx="0">
+            <a:schemeClr val="dk1"/>
+          </a:fillRef>
+          <a:effectRef idx="0">
+            <a:schemeClr val="dk1"/>
+          </a:effectRef>
+          <a:fontRef idx="minor">
+            <a:schemeClr val="tx1"/>
+          </a:fontRef>
+        </p:style>
+      </p:cxnSp>
+      <p:sp>
+        <p:nvSpPr>
+          <p:cNvPr id="16" name="직사각형 15"/>
+          <p:cNvSpPr/>
+          <p:nvPr/>
+        </p:nvSpPr>
+        <p:spPr>
+          <a:xfrm>
+            <a:off x="189453" y="4869160"/>
+            <a:ext cx="566124" cy="208287"/>
+          </a:xfrm>
+          <a:prstGeom prst="rect">
+            <a:avLst/>
+          </a:prstGeom>
+          <a:noFill/>
+          <a:ln w="19050">
+            <a:solidFill>
+              <a:srgbClr val="FF0000"/>
+            </a:solidFill>
+          </a:ln>
+        </p:spPr>
+        <p:style>
+          <a:lnRef idx="2">
+            <a:schemeClr val="accent1">
+              <a:shade val="50000"/>
+            </a:schemeClr>
+          </a:lnRef>
+          <a:fillRef idx="1">
+            <a:schemeClr val="accent1"/>
+          </a:fillRef>
+          <a:effectRef idx="0">
+            <a:schemeClr val="accent1"/>
+          </a:effectRef>
+          <a:fontRef idx="minor">
+            <a:schemeClr val="lt1"/>
+          </a:fontRef>
+        </p:style>
+        <p:txBody>
+          <a:bodyPr rtlCol="0" anchor="ctr"/>
+          <a:lstStyle/>
+          <a:p>
+            <a:pPr algn="ctr"/>
+            <a:endParaRPr lang="ko-KR" altLang="en-US"/>
+          </a:p>
+        </p:txBody>
+      </p:sp>
+      <p:pic>
+        <p:nvPicPr>
+          <p:cNvPr id="1028" name="Picture 4"/>
+          <p:cNvPicPr>
+            <a:picLocks noChangeAspect="1" noChangeArrowheads="1"/>
+          </p:cNvPicPr>
+          <p:nvPr/>
+        </p:nvPicPr>
+        <p:blipFill>
+          <a:blip r:embed="rId4">
+            <a:extLst>
+              <a:ext uri="{28A0092B-C50C-407E-A947-70E740481C1C}">
+                <a14:useLocalDpi xmlns:a14="http://schemas.microsoft.com/office/drawing/2010/main" val="0"/>
+              </a:ext>
+            </a:extLst>
+          </a:blip>
+          <a:srcRect/>
+          <a:stretch>
+            <a:fillRect/>
+          </a:stretch>
+        </p:blipFill>
+        <p:spPr bwMode="auto">
+          <a:xfrm>
+            <a:off x="1115616" y="3646192"/>
+            <a:ext cx="4751765" cy="2862509"/>
+          </a:xfrm>
+          <a:prstGeom prst="rect">
+            <a:avLst/>
+          </a:prstGeom>
+          <a:noFill/>
+          <a:ln w="19050">
+            <a:solidFill>
+              <a:schemeClr val="accent3"/>
+            </a:solidFill>
+            <a:miter lim="800000"/>
+            <a:headEnd/>
+            <a:tailEnd/>
+          </a:ln>
+          <a:extLst>
+            <a:ext uri="{909E8E84-426E-40DD-AFC4-6F175D3DCCD1}">
+              <a14:hiddenFill xmlns:a14="http://schemas.microsoft.com/office/drawing/2010/main">
+                <a:solidFill>
+                  <a:schemeClr val="accent1"/>
+                </a:solidFill>
+              </a14:hiddenFill>
+            </a:ext>
+            <a:ext uri="{91240B29-F687-4F45-9708-019B960494DF}">
+              <a14:hiddenLine xmlns:a14="http://schemas.microsoft.com/office/drawing/2010/main" w="9525">
+                <a:solidFill>
+                  <a:schemeClr val="tx1"/>
+                </a:solidFill>
+                <a:miter lim="800000"/>
+                <a:headEnd/>
+                <a:tailEnd/>
+              </a14:hiddenLine>
+            </a:ext>
+          </a:extLst>
+        </p:spPr>
+      </p:pic>
+      <p:sp>
+        <p:nvSpPr>
+          <p:cNvPr id="18" name="직사각형 17"/>
+          <p:cNvSpPr/>
+          <p:nvPr/>
+        </p:nvSpPr>
+        <p:spPr>
+          <a:xfrm>
+            <a:off x="1153549" y="4741725"/>
+            <a:ext cx="566124" cy="252028"/>
+          </a:xfrm>
+          <a:prstGeom prst="rect">
+            <a:avLst/>
+          </a:prstGeom>
+          <a:noFill/>
+          <a:ln w="19050">
+            <a:solidFill>
+              <a:srgbClr val="FF0000"/>
+            </a:solidFill>
+          </a:ln>
+        </p:spPr>
+        <p:style>
+          <a:lnRef idx="2">
+            <a:schemeClr val="accent1">
+              <a:shade val="50000"/>
+            </a:schemeClr>
+          </a:lnRef>
+          <a:fillRef idx="1">
+            <a:schemeClr val="accent1"/>
+          </a:fillRef>
+          <a:effectRef idx="0">
+            <a:schemeClr val="accent1"/>
+          </a:effectRef>
+          <a:fontRef idx="minor">
+            <a:schemeClr val="lt1"/>
+          </a:fontRef>
+        </p:style>
+        <p:txBody>
+          <a:bodyPr rtlCol="0" anchor="ctr"/>
+          <a:lstStyle/>
+          <a:p>
+            <a:pPr algn="ctr"/>
+            <a:endParaRPr lang="ko-KR" altLang="en-US"/>
+          </a:p>
+        </p:txBody>
+      </p:sp>
+      <p:sp>
+        <p:nvSpPr>
+          <p:cNvPr id="19" name="직사각형 18"/>
+          <p:cNvSpPr/>
+          <p:nvPr/>
+        </p:nvSpPr>
+        <p:spPr>
+          <a:xfrm>
+            <a:off x="1115616" y="5173010"/>
+            <a:ext cx="320995" cy="208287"/>
+          </a:xfrm>
+          <a:prstGeom prst="rect">
+            <a:avLst/>
+          </a:prstGeom>
+          <a:noFill/>
+          <a:ln w="19050">
+            <a:solidFill>
+              <a:srgbClr val="FF0000"/>
+            </a:solidFill>
+          </a:ln>
+        </p:spPr>
+        <p:style>
+          <a:lnRef idx="2">
+            <a:schemeClr val="accent1">
+              <a:shade val="50000"/>
+            </a:schemeClr>
+          </a:lnRef>
+          <a:fillRef idx="1">
+            <a:schemeClr val="accent1"/>
+          </a:fillRef>
+          <a:effectRef idx="0">
+            <a:schemeClr val="accent1"/>
+          </a:effectRef>
+          <a:fontRef idx="minor">
+            <a:schemeClr val="lt1"/>
+          </a:fontRef>
+        </p:style>
+        <p:txBody>
+          <a:bodyPr rtlCol="0" anchor="ctr"/>
+          <a:lstStyle/>
+          <a:p>
+            <a:pPr algn="ctr"/>
+            <a:endParaRPr lang="ko-KR" altLang="en-US"/>
+          </a:p>
+        </p:txBody>
+      </p:sp>
+      <p:pic>
+        <p:nvPicPr>
+          <p:cNvPr id="1029" name="Picture 5"/>
+          <p:cNvPicPr>
+            <a:picLocks noChangeAspect="1" noChangeArrowheads="1"/>
+          </p:cNvPicPr>
+          <p:nvPr/>
+        </p:nvPicPr>
+        <p:blipFill>
+          <a:blip r:embed="rId5">
+            <a:extLst>
+              <a:ext uri="{28A0092B-C50C-407E-A947-70E740481C1C}">
+                <a14:useLocalDpi xmlns:a14="http://schemas.microsoft.com/office/drawing/2010/main" val="0"/>
+              </a:ext>
+            </a:extLst>
+          </a:blip>
+          <a:srcRect/>
+          <a:stretch>
+            <a:fillRect/>
+          </a:stretch>
+        </p:blipFill>
+        <p:spPr bwMode="auto">
+          <a:xfrm>
+            <a:off x="4572000" y="3338059"/>
+            <a:ext cx="5991225" cy="2667000"/>
+          </a:xfrm>
+          <a:prstGeom prst="rect">
+            <a:avLst/>
+          </a:prstGeom>
+          <a:noFill/>
+          <a:ln w="19050">
+            <a:solidFill>
+              <a:schemeClr val="accent3"/>
+            </a:solidFill>
+            <a:miter lim="800000"/>
+            <a:headEnd/>
+            <a:tailEnd/>
+          </a:ln>
+          <a:extLst>
+            <a:ext uri="{909E8E84-426E-40DD-AFC4-6F175D3DCCD1}">
+              <a14:hiddenFill xmlns:a14="http://schemas.microsoft.com/office/drawing/2010/main">
+                <a:solidFill>
+                  <a:schemeClr val="accent1"/>
+                </a:solidFill>
+              </a14:hiddenFill>
+            </a:ext>
+            <a:ext uri="{91240B29-F687-4F45-9708-019B960494DF}">
+              <a14:hiddenLine xmlns:a14="http://schemas.microsoft.com/office/drawing/2010/main" w="9525">
+                <a:solidFill>
+                  <a:schemeClr val="tx1"/>
+                </a:solidFill>
+                <a:miter lim="800000"/>
+                <a:headEnd/>
+                <a:tailEnd/>
+              </a14:hiddenLine>
+            </a:ext>
+          </a:extLst>
+        </p:spPr>
+      </p:pic>
+      <p:sp>
+        <p:nvSpPr>
+          <p:cNvPr id="21" name="직사각형 20"/>
+          <p:cNvSpPr/>
+          <p:nvPr/>
+        </p:nvSpPr>
+        <p:spPr>
+          <a:xfrm>
+            <a:off x="6597555" y="4805674"/>
+            <a:ext cx="864096" cy="314040"/>
+          </a:xfrm>
+          <a:prstGeom prst="rect">
+            <a:avLst/>
+          </a:prstGeom>
+          <a:noFill/>
+          <a:ln w="19050">
+            <a:solidFill>
+              <a:srgbClr val="FF0000"/>
+            </a:solidFill>
+          </a:ln>
+        </p:spPr>
+        <p:style>
+          <a:lnRef idx="2">
+            <a:schemeClr val="accent1">
+              <a:shade val="50000"/>
+            </a:schemeClr>
+          </a:lnRef>
+          <a:fillRef idx="1">
+            <a:schemeClr val="accent1"/>
+          </a:fillRef>
+          <a:effectRef idx="0">
+            <a:schemeClr val="accent1"/>
+          </a:effectRef>
+          <a:fontRef idx="minor">
+            <a:schemeClr val="lt1"/>
+          </a:fontRef>
+        </p:style>
+        <p:txBody>
+          <a:bodyPr rtlCol="0" anchor="ctr"/>
+          <a:lstStyle/>
+          <a:p>
+            <a:pPr algn="ctr"/>
+            <a:endParaRPr lang="ko-KR" altLang="en-US"/>
+          </a:p>
+        </p:txBody>
+      </p:sp>
+      <p:sp>
+        <p:nvSpPr>
+          <p:cNvPr id="22" name="직사각형 21"/>
+          <p:cNvSpPr/>
+          <p:nvPr/>
+        </p:nvSpPr>
+        <p:spPr>
+          <a:xfrm>
+            <a:off x="4634474" y="5362635"/>
+            <a:ext cx="3249893" cy="314040"/>
+          </a:xfrm>
+          <a:prstGeom prst="rect">
+            <a:avLst/>
+          </a:prstGeom>
+          <a:noFill/>
+          <a:ln w="19050">
+            <a:solidFill>
+              <a:srgbClr val="FF0000"/>
+            </a:solidFill>
+          </a:ln>
+        </p:spPr>
+        <p:style>
+          <a:lnRef idx="2">
+            <a:schemeClr val="accent1">
+              <a:shade val="50000"/>
+            </a:schemeClr>
+          </a:lnRef>
+          <a:fillRef idx="1">
+            <a:schemeClr val="accent1"/>
+          </a:fillRef>
+          <a:effectRef idx="0">
+            <a:schemeClr val="accent1"/>
+          </a:effectRef>
+          <a:fontRef idx="minor">
+            <a:schemeClr val="lt1"/>
+          </a:fontRef>
+        </p:style>
+        <p:txBody>
+          <a:bodyPr rtlCol="0" anchor="ctr"/>
+          <a:lstStyle/>
+          <a:p>
+            <a:pPr algn="ctr"/>
+            <a:endParaRPr lang="ko-KR" altLang="en-US"/>
+          </a:p>
+        </p:txBody>
+      </p:sp>
+    </p:spTree>
+    <p:extLst>
+      <p:ext uri="{BB962C8B-B14F-4D97-AF65-F5344CB8AC3E}">
+        <p14:creationId xmlns:p14="http://schemas.microsoft.com/office/powerpoint/2010/main" val="1235846116"/>
+      </p:ext>
+    </p:extLst>
+  </p:cSld>
+  <p:clrMapOvr>
+    <a:masterClrMapping/>
+  </p:clrMapOvr>
+</p:sld>
+</file>
+
+<file path=ppt/slides/slide7.xml><?xml version="1.0" encoding="utf-8"?>
+<p:sld xmlns:a="http://schemas.openxmlformats.org/drawingml/2006/main" xmlns:r="http://schemas.openxmlformats.org/officeDocument/2006/relationships" xmlns:p="http://schemas.openxmlformats.org/presentationml/2006/main">
+  <p:cSld>
+    <p:spTree>
+      <p:nvGrpSpPr>
+        <p:cNvPr id="1" name=""/>
+        <p:cNvGrpSpPr/>
+        <p:nvPr/>
+      </p:nvGrpSpPr>
+      <p:grpSpPr>
+        <a:xfrm>
+          <a:off x="0" y="0"/>
+          <a:ext cx="0" cy="0"/>
+          <a:chOff x="0" y="0"/>
+          <a:chExt cx="0" cy="0"/>
+        </a:xfrm>
+      </p:grpSpPr>
+      <p:pic>
+        <p:nvPicPr>
+          <p:cNvPr id="2050" name="Picture 2"/>
+          <p:cNvPicPr>
+            <a:picLocks noChangeAspect="1" noChangeArrowheads="1"/>
+          </p:cNvPicPr>
+          <p:nvPr/>
+        </p:nvPicPr>
+        <p:blipFill>
+          <a:blip r:embed="rId2">
+            <a:extLst>
+              <a:ext uri="{28A0092B-C50C-407E-A947-70E740481C1C}">
+                <a14:useLocalDpi xmlns:a14="http://schemas.microsoft.com/office/drawing/2010/main" val="0"/>
+              </a:ext>
+            </a:extLst>
+          </a:blip>
+          <a:srcRect/>
+          <a:stretch>
+            <a:fillRect/>
+          </a:stretch>
+        </p:blipFill>
+        <p:spPr bwMode="auto">
+          <a:xfrm>
+            <a:off x="-252536" y="-512170"/>
+            <a:ext cx="6115050" cy="3924300"/>
+          </a:xfrm>
+          <a:prstGeom prst="rect">
+            <a:avLst/>
+          </a:prstGeom>
+          <a:noFill/>
+          <a:ln w="19050">
+            <a:solidFill>
+              <a:schemeClr val="accent3"/>
+            </a:solidFill>
+            <a:miter lim="800000"/>
+            <a:headEnd/>
+            <a:tailEnd/>
+          </a:ln>
+          <a:extLst>
+            <a:ext uri="{909E8E84-426E-40DD-AFC4-6F175D3DCCD1}">
+              <a14:hiddenFill xmlns:a14="http://schemas.microsoft.com/office/drawing/2010/main">
+                <a:solidFill>
+                  <a:schemeClr val="accent1"/>
+                </a:solidFill>
+              </a14:hiddenFill>
+            </a:ext>
+            <a:ext uri="{91240B29-F687-4F45-9708-019B960494DF}">
+              <a14:hiddenLine xmlns:a14="http://schemas.microsoft.com/office/drawing/2010/main" w="9525">
+                <a:solidFill>
+                  <a:schemeClr val="tx1"/>
+                </a:solidFill>
+                <a:miter lim="800000"/>
+                <a:headEnd/>
+                <a:tailEnd/>
+              </a14:hiddenLine>
+            </a:ext>
+          </a:extLst>
+        </p:spPr>
+      </p:pic>
+      <p:sp>
+        <p:nvSpPr>
+          <p:cNvPr id="8" name="직사각형 7"/>
+          <p:cNvSpPr/>
+          <p:nvPr/>
+        </p:nvSpPr>
+        <p:spPr>
+          <a:xfrm>
+            <a:off x="-222248" y="2008110"/>
+            <a:ext cx="1337863" cy="288032"/>
+          </a:xfrm>
+          <a:prstGeom prst="rect">
+            <a:avLst/>
+          </a:prstGeom>
+          <a:noFill/>
+          <a:ln w="19050">
+            <a:solidFill>
+              <a:srgbClr val="FF0000"/>
+            </a:solidFill>
+          </a:ln>
+        </p:spPr>
+        <p:style>
+          <a:lnRef idx="2">
+            <a:schemeClr val="accent1">
+              <a:shade val="50000"/>
+            </a:schemeClr>
+          </a:lnRef>
+          <a:fillRef idx="1">
+            <a:schemeClr val="accent1"/>
+          </a:fillRef>
+          <a:effectRef idx="0">
+            <a:schemeClr val="accent1"/>
+          </a:effectRef>
+          <a:fontRef idx="minor">
+            <a:schemeClr val="lt1"/>
+          </a:fontRef>
+        </p:style>
+        <p:txBody>
+          <a:bodyPr rtlCol="0" anchor="ctr"/>
+          <a:lstStyle/>
+          <a:p>
+            <a:pPr algn="ctr"/>
+            <a:endParaRPr lang="ko-KR" altLang="en-US"/>
+          </a:p>
+        </p:txBody>
+      </p:sp>
+      <p:sp>
+        <p:nvSpPr>
+          <p:cNvPr id="9" name="직사각형 8"/>
+          <p:cNvSpPr/>
+          <p:nvPr/>
+        </p:nvSpPr>
+        <p:spPr>
+          <a:xfrm>
+            <a:off x="-222247" y="3034884"/>
+            <a:ext cx="977824" cy="288032"/>
+          </a:xfrm>
+          <a:prstGeom prst="rect">
+            <a:avLst/>
+          </a:prstGeom>
+          <a:noFill/>
+          <a:ln w="19050">
+            <a:solidFill>
+              <a:srgbClr val="FF0000"/>
+            </a:solidFill>
+          </a:ln>
+        </p:spPr>
+        <p:style>
+          <a:lnRef idx="2">
+            <a:schemeClr val="accent1">
+              <a:shade val="50000"/>
+            </a:schemeClr>
+          </a:lnRef>
+          <a:fillRef idx="1">
+            <a:schemeClr val="accent1"/>
+          </a:fillRef>
+          <a:effectRef idx="0">
+            <a:schemeClr val="accent1"/>
+          </a:effectRef>
+          <a:fontRef idx="minor">
+            <a:schemeClr val="lt1"/>
+          </a:fontRef>
+        </p:style>
+        <p:txBody>
+          <a:bodyPr rtlCol="0" anchor="ctr"/>
+          <a:lstStyle/>
+          <a:p>
+            <a:pPr algn="ctr"/>
+            <a:endParaRPr lang="ko-KR" altLang="en-US"/>
+          </a:p>
+        </p:txBody>
+      </p:sp>
+      <p:pic>
+        <p:nvPicPr>
+          <p:cNvPr id="2051" name="Picture 3"/>
+          <p:cNvPicPr>
+            <a:picLocks noChangeAspect="1" noChangeArrowheads="1"/>
+          </p:cNvPicPr>
+          <p:nvPr/>
+        </p:nvPicPr>
+        <p:blipFill>
+          <a:blip r:embed="rId3">
+            <a:extLst>
+              <a:ext uri="{28A0092B-C50C-407E-A947-70E740481C1C}">
+                <a14:useLocalDpi xmlns:a14="http://schemas.microsoft.com/office/drawing/2010/main" val="0"/>
+              </a:ext>
+            </a:extLst>
+          </a:blip>
+          <a:srcRect/>
+          <a:stretch>
+            <a:fillRect/>
+          </a:stretch>
+        </p:blipFill>
+        <p:spPr bwMode="auto">
+          <a:xfrm>
+            <a:off x="6300193" y="-531440"/>
+            <a:ext cx="5760640" cy="3946614"/>
+          </a:xfrm>
+          <a:prstGeom prst="rect">
+            <a:avLst/>
+          </a:prstGeom>
+          <a:noFill/>
+          <a:ln w="19050">
+            <a:solidFill>
+              <a:schemeClr val="accent3"/>
+            </a:solidFill>
+            <a:miter lim="800000"/>
+            <a:headEnd/>
+            <a:tailEnd/>
+          </a:ln>
+          <a:extLst>
+            <a:ext uri="{909E8E84-426E-40DD-AFC4-6F175D3DCCD1}">
+              <a14:hiddenFill xmlns:a14="http://schemas.microsoft.com/office/drawing/2010/main">
+                <a:solidFill>
+                  <a:schemeClr val="accent1"/>
+                </a:solidFill>
+              </a14:hiddenFill>
+            </a:ext>
+            <a:ext uri="{91240B29-F687-4F45-9708-019B960494DF}">
+              <a14:hiddenLine xmlns:a14="http://schemas.microsoft.com/office/drawing/2010/main" w="9525">
+                <a:solidFill>
+                  <a:schemeClr val="tx1"/>
+                </a:solidFill>
+                <a:miter lim="800000"/>
+                <a:headEnd/>
+                <a:tailEnd/>
+              </a14:hiddenLine>
+            </a:ext>
+          </a:extLst>
+        </p:spPr>
+      </p:pic>
+      <p:sp>
+        <p:nvSpPr>
+          <p:cNvPr id="11" name="직사각형 10"/>
+          <p:cNvSpPr/>
+          <p:nvPr/>
+        </p:nvSpPr>
+        <p:spPr>
+          <a:xfrm>
+            <a:off x="6300193" y="783974"/>
+            <a:ext cx="792087" cy="288032"/>
+          </a:xfrm>
+          <a:prstGeom prst="rect">
+            <a:avLst/>
+          </a:prstGeom>
+          <a:noFill/>
+          <a:ln w="19050">
+            <a:solidFill>
+              <a:srgbClr val="FF0000"/>
+            </a:solidFill>
+          </a:ln>
+        </p:spPr>
+        <p:style>
+          <a:lnRef idx="2">
+            <a:schemeClr val="accent1">
+              <a:shade val="50000"/>
+            </a:schemeClr>
+          </a:lnRef>
+          <a:fillRef idx="1">
+            <a:schemeClr val="accent1"/>
+          </a:fillRef>
+          <a:effectRef idx="0">
+            <a:schemeClr val="accent1"/>
+          </a:effectRef>
+          <a:fontRef idx="minor">
+            <a:schemeClr val="lt1"/>
+          </a:fontRef>
+        </p:style>
+        <p:txBody>
+          <a:bodyPr rtlCol="0" anchor="ctr"/>
+          <a:lstStyle/>
+          <a:p>
+            <a:pPr algn="ctr"/>
+            <a:endParaRPr lang="ko-KR" altLang="en-US"/>
+          </a:p>
+        </p:txBody>
+      </p:sp>
+      <p:sp>
+        <p:nvSpPr>
+          <p:cNvPr id="12" name="직사각형 11"/>
+          <p:cNvSpPr/>
+          <p:nvPr/>
+        </p:nvSpPr>
+        <p:spPr>
+          <a:xfrm>
+            <a:off x="6300193" y="1305964"/>
+            <a:ext cx="792087" cy="288032"/>
+          </a:xfrm>
+          <a:prstGeom prst="rect">
+            <a:avLst/>
+          </a:prstGeom>
+          <a:noFill/>
+          <a:ln w="19050">
+            <a:solidFill>
+              <a:srgbClr val="FF0000"/>
+            </a:solidFill>
+          </a:ln>
+        </p:spPr>
+        <p:style>
+          <a:lnRef idx="2">
+            <a:schemeClr val="accent1">
+              <a:shade val="50000"/>
+            </a:schemeClr>
+          </a:lnRef>
+          <a:fillRef idx="1">
+            <a:schemeClr val="accent1"/>
+          </a:fillRef>
+          <a:effectRef idx="0">
+            <a:schemeClr val="accent1"/>
+          </a:effectRef>
+          <a:fontRef idx="minor">
+            <a:schemeClr val="lt1"/>
+          </a:fontRef>
+        </p:style>
+        <p:txBody>
+          <a:bodyPr rtlCol="0" anchor="ctr"/>
+          <a:lstStyle/>
+          <a:p>
+            <a:pPr algn="ctr"/>
+            <a:endParaRPr lang="ko-KR" altLang="en-US"/>
+          </a:p>
+        </p:txBody>
+      </p:sp>
+      <p:cxnSp>
+        <p:nvCxnSpPr>
+          <p:cNvPr id="13" name="직선 화살표 연결선 12"/>
+          <p:cNvCxnSpPr>
+            <a:stCxn id="2050" idx="3"/>
+            <a:endCxn id="2051" idx="1"/>
+          </p:cNvCxnSpPr>
+          <p:nvPr/>
+        </p:nvCxnSpPr>
+        <p:spPr>
+          <a:xfrm flipV="1">
+            <a:off x="5862514" y="1441867"/>
+            <a:ext cx="437679" cy="8113"/>
+          </a:xfrm>
+          <a:prstGeom prst="straightConnector1">
+            <a:avLst/>
+          </a:prstGeom>
+          <a:ln w="19050">
+            <a:solidFill>
+              <a:schemeClr val="bg1">
+                <a:lumMod val="50000"/>
+              </a:schemeClr>
+            </a:solidFill>
+            <a:tailEnd type="arrow"/>
+          </a:ln>
+        </p:spPr>
+        <p:style>
+          <a:lnRef idx="1">
+            <a:schemeClr val="dk1"/>
+          </a:lnRef>
+          <a:fillRef idx="0">
+            <a:schemeClr val="dk1"/>
+          </a:fillRef>
+          <a:effectRef idx="0">
+            <a:schemeClr val="dk1"/>
+          </a:effectRef>
+          <a:fontRef idx="minor">
+            <a:schemeClr val="tx1"/>
+          </a:fontRef>
+        </p:style>
+      </p:cxnSp>
+      <p:pic>
+        <p:nvPicPr>
+          <p:cNvPr id="2052" name="Picture 4"/>
+          <p:cNvPicPr>
+            <a:picLocks noChangeAspect="1" noChangeArrowheads="1"/>
+          </p:cNvPicPr>
+          <p:nvPr/>
+        </p:nvPicPr>
+        <p:blipFill>
+          <a:blip r:embed="rId4">
+            <a:extLst>
+              <a:ext uri="{28A0092B-C50C-407E-A947-70E740481C1C}">
+                <a14:useLocalDpi xmlns:a14="http://schemas.microsoft.com/office/drawing/2010/main" val="0"/>
+              </a:ext>
+            </a:extLst>
+          </a:blip>
+          <a:srcRect/>
+          <a:stretch>
+            <a:fillRect/>
+          </a:stretch>
+        </p:blipFill>
+        <p:spPr bwMode="auto">
+          <a:xfrm>
+            <a:off x="-83708" y="3717032"/>
+            <a:ext cx="4687359" cy="2919759"/>
+          </a:xfrm>
+          <a:prstGeom prst="rect">
+            <a:avLst/>
+          </a:prstGeom>
+          <a:noFill/>
+          <a:ln w="19050">
+            <a:solidFill>
+              <a:schemeClr val="accent3"/>
+            </a:solidFill>
+            <a:miter lim="800000"/>
+            <a:headEnd/>
+            <a:tailEnd/>
+          </a:ln>
+          <a:extLst>
+            <a:ext uri="{909E8E84-426E-40DD-AFC4-6F175D3DCCD1}">
+              <a14:hiddenFill xmlns:a14="http://schemas.microsoft.com/office/drawing/2010/main">
+                <a:solidFill>
+                  <a:schemeClr val="accent1"/>
+                </a:solidFill>
+              </a14:hiddenFill>
+            </a:ext>
+            <a:ext uri="{91240B29-F687-4F45-9708-019B960494DF}">
+              <a14:hiddenLine xmlns:a14="http://schemas.microsoft.com/office/drawing/2010/main" w="9525">
+                <a:solidFill>
+                  <a:schemeClr val="tx1"/>
+                </a:solidFill>
+                <a:miter lim="800000"/>
+                <a:headEnd/>
+                <a:tailEnd/>
+              </a14:hiddenLine>
+            </a:ext>
+          </a:extLst>
+        </p:spPr>
+      </p:pic>
+      <p:sp>
+        <p:nvSpPr>
+          <p:cNvPr id="17" name="직사각형 16"/>
+          <p:cNvSpPr/>
+          <p:nvPr/>
+        </p:nvSpPr>
+        <p:spPr>
+          <a:xfrm>
+            <a:off x="971600" y="5589240"/>
+            <a:ext cx="1152128" cy="288032"/>
+          </a:xfrm>
+          <a:prstGeom prst="rect">
+            <a:avLst/>
+          </a:prstGeom>
+          <a:noFill/>
+          <a:ln w="19050">
+            <a:solidFill>
+              <a:srgbClr val="FF0000"/>
+            </a:solidFill>
+          </a:ln>
+        </p:spPr>
+        <p:style>
+          <a:lnRef idx="2">
+            <a:schemeClr val="accent1">
+              <a:shade val="50000"/>
+            </a:schemeClr>
+          </a:lnRef>
+          <a:fillRef idx="1">
+            <a:schemeClr val="accent1"/>
+          </a:fillRef>
+          <a:effectRef idx="0">
+            <a:schemeClr val="accent1"/>
+          </a:effectRef>
+          <a:fontRef idx="minor">
+            <a:schemeClr val="lt1"/>
+          </a:fontRef>
+        </p:style>
+        <p:txBody>
+          <a:bodyPr rtlCol="0" anchor="ctr"/>
+          <a:lstStyle/>
+          <a:p>
+            <a:pPr algn="ctr"/>
+            <a:endParaRPr lang="ko-KR" altLang="en-US"/>
+          </a:p>
+        </p:txBody>
+      </p:sp>
+      <p:sp>
+        <p:nvSpPr>
+          <p:cNvPr id="18" name="직사각형 17"/>
+          <p:cNvSpPr/>
+          <p:nvPr/>
+        </p:nvSpPr>
+        <p:spPr>
+          <a:xfrm>
+            <a:off x="-55563" y="6007266"/>
+            <a:ext cx="1008113" cy="210855"/>
+          </a:xfrm>
+          <a:prstGeom prst="rect">
+            <a:avLst/>
+          </a:prstGeom>
+          <a:noFill/>
+          <a:ln w="19050">
+            <a:solidFill>
+              <a:srgbClr val="FF0000"/>
+            </a:solidFill>
+          </a:ln>
+        </p:spPr>
+        <p:style>
+          <a:lnRef idx="2">
+            <a:schemeClr val="accent1">
+              <a:shade val="50000"/>
+            </a:schemeClr>
+          </a:lnRef>
+          <a:fillRef idx="1">
+            <a:schemeClr val="accent1"/>
+          </a:fillRef>
+          <a:effectRef idx="0">
+            <a:schemeClr val="accent1"/>
+          </a:effectRef>
+          <a:fontRef idx="minor">
+            <a:schemeClr val="lt1"/>
+          </a:fontRef>
+        </p:style>
+        <p:txBody>
+          <a:bodyPr rtlCol="0" anchor="ctr"/>
+          <a:lstStyle/>
+          <a:p>
+            <a:pPr algn="ctr"/>
+            <a:endParaRPr lang="ko-KR" altLang="en-US"/>
+          </a:p>
+        </p:txBody>
+      </p:sp>
+      <p:pic>
+        <p:nvPicPr>
+          <p:cNvPr id="2053" name="Picture 5"/>
+          <p:cNvPicPr>
+            <a:picLocks noChangeAspect="1" noChangeArrowheads="1"/>
+          </p:cNvPicPr>
+          <p:nvPr/>
+        </p:nvPicPr>
+        <p:blipFill>
+          <a:blip r:embed="rId5">
+            <a:extLst>
+              <a:ext uri="{28A0092B-C50C-407E-A947-70E740481C1C}">
+                <a14:useLocalDpi xmlns:a14="http://schemas.microsoft.com/office/drawing/2010/main" val="0"/>
+              </a:ext>
+            </a:extLst>
+          </a:blip>
+          <a:srcRect/>
+          <a:stretch>
+            <a:fillRect/>
+          </a:stretch>
+        </p:blipFill>
+        <p:spPr bwMode="auto">
+          <a:xfrm>
+            <a:off x="5558388" y="3861048"/>
+            <a:ext cx="2275695" cy="937472"/>
+          </a:xfrm>
+          <a:prstGeom prst="rect">
+            <a:avLst/>
+          </a:prstGeom>
+          <a:noFill/>
+          <a:ln w="19050">
+            <a:solidFill>
+              <a:schemeClr val="accent3"/>
+            </a:solidFill>
+            <a:miter lim="800000"/>
+            <a:headEnd/>
+            <a:tailEnd/>
+          </a:ln>
+          <a:extLst>
+            <a:ext uri="{909E8E84-426E-40DD-AFC4-6F175D3DCCD1}">
+              <a14:hiddenFill xmlns:a14="http://schemas.microsoft.com/office/drawing/2010/main">
+                <a:solidFill>
+                  <a:schemeClr val="accent1"/>
+                </a:solidFill>
+              </a14:hiddenFill>
+            </a:ext>
+            <a:ext uri="{91240B29-F687-4F45-9708-019B960494DF}">
+              <a14:hiddenLine xmlns:a14="http://schemas.microsoft.com/office/drawing/2010/main" w="9525">
+                <a:solidFill>
+                  <a:schemeClr val="tx1"/>
+                </a:solidFill>
+                <a:miter lim="800000"/>
+                <a:headEnd/>
+                <a:tailEnd/>
+              </a14:hiddenLine>
+            </a:ext>
+          </a:extLst>
+        </p:spPr>
+      </p:pic>
+      <p:pic>
+        <p:nvPicPr>
+          <p:cNvPr id="2054" name="Picture 6"/>
+          <p:cNvPicPr>
+            <a:picLocks noChangeAspect="1" noChangeArrowheads="1"/>
+          </p:cNvPicPr>
+          <p:nvPr/>
+        </p:nvPicPr>
+        <p:blipFill>
+          <a:blip r:embed="rId6">
+            <a:extLst>
+              <a:ext uri="{28A0092B-C50C-407E-A947-70E740481C1C}">
+                <a14:useLocalDpi xmlns:a14="http://schemas.microsoft.com/office/drawing/2010/main" val="0"/>
+              </a:ext>
+            </a:extLst>
+          </a:blip>
+          <a:srcRect/>
+          <a:stretch>
+            <a:fillRect/>
+          </a:stretch>
+        </p:blipFill>
+        <p:spPr bwMode="auto">
+          <a:xfrm>
+            <a:off x="5558388" y="5343891"/>
+            <a:ext cx="4627723" cy="1292900"/>
+          </a:xfrm>
+          <a:prstGeom prst="rect">
+            <a:avLst/>
+          </a:prstGeom>
+          <a:noFill/>
+          <a:ln w="19050">
+            <a:solidFill>
+              <a:schemeClr val="accent3"/>
+            </a:solidFill>
+            <a:miter lim="800000"/>
+            <a:headEnd/>
+            <a:tailEnd/>
+          </a:ln>
+          <a:extLst>
+            <a:ext uri="{909E8E84-426E-40DD-AFC4-6F175D3DCCD1}">
+              <a14:hiddenFill xmlns:a14="http://schemas.microsoft.com/office/drawing/2010/main">
+                <a:solidFill>
+                  <a:schemeClr val="accent1"/>
+                </a:solidFill>
+              </a14:hiddenFill>
+            </a:ext>
+            <a:ext uri="{91240B29-F687-4F45-9708-019B960494DF}">
+              <a14:hiddenLine xmlns:a14="http://schemas.microsoft.com/office/drawing/2010/main" w="9525">
+                <a:solidFill>
+                  <a:schemeClr val="tx1"/>
+                </a:solidFill>
+                <a:miter lim="800000"/>
+                <a:headEnd/>
+                <a:tailEnd/>
+              </a14:hiddenLine>
+            </a:ext>
+          </a:extLst>
+        </p:spPr>
+      </p:pic>
+      <p:sp>
+        <p:nvSpPr>
+          <p:cNvPr id="21" name="직사각형 20"/>
+          <p:cNvSpPr/>
+          <p:nvPr/>
+        </p:nvSpPr>
+        <p:spPr>
+          <a:xfrm>
+            <a:off x="5614023" y="4005064"/>
+            <a:ext cx="595108" cy="210855"/>
+          </a:xfrm>
+          <a:prstGeom prst="rect">
+            <a:avLst/>
+          </a:prstGeom>
+          <a:noFill/>
+          <a:ln w="19050">
+            <a:solidFill>
+              <a:srgbClr val="FF0000"/>
+            </a:solidFill>
+          </a:ln>
+        </p:spPr>
+        <p:style>
+          <a:lnRef idx="2">
+            <a:schemeClr val="accent1">
+              <a:shade val="50000"/>
+            </a:schemeClr>
+          </a:lnRef>
+          <a:fillRef idx="1">
+            <a:schemeClr val="accent1"/>
+          </a:fillRef>
+          <a:effectRef idx="0">
+            <a:schemeClr val="accent1"/>
+          </a:effectRef>
+          <a:fontRef idx="minor">
+            <a:schemeClr val="lt1"/>
+          </a:fontRef>
+        </p:style>
+        <p:txBody>
+          <a:bodyPr rtlCol="0" anchor="ctr"/>
+          <a:lstStyle/>
+          <a:p>
+            <a:pPr algn="ctr"/>
+            <a:endParaRPr lang="ko-KR" altLang="en-US"/>
+          </a:p>
+        </p:txBody>
+      </p:sp>
+      <p:sp>
+        <p:nvSpPr>
+          <p:cNvPr id="22" name="직사각형 21"/>
+          <p:cNvSpPr/>
+          <p:nvPr/>
+        </p:nvSpPr>
+        <p:spPr>
+          <a:xfrm>
+            <a:off x="5572080" y="4403734"/>
+            <a:ext cx="872127" cy="213987"/>
+          </a:xfrm>
+          <a:prstGeom prst="rect">
+            <a:avLst/>
+          </a:prstGeom>
+          <a:noFill/>
+          <a:ln w="19050">
+            <a:solidFill>
+              <a:srgbClr val="FF0000"/>
+            </a:solidFill>
+          </a:ln>
+        </p:spPr>
+        <p:style>
+          <a:lnRef idx="2">
+            <a:schemeClr val="accent1">
+              <a:shade val="50000"/>
+            </a:schemeClr>
+          </a:lnRef>
+          <a:fillRef idx="1">
+            <a:schemeClr val="accent1"/>
+          </a:fillRef>
+          <a:effectRef idx="0">
+            <a:schemeClr val="accent1"/>
+          </a:effectRef>
+          <a:fontRef idx="minor">
+            <a:schemeClr val="lt1"/>
+          </a:fontRef>
+        </p:style>
+        <p:txBody>
+          <a:bodyPr rtlCol="0" anchor="ctr"/>
+          <a:lstStyle/>
+          <a:p>
+            <a:pPr algn="ctr"/>
+            <a:endParaRPr lang="ko-KR" altLang="en-US"/>
+          </a:p>
+        </p:txBody>
+      </p:sp>
+      <p:sp>
+        <p:nvSpPr>
+          <p:cNvPr id="23" name="직사각형 22"/>
+          <p:cNvSpPr/>
+          <p:nvPr/>
+        </p:nvSpPr>
+        <p:spPr>
+          <a:xfrm>
+            <a:off x="5592299" y="6067510"/>
+            <a:ext cx="436063" cy="196841"/>
+          </a:xfrm>
+          <a:prstGeom prst="rect">
+            <a:avLst/>
+          </a:prstGeom>
+          <a:noFill/>
+          <a:ln w="19050">
+            <a:solidFill>
+              <a:srgbClr val="FF0000"/>
+            </a:solidFill>
+          </a:ln>
+        </p:spPr>
+        <p:style>
+          <a:lnRef idx="2">
+            <a:schemeClr val="accent1">
+              <a:shade val="50000"/>
+            </a:schemeClr>
+          </a:lnRef>
+          <a:fillRef idx="1">
+            <a:schemeClr val="accent1"/>
+          </a:fillRef>
+          <a:effectRef idx="0">
+            <a:schemeClr val="accent1"/>
+          </a:effectRef>
+          <a:fontRef idx="minor">
+            <a:schemeClr val="lt1"/>
+          </a:fontRef>
+        </p:style>
+        <p:txBody>
+          <a:bodyPr rtlCol="0" anchor="ctr"/>
+          <a:lstStyle/>
+          <a:p>
+            <a:pPr algn="ctr"/>
+            <a:endParaRPr lang="ko-KR" altLang="en-US"/>
+          </a:p>
+        </p:txBody>
+      </p:sp>
+      <p:sp>
+        <p:nvSpPr>
+          <p:cNvPr id="24" name="직사각형 23"/>
+          <p:cNvSpPr/>
+          <p:nvPr/>
+        </p:nvSpPr>
+        <p:spPr>
+          <a:xfrm>
+            <a:off x="7413688" y="5558293"/>
+            <a:ext cx="2681204" cy="706058"/>
+          </a:xfrm>
+          <a:prstGeom prst="rect">
+            <a:avLst/>
+          </a:prstGeom>
+          <a:noFill/>
+          <a:ln w="19050">
+            <a:solidFill>
+              <a:srgbClr val="FF0000"/>
+            </a:solidFill>
+          </a:ln>
+        </p:spPr>
+        <p:style>
+          <a:lnRef idx="2">
+            <a:schemeClr val="accent1">
+              <a:shade val="50000"/>
+            </a:schemeClr>
+          </a:lnRef>
+          <a:fillRef idx="1">
+            <a:schemeClr val="accent1"/>
+          </a:fillRef>
+          <a:effectRef idx="0">
+            <a:schemeClr val="accent1"/>
+          </a:effectRef>
+          <a:fontRef idx="minor">
+            <a:schemeClr val="lt1"/>
+          </a:fontRef>
+        </p:style>
+        <p:txBody>
+          <a:bodyPr rtlCol="0" anchor="ctr"/>
+          <a:lstStyle/>
+          <a:p>
+            <a:pPr algn="ctr"/>
+            <a:endParaRPr lang="ko-KR" altLang="en-US"/>
+          </a:p>
+        </p:txBody>
+      </p:sp>
+      <p:cxnSp>
+        <p:nvCxnSpPr>
+          <p:cNvPr id="25" name="직선 화살표 연결선 24"/>
+          <p:cNvCxnSpPr>
+            <a:stCxn id="2052" idx="3"/>
+            <a:endCxn id="2053" idx="1"/>
+          </p:cNvCxnSpPr>
+          <p:nvPr/>
+        </p:nvCxnSpPr>
+        <p:spPr>
+          <a:xfrm flipV="1">
+            <a:off x="4603651" y="4329784"/>
+            <a:ext cx="954737" cy="847128"/>
+          </a:xfrm>
+          <a:prstGeom prst="straightConnector1">
+            <a:avLst/>
+          </a:prstGeom>
+          <a:ln w="19050">
+            <a:solidFill>
+              <a:schemeClr val="bg1">
+                <a:lumMod val="50000"/>
+              </a:schemeClr>
+            </a:solidFill>
+            <a:tailEnd type="arrow"/>
+          </a:ln>
+        </p:spPr>
+        <p:style>
+          <a:lnRef idx="1">
+            <a:schemeClr val="dk1"/>
+          </a:lnRef>
+          <a:fillRef idx="0">
+            <a:schemeClr val="dk1"/>
+          </a:fillRef>
+          <a:effectRef idx="0">
+            <a:schemeClr val="dk1"/>
+          </a:effectRef>
+          <a:fontRef idx="minor">
+            <a:schemeClr val="tx1"/>
+          </a:fontRef>
+        </p:style>
+      </p:cxnSp>
+      <p:cxnSp>
+        <p:nvCxnSpPr>
+          <p:cNvPr id="28" name="직선 화살표 연결선 27"/>
+          <p:cNvCxnSpPr>
+            <a:stCxn id="2053" idx="2"/>
+            <a:endCxn id="2054" idx="0"/>
+          </p:cNvCxnSpPr>
+          <p:nvPr/>
+        </p:nvCxnSpPr>
+        <p:spPr>
+          <a:xfrm>
+            <a:off x="6696236" y="4798520"/>
+            <a:ext cx="1176014" cy="545371"/>
+          </a:xfrm>
+          <a:prstGeom prst="straightConnector1">
+            <a:avLst/>
+          </a:prstGeom>
+          <a:ln w="19050">
+            <a:solidFill>
+              <a:schemeClr val="bg1">
+                <a:lumMod val="50000"/>
+              </a:schemeClr>
+            </a:solidFill>
+            <a:tailEnd type="arrow"/>
+          </a:ln>
+        </p:spPr>
+        <p:style>
+          <a:lnRef idx="1">
+            <a:schemeClr val="dk1"/>
+          </a:lnRef>
+          <a:fillRef idx="0">
+            <a:schemeClr val="dk1"/>
+          </a:fillRef>
+          <a:effectRef idx="0">
+            <a:schemeClr val="dk1"/>
+          </a:effectRef>
+          <a:fontRef idx="minor">
+            <a:schemeClr val="tx1"/>
+          </a:fontRef>
+        </p:style>
+      </p:cxnSp>
+    </p:spTree>
+    <p:extLst>
+      <p:ext uri="{BB962C8B-B14F-4D97-AF65-F5344CB8AC3E}">
+        <p14:creationId xmlns:p14="http://schemas.microsoft.com/office/powerpoint/2010/main" val="3664920492"/>
+      </p:ext>
+    </p:extLst>
+  </p:cSld>
+  <p:clrMapOvr>
+    <a:masterClrMapping/>
+  </p:clrMapOvr>
+</p:sld>
+</file>
+
+<file path=ppt/slides/slide8.xml><?xml version="1.0" encoding="utf-8"?>
+<p:sld xmlns:a="http://schemas.openxmlformats.org/drawingml/2006/main" xmlns:r="http://schemas.openxmlformats.org/officeDocument/2006/relationships" xmlns:p="http://schemas.openxmlformats.org/presentationml/2006/main">
+  <p:cSld>
+    <p:spTree>
+      <p:nvGrpSpPr>
+        <p:cNvPr id="1" name=""/>
+        <p:cNvGrpSpPr/>
+        <p:nvPr/>
+      </p:nvGrpSpPr>
+      <p:grpSpPr>
+        <a:xfrm>
+          <a:off x="0" y="0"/>
+          <a:ext cx="0" cy="0"/>
+          <a:chOff x="0" y="0"/>
+          <a:chExt cx="0" cy="0"/>
+        </a:xfrm>
+      </p:grpSpPr>
+      <p:pic>
+        <p:nvPicPr>
+          <p:cNvPr id="3074" name="Picture 2"/>
+          <p:cNvPicPr>
+            <a:picLocks noChangeAspect="1" noChangeArrowheads="1"/>
+          </p:cNvPicPr>
+          <p:nvPr/>
+        </p:nvPicPr>
+        <p:blipFill>
+          <a:blip r:embed="rId2">
+            <a:extLst>
+              <a:ext uri="{28A0092B-C50C-407E-A947-70E740481C1C}">
+                <a14:useLocalDpi xmlns:a14="http://schemas.microsoft.com/office/drawing/2010/main" val="0"/>
+              </a:ext>
+            </a:extLst>
+          </a:blip>
+          <a:srcRect/>
+          <a:stretch>
+            <a:fillRect/>
+          </a:stretch>
+        </p:blipFill>
+        <p:spPr bwMode="auto">
+          <a:xfrm>
+            <a:off x="-561055" y="-2187624"/>
+            <a:ext cx="5905500" cy="4048125"/>
+          </a:xfrm>
+          <a:prstGeom prst="rect">
+            <a:avLst/>
+          </a:prstGeom>
+          <a:noFill/>
+          <a:ln w="19050">
+            <a:solidFill>
+              <a:schemeClr val="accent3"/>
+            </a:solidFill>
+            <a:miter lim="800000"/>
+            <a:headEnd/>
+            <a:tailEnd/>
+          </a:ln>
+          <a:extLst>
+            <a:ext uri="{909E8E84-426E-40DD-AFC4-6F175D3DCCD1}">
+              <a14:hiddenFill xmlns:a14="http://schemas.microsoft.com/office/drawing/2010/main">
+                <a:solidFill>
+                  <a:schemeClr val="accent1"/>
+                </a:solidFill>
+              </a14:hiddenFill>
+            </a:ext>
+            <a:ext uri="{91240B29-F687-4F45-9708-019B960494DF}">
+              <a14:hiddenLine xmlns:a14="http://schemas.microsoft.com/office/drawing/2010/main" w="9525">
+                <a:solidFill>
+                  <a:schemeClr val="tx1"/>
+                </a:solidFill>
+                <a:miter lim="800000"/>
+                <a:headEnd/>
+                <a:tailEnd/>
+              </a14:hiddenLine>
+            </a:ext>
+          </a:extLst>
+        </p:spPr>
+      </p:pic>
+      <p:sp>
+        <p:nvSpPr>
+          <p:cNvPr id="5" name="직사각형 4"/>
+          <p:cNvSpPr/>
+          <p:nvPr/>
+        </p:nvSpPr>
+        <p:spPr>
+          <a:xfrm>
+            <a:off x="2319687" y="340494"/>
+            <a:ext cx="1224136" cy="288032"/>
+          </a:xfrm>
+          <a:prstGeom prst="rect">
+            <a:avLst/>
+          </a:prstGeom>
+          <a:noFill/>
+          <a:ln w="19050">
+            <a:solidFill>
+              <a:srgbClr val="FF0000"/>
+            </a:solidFill>
+          </a:ln>
+        </p:spPr>
+        <p:style>
+          <a:lnRef idx="2">
+            <a:schemeClr val="accent1">
+              <a:shade val="50000"/>
+            </a:schemeClr>
+          </a:lnRef>
+          <a:fillRef idx="1">
+            <a:schemeClr val="accent1"/>
+          </a:fillRef>
+          <a:effectRef idx="0">
+            <a:schemeClr val="accent1"/>
+          </a:effectRef>
+          <a:fontRef idx="minor">
+            <a:schemeClr val="lt1"/>
+          </a:fontRef>
+        </p:style>
+        <p:txBody>
+          <a:bodyPr rtlCol="0" anchor="ctr"/>
+          <a:lstStyle/>
+          <a:p>
+            <a:pPr algn="ctr"/>
+            <a:endParaRPr lang="ko-KR" altLang="en-US"/>
+          </a:p>
+        </p:txBody>
+      </p:sp>
+      <p:sp>
+        <p:nvSpPr>
+          <p:cNvPr id="6" name="직사각형 5"/>
+          <p:cNvSpPr/>
+          <p:nvPr/>
+        </p:nvSpPr>
+        <p:spPr>
+          <a:xfrm>
+            <a:off x="-561055" y="628526"/>
+            <a:ext cx="1224136" cy="1008112"/>
+          </a:xfrm>
+          <a:prstGeom prst="rect">
+            <a:avLst/>
+          </a:prstGeom>
+          <a:noFill/>
+          <a:ln w="19050">
+            <a:solidFill>
+              <a:srgbClr val="FF0000"/>
+            </a:solidFill>
+          </a:ln>
+        </p:spPr>
+        <p:style>
+          <a:lnRef idx="2">
+            <a:schemeClr val="accent1">
+              <a:shade val="50000"/>
+            </a:schemeClr>
+          </a:lnRef>
+          <a:fillRef idx="1">
+            <a:schemeClr val="accent1"/>
+          </a:fillRef>
+          <a:effectRef idx="0">
+            <a:schemeClr val="accent1"/>
+          </a:effectRef>
+          <a:fontRef idx="minor">
+            <a:schemeClr val="lt1"/>
+          </a:fontRef>
+        </p:style>
+        <p:txBody>
+          <a:bodyPr rtlCol="0" anchor="ctr"/>
+          <a:lstStyle/>
+          <a:p>
+            <a:pPr algn="ctr"/>
+            <a:endParaRPr lang="ko-KR" altLang="en-US"/>
+          </a:p>
+        </p:txBody>
+      </p:sp>
+      <p:pic>
+        <p:nvPicPr>
+          <p:cNvPr id="3075" name="Picture 3"/>
+          <p:cNvPicPr>
+            <a:picLocks noChangeAspect="1" noChangeArrowheads="1"/>
+          </p:cNvPicPr>
+          <p:nvPr/>
+        </p:nvPicPr>
+        <p:blipFill>
+          <a:blip r:embed="rId3">
+            <a:extLst>
+              <a:ext uri="{28A0092B-C50C-407E-A947-70E740481C1C}">
+                <a14:useLocalDpi xmlns:a14="http://schemas.microsoft.com/office/drawing/2010/main" val="0"/>
+              </a:ext>
+            </a:extLst>
+          </a:blip>
+          <a:srcRect/>
+          <a:stretch>
+            <a:fillRect/>
+          </a:stretch>
+        </p:blipFill>
+        <p:spPr bwMode="auto">
+          <a:xfrm>
+            <a:off x="6207697" y="-1387698"/>
+            <a:ext cx="3267075" cy="2162175"/>
+          </a:xfrm>
+          <a:prstGeom prst="rect">
+            <a:avLst/>
+          </a:prstGeom>
+          <a:noFill/>
+          <a:ln w="19050">
+            <a:solidFill>
+              <a:schemeClr val="accent3"/>
+            </a:solidFill>
+            <a:miter lim="800000"/>
+            <a:headEnd/>
+            <a:tailEnd/>
+          </a:ln>
+          <a:extLst>
+            <a:ext uri="{909E8E84-426E-40DD-AFC4-6F175D3DCCD1}">
+              <a14:hiddenFill xmlns:a14="http://schemas.microsoft.com/office/drawing/2010/main">
+                <a:solidFill>
+                  <a:schemeClr val="accent1"/>
+                </a:solidFill>
+              </a14:hiddenFill>
+            </a:ext>
+            <a:ext uri="{91240B29-F687-4F45-9708-019B960494DF}">
+              <a14:hiddenLine xmlns:a14="http://schemas.microsoft.com/office/drawing/2010/main" w="9525">
+                <a:solidFill>
+                  <a:schemeClr val="tx1"/>
+                </a:solidFill>
+                <a:miter lim="800000"/>
+                <a:headEnd/>
+                <a:tailEnd/>
+              </a14:hiddenLine>
+            </a:ext>
+          </a:extLst>
+        </p:spPr>
+      </p:pic>
+      <p:sp>
+        <p:nvSpPr>
+          <p:cNvPr id="8" name="직사각형 7"/>
+          <p:cNvSpPr/>
+          <p:nvPr/>
+        </p:nvSpPr>
+        <p:spPr>
+          <a:xfrm>
+            <a:off x="6999785" y="-667619"/>
+            <a:ext cx="1224136" cy="361007"/>
+          </a:xfrm>
+          <a:prstGeom prst="rect">
+            <a:avLst/>
+          </a:prstGeom>
+          <a:noFill/>
+          <a:ln w="19050">
+            <a:solidFill>
+              <a:srgbClr val="FF0000"/>
+            </a:solidFill>
+          </a:ln>
+        </p:spPr>
+        <p:style>
+          <a:lnRef idx="2">
+            <a:schemeClr val="accent1">
+              <a:shade val="50000"/>
+            </a:schemeClr>
+          </a:lnRef>
+          <a:fillRef idx="1">
+            <a:schemeClr val="accent1"/>
+          </a:fillRef>
+          <a:effectRef idx="0">
+            <a:schemeClr val="accent1"/>
+          </a:effectRef>
+          <a:fontRef idx="minor">
+            <a:schemeClr val="lt1"/>
+          </a:fontRef>
+        </p:style>
+        <p:txBody>
+          <a:bodyPr rtlCol="0" anchor="ctr"/>
+          <a:lstStyle/>
+          <a:p>
+            <a:pPr algn="ctr"/>
+            <a:endParaRPr lang="ko-KR" altLang="en-US"/>
+          </a:p>
+        </p:txBody>
+      </p:sp>
+      <p:sp>
+        <p:nvSpPr>
+          <p:cNvPr id="9" name="직사각형 8"/>
+          <p:cNvSpPr/>
+          <p:nvPr/>
+        </p:nvSpPr>
+        <p:spPr>
+          <a:xfrm>
+            <a:off x="6207697" y="-302150"/>
+            <a:ext cx="1224136" cy="1076627"/>
+          </a:xfrm>
+          <a:prstGeom prst="rect">
+            <a:avLst/>
+          </a:prstGeom>
+          <a:noFill/>
+          <a:ln w="19050">
+            <a:solidFill>
+              <a:srgbClr val="FF0000"/>
+            </a:solidFill>
+          </a:ln>
+        </p:spPr>
+        <p:style>
+          <a:lnRef idx="2">
+            <a:schemeClr val="accent1">
+              <a:shade val="50000"/>
+            </a:schemeClr>
+          </a:lnRef>
+          <a:fillRef idx="1">
+            <a:schemeClr val="accent1"/>
+          </a:fillRef>
+          <a:effectRef idx="0">
+            <a:schemeClr val="accent1"/>
+          </a:effectRef>
+          <a:fontRef idx="minor">
+            <a:schemeClr val="lt1"/>
+          </a:fontRef>
+        </p:style>
+        <p:txBody>
+          <a:bodyPr rtlCol="0" anchor="ctr"/>
+          <a:lstStyle/>
+          <a:p>
+            <a:pPr algn="ctr"/>
+            <a:endParaRPr lang="ko-KR" altLang="en-US"/>
+          </a:p>
+        </p:txBody>
+      </p:sp>
+      <p:pic>
+        <p:nvPicPr>
+          <p:cNvPr id="3076" name="Picture 4"/>
+          <p:cNvPicPr>
+            <a:picLocks noChangeAspect="1" noChangeArrowheads="1"/>
+          </p:cNvPicPr>
+          <p:nvPr/>
+        </p:nvPicPr>
+        <p:blipFill>
+          <a:blip r:embed="rId4">
+            <a:extLst>
+              <a:ext uri="{28A0092B-C50C-407E-A947-70E740481C1C}">
+                <a14:useLocalDpi xmlns:a14="http://schemas.microsoft.com/office/drawing/2010/main" val="0"/>
+              </a:ext>
+            </a:extLst>
+          </a:blip>
+          <a:srcRect/>
+          <a:stretch>
+            <a:fillRect/>
+          </a:stretch>
+        </p:blipFill>
+        <p:spPr bwMode="auto">
+          <a:xfrm>
+            <a:off x="-779264" y="3068665"/>
+            <a:ext cx="5541818" cy="2054566"/>
+          </a:xfrm>
+          <a:prstGeom prst="rect">
+            <a:avLst/>
+          </a:prstGeom>
+          <a:noFill/>
+          <a:ln w="19050">
+            <a:solidFill>
+              <a:schemeClr val="accent3"/>
+            </a:solidFill>
+            <a:miter lim="800000"/>
+            <a:headEnd/>
+            <a:tailEnd/>
+          </a:ln>
+          <a:extLst>
+            <a:ext uri="{909E8E84-426E-40DD-AFC4-6F175D3DCCD1}">
+              <a14:hiddenFill xmlns:a14="http://schemas.microsoft.com/office/drawing/2010/main">
+                <a:solidFill>
+                  <a:schemeClr val="accent1"/>
+                </a:solidFill>
+              </a14:hiddenFill>
+            </a:ext>
+            <a:ext uri="{91240B29-F687-4F45-9708-019B960494DF}">
+              <a14:hiddenLine xmlns:a14="http://schemas.microsoft.com/office/drawing/2010/main" w="9525">
+                <a:solidFill>
+                  <a:schemeClr val="tx1"/>
+                </a:solidFill>
+                <a:miter lim="800000"/>
+                <a:headEnd/>
+                <a:tailEnd/>
+              </a14:hiddenLine>
+            </a:ext>
+          </a:extLst>
+        </p:spPr>
+      </p:pic>
+      <p:pic>
+        <p:nvPicPr>
+          <p:cNvPr id="3077" name="Picture 5"/>
+          <p:cNvPicPr>
+            <a:picLocks noChangeAspect="1" noChangeArrowheads="1"/>
+          </p:cNvPicPr>
+          <p:nvPr/>
+        </p:nvPicPr>
+        <p:blipFill>
+          <a:blip r:embed="rId5">
+            <a:extLst>
+              <a:ext uri="{28A0092B-C50C-407E-A947-70E740481C1C}">
+                <a14:useLocalDpi xmlns:a14="http://schemas.microsoft.com/office/drawing/2010/main" val="0"/>
+              </a:ext>
+            </a:extLst>
+          </a:blip>
+          <a:srcRect/>
+          <a:stretch>
+            <a:fillRect/>
+          </a:stretch>
+        </p:blipFill>
+        <p:spPr bwMode="auto">
+          <a:xfrm>
+            <a:off x="5344445" y="3231805"/>
+            <a:ext cx="6950888" cy="1637355"/>
+          </a:xfrm>
+          <a:prstGeom prst="rect">
+            <a:avLst/>
+          </a:prstGeom>
+          <a:noFill/>
+          <a:ln w="19050">
+            <a:solidFill>
+              <a:schemeClr val="accent3"/>
+            </a:solidFill>
+            <a:miter lim="800000"/>
+            <a:headEnd/>
+            <a:tailEnd/>
+          </a:ln>
+          <a:extLst>
+            <a:ext uri="{909E8E84-426E-40DD-AFC4-6F175D3DCCD1}">
+              <a14:hiddenFill xmlns:a14="http://schemas.microsoft.com/office/drawing/2010/main">
+                <a:solidFill>
+                  <a:schemeClr val="accent1"/>
+                </a:solidFill>
+              </a14:hiddenFill>
+            </a:ext>
+            <a:ext uri="{91240B29-F687-4F45-9708-019B960494DF}">
+              <a14:hiddenLine xmlns:a14="http://schemas.microsoft.com/office/drawing/2010/main" w="9525">
+                <a:solidFill>
+                  <a:schemeClr val="tx1"/>
+                </a:solidFill>
+                <a:miter lim="800000"/>
+                <a:headEnd/>
+                <a:tailEnd/>
+              </a14:hiddenLine>
+            </a:ext>
+          </a:extLst>
+        </p:spPr>
+      </p:pic>
+      <p:sp>
+        <p:nvSpPr>
+          <p:cNvPr id="14" name="직사각형 13"/>
+          <p:cNvSpPr/>
+          <p:nvPr/>
+        </p:nvSpPr>
+        <p:spPr>
+          <a:xfrm>
+            <a:off x="773364" y="4221088"/>
+            <a:ext cx="1422371" cy="216024"/>
+          </a:xfrm>
+          <a:prstGeom prst="rect">
+            <a:avLst/>
+          </a:prstGeom>
+          <a:noFill/>
+          <a:ln w="19050">
+            <a:solidFill>
+              <a:srgbClr val="FF0000"/>
+            </a:solidFill>
+          </a:ln>
+        </p:spPr>
+        <p:style>
+          <a:lnRef idx="2">
+            <a:schemeClr val="accent1">
+              <a:shade val="50000"/>
+            </a:schemeClr>
+          </a:lnRef>
+          <a:fillRef idx="1">
+            <a:schemeClr val="accent1"/>
+          </a:fillRef>
+          <a:effectRef idx="0">
+            <a:schemeClr val="accent1"/>
+          </a:effectRef>
+          <a:fontRef idx="minor">
+            <a:schemeClr val="lt1"/>
+          </a:fontRef>
+        </p:style>
+        <p:txBody>
+          <a:bodyPr rtlCol="0" anchor="ctr"/>
+          <a:lstStyle/>
+          <a:p>
+            <a:pPr algn="ctr"/>
+            <a:endParaRPr lang="ko-KR" altLang="en-US"/>
+          </a:p>
+        </p:txBody>
+      </p:sp>
+      <p:sp>
+        <p:nvSpPr>
+          <p:cNvPr id="15" name="직사각형 14"/>
+          <p:cNvSpPr/>
+          <p:nvPr/>
+        </p:nvSpPr>
+        <p:spPr>
+          <a:xfrm>
+            <a:off x="5344445" y="3833837"/>
+            <a:ext cx="3799555" cy="368599"/>
+          </a:xfrm>
+          <a:prstGeom prst="rect">
+            <a:avLst/>
+          </a:prstGeom>
+          <a:noFill/>
+          <a:ln w="19050">
+            <a:solidFill>
+              <a:srgbClr val="FF0000"/>
+            </a:solidFill>
+          </a:ln>
+        </p:spPr>
+        <p:style>
+          <a:lnRef idx="2">
+            <a:schemeClr val="accent1">
+              <a:shade val="50000"/>
+            </a:schemeClr>
+          </a:lnRef>
+          <a:fillRef idx="1">
+            <a:schemeClr val="accent1"/>
+          </a:fillRef>
+          <a:effectRef idx="0">
+            <a:schemeClr val="accent1"/>
+          </a:effectRef>
+          <a:fontRef idx="minor">
+            <a:schemeClr val="lt1"/>
+          </a:fontRef>
+        </p:style>
+        <p:txBody>
+          <a:bodyPr rtlCol="0" anchor="ctr"/>
+          <a:lstStyle/>
+          <a:p>
+            <a:pPr algn="ctr"/>
+            <a:endParaRPr lang="ko-KR" altLang="en-US"/>
+          </a:p>
+        </p:txBody>
+      </p:sp>
+      <p:cxnSp>
+        <p:nvCxnSpPr>
+          <p:cNvPr id="16" name="직선 화살표 연결선 15"/>
+          <p:cNvCxnSpPr>
+            <a:stCxn id="3076" idx="3"/>
+            <a:endCxn id="3077" idx="1"/>
+          </p:cNvCxnSpPr>
+          <p:nvPr/>
+        </p:nvCxnSpPr>
+        <p:spPr>
+          <a:xfrm flipV="1">
+            <a:off x="4762554" y="4050483"/>
+            <a:ext cx="581891" cy="45465"/>
+          </a:xfrm>
+          <a:prstGeom prst="straightConnector1">
+            <a:avLst/>
+          </a:prstGeom>
+          <a:ln w="19050">
+            <a:solidFill>
+              <a:schemeClr val="bg1">
+                <a:lumMod val="50000"/>
+              </a:schemeClr>
+            </a:solidFill>
+            <a:tailEnd type="arrow"/>
+          </a:ln>
+        </p:spPr>
+        <p:style>
+          <a:lnRef idx="1">
+            <a:schemeClr val="dk1"/>
+          </a:lnRef>
+          <a:fillRef idx="0">
+            <a:schemeClr val="dk1"/>
+          </a:fillRef>
+          <a:effectRef idx="0">
+            <a:schemeClr val="dk1"/>
+          </a:effectRef>
+          <a:fontRef idx="minor">
+            <a:schemeClr val="tx1"/>
+          </a:fontRef>
+        </p:style>
+      </p:cxnSp>
+    </p:spTree>
+    <p:extLst>
+      <p:ext uri="{BB962C8B-B14F-4D97-AF65-F5344CB8AC3E}">
+        <p14:creationId xmlns:p14="http://schemas.microsoft.com/office/powerpoint/2010/main" val="1168192473"/>
+      </p:ext>
+    </p:extLst>
+  </p:cSld>
+  <p:clrMapOvr>
+    <a:masterClrMapping/>
+  </p:clrMapOvr>
+</p:sld>
+</file>
+
+<file path=ppt/slides/slide9.xml><?xml version="1.0" encoding="utf-8"?>
+<p:sld xmlns:a="http://schemas.openxmlformats.org/drawingml/2006/main" xmlns:r="http://schemas.openxmlformats.org/officeDocument/2006/relationships" xmlns:p="http://schemas.openxmlformats.org/presentationml/2006/main">
+  <p:cSld>
+    <p:spTree>
+      <p:nvGrpSpPr>
+        <p:cNvPr id="1" name=""/>
+        <p:cNvGrpSpPr/>
+        <p:nvPr/>
+      </p:nvGrpSpPr>
+      <p:grpSpPr>
+        <a:xfrm>
+          <a:off x="0" y="0"/>
+          <a:ext cx="0" cy="0"/>
+          <a:chOff x="0" y="0"/>
+          <a:chExt cx="0" cy="0"/>
+        </a:xfrm>
+      </p:grpSpPr>
+      <p:sp>
+        <p:nvSpPr>
+          <p:cNvPr id="4" name="원통 3"/>
+          <p:cNvSpPr/>
+          <p:nvPr/>
+        </p:nvSpPr>
+        <p:spPr>
+          <a:xfrm>
+            <a:off x="7164288" y="6804502"/>
+            <a:ext cx="1224136" cy="936104"/>
+          </a:xfrm>
+          <a:prstGeom prst="can">
+            <a:avLst/>
+          </a:prstGeom>
+          <a:solidFill>
+            <a:schemeClr val="accent6">
+              <a:lumMod val="20000"/>
+              <a:lumOff val="80000"/>
+            </a:schemeClr>
+          </a:solidFill>
+          <a:ln>
+            <a:solidFill>
+              <a:schemeClr val="accent6">
+                <a:lumMod val="60000"/>
+                <a:lumOff val="40000"/>
+              </a:schemeClr>
+            </a:solidFill>
+          </a:ln>
+        </p:spPr>
+        <p:style>
+          <a:lnRef idx="2">
+            <a:schemeClr val="accent1">
+              <a:shade val="50000"/>
+            </a:schemeClr>
+          </a:lnRef>
+          <a:fillRef idx="1">
+            <a:schemeClr val="accent1"/>
+          </a:fillRef>
+          <a:effectRef idx="0">
+            <a:schemeClr val="accent1"/>
+          </a:effectRef>
+          <a:fontRef idx="minor">
+            <a:schemeClr val="lt1"/>
+          </a:fontRef>
+        </p:style>
+        <p:txBody>
+          <a:bodyPr rtlCol="0" anchor="ctr"/>
+          <a:lstStyle/>
+          <a:p>
+            <a:pPr algn="ctr"/>
+            <a:r>
+              <a:rPr lang="en-US" altLang="ko-KR" sz="1600" b="1" dirty="0" err="1" smtClean="0">
+                <a:solidFill>
+                  <a:schemeClr val="tx1"/>
+                </a:solidFill>
+              </a:rPr>
+              <a:t>Redis</a:t>
+            </a:r>
+            <a:endParaRPr lang="ko-KR" altLang="en-US" sz="1600" b="1" dirty="0">
+              <a:solidFill>
+                <a:schemeClr val="tx1"/>
+              </a:solidFill>
+            </a:endParaRPr>
+          </a:p>
+        </p:txBody>
+      </p:sp>
+      <p:sp>
+        <p:nvSpPr>
+          <p:cNvPr id="5" name="직사각형 4"/>
+          <p:cNvSpPr/>
+          <p:nvPr/>
+        </p:nvSpPr>
+        <p:spPr>
+          <a:xfrm>
+            <a:off x="179512" y="1484784"/>
+            <a:ext cx="6840760" cy="3960440"/>
+          </a:xfrm>
+          <a:prstGeom prst="rect">
+            <a:avLst/>
+          </a:prstGeom>
+          <a:noFill/>
+          <a:ln>
+            <a:solidFill>
+              <a:schemeClr val="bg1">
+                <a:lumMod val="85000"/>
+              </a:schemeClr>
+            </a:solidFill>
+          </a:ln>
+        </p:spPr>
+        <p:style>
+          <a:lnRef idx="2">
+            <a:schemeClr val="accent1">
+              <a:shade val="50000"/>
+            </a:schemeClr>
+          </a:lnRef>
+          <a:fillRef idx="1">
+            <a:schemeClr val="accent1"/>
+          </a:fillRef>
+          <a:effectRef idx="0">
+            <a:schemeClr val="accent1"/>
+          </a:effectRef>
+          <a:fontRef idx="minor">
+            <a:schemeClr val="lt1"/>
+          </a:fontRef>
+        </p:style>
+        <p:txBody>
+          <a:bodyPr rtlCol="0" anchor="t"/>
+          <a:lstStyle/>
+          <a:p>
+            <a:r>
+              <a:rPr lang="en-US" altLang="ko-KR" b="1" dirty="0" smtClean="0">
+                <a:solidFill>
+                  <a:schemeClr val="tx1"/>
+                </a:solidFill>
+              </a:rPr>
+              <a:t>Spring Boot</a:t>
+            </a:r>
+            <a:endParaRPr lang="ko-KR" altLang="en-US" b="1" dirty="0">
+              <a:solidFill>
+                <a:schemeClr val="tx1"/>
+              </a:solidFill>
+            </a:endParaRPr>
+          </a:p>
+        </p:txBody>
+      </p:sp>
+      <p:sp>
+        <p:nvSpPr>
+          <p:cNvPr id="6" name="직사각형 5"/>
+          <p:cNvSpPr/>
+          <p:nvPr/>
+        </p:nvSpPr>
+        <p:spPr>
+          <a:xfrm>
+            <a:off x="1787834" y="2473359"/>
+            <a:ext cx="1829822" cy="2504756"/>
+          </a:xfrm>
+          <a:prstGeom prst="rect">
+            <a:avLst/>
+          </a:prstGeom>
+          <a:solidFill>
+            <a:schemeClr val="accent3">
+              <a:lumMod val="20000"/>
+              <a:lumOff val="80000"/>
+            </a:schemeClr>
+          </a:solidFill>
+          <a:ln>
+            <a:solidFill>
+              <a:schemeClr val="bg1">
+                <a:lumMod val="75000"/>
+              </a:schemeClr>
+            </a:solidFill>
+          </a:ln>
+        </p:spPr>
+        <p:style>
+          <a:lnRef idx="2">
+            <a:schemeClr val="accent1">
+              <a:shade val="50000"/>
+            </a:schemeClr>
+          </a:lnRef>
+          <a:fillRef idx="1">
+            <a:schemeClr val="accent1"/>
+          </a:fillRef>
+          <a:effectRef idx="0">
+            <a:schemeClr val="accent1"/>
+          </a:effectRef>
+          <a:fontRef idx="minor">
+            <a:schemeClr val="lt1"/>
+          </a:fontRef>
+        </p:style>
+        <p:txBody>
+          <a:bodyPr rtlCol="0" anchor="ctr"/>
+          <a:lstStyle/>
+          <a:p>
+            <a:pPr algn="ctr"/>
+            <a:r>
+              <a:rPr lang="en-US" altLang="ko-KR" sz="1600" b="1" dirty="0" err="1" smtClean="0">
+                <a:solidFill>
+                  <a:sysClr val="windowText" lastClr="000000"/>
+                </a:solidFill>
+              </a:rPr>
+              <a:t>SeqApiController</a:t>
+            </a:r>
+            <a:endParaRPr lang="en-US" altLang="ko-KR" sz="1600" b="1" dirty="0" smtClean="0">
+              <a:solidFill>
+                <a:sysClr val="windowText" lastClr="000000"/>
+              </a:solidFill>
+            </a:endParaRPr>
+          </a:p>
+          <a:p>
+            <a:pPr algn="ctr"/>
+            <a:r>
+              <a:rPr lang="en-US" altLang="ko-KR" sz="1600" b="1" dirty="0" smtClean="0">
+                <a:solidFill>
+                  <a:sysClr val="windowText" lastClr="000000"/>
+                </a:solidFill>
+              </a:rPr>
+              <a:t>(</a:t>
+            </a:r>
+            <a:r>
+              <a:rPr lang="en-US" altLang="ko-KR" sz="1600" b="1" dirty="0" err="1" smtClean="0">
+                <a:solidFill>
+                  <a:sysClr val="windowText" lastClr="000000"/>
+                </a:solidFill>
+              </a:rPr>
+              <a:t>restApi</a:t>
+            </a:r>
+            <a:r>
+              <a:rPr lang="en-US" altLang="ko-KR" sz="1600" b="1" dirty="0" smtClean="0">
+                <a:solidFill>
+                  <a:sysClr val="windowText" lastClr="000000"/>
+                </a:solidFill>
+              </a:rPr>
+              <a:t>)</a:t>
+            </a:r>
+            <a:endParaRPr lang="ko-KR" altLang="en-US" sz="1600" b="1" dirty="0">
+              <a:solidFill>
+                <a:sysClr val="windowText" lastClr="000000"/>
+              </a:solidFill>
+            </a:endParaRPr>
+          </a:p>
+        </p:txBody>
+      </p:sp>
+      <p:sp>
+        <p:nvSpPr>
+          <p:cNvPr id="7" name="모서리가 둥근 직사각형 6"/>
+          <p:cNvSpPr/>
+          <p:nvPr/>
+        </p:nvSpPr>
+        <p:spPr>
+          <a:xfrm>
+            <a:off x="4572000" y="5704019"/>
+            <a:ext cx="1872208" cy="1153981"/>
+          </a:xfrm>
+          <a:prstGeom prst="roundRect">
+            <a:avLst/>
+          </a:prstGeom>
+          <a:solidFill>
+            <a:schemeClr val="accent1">
+              <a:lumMod val="20000"/>
+              <a:lumOff val="80000"/>
+            </a:schemeClr>
+          </a:solidFill>
+        </p:spPr>
+        <p:style>
+          <a:lnRef idx="2">
+            <a:schemeClr val="accent1">
+              <a:shade val="50000"/>
+            </a:schemeClr>
+          </a:lnRef>
+          <a:fillRef idx="1">
+            <a:schemeClr val="accent1"/>
+          </a:fillRef>
+          <a:effectRef idx="0">
+            <a:schemeClr val="accent1"/>
+          </a:effectRef>
+          <a:fontRef idx="minor">
+            <a:schemeClr val="lt1"/>
+          </a:fontRef>
+        </p:style>
+        <p:txBody>
+          <a:bodyPr rtlCol="0" anchor="ctr"/>
+          <a:lstStyle/>
+          <a:p>
+            <a:pPr algn="ctr"/>
+            <a:r>
+              <a:rPr lang="ko-KR" altLang="en-US" sz="1400" b="1" dirty="0" err="1" smtClean="0">
+                <a:solidFill>
+                  <a:schemeClr val="tx1"/>
+                </a:solidFill>
+              </a:rPr>
+              <a:t>채번</a:t>
+            </a:r>
+            <a:r>
+              <a:rPr lang="ko-KR" altLang="en-US" sz="1400" b="1" dirty="0" smtClean="0">
+                <a:solidFill>
+                  <a:schemeClr val="tx1"/>
+                </a:solidFill>
+              </a:rPr>
+              <a:t> </a:t>
+            </a:r>
+            <a:r>
+              <a:rPr lang="en-US" altLang="ko-KR" sz="1400" b="1" dirty="0" smtClean="0">
+                <a:solidFill>
+                  <a:schemeClr val="tx1"/>
+                </a:solidFill>
+              </a:rPr>
+              <a:t>API </a:t>
+            </a:r>
+            <a:r>
+              <a:rPr lang="ko-KR" altLang="en-US" sz="1400" b="1" dirty="0" smtClean="0">
+                <a:solidFill>
+                  <a:schemeClr val="tx1"/>
+                </a:solidFill>
+              </a:rPr>
+              <a:t>서버</a:t>
+            </a:r>
+            <a:endParaRPr lang="en-US" altLang="ko-KR" sz="1400" b="1" dirty="0" smtClean="0">
+              <a:solidFill>
+                <a:schemeClr val="tx1"/>
+              </a:solidFill>
+            </a:endParaRPr>
+          </a:p>
+          <a:p>
+            <a:pPr algn="ctr"/>
+            <a:r>
+              <a:rPr lang="ko-KR" altLang="en-US" sz="1400" b="1" dirty="0" err="1" smtClean="0">
+                <a:solidFill>
+                  <a:schemeClr val="tx1"/>
+                </a:solidFill>
+              </a:rPr>
+              <a:t>인스턴스</a:t>
+            </a:r>
+            <a:r>
+              <a:rPr lang="ko-KR" altLang="en-US" sz="1400" b="1" dirty="0" smtClean="0">
+                <a:solidFill>
+                  <a:schemeClr val="tx1"/>
+                </a:solidFill>
+              </a:rPr>
+              <a:t> </a:t>
+            </a:r>
+            <a:r>
+              <a:rPr lang="en-US" altLang="ko-KR" sz="1400" b="1" dirty="0" smtClean="0">
+                <a:solidFill>
+                  <a:schemeClr val="tx1"/>
+                </a:solidFill>
+              </a:rPr>
+              <a:t>#1(9091)</a:t>
+            </a:r>
+          </a:p>
+          <a:p>
+            <a:pPr algn="ctr"/>
+            <a:r>
+              <a:rPr lang="en-US" altLang="ko-KR" sz="1400" b="1" dirty="0" smtClean="0">
+                <a:solidFill>
+                  <a:schemeClr val="tx1"/>
+                </a:solidFill>
+              </a:rPr>
+              <a:t>(Spring boot)</a:t>
+            </a:r>
+            <a:endParaRPr lang="ko-KR" altLang="en-US" sz="1400" b="1" dirty="0">
+              <a:solidFill>
+                <a:schemeClr val="tx1"/>
+              </a:solidFill>
+            </a:endParaRPr>
+          </a:p>
+        </p:txBody>
+      </p:sp>
+      <p:sp>
+        <p:nvSpPr>
+          <p:cNvPr id="10" name="모서리가 둥근 직사각형 9"/>
+          <p:cNvSpPr/>
+          <p:nvPr/>
+        </p:nvSpPr>
+        <p:spPr>
+          <a:xfrm>
+            <a:off x="4572000" y="7769472"/>
+            <a:ext cx="1872208" cy="1102899"/>
+          </a:xfrm>
+          <a:prstGeom prst="roundRect">
+            <a:avLst/>
+          </a:prstGeom>
+          <a:solidFill>
+            <a:schemeClr val="accent1">
+              <a:lumMod val="20000"/>
+              <a:lumOff val="80000"/>
+            </a:schemeClr>
+          </a:solidFill>
+        </p:spPr>
+        <p:style>
+          <a:lnRef idx="2">
+            <a:schemeClr val="accent1">
+              <a:shade val="50000"/>
+            </a:schemeClr>
+          </a:lnRef>
+          <a:fillRef idx="1">
+            <a:schemeClr val="accent1"/>
+          </a:fillRef>
+          <a:effectRef idx="0">
+            <a:schemeClr val="accent1"/>
+          </a:effectRef>
+          <a:fontRef idx="minor">
+            <a:schemeClr val="lt1"/>
+          </a:fontRef>
+        </p:style>
+        <p:txBody>
+          <a:bodyPr rtlCol="0" anchor="ctr"/>
+          <a:lstStyle/>
+          <a:p>
+            <a:pPr algn="ctr"/>
+            <a:r>
+              <a:rPr lang="ko-KR" altLang="en-US" sz="1400" b="1" dirty="0" err="1" smtClean="0">
+                <a:solidFill>
+                  <a:schemeClr val="tx1"/>
+                </a:solidFill>
+              </a:rPr>
+              <a:t>채번</a:t>
+            </a:r>
+            <a:r>
+              <a:rPr lang="ko-KR" altLang="en-US" sz="1400" b="1" dirty="0" smtClean="0">
+                <a:solidFill>
+                  <a:schemeClr val="tx1"/>
+                </a:solidFill>
+              </a:rPr>
+              <a:t> </a:t>
+            </a:r>
+            <a:r>
+              <a:rPr lang="en-US" altLang="ko-KR" sz="1400" b="1" dirty="0" smtClean="0">
+                <a:solidFill>
+                  <a:schemeClr val="tx1"/>
+                </a:solidFill>
+              </a:rPr>
+              <a:t>API </a:t>
+            </a:r>
+            <a:r>
+              <a:rPr lang="ko-KR" altLang="en-US" sz="1400" b="1" dirty="0" smtClean="0">
+                <a:solidFill>
+                  <a:schemeClr val="tx1"/>
+                </a:solidFill>
+              </a:rPr>
+              <a:t>서버</a:t>
+            </a:r>
+            <a:endParaRPr lang="en-US" altLang="ko-KR" sz="1400" b="1" dirty="0" smtClean="0">
+              <a:solidFill>
+                <a:schemeClr val="tx1"/>
+              </a:solidFill>
+            </a:endParaRPr>
+          </a:p>
+          <a:p>
+            <a:pPr algn="ctr"/>
+            <a:r>
+              <a:rPr lang="ko-KR" altLang="en-US" sz="1400" b="1" dirty="0" err="1" smtClean="0">
+                <a:solidFill>
+                  <a:schemeClr val="tx1"/>
+                </a:solidFill>
+              </a:rPr>
+              <a:t>인스턴스</a:t>
+            </a:r>
+            <a:r>
+              <a:rPr lang="ko-KR" altLang="en-US" sz="1400" b="1" dirty="0" smtClean="0">
+                <a:solidFill>
+                  <a:schemeClr val="tx1"/>
+                </a:solidFill>
+              </a:rPr>
+              <a:t> </a:t>
+            </a:r>
+            <a:r>
+              <a:rPr lang="en-US" altLang="ko-KR" sz="1400" b="1" dirty="0" smtClean="0">
+                <a:solidFill>
+                  <a:schemeClr val="tx1"/>
+                </a:solidFill>
+              </a:rPr>
+              <a:t>#2(9092)</a:t>
+            </a:r>
+          </a:p>
+          <a:p>
+            <a:pPr algn="ctr"/>
+            <a:r>
+              <a:rPr lang="en-US" altLang="ko-KR" sz="1400" b="1" dirty="0" smtClean="0">
+                <a:solidFill>
+                  <a:schemeClr val="tx1"/>
+                </a:solidFill>
+              </a:rPr>
+              <a:t>(Spring boot)</a:t>
+            </a:r>
+            <a:endParaRPr lang="ko-KR" altLang="en-US" sz="1400" b="1" dirty="0" smtClean="0">
+              <a:solidFill>
+                <a:schemeClr val="tx1"/>
+              </a:solidFill>
+            </a:endParaRPr>
+          </a:p>
+        </p:txBody>
+      </p:sp>
+      <p:sp>
+        <p:nvSpPr>
+          <p:cNvPr id="11" name="직사각형 10"/>
+          <p:cNvSpPr/>
+          <p:nvPr/>
+        </p:nvSpPr>
+        <p:spPr>
+          <a:xfrm>
+            <a:off x="-46198" y="8536918"/>
+            <a:ext cx="1066918" cy="972108"/>
+          </a:xfrm>
+          <a:prstGeom prst="rect">
+            <a:avLst/>
+          </a:prstGeom>
+          <a:solidFill>
+            <a:schemeClr val="bg1">
+              <a:lumMod val="95000"/>
+            </a:schemeClr>
+          </a:solidFill>
+          <a:ln>
+            <a:solidFill>
+              <a:schemeClr val="bg1">
+                <a:lumMod val="75000"/>
+              </a:schemeClr>
+            </a:solidFill>
+          </a:ln>
+        </p:spPr>
+        <p:style>
+          <a:lnRef idx="2">
+            <a:schemeClr val="accent1">
+              <a:shade val="50000"/>
+            </a:schemeClr>
+          </a:lnRef>
+          <a:fillRef idx="1">
+            <a:schemeClr val="accent1"/>
+          </a:fillRef>
+          <a:effectRef idx="0">
+            <a:schemeClr val="accent1"/>
+          </a:effectRef>
+          <a:fontRef idx="minor">
+            <a:schemeClr val="lt1"/>
+          </a:fontRef>
+        </p:style>
+        <p:txBody>
+          <a:bodyPr rtlCol="0" anchor="ctr"/>
+          <a:lstStyle/>
+          <a:p>
+            <a:pPr algn="ctr"/>
+            <a:endParaRPr lang="ko-KR" altLang="en-US" dirty="0">
+              <a:solidFill>
+                <a:sysClr val="windowText" lastClr="000000"/>
+              </a:solidFill>
+            </a:endParaRPr>
+          </a:p>
+        </p:txBody>
+      </p:sp>
+      <p:pic>
+        <p:nvPicPr>
+          <p:cNvPr id="1026" name="Picture 2"/>
+          <p:cNvPicPr>
+            <a:picLocks noChangeAspect="1" noChangeArrowheads="1"/>
+          </p:cNvPicPr>
+          <p:nvPr/>
+        </p:nvPicPr>
+        <p:blipFill>
+          <a:blip r:embed="rId2">
+            <a:extLst>
+              <a:ext uri="{28A0092B-C50C-407E-A947-70E740481C1C}">
+                <a14:useLocalDpi xmlns:a14="http://schemas.microsoft.com/office/drawing/2010/main" val="0"/>
+              </a:ext>
+            </a:extLst>
+          </a:blip>
+          <a:srcRect/>
+          <a:stretch>
+            <a:fillRect/>
+          </a:stretch>
+        </p:blipFill>
+        <p:spPr bwMode="auto">
+          <a:xfrm>
+            <a:off x="138622" y="8716865"/>
+            <a:ext cx="697278" cy="585714"/>
+          </a:xfrm>
+          <a:prstGeom prst="rect">
+            <a:avLst/>
+          </a:prstGeom>
+          <a:noFill/>
+          <a:ln>
+            <a:noFill/>
+          </a:ln>
+          <a:extLst>
+            <a:ext uri="{909E8E84-426E-40DD-AFC4-6F175D3DCCD1}">
+              <a14:hiddenFill xmlns:a14="http://schemas.microsoft.com/office/drawing/2010/main">
+                <a:solidFill>
+                  <a:schemeClr val="accent1"/>
+                </a:solidFill>
+              </a14:hiddenFill>
+            </a:ext>
+            <a:ext uri="{91240B29-F687-4F45-9708-019B960494DF}">
+              <a14:hiddenLine xmlns:a14="http://schemas.microsoft.com/office/drawing/2010/main" w="9525">
+                <a:solidFill>
+                  <a:schemeClr val="tx1"/>
+                </a:solidFill>
+                <a:miter lim="800000"/>
+                <a:headEnd/>
+                <a:tailEnd/>
+              </a14:hiddenLine>
+            </a:ext>
+          </a:extLst>
+        </p:spPr>
+      </p:pic>
+      <p:sp>
+        <p:nvSpPr>
+          <p:cNvPr id="8" name="직사각형 7"/>
+          <p:cNvSpPr/>
+          <p:nvPr/>
+        </p:nvSpPr>
+        <p:spPr>
+          <a:xfrm>
+            <a:off x="1763688" y="6869275"/>
+            <a:ext cx="1606790" cy="857330"/>
+          </a:xfrm>
+          <a:prstGeom prst="rect">
+            <a:avLst/>
+          </a:prstGeom>
+          <a:solidFill>
+            <a:schemeClr val="accent3">
+              <a:lumMod val="20000"/>
+              <a:lumOff val="80000"/>
+            </a:schemeClr>
+          </a:solidFill>
+          <a:ln>
+            <a:solidFill>
+              <a:schemeClr val="accent3">
+                <a:lumMod val="75000"/>
+              </a:schemeClr>
+            </a:solidFill>
+          </a:ln>
+        </p:spPr>
+        <p:style>
+          <a:lnRef idx="2">
+            <a:schemeClr val="accent1">
+              <a:shade val="50000"/>
+            </a:schemeClr>
+          </a:lnRef>
+          <a:fillRef idx="1">
+            <a:schemeClr val="accent1"/>
+          </a:fillRef>
+          <a:effectRef idx="0">
+            <a:schemeClr val="accent1"/>
+          </a:effectRef>
+          <a:fontRef idx="minor">
+            <a:schemeClr val="lt1"/>
+          </a:fontRef>
+        </p:style>
+        <p:txBody>
+          <a:bodyPr rtlCol="0" anchor="ctr"/>
+          <a:lstStyle/>
+          <a:p>
+            <a:pPr algn="ctr"/>
+            <a:endParaRPr lang="ko-KR" altLang="en-US"/>
+          </a:p>
+        </p:txBody>
+      </p:sp>
+      <p:pic>
+        <p:nvPicPr>
+          <p:cNvPr id="1027" name="Picture 3"/>
+          <p:cNvPicPr>
+            <a:picLocks noChangeAspect="1" noChangeArrowheads="1"/>
+          </p:cNvPicPr>
+          <p:nvPr/>
+        </p:nvPicPr>
+        <p:blipFill>
+          <a:blip r:embed="rId3" cstate="print">
+            <a:extLst>
+              <a:ext uri="{28A0092B-C50C-407E-A947-70E740481C1C}">
+                <a14:useLocalDpi xmlns:a14="http://schemas.microsoft.com/office/drawing/2010/main" val="0"/>
+              </a:ext>
+            </a:extLst>
+          </a:blip>
+          <a:srcRect/>
+          <a:stretch>
+            <a:fillRect/>
+          </a:stretch>
+        </p:blipFill>
+        <p:spPr bwMode="auto">
+          <a:xfrm>
+            <a:off x="1787834" y="6967113"/>
+            <a:ext cx="610026" cy="667690"/>
+          </a:xfrm>
+          <a:prstGeom prst="rect">
+            <a:avLst/>
+          </a:prstGeom>
+          <a:noFill/>
+          <a:ln>
+            <a:noFill/>
+          </a:ln>
+          <a:extLst>
+            <a:ext uri="{909E8E84-426E-40DD-AFC4-6F175D3DCCD1}">
+              <a14:hiddenFill xmlns:a14="http://schemas.microsoft.com/office/drawing/2010/main">
+                <a:solidFill>
+                  <a:schemeClr val="accent1"/>
+                </a:solidFill>
+              </a14:hiddenFill>
+            </a:ext>
+            <a:ext uri="{91240B29-F687-4F45-9708-019B960494DF}">
+              <a14:hiddenLine xmlns:a14="http://schemas.microsoft.com/office/drawing/2010/main" w="9525">
+                <a:solidFill>
+                  <a:schemeClr val="tx1"/>
+                </a:solidFill>
+                <a:miter lim="800000"/>
+                <a:headEnd/>
+                <a:tailEnd/>
+              </a14:hiddenLine>
+            </a:ext>
+          </a:extLst>
+        </p:spPr>
+      </p:pic>
+      <p:sp>
+        <p:nvSpPr>
+          <p:cNvPr id="9" name="TextBox 8"/>
+          <p:cNvSpPr txBox="1"/>
+          <p:nvPr/>
+        </p:nvSpPr>
+        <p:spPr>
+          <a:xfrm>
+            <a:off x="2397860" y="7027595"/>
+            <a:ext cx="1044116" cy="523220"/>
+          </a:xfrm>
+          <a:prstGeom prst="rect">
+            <a:avLst/>
+          </a:prstGeom>
+          <a:noFill/>
+        </p:spPr>
+        <p:txBody>
+          <a:bodyPr wrap="square" rtlCol="0">
+            <a:spAutoFit/>
+          </a:bodyPr>
+          <a:lstStyle/>
+          <a:p>
+            <a:pPr algn="ctr"/>
+            <a:r>
+              <a:rPr lang="en-US" altLang="ko-KR" sz="1400" b="1" dirty="0" smtClean="0"/>
+              <a:t>Nginx</a:t>
+            </a:r>
+          </a:p>
+          <a:p>
+            <a:pPr algn="ctr"/>
+            <a:r>
+              <a:rPr lang="en-US" altLang="ko-KR" sz="1400" b="1" dirty="0" smtClean="0"/>
+              <a:t>(9090)</a:t>
+            </a:r>
+            <a:endParaRPr lang="ko-KR" altLang="en-US" sz="1400" b="1" dirty="0"/>
+          </a:p>
+        </p:txBody>
+      </p:sp>
+      <p:sp>
+        <p:nvSpPr>
+          <p:cNvPr id="14" name="TextBox 13"/>
+          <p:cNvSpPr txBox="1"/>
+          <p:nvPr/>
+        </p:nvSpPr>
+        <p:spPr>
+          <a:xfrm>
+            <a:off x="-27657" y="9117913"/>
+            <a:ext cx="1044116" cy="369332"/>
+          </a:xfrm>
+          <a:prstGeom prst="rect">
+            <a:avLst/>
+          </a:prstGeom>
+          <a:noFill/>
+        </p:spPr>
+        <p:txBody>
+          <a:bodyPr wrap="square" rtlCol="0">
+            <a:spAutoFit/>
+          </a:bodyPr>
+          <a:lstStyle/>
+          <a:p>
+            <a:pPr algn="ctr"/>
+            <a:r>
+              <a:rPr lang="en-US" altLang="ko-KR" b="1" dirty="0" err="1" smtClean="0"/>
+              <a:t>Jmeter</a:t>
+            </a:r>
+            <a:endParaRPr lang="ko-KR" altLang="en-US" b="1" dirty="0"/>
+          </a:p>
+        </p:txBody>
+      </p:sp>
+      <p:cxnSp>
+        <p:nvCxnSpPr>
+          <p:cNvPr id="17" name="직선 화살표 연결선 16"/>
+          <p:cNvCxnSpPr>
+            <a:stCxn id="11" idx="3"/>
+            <a:endCxn id="8" idx="1"/>
+          </p:cNvCxnSpPr>
+          <p:nvPr/>
+        </p:nvCxnSpPr>
+        <p:spPr>
+          <a:xfrm flipV="1">
+            <a:off x="1020720" y="7297940"/>
+            <a:ext cx="742968" cy="1725032"/>
+          </a:xfrm>
+          <a:prstGeom prst="straightConnector1">
+            <a:avLst/>
+          </a:prstGeom>
+          <a:ln w="19050">
+            <a:solidFill>
+              <a:schemeClr val="bg1">
+                <a:lumMod val="50000"/>
+              </a:schemeClr>
+            </a:solidFill>
+            <a:tailEnd type="arrow"/>
+          </a:ln>
+        </p:spPr>
+        <p:style>
+          <a:lnRef idx="1">
+            <a:schemeClr val="dk1"/>
+          </a:lnRef>
+          <a:fillRef idx="0">
+            <a:schemeClr val="dk1"/>
+          </a:fillRef>
+          <a:effectRef idx="0">
+            <a:schemeClr val="dk1"/>
+          </a:effectRef>
+          <a:fontRef idx="minor">
+            <a:schemeClr val="tx1"/>
+          </a:fontRef>
+        </p:style>
+      </p:cxnSp>
+      <p:cxnSp>
+        <p:nvCxnSpPr>
+          <p:cNvPr id="22" name="직선 화살표 연결선 21"/>
+          <p:cNvCxnSpPr>
+            <a:stCxn id="8" idx="3"/>
+            <a:endCxn id="7" idx="1"/>
+          </p:cNvCxnSpPr>
+          <p:nvPr/>
+        </p:nvCxnSpPr>
+        <p:spPr>
+          <a:xfrm flipV="1">
+            <a:off x="3370478" y="6281010"/>
+            <a:ext cx="1201522" cy="1016930"/>
+          </a:xfrm>
+          <a:prstGeom prst="straightConnector1">
+            <a:avLst/>
+          </a:prstGeom>
+          <a:ln w="19050">
+            <a:solidFill>
+              <a:schemeClr val="bg1">
+                <a:lumMod val="50000"/>
+              </a:schemeClr>
+            </a:solidFill>
+            <a:tailEnd type="arrow"/>
+          </a:ln>
+        </p:spPr>
+        <p:style>
+          <a:lnRef idx="1">
+            <a:schemeClr val="dk1"/>
+          </a:lnRef>
+          <a:fillRef idx="0">
+            <a:schemeClr val="dk1"/>
+          </a:fillRef>
+          <a:effectRef idx="0">
+            <a:schemeClr val="dk1"/>
+          </a:effectRef>
+          <a:fontRef idx="minor">
+            <a:schemeClr val="tx1"/>
+          </a:fontRef>
+        </p:style>
+      </p:cxnSp>
+      <p:cxnSp>
+        <p:nvCxnSpPr>
+          <p:cNvPr id="25" name="직선 화살표 연결선 24"/>
+          <p:cNvCxnSpPr>
+            <a:stCxn id="8" idx="3"/>
+            <a:endCxn id="10" idx="1"/>
+          </p:cNvCxnSpPr>
+          <p:nvPr/>
+        </p:nvCxnSpPr>
+        <p:spPr>
+          <a:xfrm>
+            <a:off x="3370478" y="7297940"/>
+            <a:ext cx="1201522" cy="1022982"/>
+          </a:xfrm>
+          <a:prstGeom prst="straightConnector1">
+            <a:avLst/>
+          </a:prstGeom>
+          <a:ln w="19050">
+            <a:solidFill>
+              <a:schemeClr val="bg1">
+                <a:lumMod val="50000"/>
+              </a:schemeClr>
+            </a:solidFill>
+            <a:tailEnd type="arrow"/>
+          </a:ln>
+        </p:spPr>
+        <p:style>
+          <a:lnRef idx="1">
+            <a:schemeClr val="dk1"/>
+          </a:lnRef>
+          <a:fillRef idx="0">
+            <a:schemeClr val="dk1"/>
+          </a:fillRef>
+          <a:effectRef idx="0">
+            <a:schemeClr val="dk1"/>
+          </a:effectRef>
+          <a:fontRef idx="minor">
+            <a:schemeClr val="tx1"/>
+          </a:fontRef>
+        </p:style>
+      </p:cxnSp>
+      <p:cxnSp>
+        <p:nvCxnSpPr>
+          <p:cNvPr id="29" name="직선 화살표 연결선 28"/>
+          <p:cNvCxnSpPr>
+            <a:stCxn id="7" idx="3"/>
+            <a:endCxn id="4" idx="2"/>
+          </p:cNvCxnSpPr>
+          <p:nvPr/>
+        </p:nvCxnSpPr>
+        <p:spPr>
+          <a:xfrm>
+            <a:off x="6444208" y="6281010"/>
+            <a:ext cx="720080" cy="991544"/>
+          </a:xfrm>
+          <a:prstGeom prst="straightConnector1">
+            <a:avLst/>
+          </a:prstGeom>
+          <a:ln w="19050">
+            <a:solidFill>
+              <a:schemeClr val="bg1">
+                <a:lumMod val="50000"/>
+              </a:schemeClr>
+            </a:solidFill>
+            <a:headEnd type="arrow" w="med" len="med"/>
+            <a:tailEnd type="arrow" w="med" len="med"/>
+          </a:ln>
+        </p:spPr>
+        <p:style>
+          <a:lnRef idx="1">
+            <a:schemeClr val="dk1"/>
+          </a:lnRef>
+          <a:fillRef idx="0">
+            <a:schemeClr val="dk1"/>
+          </a:fillRef>
+          <a:effectRef idx="0">
+            <a:schemeClr val="dk1"/>
+          </a:effectRef>
+          <a:fontRef idx="minor">
+            <a:schemeClr val="tx1"/>
+          </a:fontRef>
+        </p:style>
+      </p:cxnSp>
+      <p:cxnSp>
+        <p:nvCxnSpPr>
+          <p:cNvPr id="32" name="직선 화살표 연결선 31"/>
+          <p:cNvCxnSpPr>
+            <a:stCxn id="10" idx="3"/>
+            <a:endCxn id="4" idx="2"/>
+          </p:cNvCxnSpPr>
+          <p:nvPr/>
+        </p:nvCxnSpPr>
+        <p:spPr>
+          <a:xfrm flipV="1">
+            <a:off x="6444208" y="7272554"/>
+            <a:ext cx="720080" cy="1048368"/>
+          </a:xfrm>
+          <a:prstGeom prst="straightConnector1">
+            <a:avLst/>
+          </a:prstGeom>
+          <a:ln w="19050">
+            <a:solidFill>
+              <a:schemeClr val="bg1">
+                <a:lumMod val="50000"/>
+              </a:schemeClr>
+            </a:solidFill>
+            <a:headEnd type="arrow" w="med" len="med"/>
+            <a:tailEnd type="arrow" w="med" len="med"/>
+          </a:ln>
+        </p:spPr>
+        <p:style>
+          <a:lnRef idx="1">
+            <a:schemeClr val="dk1"/>
+          </a:lnRef>
+          <a:fillRef idx="0">
+            <a:schemeClr val="dk1"/>
+          </a:fillRef>
+          <a:effectRef idx="0">
+            <a:schemeClr val="dk1"/>
+          </a:effectRef>
+          <a:fontRef idx="minor">
+            <a:schemeClr val="tx1"/>
+          </a:fontRef>
+        </p:style>
+      </p:cxnSp>
+      <p:sp>
+        <p:nvSpPr>
+          <p:cNvPr id="35" name="TextBox 34"/>
+          <p:cNvSpPr txBox="1"/>
+          <p:nvPr/>
+        </p:nvSpPr>
+        <p:spPr>
+          <a:xfrm>
+            <a:off x="2785219" y="9153777"/>
+            <a:ext cx="1607269" cy="430887"/>
+          </a:xfrm>
+          <a:prstGeom prst="rect">
+            <a:avLst/>
+          </a:prstGeom>
+          <a:noFill/>
+        </p:spPr>
+        <p:txBody>
+          <a:bodyPr wrap="square" rtlCol="0">
+            <a:spAutoFit/>
+          </a:bodyPr>
+          <a:lstStyle/>
+          <a:p>
+            <a:pPr algn="ctr"/>
+            <a:r>
+              <a:rPr lang="ko-KR" altLang="en-US" sz="1100" dirty="0" smtClean="0"/>
+              <a:t>각각 테스트 페이지에서 </a:t>
+            </a:r>
+            <a:r>
+              <a:rPr lang="en-US" altLang="ko-KR" sz="1100" dirty="0" smtClean="0"/>
+              <a:t>http </a:t>
+            </a:r>
+            <a:r>
+              <a:rPr lang="ko-KR" altLang="en-US" sz="1100" dirty="0" smtClean="0"/>
+              <a:t>요청</a:t>
+            </a:r>
+            <a:endParaRPr lang="ko-KR" altLang="en-US" sz="1100" dirty="0"/>
+          </a:p>
+        </p:txBody>
+      </p:sp>
+      <p:sp>
+        <p:nvSpPr>
+          <p:cNvPr id="36" name="TextBox 35"/>
+          <p:cNvSpPr txBox="1"/>
+          <p:nvPr/>
+        </p:nvSpPr>
+        <p:spPr>
+          <a:xfrm>
+            <a:off x="3347864" y="7082497"/>
+            <a:ext cx="1368152" cy="430887"/>
+          </a:xfrm>
+          <a:prstGeom prst="rect">
+            <a:avLst/>
+          </a:prstGeom>
+          <a:noFill/>
+        </p:spPr>
+        <p:txBody>
+          <a:bodyPr wrap="square" rtlCol="0">
+            <a:spAutoFit/>
+          </a:bodyPr>
+          <a:lstStyle/>
+          <a:p>
+            <a:pPr algn="ctr"/>
+            <a:r>
+              <a:rPr lang="en-US" altLang="ko-KR" sz="1100" dirty="0" smtClean="0"/>
+              <a:t>Nginx</a:t>
+            </a:r>
+            <a:r>
+              <a:rPr lang="ko-KR" altLang="en-US" sz="1100" dirty="0" smtClean="0"/>
+              <a:t>를</a:t>
+            </a:r>
+            <a:r>
+              <a:rPr lang="en-US" altLang="ko-KR" sz="1100" dirty="0"/>
+              <a:t> </a:t>
+            </a:r>
+            <a:r>
+              <a:rPr lang="ko-KR" altLang="en-US" sz="1100" dirty="0" smtClean="0"/>
+              <a:t>통한</a:t>
+            </a:r>
+            <a:endParaRPr lang="en-US" altLang="ko-KR" sz="1100" dirty="0" smtClean="0"/>
+          </a:p>
+          <a:p>
+            <a:pPr algn="ctr"/>
+            <a:r>
+              <a:rPr lang="ko-KR" altLang="en-US" sz="1100" dirty="0" err="1" smtClean="0"/>
+              <a:t>로드밸런싱</a:t>
+            </a:r>
+            <a:endParaRPr lang="ko-KR" altLang="en-US" sz="1100" dirty="0"/>
+          </a:p>
+        </p:txBody>
+      </p:sp>
+      <p:sp>
+        <p:nvSpPr>
+          <p:cNvPr id="45" name="TextBox 44"/>
+          <p:cNvSpPr txBox="1"/>
+          <p:nvPr/>
+        </p:nvSpPr>
+        <p:spPr>
+          <a:xfrm>
+            <a:off x="5940152" y="7073761"/>
+            <a:ext cx="1368152" cy="430887"/>
+          </a:xfrm>
+          <a:prstGeom prst="rect">
+            <a:avLst/>
+          </a:prstGeom>
+          <a:noFill/>
+        </p:spPr>
+        <p:txBody>
+          <a:bodyPr wrap="square" rtlCol="0">
+            <a:spAutoFit/>
+          </a:bodyPr>
+          <a:lstStyle/>
+          <a:p>
+            <a:pPr algn="ctr"/>
+            <a:r>
+              <a:rPr lang="en-US" altLang="ko-KR" sz="1100" dirty="0" err="1" smtClean="0"/>
+              <a:t>Redis</a:t>
+            </a:r>
+            <a:r>
+              <a:rPr lang="ko-KR" altLang="en-US" sz="1100" dirty="0" smtClean="0"/>
+              <a:t>를 통한</a:t>
+            </a:r>
+            <a:endParaRPr lang="en-US" altLang="ko-KR" sz="1100" dirty="0" smtClean="0"/>
+          </a:p>
+          <a:p>
+            <a:pPr algn="ctr"/>
+            <a:r>
+              <a:rPr lang="ko-KR" altLang="en-US" sz="1100" dirty="0" smtClean="0"/>
+              <a:t>데이터 관리</a:t>
+            </a:r>
+            <a:endParaRPr lang="ko-KR" altLang="en-US" sz="1100" dirty="0"/>
+          </a:p>
+        </p:txBody>
+      </p:sp>
+      <p:sp>
+        <p:nvSpPr>
+          <p:cNvPr id="48" name="TextBox 47"/>
+          <p:cNvSpPr txBox="1"/>
+          <p:nvPr/>
+        </p:nvSpPr>
+        <p:spPr>
+          <a:xfrm>
+            <a:off x="2771477" y="8892167"/>
+            <a:ext cx="1607269" cy="261610"/>
+          </a:xfrm>
+          <a:prstGeom prst="rect">
+            <a:avLst/>
+          </a:prstGeom>
+          <a:noFill/>
+        </p:spPr>
+        <p:txBody>
+          <a:bodyPr wrap="square" rtlCol="0">
+            <a:spAutoFit/>
+          </a:bodyPr>
+          <a:lstStyle/>
+          <a:p>
+            <a:pPr algn="ctr"/>
+            <a:r>
+              <a:rPr lang="ko-KR" altLang="en-US" sz="1100" dirty="0" err="1" smtClean="0"/>
+              <a:t>단건</a:t>
+            </a:r>
+            <a:r>
+              <a:rPr lang="ko-KR" altLang="en-US" sz="1100" dirty="0" smtClean="0"/>
+              <a:t> 테스트 요청</a:t>
+            </a:r>
+            <a:endParaRPr lang="ko-KR" altLang="en-US" sz="1100" dirty="0"/>
+          </a:p>
+        </p:txBody>
+      </p:sp>
+      <p:sp>
+        <p:nvSpPr>
+          <p:cNvPr id="49" name="TextBox 48"/>
+          <p:cNvSpPr txBox="1"/>
+          <p:nvPr/>
+        </p:nvSpPr>
+        <p:spPr>
+          <a:xfrm>
+            <a:off x="835900" y="8160724"/>
+            <a:ext cx="1607269" cy="430887"/>
+          </a:xfrm>
+          <a:prstGeom prst="rect">
+            <a:avLst/>
+          </a:prstGeom>
+          <a:noFill/>
+        </p:spPr>
+        <p:txBody>
+          <a:bodyPr wrap="square" rtlCol="0">
+            <a:spAutoFit/>
+          </a:bodyPr>
+          <a:lstStyle/>
+          <a:p>
+            <a:pPr algn="ctr"/>
+            <a:r>
+              <a:rPr lang="ko-KR" altLang="en-US" sz="1100" dirty="0" smtClean="0"/>
+              <a:t>성능 테스트를 위한</a:t>
+            </a:r>
+            <a:endParaRPr lang="en-US" altLang="ko-KR" sz="1100" dirty="0" smtClean="0"/>
+          </a:p>
+          <a:p>
+            <a:pPr algn="ctr"/>
+            <a:r>
+              <a:rPr lang="ko-KR" altLang="en-US" sz="1100" dirty="0" smtClean="0"/>
+              <a:t>다건 요청</a:t>
+            </a:r>
+            <a:endParaRPr lang="ko-KR" altLang="en-US" sz="1100" dirty="0"/>
+          </a:p>
+        </p:txBody>
+      </p:sp>
+      <p:sp>
+        <p:nvSpPr>
+          <p:cNvPr id="27" name="모서리가 둥근 직사각형 26"/>
+          <p:cNvSpPr/>
+          <p:nvPr/>
+        </p:nvSpPr>
+        <p:spPr>
+          <a:xfrm>
+            <a:off x="4708510" y="4222881"/>
+            <a:ext cx="1872208" cy="718287"/>
+          </a:xfrm>
+          <a:prstGeom prst="roundRect">
+            <a:avLst/>
+          </a:prstGeom>
+          <a:solidFill>
+            <a:schemeClr val="accent1">
+              <a:lumMod val="20000"/>
+              <a:lumOff val="80000"/>
+            </a:schemeClr>
+          </a:solidFill>
+        </p:spPr>
+        <p:style>
+          <a:lnRef idx="2">
+            <a:schemeClr val="accent1">
+              <a:shade val="50000"/>
+            </a:schemeClr>
+          </a:lnRef>
+          <a:fillRef idx="1">
+            <a:schemeClr val="accent1"/>
+          </a:fillRef>
+          <a:effectRef idx="0">
+            <a:schemeClr val="accent1"/>
+          </a:effectRef>
+          <a:fontRef idx="minor">
+            <a:schemeClr val="lt1"/>
+          </a:fontRef>
+        </p:style>
+        <p:txBody>
+          <a:bodyPr rtlCol="0" anchor="ctr"/>
+          <a:lstStyle/>
+          <a:p>
+            <a:pPr algn="ctr"/>
+            <a:r>
+              <a:rPr lang="en-US" altLang="ko-KR" sz="1400" b="1" dirty="0" err="1">
+                <a:solidFill>
+                  <a:schemeClr val="tx1"/>
+                </a:solidFill>
+              </a:rPr>
+              <a:t>GenGuidService</a:t>
+            </a:r>
+            <a:endParaRPr lang="ko-KR" altLang="en-US" sz="1400" b="1" dirty="0">
+              <a:solidFill>
+                <a:schemeClr val="tx1"/>
+              </a:solidFill>
+            </a:endParaRPr>
+          </a:p>
+        </p:txBody>
+      </p:sp>
+      <p:sp>
+        <p:nvSpPr>
+          <p:cNvPr id="28" name="모서리가 둥근 직사각형 27"/>
+          <p:cNvSpPr/>
+          <p:nvPr/>
+        </p:nvSpPr>
+        <p:spPr>
+          <a:xfrm>
+            <a:off x="4716016" y="2152059"/>
+            <a:ext cx="1872208" cy="718287"/>
+          </a:xfrm>
+          <a:prstGeom prst="roundRect">
+            <a:avLst/>
+          </a:prstGeom>
+          <a:solidFill>
+            <a:schemeClr val="accent1">
+              <a:lumMod val="20000"/>
+              <a:lumOff val="80000"/>
+            </a:schemeClr>
+          </a:solidFill>
+        </p:spPr>
+        <p:style>
+          <a:lnRef idx="2">
+            <a:schemeClr val="accent1">
+              <a:shade val="50000"/>
+            </a:schemeClr>
+          </a:lnRef>
+          <a:fillRef idx="1">
+            <a:schemeClr val="accent1"/>
+          </a:fillRef>
+          <a:effectRef idx="0">
+            <a:schemeClr val="accent1"/>
+          </a:effectRef>
+          <a:fontRef idx="minor">
+            <a:schemeClr val="lt1"/>
+          </a:fontRef>
+        </p:style>
+        <p:txBody>
+          <a:bodyPr rtlCol="0" anchor="ctr"/>
+          <a:lstStyle/>
+          <a:p>
+            <a:pPr algn="ctr"/>
+            <a:r>
+              <a:rPr lang="en-US" altLang="ko-KR" sz="1400" b="1" dirty="0" err="1">
+                <a:solidFill>
+                  <a:schemeClr val="tx1"/>
+                </a:solidFill>
+              </a:rPr>
+              <a:t>GenSeqService</a:t>
+            </a:r>
+            <a:endParaRPr lang="ko-KR" altLang="en-US" sz="1400" b="1" dirty="0">
+              <a:solidFill>
+                <a:schemeClr val="tx1"/>
+              </a:solidFill>
+            </a:endParaRPr>
+          </a:p>
+        </p:txBody>
+      </p:sp>
+      <p:sp>
+        <p:nvSpPr>
+          <p:cNvPr id="31" name="원통 30"/>
+          <p:cNvSpPr/>
+          <p:nvPr/>
+        </p:nvSpPr>
+        <p:spPr>
+          <a:xfrm>
+            <a:off x="7452320" y="3104964"/>
+            <a:ext cx="1224136" cy="936104"/>
+          </a:xfrm>
+          <a:prstGeom prst="can">
+            <a:avLst/>
+          </a:prstGeom>
+          <a:solidFill>
+            <a:schemeClr val="accent6">
+              <a:lumMod val="20000"/>
+              <a:lumOff val="80000"/>
+            </a:schemeClr>
+          </a:solidFill>
+          <a:ln>
+            <a:solidFill>
+              <a:schemeClr val="accent6">
+                <a:lumMod val="60000"/>
+                <a:lumOff val="40000"/>
+              </a:schemeClr>
+            </a:solidFill>
+          </a:ln>
+        </p:spPr>
+        <p:style>
+          <a:lnRef idx="2">
+            <a:schemeClr val="accent1">
+              <a:shade val="50000"/>
+            </a:schemeClr>
+          </a:lnRef>
+          <a:fillRef idx="1">
+            <a:schemeClr val="accent1"/>
+          </a:fillRef>
+          <a:effectRef idx="0">
+            <a:schemeClr val="accent1"/>
+          </a:effectRef>
+          <a:fontRef idx="minor">
+            <a:schemeClr val="lt1"/>
+          </a:fontRef>
+        </p:style>
+        <p:txBody>
+          <a:bodyPr rtlCol="0" anchor="ctr"/>
+          <a:lstStyle/>
+          <a:p>
+            <a:pPr algn="ctr"/>
+            <a:r>
+              <a:rPr lang="en-US" altLang="ko-KR" sz="1600" b="1" dirty="0" err="1" smtClean="0">
+                <a:solidFill>
+                  <a:schemeClr val="tx1"/>
+                </a:solidFill>
+              </a:rPr>
+              <a:t>Redis</a:t>
+            </a:r>
+            <a:endParaRPr lang="ko-KR" altLang="en-US" sz="1600" b="1" dirty="0">
+              <a:solidFill>
+                <a:schemeClr val="tx1"/>
+              </a:solidFill>
+            </a:endParaRPr>
+          </a:p>
+        </p:txBody>
+      </p:sp>
+      <p:cxnSp>
+        <p:nvCxnSpPr>
+          <p:cNvPr id="33" name="직선 화살표 연결선 32"/>
+          <p:cNvCxnSpPr/>
+          <p:nvPr/>
+        </p:nvCxnSpPr>
+        <p:spPr>
+          <a:xfrm>
+            <a:off x="358531" y="2632279"/>
+            <a:ext cx="1429303" cy="0"/>
+          </a:xfrm>
+          <a:prstGeom prst="straightConnector1">
+            <a:avLst/>
+          </a:prstGeom>
+          <a:ln w="19050">
+            <a:solidFill>
+              <a:srgbClr val="FF0000"/>
+            </a:solidFill>
+            <a:tailEnd type="arrow"/>
+          </a:ln>
+        </p:spPr>
+        <p:style>
+          <a:lnRef idx="1">
+            <a:schemeClr val="dk1"/>
+          </a:lnRef>
+          <a:fillRef idx="0">
+            <a:schemeClr val="dk1"/>
+          </a:fillRef>
+          <a:effectRef idx="0">
+            <a:schemeClr val="dk1"/>
+          </a:effectRef>
+          <a:fontRef idx="minor">
+            <a:schemeClr val="tx1"/>
+          </a:fontRef>
+        </p:style>
+      </p:cxnSp>
+      <p:sp>
+        <p:nvSpPr>
+          <p:cNvPr id="37" name="TextBox 36"/>
+          <p:cNvSpPr txBox="1"/>
+          <p:nvPr/>
+        </p:nvSpPr>
+        <p:spPr>
+          <a:xfrm>
+            <a:off x="179512" y="1988840"/>
+            <a:ext cx="1886688" cy="600164"/>
+          </a:xfrm>
+          <a:prstGeom prst="rect">
+            <a:avLst/>
+          </a:prstGeom>
+          <a:noFill/>
+        </p:spPr>
+        <p:txBody>
+          <a:bodyPr wrap="square" rtlCol="0">
+            <a:spAutoFit/>
+          </a:bodyPr>
+          <a:lstStyle/>
+          <a:p>
+            <a:pPr algn="ctr"/>
+            <a:r>
+              <a:rPr lang="ko-KR" altLang="en-US" sz="1100" b="1" dirty="0" smtClean="0">
+                <a:solidFill>
+                  <a:srgbClr val="FF0000"/>
+                </a:solidFill>
+              </a:rPr>
+              <a:t>시퀀스 </a:t>
+            </a:r>
+            <a:r>
+              <a:rPr lang="ko-KR" altLang="en-US" sz="1100" b="1" dirty="0" err="1" smtClean="0">
+                <a:solidFill>
+                  <a:srgbClr val="FF0000"/>
+                </a:solidFill>
+              </a:rPr>
+              <a:t>채번</a:t>
+            </a:r>
+            <a:r>
+              <a:rPr lang="ko-KR" altLang="en-US" sz="1100" b="1" dirty="0" smtClean="0">
+                <a:solidFill>
+                  <a:srgbClr val="FF0000"/>
+                </a:solidFill>
+              </a:rPr>
+              <a:t> 요청</a:t>
+            </a:r>
+            <a:endParaRPr lang="en-US" altLang="ko-KR" sz="1100" b="1" dirty="0" smtClean="0">
+              <a:solidFill>
+                <a:srgbClr val="FF0000"/>
+              </a:solidFill>
+            </a:endParaRPr>
+          </a:p>
+          <a:p>
+            <a:pPr algn="ctr"/>
+            <a:r>
+              <a:rPr lang="en-US" altLang="ko-KR" sz="1100" dirty="0" smtClean="0"/>
+              <a:t>GET – http </a:t>
+            </a:r>
+          </a:p>
+          <a:p>
+            <a:pPr algn="ctr"/>
+            <a:r>
+              <a:rPr lang="en-US" altLang="ko-KR" sz="1100" dirty="0" smtClean="0"/>
+              <a:t>- /</a:t>
+            </a:r>
+            <a:r>
+              <a:rPr lang="en-US" altLang="ko-KR" sz="1100" dirty="0" err="1" smtClean="0"/>
+              <a:t>seqApi</a:t>
+            </a:r>
+            <a:r>
+              <a:rPr lang="en-US" altLang="ko-KR" sz="1100" dirty="0" smtClean="0"/>
+              <a:t>/</a:t>
+            </a:r>
+            <a:r>
+              <a:rPr lang="en-US" altLang="ko-KR" sz="1100" dirty="0" err="1" smtClean="0"/>
+              <a:t>getSeq</a:t>
+            </a:r>
+            <a:endParaRPr lang="en-US" altLang="ko-KR" sz="1100" dirty="0" smtClean="0"/>
+          </a:p>
+        </p:txBody>
+      </p:sp>
+      <p:cxnSp>
+        <p:nvCxnSpPr>
+          <p:cNvPr id="38" name="직선 화살표 연결선 37"/>
+          <p:cNvCxnSpPr/>
+          <p:nvPr/>
+        </p:nvCxnSpPr>
+        <p:spPr>
+          <a:xfrm flipH="1">
+            <a:off x="323528" y="2923783"/>
+            <a:ext cx="1440160" cy="0"/>
+          </a:xfrm>
+          <a:prstGeom prst="straightConnector1">
+            <a:avLst/>
+          </a:prstGeom>
+          <a:ln w="19050">
+            <a:solidFill>
+              <a:srgbClr val="FF0000"/>
+            </a:solidFill>
+            <a:tailEnd type="arrow"/>
+          </a:ln>
+        </p:spPr>
+        <p:style>
+          <a:lnRef idx="1">
+            <a:schemeClr val="dk1"/>
+          </a:lnRef>
+          <a:fillRef idx="0">
+            <a:schemeClr val="dk1"/>
+          </a:fillRef>
+          <a:effectRef idx="0">
+            <a:schemeClr val="dk1"/>
+          </a:effectRef>
+          <a:fontRef idx="minor">
+            <a:schemeClr val="tx1"/>
+          </a:fontRef>
+        </p:style>
+      </p:cxnSp>
+      <p:cxnSp>
+        <p:nvCxnSpPr>
+          <p:cNvPr id="39" name="직선 화살표 연결선 38"/>
+          <p:cNvCxnSpPr/>
+          <p:nvPr/>
+        </p:nvCxnSpPr>
+        <p:spPr>
+          <a:xfrm flipV="1">
+            <a:off x="3617656" y="2415694"/>
+            <a:ext cx="1090854" cy="581259"/>
+          </a:xfrm>
+          <a:prstGeom prst="straightConnector1">
+            <a:avLst/>
+          </a:prstGeom>
+          <a:ln w="19050">
+            <a:solidFill>
+              <a:srgbClr val="FF0000"/>
+            </a:solidFill>
+            <a:tailEnd type="arrow"/>
+          </a:ln>
+        </p:spPr>
+        <p:style>
+          <a:lnRef idx="1">
+            <a:schemeClr val="dk1"/>
+          </a:lnRef>
+          <a:fillRef idx="0">
+            <a:schemeClr val="dk1"/>
+          </a:fillRef>
+          <a:effectRef idx="0">
+            <a:schemeClr val="dk1"/>
+          </a:effectRef>
+          <a:fontRef idx="minor">
+            <a:schemeClr val="tx1"/>
+          </a:fontRef>
+        </p:style>
+      </p:cxnSp>
+      <p:sp>
+        <p:nvSpPr>
+          <p:cNvPr id="43" name="TextBox 42"/>
+          <p:cNvSpPr txBox="1"/>
+          <p:nvPr/>
+        </p:nvSpPr>
+        <p:spPr>
+          <a:xfrm>
+            <a:off x="3182522" y="2193241"/>
+            <a:ext cx="1652082" cy="430887"/>
+          </a:xfrm>
+          <a:prstGeom prst="rect">
+            <a:avLst/>
+          </a:prstGeom>
+          <a:noFill/>
+        </p:spPr>
+        <p:txBody>
+          <a:bodyPr wrap="square" rtlCol="0">
+            <a:spAutoFit/>
+          </a:bodyPr>
+          <a:lstStyle/>
+          <a:p>
+            <a:pPr algn="ctr"/>
+            <a:r>
+              <a:rPr lang="ko-KR" altLang="en-US" sz="1100" dirty="0" smtClean="0"/>
+              <a:t>시퀀스 </a:t>
+            </a:r>
+            <a:r>
+              <a:rPr lang="ko-KR" altLang="en-US" sz="1100" dirty="0" err="1" smtClean="0"/>
+              <a:t>채번</a:t>
+            </a:r>
+            <a:r>
+              <a:rPr lang="ko-KR" altLang="en-US" sz="1100" dirty="0" smtClean="0"/>
+              <a:t> </a:t>
+            </a:r>
+            <a:endParaRPr lang="en-US" altLang="ko-KR" sz="1100" dirty="0" smtClean="0"/>
+          </a:p>
+          <a:p>
+            <a:pPr algn="ctr"/>
+            <a:r>
+              <a:rPr lang="ko-KR" altLang="en-US" sz="1100" dirty="0" smtClean="0"/>
+              <a:t>서비스 호출</a:t>
+            </a:r>
+            <a:endParaRPr lang="en-US" altLang="ko-KR" sz="1100" dirty="0" smtClean="0"/>
+          </a:p>
+        </p:txBody>
+      </p:sp>
+      <p:sp>
+        <p:nvSpPr>
+          <p:cNvPr id="44" name="직사각형 43"/>
+          <p:cNvSpPr/>
+          <p:nvPr/>
+        </p:nvSpPr>
+        <p:spPr>
+          <a:xfrm>
+            <a:off x="7164288" y="1484784"/>
+            <a:ext cx="1728192" cy="3960440"/>
+          </a:xfrm>
+          <a:prstGeom prst="rect">
+            <a:avLst/>
+          </a:prstGeom>
+          <a:noFill/>
+          <a:ln>
+            <a:solidFill>
+              <a:schemeClr val="bg1">
+                <a:lumMod val="85000"/>
+              </a:schemeClr>
+            </a:solidFill>
+          </a:ln>
+        </p:spPr>
+        <p:style>
+          <a:lnRef idx="2">
+            <a:schemeClr val="accent1">
+              <a:shade val="50000"/>
+            </a:schemeClr>
+          </a:lnRef>
+          <a:fillRef idx="1">
+            <a:schemeClr val="accent1"/>
+          </a:fillRef>
+          <a:effectRef idx="0">
+            <a:schemeClr val="accent1"/>
+          </a:effectRef>
+          <a:fontRef idx="minor">
+            <a:schemeClr val="lt1"/>
+          </a:fontRef>
+        </p:style>
+        <p:txBody>
+          <a:bodyPr rtlCol="0" anchor="t"/>
+          <a:lstStyle/>
+          <a:p>
+            <a:endParaRPr lang="ko-KR" altLang="en-US" b="1" dirty="0">
+              <a:solidFill>
+                <a:schemeClr val="tx1"/>
+              </a:solidFill>
+            </a:endParaRPr>
+          </a:p>
+        </p:txBody>
+      </p:sp>
+      <p:cxnSp>
+        <p:nvCxnSpPr>
+          <p:cNvPr id="50" name="직선 화살표 연결선 49"/>
+          <p:cNvCxnSpPr/>
+          <p:nvPr/>
+        </p:nvCxnSpPr>
+        <p:spPr>
+          <a:xfrm flipH="1">
+            <a:off x="3617656" y="2689445"/>
+            <a:ext cx="1090854" cy="595539"/>
+          </a:xfrm>
+          <a:prstGeom prst="straightConnector1">
+            <a:avLst/>
+          </a:prstGeom>
+          <a:ln w="19050">
+            <a:solidFill>
+              <a:srgbClr val="FF0000"/>
+            </a:solidFill>
+            <a:tailEnd type="arrow"/>
+          </a:ln>
+        </p:spPr>
+        <p:style>
+          <a:lnRef idx="1">
+            <a:schemeClr val="dk1"/>
+          </a:lnRef>
+          <a:fillRef idx="0">
+            <a:schemeClr val="dk1"/>
+          </a:fillRef>
+          <a:effectRef idx="0">
+            <a:schemeClr val="dk1"/>
+          </a:effectRef>
+          <a:fontRef idx="minor">
+            <a:schemeClr val="tx1"/>
+          </a:fontRef>
+        </p:style>
+      </p:cxnSp>
+      <p:cxnSp>
+        <p:nvCxnSpPr>
+          <p:cNvPr id="52" name="직선 화살표 연결선 51"/>
+          <p:cNvCxnSpPr>
+            <a:stCxn id="28" idx="3"/>
+            <a:endCxn id="31" idx="1"/>
+          </p:cNvCxnSpPr>
+          <p:nvPr/>
+        </p:nvCxnSpPr>
+        <p:spPr>
+          <a:xfrm>
+            <a:off x="6588224" y="2511203"/>
+            <a:ext cx="1476164" cy="593761"/>
+          </a:xfrm>
+          <a:prstGeom prst="straightConnector1">
+            <a:avLst/>
+          </a:prstGeom>
+          <a:ln w="19050">
+            <a:solidFill>
+              <a:srgbClr val="FF0000"/>
+            </a:solidFill>
+            <a:headEnd type="arrow" w="med" len="med"/>
+            <a:tailEnd type="arrow" w="med" len="med"/>
+          </a:ln>
+        </p:spPr>
+        <p:style>
+          <a:lnRef idx="1">
+            <a:schemeClr val="dk1"/>
+          </a:lnRef>
+          <a:fillRef idx="0">
+            <a:schemeClr val="dk1"/>
+          </a:fillRef>
+          <a:effectRef idx="0">
+            <a:schemeClr val="dk1"/>
+          </a:effectRef>
+          <a:fontRef idx="minor">
+            <a:schemeClr val="tx1"/>
+          </a:fontRef>
+        </p:style>
+      </p:cxnSp>
+      <p:sp>
+        <p:nvSpPr>
+          <p:cNvPr id="56" name="TextBox 55"/>
+          <p:cNvSpPr txBox="1"/>
+          <p:nvPr/>
+        </p:nvSpPr>
+        <p:spPr>
+          <a:xfrm>
+            <a:off x="6626279" y="1660037"/>
+            <a:ext cx="1652082" cy="938719"/>
+          </a:xfrm>
+          <a:prstGeom prst="rect">
+            <a:avLst/>
+          </a:prstGeom>
+          <a:noFill/>
+        </p:spPr>
+        <p:txBody>
+          <a:bodyPr wrap="square" rtlCol="0">
+            <a:spAutoFit/>
+          </a:bodyPr>
+          <a:lstStyle/>
+          <a:p>
+            <a:pPr marL="228600" indent="-228600">
+              <a:buAutoNum type="arabicPeriod"/>
+            </a:pPr>
+            <a:r>
+              <a:rPr lang="en-US" altLang="ko-KR" sz="1100" dirty="0" err="1" smtClean="0"/>
+              <a:t>Redis</a:t>
+            </a:r>
+            <a:r>
+              <a:rPr lang="en-US" altLang="ko-KR" sz="1100" dirty="0" smtClean="0"/>
+              <a:t> Lock </a:t>
+            </a:r>
+            <a:r>
+              <a:rPr lang="ko-KR" altLang="en-US" sz="1100" dirty="0" smtClean="0"/>
+              <a:t>획득</a:t>
+            </a:r>
+            <a:endParaRPr lang="en-US" altLang="ko-KR" sz="1100" dirty="0" smtClean="0"/>
+          </a:p>
+          <a:p>
+            <a:pPr marL="228600" indent="-228600">
+              <a:buAutoNum type="arabicPeriod"/>
+            </a:pPr>
+            <a:r>
+              <a:rPr lang="en-US" altLang="ko-KR" sz="1100" dirty="0" err="1" smtClean="0"/>
+              <a:t>Seq</a:t>
+            </a:r>
+            <a:r>
+              <a:rPr lang="en-US" altLang="ko-KR" sz="1100" dirty="0" smtClean="0"/>
+              <a:t> </a:t>
+            </a:r>
+            <a:r>
+              <a:rPr lang="ko-KR" altLang="en-US" sz="1100" dirty="0" smtClean="0"/>
+              <a:t>조회</a:t>
+            </a:r>
+            <a:endParaRPr lang="en-US" altLang="ko-KR" sz="1100" dirty="0" smtClean="0"/>
+          </a:p>
+          <a:p>
+            <a:pPr marL="228600" indent="-228600">
+              <a:buAutoNum type="arabicPeriod"/>
+            </a:pPr>
+            <a:r>
+              <a:rPr lang="en-US" altLang="ko-KR" sz="1100" dirty="0" err="1" smtClean="0"/>
+              <a:t>Seq</a:t>
+            </a:r>
+            <a:r>
+              <a:rPr lang="en-US" altLang="ko-KR" sz="1100" dirty="0" smtClean="0"/>
+              <a:t> </a:t>
+            </a:r>
+            <a:r>
+              <a:rPr lang="ko-KR" altLang="en-US" sz="1100" dirty="0" smtClean="0"/>
+              <a:t>번호 증가</a:t>
+            </a:r>
+            <a:endParaRPr lang="en-US" altLang="ko-KR" sz="1100" dirty="0" smtClean="0"/>
+          </a:p>
+          <a:p>
+            <a:pPr marL="228600" indent="-228600">
+              <a:buAutoNum type="arabicPeriod"/>
+            </a:pPr>
+            <a:r>
+              <a:rPr lang="en-US" altLang="ko-KR" sz="1100" dirty="0" err="1" smtClean="0"/>
+              <a:t>Seq</a:t>
+            </a:r>
+            <a:r>
+              <a:rPr lang="en-US" altLang="ko-KR" sz="1100" dirty="0" smtClean="0"/>
+              <a:t> </a:t>
+            </a:r>
+            <a:r>
+              <a:rPr lang="ko-KR" altLang="en-US" sz="1100" dirty="0" smtClean="0"/>
+              <a:t>업데이트</a:t>
+            </a:r>
+            <a:endParaRPr lang="en-US" altLang="ko-KR" sz="1100" dirty="0"/>
+          </a:p>
+          <a:p>
+            <a:pPr marL="228600" indent="-228600">
+              <a:buAutoNum type="arabicPeriod"/>
+            </a:pPr>
+            <a:r>
+              <a:rPr lang="en-US" altLang="ko-KR" sz="1100" dirty="0" smtClean="0"/>
+              <a:t>Lock </a:t>
+            </a:r>
+            <a:r>
+              <a:rPr lang="ko-KR" altLang="en-US" sz="1100" dirty="0" smtClean="0"/>
+              <a:t>반납 </a:t>
+            </a:r>
+            <a:endParaRPr lang="en-US" altLang="ko-KR" sz="1100" dirty="0" smtClean="0"/>
+          </a:p>
+        </p:txBody>
+      </p:sp>
+      <p:sp>
+        <p:nvSpPr>
+          <p:cNvPr id="65" name="TextBox 64"/>
+          <p:cNvSpPr txBox="1"/>
+          <p:nvPr/>
+        </p:nvSpPr>
+        <p:spPr>
+          <a:xfrm>
+            <a:off x="3714113" y="2932125"/>
+            <a:ext cx="1652082" cy="430887"/>
+          </a:xfrm>
+          <a:prstGeom prst="rect">
+            <a:avLst/>
+          </a:prstGeom>
+          <a:noFill/>
+        </p:spPr>
+        <p:txBody>
+          <a:bodyPr wrap="square" rtlCol="0">
+            <a:spAutoFit/>
+          </a:bodyPr>
+          <a:lstStyle/>
+          <a:p>
+            <a:pPr algn="ctr"/>
+            <a:r>
+              <a:rPr lang="ko-KR" altLang="en-US" sz="1100" dirty="0" smtClean="0"/>
+              <a:t>시퀀스 </a:t>
+            </a:r>
+            <a:r>
+              <a:rPr lang="ko-KR" altLang="en-US" sz="1100" dirty="0" err="1" smtClean="0"/>
+              <a:t>채번</a:t>
+            </a:r>
+            <a:r>
+              <a:rPr lang="ko-KR" altLang="en-US" sz="1100" dirty="0" smtClean="0"/>
+              <a:t> </a:t>
+            </a:r>
+            <a:endParaRPr lang="en-US" altLang="ko-KR" sz="1100" dirty="0" smtClean="0"/>
+          </a:p>
+          <a:p>
+            <a:pPr algn="ctr"/>
+            <a:r>
+              <a:rPr lang="ko-KR" altLang="en-US" sz="1100" dirty="0" smtClean="0"/>
+              <a:t>결과 응답 전달</a:t>
+            </a:r>
+            <a:endParaRPr lang="en-US" altLang="ko-KR" sz="1100" dirty="0" smtClean="0"/>
+          </a:p>
+        </p:txBody>
+      </p:sp>
+      <p:sp>
+        <p:nvSpPr>
+          <p:cNvPr id="66" name="TextBox 65"/>
+          <p:cNvSpPr txBox="1"/>
+          <p:nvPr/>
+        </p:nvSpPr>
+        <p:spPr>
+          <a:xfrm>
+            <a:off x="179512" y="2906821"/>
+            <a:ext cx="1890947" cy="261610"/>
+          </a:xfrm>
+          <a:prstGeom prst="rect">
+            <a:avLst/>
+          </a:prstGeom>
+          <a:noFill/>
+        </p:spPr>
+        <p:txBody>
+          <a:bodyPr wrap="square" rtlCol="0">
+            <a:spAutoFit/>
+          </a:bodyPr>
+          <a:lstStyle/>
+          <a:p>
+            <a:pPr algn="ctr"/>
+            <a:r>
+              <a:rPr lang="ko-KR" altLang="en-US" sz="1100" dirty="0" smtClean="0"/>
+              <a:t>시퀀스 </a:t>
+            </a:r>
+            <a:r>
+              <a:rPr lang="ko-KR" altLang="en-US" sz="1100" dirty="0" err="1" smtClean="0"/>
+              <a:t>채번</a:t>
+            </a:r>
+            <a:r>
+              <a:rPr lang="ko-KR" altLang="en-US" sz="1100" dirty="0" smtClean="0"/>
+              <a:t> 응답</a:t>
+            </a:r>
+            <a:endParaRPr lang="en-US" altLang="ko-KR" sz="1100" dirty="0" smtClean="0"/>
+          </a:p>
+        </p:txBody>
+      </p:sp>
+      <p:cxnSp>
+        <p:nvCxnSpPr>
+          <p:cNvPr id="67" name="직선 화살표 연결선 66"/>
+          <p:cNvCxnSpPr/>
+          <p:nvPr/>
+        </p:nvCxnSpPr>
+        <p:spPr>
+          <a:xfrm>
+            <a:off x="328956" y="4222881"/>
+            <a:ext cx="1429303" cy="0"/>
+          </a:xfrm>
+          <a:prstGeom prst="straightConnector1">
+            <a:avLst/>
+          </a:prstGeom>
+          <a:ln w="19050">
+            <a:solidFill>
+              <a:srgbClr val="0000FF"/>
+            </a:solidFill>
+            <a:tailEnd type="arrow"/>
+          </a:ln>
+        </p:spPr>
+        <p:style>
+          <a:lnRef idx="1">
+            <a:schemeClr val="dk1"/>
+          </a:lnRef>
+          <a:fillRef idx="0">
+            <a:schemeClr val="dk1"/>
+          </a:fillRef>
+          <a:effectRef idx="0">
+            <a:schemeClr val="dk1"/>
+          </a:effectRef>
+          <a:fontRef idx="minor">
+            <a:schemeClr val="tx1"/>
+          </a:fontRef>
+        </p:style>
+      </p:cxnSp>
+      <p:cxnSp>
+        <p:nvCxnSpPr>
+          <p:cNvPr id="68" name="직선 화살표 연결선 67"/>
+          <p:cNvCxnSpPr/>
+          <p:nvPr/>
+        </p:nvCxnSpPr>
+        <p:spPr>
+          <a:xfrm flipH="1">
+            <a:off x="333784" y="4495499"/>
+            <a:ext cx="1377820" cy="0"/>
+          </a:xfrm>
+          <a:prstGeom prst="straightConnector1">
+            <a:avLst/>
+          </a:prstGeom>
+          <a:ln w="19050">
+            <a:solidFill>
+              <a:srgbClr val="0000FF"/>
+            </a:solidFill>
+            <a:tailEnd type="arrow"/>
+          </a:ln>
+        </p:spPr>
+        <p:style>
+          <a:lnRef idx="1">
+            <a:schemeClr val="dk1"/>
+          </a:lnRef>
+          <a:fillRef idx="0">
+            <a:schemeClr val="dk1"/>
+          </a:fillRef>
+          <a:effectRef idx="0">
+            <a:schemeClr val="dk1"/>
+          </a:effectRef>
+          <a:fontRef idx="minor">
+            <a:schemeClr val="tx1"/>
+          </a:fontRef>
+        </p:style>
+      </p:cxnSp>
+      <p:cxnSp>
+        <p:nvCxnSpPr>
+          <p:cNvPr id="70" name="직선 화살표 연결선 69"/>
+          <p:cNvCxnSpPr/>
+          <p:nvPr/>
+        </p:nvCxnSpPr>
+        <p:spPr>
+          <a:xfrm>
+            <a:off x="3637469" y="4195735"/>
+            <a:ext cx="1071041" cy="288032"/>
+          </a:xfrm>
+          <a:prstGeom prst="straightConnector1">
+            <a:avLst/>
+          </a:prstGeom>
+          <a:ln w="19050">
+            <a:solidFill>
+              <a:srgbClr val="0000FF"/>
+            </a:solidFill>
+            <a:tailEnd type="arrow"/>
+          </a:ln>
+        </p:spPr>
+        <p:style>
+          <a:lnRef idx="1">
+            <a:schemeClr val="dk1"/>
+          </a:lnRef>
+          <a:fillRef idx="0">
+            <a:schemeClr val="dk1"/>
+          </a:fillRef>
+          <a:effectRef idx="0">
+            <a:schemeClr val="dk1"/>
+          </a:effectRef>
+          <a:fontRef idx="minor">
+            <a:schemeClr val="tx1"/>
+          </a:fontRef>
+        </p:style>
+      </p:cxnSp>
+      <p:cxnSp>
+        <p:nvCxnSpPr>
+          <p:cNvPr id="73" name="직선 화살표 연결선 72"/>
+          <p:cNvCxnSpPr/>
+          <p:nvPr/>
+        </p:nvCxnSpPr>
+        <p:spPr>
+          <a:xfrm flipH="1" flipV="1">
+            <a:off x="3617656" y="4437112"/>
+            <a:ext cx="1090855" cy="288032"/>
+          </a:xfrm>
+          <a:prstGeom prst="straightConnector1">
+            <a:avLst/>
+          </a:prstGeom>
+          <a:ln w="19050">
+            <a:solidFill>
+              <a:srgbClr val="0000FF"/>
+            </a:solidFill>
+            <a:tailEnd type="arrow"/>
+          </a:ln>
+        </p:spPr>
+        <p:style>
+          <a:lnRef idx="1">
+            <a:schemeClr val="dk1"/>
+          </a:lnRef>
+          <a:fillRef idx="0">
+            <a:schemeClr val="dk1"/>
+          </a:fillRef>
+          <a:effectRef idx="0">
+            <a:schemeClr val="dk1"/>
+          </a:effectRef>
+          <a:fontRef idx="minor">
+            <a:schemeClr val="tx1"/>
+          </a:fontRef>
+        </p:style>
+      </p:cxnSp>
+      <p:sp>
+        <p:nvSpPr>
+          <p:cNvPr id="76" name="TextBox 75"/>
+          <p:cNvSpPr txBox="1"/>
+          <p:nvPr/>
+        </p:nvSpPr>
+        <p:spPr>
+          <a:xfrm>
+            <a:off x="179512" y="3582347"/>
+            <a:ext cx="1886687" cy="769441"/>
+          </a:xfrm>
+          <a:prstGeom prst="rect">
+            <a:avLst/>
+          </a:prstGeom>
+          <a:noFill/>
+        </p:spPr>
+        <p:txBody>
+          <a:bodyPr wrap="square" rtlCol="0">
+            <a:spAutoFit/>
+          </a:bodyPr>
+          <a:lstStyle/>
+          <a:p>
+            <a:pPr algn="ctr"/>
+            <a:r>
+              <a:rPr lang="en-US" altLang="ko-KR" sz="1100" b="1" dirty="0" err="1" smtClean="0">
+                <a:solidFill>
+                  <a:srgbClr val="0000FF"/>
+                </a:solidFill>
+              </a:rPr>
+              <a:t>guid</a:t>
+            </a:r>
+            <a:r>
+              <a:rPr lang="ko-KR" altLang="en-US" sz="1100" b="1" dirty="0" smtClean="0">
+                <a:solidFill>
+                  <a:srgbClr val="0000FF"/>
+                </a:solidFill>
+              </a:rPr>
+              <a:t> 생</a:t>
+            </a:r>
+            <a:r>
+              <a:rPr lang="ko-KR" altLang="en-US" sz="1100" b="1" dirty="0">
+                <a:solidFill>
+                  <a:srgbClr val="0000FF"/>
+                </a:solidFill>
+              </a:rPr>
+              <a:t>성</a:t>
+            </a:r>
+            <a:r>
+              <a:rPr lang="ko-KR" altLang="en-US" sz="1100" b="1" dirty="0" smtClean="0">
+                <a:solidFill>
+                  <a:srgbClr val="0000FF"/>
+                </a:solidFill>
+              </a:rPr>
+              <a:t> 요청</a:t>
+            </a:r>
+            <a:endParaRPr lang="en-US" altLang="ko-KR" sz="1100" b="1" dirty="0" smtClean="0">
+              <a:solidFill>
+                <a:srgbClr val="0000FF"/>
+              </a:solidFill>
+            </a:endParaRPr>
+          </a:p>
+          <a:p>
+            <a:pPr algn="ctr"/>
+            <a:r>
+              <a:rPr lang="en-US" altLang="ko-KR" sz="1100" dirty="0" smtClean="0"/>
+              <a:t>POST – http - /</a:t>
+            </a:r>
+            <a:r>
+              <a:rPr lang="en-US" altLang="ko-KR" sz="1100" dirty="0" err="1"/>
+              <a:t>seqApi</a:t>
+            </a:r>
+            <a:r>
+              <a:rPr lang="en-US" altLang="ko-KR" sz="1100" dirty="0"/>
+              <a:t>/</a:t>
+            </a:r>
+            <a:r>
+              <a:rPr lang="en-US" altLang="ko-KR" sz="1100" dirty="0" err="1"/>
+              <a:t>getGuid</a:t>
+            </a:r>
+            <a:endParaRPr lang="en-US" altLang="ko-KR" sz="1100" dirty="0"/>
+          </a:p>
+          <a:p>
+            <a:pPr algn="ctr"/>
+            <a:endParaRPr lang="en-US" altLang="ko-KR" sz="1100" dirty="0" smtClean="0"/>
+          </a:p>
+        </p:txBody>
+      </p:sp>
+      <p:sp>
+        <p:nvSpPr>
+          <p:cNvPr id="78" name="TextBox 77"/>
+          <p:cNvSpPr txBox="1"/>
+          <p:nvPr/>
+        </p:nvSpPr>
+        <p:spPr>
+          <a:xfrm>
+            <a:off x="179512" y="2627160"/>
+            <a:ext cx="2077353" cy="261610"/>
+          </a:xfrm>
+          <a:prstGeom prst="rect">
+            <a:avLst/>
+          </a:prstGeom>
+          <a:noFill/>
+        </p:spPr>
+        <p:txBody>
+          <a:bodyPr wrap="square" rtlCol="0">
+            <a:spAutoFit/>
+          </a:bodyPr>
+          <a:lstStyle/>
+          <a:p>
+            <a:pPr algn="ctr"/>
+            <a:r>
+              <a:rPr lang="en-US" altLang="ko-KR" sz="1100" b="1" dirty="0" err="1" smtClean="0"/>
+              <a:t>Json</a:t>
+            </a:r>
+            <a:endParaRPr lang="en-US" altLang="ko-KR" sz="1100" b="1" dirty="0" smtClean="0"/>
+          </a:p>
+        </p:txBody>
+      </p:sp>
+      <p:sp>
+        <p:nvSpPr>
+          <p:cNvPr id="79" name="TextBox 78"/>
+          <p:cNvSpPr txBox="1"/>
+          <p:nvPr/>
+        </p:nvSpPr>
+        <p:spPr>
+          <a:xfrm>
+            <a:off x="179512" y="4208946"/>
+            <a:ext cx="2061819" cy="261610"/>
+          </a:xfrm>
+          <a:prstGeom prst="rect">
+            <a:avLst/>
+          </a:prstGeom>
+          <a:noFill/>
+        </p:spPr>
+        <p:txBody>
+          <a:bodyPr wrap="square" rtlCol="0">
+            <a:spAutoFit/>
+          </a:bodyPr>
+          <a:lstStyle/>
+          <a:p>
+            <a:pPr algn="ctr"/>
+            <a:r>
+              <a:rPr lang="en-US" altLang="ko-KR" sz="1100" b="1" dirty="0" err="1" smtClean="0"/>
+              <a:t>Json</a:t>
+            </a:r>
+            <a:endParaRPr lang="en-US" altLang="ko-KR" sz="1100" b="1" dirty="0" smtClean="0"/>
+          </a:p>
+        </p:txBody>
+      </p:sp>
+      <p:sp>
+        <p:nvSpPr>
+          <p:cNvPr id="80" name="TextBox 79"/>
+          <p:cNvSpPr txBox="1"/>
+          <p:nvPr/>
+        </p:nvSpPr>
+        <p:spPr>
+          <a:xfrm>
+            <a:off x="3460024" y="3880871"/>
+            <a:ext cx="1652082" cy="430887"/>
+          </a:xfrm>
+          <a:prstGeom prst="rect">
+            <a:avLst/>
+          </a:prstGeom>
+          <a:noFill/>
+        </p:spPr>
+        <p:txBody>
+          <a:bodyPr wrap="square" rtlCol="0">
+            <a:spAutoFit/>
+          </a:bodyPr>
+          <a:lstStyle/>
+          <a:p>
+            <a:pPr algn="ctr"/>
+            <a:r>
+              <a:rPr lang="en-US" altLang="ko-KR" sz="1100" dirty="0" smtClean="0"/>
+              <a:t>GUID</a:t>
+            </a:r>
+            <a:r>
+              <a:rPr lang="ko-KR" altLang="en-US" sz="1100" dirty="0" smtClean="0"/>
+              <a:t> 생성 </a:t>
+            </a:r>
+            <a:endParaRPr lang="en-US" altLang="ko-KR" sz="1100" dirty="0" smtClean="0"/>
+          </a:p>
+          <a:p>
+            <a:pPr algn="ctr"/>
+            <a:r>
+              <a:rPr lang="ko-KR" altLang="en-US" sz="1100" dirty="0" smtClean="0"/>
+              <a:t>서비스 호출</a:t>
+            </a:r>
+            <a:endParaRPr lang="en-US" altLang="ko-KR" sz="1100" dirty="0" smtClean="0"/>
+          </a:p>
+        </p:txBody>
+      </p:sp>
+      <p:sp>
+        <p:nvSpPr>
+          <p:cNvPr id="81" name="TextBox 80"/>
+          <p:cNvSpPr txBox="1"/>
+          <p:nvPr/>
+        </p:nvSpPr>
+        <p:spPr>
+          <a:xfrm>
+            <a:off x="3423974" y="4682290"/>
+            <a:ext cx="1652082" cy="430887"/>
+          </a:xfrm>
+          <a:prstGeom prst="rect">
+            <a:avLst/>
+          </a:prstGeom>
+          <a:noFill/>
+        </p:spPr>
+        <p:txBody>
+          <a:bodyPr wrap="square" rtlCol="0">
+            <a:spAutoFit/>
+          </a:bodyPr>
+          <a:lstStyle/>
+          <a:p>
+            <a:pPr algn="ctr"/>
+            <a:r>
+              <a:rPr lang="en-US" altLang="ko-KR" sz="1100" dirty="0" smtClean="0"/>
+              <a:t>GUID</a:t>
+            </a:r>
+            <a:r>
+              <a:rPr lang="ko-KR" altLang="en-US" sz="1100" dirty="0" smtClean="0"/>
+              <a:t> 생성 </a:t>
+            </a:r>
+            <a:endParaRPr lang="en-US" altLang="ko-KR" sz="1100" dirty="0" smtClean="0"/>
+          </a:p>
+          <a:p>
+            <a:pPr algn="ctr"/>
+            <a:r>
+              <a:rPr lang="ko-KR" altLang="en-US" sz="1100" dirty="0" smtClean="0"/>
+              <a:t>결과 전달</a:t>
+            </a:r>
+            <a:endParaRPr lang="en-US" altLang="ko-KR" sz="1100" dirty="0" smtClean="0"/>
+          </a:p>
+        </p:txBody>
+      </p:sp>
+      <p:sp>
+        <p:nvSpPr>
+          <p:cNvPr id="82" name="TextBox 81"/>
+          <p:cNvSpPr txBox="1"/>
+          <p:nvPr/>
+        </p:nvSpPr>
+        <p:spPr>
+          <a:xfrm>
+            <a:off x="179512" y="4500950"/>
+            <a:ext cx="1877001" cy="430887"/>
+          </a:xfrm>
+          <a:prstGeom prst="rect">
+            <a:avLst/>
+          </a:prstGeom>
+          <a:noFill/>
+        </p:spPr>
+        <p:txBody>
+          <a:bodyPr wrap="square" rtlCol="0">
+            <a:spAutoFit/>
+          </a:bodyPr>
+          <a:lstStyle/>
+          <a:p>
+            <a:pPr algn="ctr"/>
+            <a:r>
+              <a:rPr lang="en-US" altLang="ko-KR" sz="1100" dirty="0" err="1" smtClean="0"/>
+              <a:t>Guid</a:t>
+            </a:r>
+            <a:r>
+              <a:rPr lang="en-US" altLang="ko-KR" sz="1100" dirty="0" smtClean="0"/>
+              <a:t> </a:t>
+            </a:r>
+            <a:r>
+              <a:rPr lang="ko-KR" altLang="en-US" sz="1100" dirty="0" smtClean="0"/>
+              <a:t>결과 응답</a:t>
+            </a:r>
+            <a:endParaRPr lang="en-US" altLang="ko-KR" sz="1100" dirty="0"/>
+          </a:p>
+          <a:p>
+            <a:pPr algn="ctr"/>
+            <a:endParaRPr lang="en-US" altLang="ko-KR" sz="1100" dirty="0" smtClean="0"/>
+          </a:p>
+        </p:txBody>
+      </p:sp>
+    </p:spTree>
+    <p:extLst>
+      <p:ext uri="{BB962C8B-B14F-4D97-AF65-F5344CB8AC3E}">
+        <p14:creationId xmlns:p14="http://schemas.microsoft.com/office/powerpoint/2010/main" val="2464656321"/>
       </p:ext>
     </p:extLst>
   </p:cSld>

--- a/restSeqApi/work/이미지.pptx
+++ b/restSeqApi/work/이미지.pptx
@@ -16,6 +16,10 @@
     <p:sldId id="264" r:id="rId10"/>
     <p:sldId id="265" r:id="rId11"/>
     <p:sldId id="266" r:id="rId12"/>
+    <p:sldId id="267" r:id="rId13"/>
+    <p:sldId id="268" r:id="rId14"/>
+    <p:sldId id="269" r:id="rId15"/>
+    <p:sldId id="270" r:id="rId16"/>
   </p:sldIdLst>
   <p:sldSz cx="9144000" cy="6858000" type="screen4x3"/>
   <p:notesSz cx="6858000" cy="9144000"/>
@@ -114,6 +118,22 @@
       </a:defRPr>
     </a:lvl9pPr>
   </p:defaultTextStyle>
+  <p:extLst>
+    <p:ext uri="{EFAFB233-063F-42B5-8137-9DF3F51BA10A}">
+      <p15:sldGuideLst xmlns:p15="http://schemas.microsoft.com/office/powerpoint/2012/main">
+        <p15:guide id="1" orient="horz" pos="2160">
+          <p15:clr>
+            <a:srgbClr val="A4A3A4"/>
+          </p15:clr>
+        </p15:guide>
+        <p15:guide id="2" pos="2880">
+          <p15:clr>
+            <a:srgbClr val="A4A3A4"/>
+          </p15:clr>
+        </p15:guide>
+      </p15:sldGuideLst>
+    </p:ext>
+  </p:extLst>
 </p:presentation>
 </file>
 
@@ -155,10 +175,9 @@
           <a:lstStyle/>
           <a:p>
             <a:r>
-              <a:rPr lang="ko-KR" altLang="en-US" smtClean="0"/>
+              <a:rPr lang="ko-KR" altLang="en-US"/>
               <a:t>마스터 제목 스타일 편집</a:t>
             </a:r>
-            <a:endParaRPr lang="ko-KR" altLang="en-US"/>
           </a:p>
         </p:txBody>
       </p:sp>
@@ -274,10 +293,9 @@
           </a:lstStyle>
           <a:p>
             <a:r>
-              <a:rPr lang="ko-KR" altLang="en-US" smtClean="0"/>
+              <a:rPr lang="ko-KR" altLang="en-US"/>
               <a:t>마스터 부제목 스타일 편집</a:t>
             </a:r>
-            <a:endParaRPr lang="ko-KR" altLang="en-US"/>
           </a:p>
         </p:txBody>
       </p:sp>
@@ -298,7 +316,7 @@
           <a:p>
             <a:fld id="{624C798A-D420-40B7-9D4F-2204C8E43B85}" type="datetimeFigureOut">
               <a:rPr lang="ko-KR" altLang="en-US" smtClean="0"/>
-              <a:t>2023-03-24</a:t>
+              <a:t>2023-03-26</a:t>
             </a:fld>
             <a:endParaRPr lang="ko-KR" altLang="en-US"/>
           </a:p>
@@ -392,10 +410,9 @@
           <a:lstStyle/>
           <a:p>
             <a:r>
-              <a:rPr lang="ko-KR" altLang="en-US" smtClean="0"/>
+              <a:rPr lang="ko-KR" altLang="en-US"/>
               <a:t>마스터 제목 스타일 편집</a:t>
             </a:r>
-            <a:endParaRPr lang="ko-KR" altLang="en-US"/>
           </a:p>
         </p:txBody>
       </p:sp>
@@ -416,38 +433,37 @@
           <a:p>
             <a:pPr lvl="0"/>
             <a:r>
-              <a:rPr lang="ko-KR" altLang="en-US" smtClean="0"/>
+              <a:rPr lang="ko-KR" altLang="en-US"/>
               <a:t>마스터 텍스트 스타일을 편집합니다</a:t>
             </a:r>
           </a:p>
           <a:p>
             <a:pPr lvl="1"/>
             <a:r>
-              <a:rPr lang="ko-KR" altLang="en-US" smtClean="0"/>
+              <a:rPr lang="ko-KR" altLang="en-US"/>
               <a:t>둘째 수준</a:t>
             </a:r>
           </a:p>
           <a:p>
             <a:pPr lvl="2"/>
             <a:r>
-              <a:rPr lang="ko-KR" altLang="en-US" smtClean="0"/>
+              <a:rPr lang="ko-KR" altLang="en-US"/>
               <a:t>셋째 수준</a:t>
             </a:r>
           </a:p>
           <a:p>
             <a:pPr lvl="3"/>
             <a:r>
-              <a:rPr lang="ko-KR" altLang="en-US" smtClean="0"/>
+              <a:rPr lang="ko-KR" altLang="en-US"/>
               <a:t>넷째 수준</a:t>
             </a:r>
           </a:p>
           <a:p>
             <a:pPr lvl="4"/>
             <a:r>
-              <a:rPr lang="ko-KR" altLang="en-US" smtClean="0"/>
+              <a:rPr lang="ko-KR" altLang="en-US"/>
               <a:t>다섯째 수준</a:t>
             </a:r>
-            <a:endParaRPr lang="ko-KR" altLang="en-US"/>
           </a:p>
         </p:txBody>
       </p:sp>
@@ -468,7 +484,7 @@
           <a:p>
             <a:fld id="{624C798A-D420-40B7-9D4F-2204C8E43B85}" type="datetimeFigureOut">
               <a:rPr lang="ko-KR" altLang="en-US" smtClean="0"/>
-              <a:t>2023-03-24</a:t>
+              <a:t>2023-03-26</a:t>
             </a:fld>
             <a:endParaRPr lang="ko-KR" altLang="en-US"/>
           </a:p>
@@ -567,10 +583,9 @@
           <a:lstStyle/>
           <a:p>
             <a:r>
-              <a:rPr lang="ko-KR" altLang="en-US" smtClean="0"/>
+              <a:rPr lang="ko-KR" altLang="en-US"/>
               <a:t>마스터 제목 스타일 편집</a:t>
             </a:r>
-            <a:endParaRPr lang="ko-KR" altLang="en-US"/>
           </a:p>
         </p:txBody>
       </p:sp>
@@ -596,38 +611,37 @@
           <a:p>
             <a:pPr lvl="0"/>
             <a:r>
-              <a:rPr lang="ko-KR" altLang="en-US" smtClean="0"/>
+              <a:rPr lang="ko-KR" altLang="en-US"/>
               <a:t>마스터 텍스트 스타일을 편집합니다</a:t>
             </a:r>
           </a:p>
           <a:p>
             <a:pPr lvl="1"/>
             <a:r>
-              <a:rPr lang="ko-KR" altLang="en-US" smtClean="0"/>
+              <a:rPr lang="ko-KR" altLang="en-US"/>
               <a:t>둘째 수준</a:t>
             </a:r>
           </a:p>
           <a:p>
             <a:pPr lvl="2"/>
             <a:r>
-              <a:rPr lang="ko-KR" altLang="en-US" smtClean="0"/>
+              <a:rPr lang="ko-KR" altLang="en-US"/>
               <a:t>셋째 수준</a:t>
             </a:r>
           </a:p>
           <a:p>
             <a:pPr lvl="3"/>
             <a:r>
-              <a:rPr lang="ko-KR" altLang="en-US" smtClean="0"/>
+              <a:rPr lang="ko-KR" altLang="en-US"/>
               <a:t>넷째 수준</a:t>
             </a:r>
           </a:p>
           <a:p>
             <a:pPr lvl="4"/>
             <a:r>
-              <a:rPr lang="ko-KR" altLang="en-US" smtClean="0"/>
+              <a:rPr lang="ko-KR" altLang="en-US"/>
               <a:t>다섯째 수준</a:t>
             </a:r>
-            <a:endParaRPr lang="ko-KR" altLang="en-US"/>
           </a:p>
         </p:txBody>
       </p:sp>
@@ -648,7 +662,7 @@
           <a:p>
             <a:fld id="{624C798A-D420-40B7-9D4F-2204C8E43B85}" type="datetimeFigureOut">
               <a:rPr lang="ko-KR" altLang="en-US" smtClean="0"/>
-              <a:t>2023-03-24</a:t>
+              <a:t>2023-03-26</a:t>
             </a:fld>
             <a:endParaRPr lang="ko-KR" altLang="en-US"/>
           </a:p>
@@ -742,10 +756,9 @@
           <a:lstStyle/>
           <a:p>
             <a:r>
-              <a:rPr lang="ko-KR" altLang="en-US" smtClean="0"/>
+              <a:rPr lang="ko-KR" altLang="en-US"/>
               <a:t>마스터 제목 스타일 편집</a:t>
             </a:r>
-            <a:endParaRPr lang="ko-KR" altLang="en-US"/>
           </a:p>
         </p:txBody>
       </p:sp>
@@ -766,38 +779,37 @@
           <a:p>
             <a:pPr lvl="0"/>
             <a:r>
-              <a:rPr lang="ko-KR" altLang="en-US" smtClean="0"/>
+              <a:rPr lang="ko-KR" altLang="en-US"/>
               <a:t>마스터 텍스트 스타일을 편집합니다</a:t>
             </a:r>
           </a:p>
           <a:p>
             <a:pPr lvl="1"/>
             <a:r>
-              <a:rPr lang="ko-KR" altLang="en-US" smtClean="0"/>
+              <a:rPr lang="ko-KR" altLang="en-US"/>
               <a:t>둘째 수준</a:t>
             </a:r>
           </a:p>
           <a:p>
             <a:pPr lvl="2"/>
             <a:r>
-              <a:rPr lang="ko-KR" altLang="en-US" smtClean="0"/>
+              <a:rPr lang="ko-KR" altLang="en-US"/>
               <a:t>셋째 수준</a:t>
             </a:r>
           </a:p>
           <a:p>
             <a:pPr lvl="3"/>
             <a:r>
-              <a:rPr lang="ko-KR" altLang="en-US" smtClean="0"/>
+              <a:rPr lang="ko-KR" altLang="en-US"/>
               <a:t>넷째 수준</a:t>
             </a:r>
           </a:p>
           <a:p>
             <a:pPr lvl="4"/>
             <a:r>
-              <a:rPr lang="ko-KR" altLang="en-US" smtClean="0"/>
+              <a:rPr lang="ko-KR" altLang="en-US"/>
               <a:t>다섯째 수준</a:t>
             </a:r>
-            <a:endParaRPr lang="ko-KR" altLang="en-US"/>
           </a:p>
         </p:txBody>
       </p:sp>
@@ -818,7 +830,7 @@
           <a:p>
             <a:fld id="{624C798A-D420-40B7-9D4F-2204C8E43B85}" type="datetimeFigureOut">
               <a:rPr lang="ko-KR" altLang="en-US" smtClean="0"/>
-              <a:t>2023-03-24</a:t>
+              <a:t>2023-03-26</a:t>
             </a:fld>
             <a:endParaRPr lang="ko-KR" altLang="en-US"/>
           </a:p>
@@ -921,10 +933,9 @@
           </a:lstStyle>
           <a:p>
             <a:r>
-              <a:rPr lang="ko-KR" altLang="en-US" smtClean="0"/>
+              <a:rPr lang="ko-KR" altLang="en-US"/>
               <a:t>마스터 제목 스타일 편집</a:t>
             </a:r>
-            <a:endParaRPr lang="ko-KR" altLang="en-US"/>
           </a:p>
         </p:txBody>
       </p:sp>
@@ -1041,7 +1052,7 @@
           <a:p>
             <a:pPr lvl="0"/>
             <a:r>
-              <a:rPr lang="ko-KR" altLang="en-US" smtClean="0"/>
+              <a:rPr lang="ko-KR" altLang="en-US"/>
               <a:t>마스터 텍스트 스타일을 편집합니다</a:t>
             </a:r>
           </a:p>
@@ -1064,7 +1075,7 @@
           <a:p>
             <a:fld id="{624C798A-D420-40B7-9D4F-2204C8E43B85}" type="datetimeFigureOut">
               <a:rPr lang="ko-KR" altLang="en-US" smtClean="0"/>
-              <a:t>2023-03-24</a:t>
+              <a:t>2023-03-26</a:t>
             </a:fld>
             <a:endParaRPr lang="ko-KR" altLang="en-US"/>
           </a:p>
@@ -1158,10 +1169,9 @@
           <a:lstStyle/>
           <a:p>
             <a:r>
-              <a:rPr lang="ko-KR" altLang="en-US" smtClean="0"/>
+              <a:rPr lang="ko-KR" altLang="en-US"/>
               <a:t>마스터 제목 스타일 편집</a:t>
             </a:r>
-            <a:endParaRPr lang="ko-KR" altLang="en-US"/>
           </a:p>
         </p:txBody>
       </p:sp>
@@ -1215,38 +1225,37 @@
           <a:p>
             <a:pPr lvl="0"/>
             <a:r>
-              <a:rPr lang="ko-KR" altLang="en-US" smtClean="0"/>
+              <a:rPr lang="ko-KR" altLang="en-US"/>
               <a:t>마스터 텍스트 스타일을 편집합니다</a:t>
             </a:r>
           </a:p>
           <a:p>
             <a:pPr lvl="1"/>
             <a:r>
-              <a:rPr lang="ko-KR" altLang="en-US" smtClean="0"/>
+              <a:rPr lang="ko-KR" altLang="en-US"/>
               <a:t>둘째 수준</a:t>
             </a:r>
           </a:p>
           <a:p>
             <a:pPr lvl="2"/>
             <a:r>
-              <a:rPr lang="ko-KR" altLang="en-US" smtClean="0"/>
+              <a:rPr lang="ko-KR" altLang="en-US"/>
               <a:t>셋째 수준</a:t>
             </a:r>
           </a:p>
           <a:p>
             <a:pPr lvl="3"/>
             <a:r>
-              <a:rPr lang="ko-KR" altLang="en-US" smtClean="0"/>
+              <a:rPr lang="ko-KR" altLang="en-US"/>
               <a:t>넷째 수준</a:t>
             </a:r>
           </a:p>
           <a:p>
             <a:pPr lvl="4"/>
             <a:r>
-              <a:rPr lang="ko-KR" altLang="en-US" smtClean="0"/>
+              <a:rPr lang="ko-KR" altLang="en-US"/>
               <a:t>다섯째 수준</a:t>
             </a:r>
-            <a:endParaRPr lang="ko-KR" altLang="en-US"/>
           </a:p>
         </p:txBody>
       </p:sp>
@@ -1300,38 +1309,37 @@
           <a:p>
             <a:pPr lvl="0"/>
             <a:r>
-              <a:rPr lang="ko-KR" altLang="en-US" smtClean="0"/>
+              <a:rPr lang="ko-KR" altLang="en-US"/>
               <a:t>마스터 텍스트 스타일을 편집합니다</a:t>
             </a:r>
           </a:p>
           <a:p>
             <a:pPr lvl="1"/>
             <a:r>
-              <a:rPr lang="ko-KR" altLang="en-US" smtClean="0"/>
+              <a:rPr lang="ko-KR" altLang="en-US"/>
               <a:t>둘째 수준</a:t>
             </a:r>
           </a:p>
           <a:p>
             <a:pPr lvl="2"/>
             <a:r>
-              <a:rPr lang="ko-KR" altLang="en-US" smtClean="0"/>
+              <a:rPr lang="ko-KR" altLang="en-US"/>
               <a:t>셋째 수준</a:t>
             </a:r>
           </a:p>
           <a:p>
             <a:pPr lvl="3"/>
             <a:r>
-              <a:rPr lang="ko-KR" altLang="en-US" smtClean="0"/>
+              <a:rPr lang="ko-KR" altLang="en-US"/>
               <a:t>넷째 수준</a:t>
             </a:r>
           </a:p>
           <a:p>
             <a:pPr lvl="4"/>
             <a:r>
-              <a:rPr lang="ko-KR" altLang="en-US" smtClean="0"/>
+              <a:rPr lang="ko-KR" altLang="en-US"/>
               <a:t>다섯째 수준</a:t>
             </a:r>
-            <a:endParaRPr lang="ko-KR" altLang="en-US"/>
           </a:p>
         </p:txBody>
       </p:sp>
@@ -1352,7 +1360,7 @@
           <a:p>
             <a:fld id="{624C798A-D420-40B7-9D4F-2204C8E43B85}" type="datetimeFigureOut">
               <a:rPr lang="ko-KR" altLang="en-US" smtClean="0"/>
-              <a:t>2023-03-24</a:t>
+              <a:t>2023-03-26</a:t>
             </a:fld>
             <a:endParaRPr lang="ko-KR" altLang="en-US"/>
           </a:p>
@@ -1450,10 +1458,9 @@
           </a:lstStyle>
           <a:p>
             <a:r>
-              <a:rPr lang="ko-KR" altLang="en-US" smtClean="0"/>
+              <a:rPr lang="ko-KR" altLang="en-US"/>
               <a:t>마스터 제목 스타일 편집</a:t>
             </a:r>
-            <a:endParaRPr lang="ko-KR" altLang="en-US"/>
           </a:p>
         </p:txBody>
       </p:sp>
@@ -1516,7 +1523,7 @@
           <a:p>
             <a:pPr lvl="0"/>
             <a:r>
-              <a:rPr lang="ko-KR" altLang="en-US" smtClean="0"/>
+              <a:rPr lang="ko-KR" altLang="en-US"/>
               <a:t>마스터 텍스트 스타일을 편집합니다</a:t>
             </a:r>
           </a:p>
@@ -1572,38 +1579,37 @@
           <a:p>
             <a:pPr lvl="0"/>
             <a:r>
-              <a:rPr lang="ko-KR" altLang="en-US" smtClean="0"/>
+              <a:rPr lang="ko-KR" altLang="en-US"/>
               <a:t>마스터 텍스트 스타일을 편집합니다</a:t>
             </a:r>
           </a:p>
           <a:p>
             <a:pPr lvl="1"/>
             <a:r>
-              <a:rPr lang="ko-KR" altLang="en-US" smtClean="0"/>
+              <a:rPr lang="ko-KR" altLang="en-US"/>
               <a:t>둘째 수준</a:t>
             </a:r>
           </a:p>
           <a:p>
             <a:pPr lvl="2"/>
             <a:r>
-              <a:rPr lang="ko-KR" altLang="en-US" smtClean="0"/>
+              <a:rPr lang="ko-KR" altLang="en-US"/>
               <a:t>셋째 수준</a:t>
             </a:r>
           </a:p>
           <a:p>
             <a:pPr lvl="3"/>
             <a:r>
-              <a:rPr lang="ko-KR" altLang="en-US" smtClean="0"/>
+              <a:rPr lang="ko-KR" altLang="en-US"/>
               <a:t>넷째 수준</a:t>
             </a:r>
           </a:p>
           <a:p>
             <a:pPr lvl="4"/>
             <a:r>
-              <a:rPr lang="ko-KR" altLang="en-US" smtClean="0"/>
+              <a:rPr lang="ko-KR" altLang="en-US"/>
               <a:t>다섯째 수준</a:t>
             </a:r>
-            <a:endParaRPr lang="ko-KR" altLang="en-US"/>
           </a:p>
         </p:txBody>
       </p:sp>
@@ -1666,7 +1672,7 @@
           <a:p>
             <a:pPr lvl="0"/>
             <a:r>
-              <a:rPr lang="ko-KR" altLang="en-US" smtClean="0"/>
+              <a:rPr lang="ko-KR" altLang="en-US"/>
               <a:t>마스터 텍스트 스타일을 편집합니다</a:t>
             </a:r>
           </a:p>
@@ -1722,38 +1728,37 @@
           <a:p>
             <a:pPr lvl="0"/>
             <a:r>
-              <a:rPr lang="ko-KR" altLang="en-US" smtClean="0"/>
+              <a:rPr lang="ko-KR" altLang="en-US"/>
               <a:t>마스터 텍스트 스타일을 편집합니다</a:t>
             </a:r>
           </a:p>
           <a:p>
             <a:pPr lvl="1"/>
             <a:r>
-              <a:rPr lang="ko-KR" altLang="en-US" smtClean="0"/>
+              <a:rPr lang="ko-KR" altLang="en-US"/>
               <a:t>둘째 수준</a:t>
             </a:r>
           </a:p>
           <a:p>
             <a:pPr lvl="2"/>
             <a:r>
-              <a:rPr lang="ko-KR" altLang="en-US" smtClean="0"/>
+              <a:rPr lang="ko-KR" altLang="en-US"/>
               <a:t>셋째 수준</a:t>
             </a:r>
           </a:p>
           <a:p>
             <a:pPr lvl="3"/>
             <a:r>
-              <a:rPr lang="ko-KR" altLang="en-US" smtClean="0"/>
+              <a:rPr lang="ko-KR" altLang="en-US"/>
               <a:t>넷째 수준</a:t>
             </a:r>
           </a:p>
           <a:p>
             <a:pPr lvl="4"/>
             <a:r>
-              <a:rPr lang="ko-KR" altLang="en-US" smtClean="0"/>
+              <a:rPr lang="ko-KR" altLang="en-US"/>
               <a:t>다섯째 수준</a:t>
             </a:r>
-            <a:endParaRPr lang="ko-KR" altLang="en-US"/>
           </a:p>
         </p:txBody>
       </p:sp>
@@ -1774,7 +1779,7 @@
           <a:p>
             <a:fld id="{624C798A-D420-40B7-9D4F-2204C8E43B85}" type="datetimeFigureOut">
               <a:rPr lang="ko-KR" altLang="en-US" smtClean="0"/>
-              <a:t>2023-03-24</a:t>
+              <a:t>2023-03-26</a:t>
             </a:fld>
             <a:endParaRPr lang="ko-KR" altLang="en-US"/>
           </a:p>
@@ -1868,10 +1873,9 @@
           <a:lstStyle/>
           <a:p>
             <a:r>
-              <a:rPr lang="ko-KR" altLang="en-US" smtClean="0"/>
+              <a:rPr lang="ko-KR" altLang="en-US"/>
               <a:t>마스터 제목 스타일 편집</a:t>
             </a:r>
-            <a:endParaRPr lang="ko-KR" altLang="en-US"/>
           </a:p>
         </p:txBody>
       </p:sp>
@@ -1892,7 +1896,7 @@
           <a:p>
             <a:fld id="{624C798A-D420-40B7-9D4F-2204C8E43B85}" type="datetimeFigureOut">
               <a:rPr lang="ko-KR" altLang="en-US" smtClean="0"/>
-              <a:t>2023-03-24</a:t>
+              <a:t>2023-03-26</a:t>
             </a:fld>
             <a:endParaRPr lang="ko-KR" altLang="en-US"/>
           </a:p>
@@ -1987,7 +1991,7 @@
           <a:p>
             <a:fld id="{624C798A-D420-40B7-9D4F-2204C8E43B85}" type="datetimeFigureOut">
               <a:rPr lang="ko-KR" altLang="en-US" smtClean="0"/>
-              <a:t>2023-03-24</a:t>
+              <a:t>2023-03-26</a:t>
             </a:fld>
             <a:endParaRPr lang="ko-KR" altLang="en-US"/>
           </a:p>
@@ -2090,10 +2094,9 @@
           </a:lstStyle>
           <a:p>
             <a:r>
-              <a:rPr lang="ko-KR" altLang="en-US" smtClean="0"/>
+              <a:rPr lang="ko-KR" altLang="en-US"/>
               <a:t>마스터 제목 스타일 편집</a:t>
             </a:r>
-            <a:endParaRPr lang="ko-KR" altLang="en-US"/>
           </a:p>
         </p:txBody>
       </p:sp>
@@ -2147,38 +2150,37 @@
           <a:p>
             <a:pPr lvl="0"/>
             <a:r>
-              <a:rPr lang="ko-KR" altLang="en-US" smtClean="0"/>
+              <a:rPr lang="ko-KR" altLang="en-US"/>
               <a:t>마스터 텍스트 스타일을 편집합니다</a:t>
             </a:r>
           </a:p>
           <a:p>
             <a:pPr lvl="1"/>
             <a:r>
-              <a:rPr lang="ko-KR" altLang="en-US" smtClean="0"/>
+              <a:rPr lang="ko-KR" altLang="en-US"/>
               <a:t>둘째 수준</a:t>
             </a:r>
           </a:p>
           <a:p>
             <a:pPr lvl="2"/>
             <a:r>
-              <a:rPr lang="ko-KR" altLang="en-US" smtClean="0"/>
+              <a:rPr lang="ko-KR" altLang="en-US"/>
               <a:t>셋째 수준</a:t>
             </a:r>
           </a:p>
           <a:p>
             <a:pPr lvl="3"/>
             <a:r>
-              <a:rPr lang="ko-KR" altLang="en-US" smtClean="0"/>
+              <a:rPr lang="ko-KR" altLang="en-US"/>
               <a:t>넷째 수준</a:t>
             </a:r>
           </a:p>
           <a:p>
             <a:pPr lvl="4"/>
             <a:r>
-              <a:rPr lang="ko-KR" altLang="en-US" smtClean="0"/>
+              <a:rPr lang="ko-KR" altLang="en-US"/>
               <a:t>다섯째 수준</a:t>
             </a:r>
-            <a:endParaRPr lang="ko-KR" altLang="en-US"/>
           </a:p>
         </p:txBody>
       </p:sp>
@@ -2241,7 +2243,7 @@
           <a:p>
             <a:pPr lvl="0"/>
             <a:r>
-              <a:rPr lang="ko-KR" altLang="en-US" smtClean="0"/>
+              <a:rPr lang="ko-KR" altLang="en-US"/>
               <a:t>마스터 텍스트 스타일을 편집합니다</a:t>
             </a:r>
           </a:p>
@@ -2264,7 +2266,7 @@
           <a:p>
             <a:fld id="{624C798A-D420-40B7-9D4F-2204C8E43B85}" type="datetimeFigureOut">
               <a:rPr lang="ko-KR" altLang="en-US" smtClean="0"/>
-              <a:t>2023-03-24</a:t>
+              <a:t>2023-03-26</a:t>
             </a:fld>
             <a:endParaRPr lang="ko-KR" altLang="en-US"/>
           </a:p>
@@ -2367,10 +2369,9 @@
           </a:lstStyle>
           <a:p>
             <a:r>
-              <a:rPr lang="ko-KR" altLang="en-US" smtClean="0"/>
+              <a:rPr lang="ko-KR" altLang="en-US"/>
               <a:t>마스터 제목 스타일 편집</a:t>
             </a:r>
-            <a:endParaRPr lang="ko-KR" altLang="en-US"/>
           </a:p>
         </p:txBody>
       </p:sp>
@@ -2494,7 +2495,7 @@
           <a:p>
             <a:pPr lvl="0"/>
             <a:r>
-              <a:rPr lang="ko-KR" altLang="en-US" smtClean="0"/>
+              <a:rPr lang="ko-KR" altLang="en-US"/>
               <a:t>마스터 텍스트 스타일을 편집합니다</a:t>
             </a:r>
           </a:p>
@@ -2517,7 +2518,7 @@
           <a:p>
             <a:fld id="{624C798A-D420-40B7-9D4F-2204C8E43B85}" type="datetimeFigureOut">
               <a:rPr lang="ko-KR" altLang="en-US" smtClean="0"/>
-              <a:t>2023-03-24</a:t>
+              <a:t>2023-03-26</a:t>
             </a:fld>
             <a:endParaRPr lang="ko-KR" altLang="en-US"/>
           </a:p>
@@ -2626,10 +2627,9 @@
           <a:lstStyle/>
           <a:p>
             <a:r>
-              <a:rPr lang="ko-KR" altLang="en-US" smtClean="0"/>
+              <a:rPr lang="ko-KR" altLang="en-US"/>
               <a:t>마스터 제목 스타일 편집</a:t>
             </a:r>
-            <a:endParaRPr lang="ko-KR" altLang="en-US"/>
           </a:p>
         </p:txBody>
       </p:sp>
@@ -2660,38 +2660,37 @@
           <a:p>
             <a:pPr lvl="0"/>
             <a:r>
-              <a:rPr lang="ko-KR" altLang="en-US" smtClean="0"/>
+              <a:rPr lang="ko-KR" altLang="en-US"/>
               <a:t>마스터 텍스트 스타일을 편집합니다</a:t>
             </a:r>
           </a:p>
           <a:p>
             <a:pPr lvl="1"/>
             <a:r>
-              <a:rPr lang="ko-KR" altLang="en-US" smtClean="0"/>
+              <a:rPr lang="ko-KR" altLang="en-US"/>
               <a:t>둘째 수준</a:t>
             </a:r>
           </a:p>
           <a:p>
             <a:pPr lvl="2"/>
             <a:r>
-              <a:rPr lang="ko-KR" altLang="en-US" smtClean="0"/>
+              <a:rPr lang="ko-KR" altLang="en-US"/>
               <a:t>셋째 수준</a:t>
             </a:r>
           </a:p>
           <a:p>
             <a:pPr lvl="3"/>
             <a:r>
-              <a:rPr lang="ko-KR" altLang="en-US" smtClean="0"/>
+              <a:rPr lang="ko-KR" altLang="en-US"/>
               <a:t>넷째 수준</a:t>
             </a:r>
           </a:p>
           <a:p>
             <a:pPr lvl="4"/>
             <a:r>
-              <a:rPr lang="ko-KR" altLang="en-US" smtClean="0"/>
+              <a:rPr lang="ko-KR" altLang="en-US"/>
               <a:t>다섯째 수준</a:t>
             </a:r>
-            <a:endParaRPr lang="ko-KR" altLang="en-US"/>
           </a:p>
         </p:txBody>
       </p:sp>
@@ -2730,7 +2729,7 @@
           <a:p>
             <a:fld id="{624C798A-D420-40B7-9D4F-2204C8E43B85}" type="datetimeFigureOut">
               <a:rPr lang="ko-KR" altLang="en-US" smtClean="0"/>
-              <a:t>2023-03-24</a:t>
+              <a:t>2023-03-26</a:t>
             </a:fld>
             <a:endParaRPr lang="ko-KR" altLang="en-US"/>
           </a:p>
@@ -3156,7 +3155,7 @@
           <a:p>
             <a:pPr algn="ctr"/>
             <a:r>
-              <a:rPr lang="en-US" altLang="ko-KR" sz="1600" b="1" dirty="0" smtClean="0">
+              <a:rPr lang="en-US" altLang="ko-KR" sz="1600" b="1" dirty="0">
                 <a:solidFill>
                   <a:schemeClr val="tx1"/>
                 </a:solidFill>
@@ -3268,7 +3267,7 @@
           <a:p>
             <a:pPr algn="ctr"/>
             <a:r>
-              <a:rPr lang="en-US" altLang="ko-KR" sz="1600" b="1" dirty="0" smtClean="0">
+              <a:rPr lang="en-US" altLang="ko-KR" sz="1600" b="1" dirty="0">
                 <a:solidFill>
                   <a:sysClr val="windowText" lastClr="000000"/>
                 </a:solidFill>
@@ -3326,18 +3325,13 @@
           <a:p>
             <a:pPr algn="ctr"/>
             <a:r>
-              <a:rPr lang="en-US" altLang="ko-KR" sz="1400" b="1" dirty="0" smtClean="0">
+              <a:rPr lang="en-US" altLang="ko-KR" sz="1400" b="1" dirty="0">
                 <a:solidFill>
                   <a:schemeClr val="tx1"/>
                 </a:solidFill>
               </a:rPr>
               <a:t>WAS</a:t>
             </a:r>
-            <a:endParaRPr lang="en-US" altLang="ko-KR" sz="1400" b="1" dirty="0" smtClean="0">
-              <a:solidFill>
-                <a:schemeClr val="tx1"/>
-              </a:solidFill>
-            </a:endParaRPr>
           </a:p>
         </p:txBody>
       </p:sp>
@@ -3384,18 +3378,13 @@
           <a:p>
             <a:pPr algn="ctr"/>
             <a:r>
-              <a:rPr lang="en-US" altLang="ko-KR" sz="1400" b="1" dirty="0" smtClean="0">
+              <a:rPr lang="en-US" altLang="ko-KR" sz="1400" b="1" dirty="0">
                 <a:solidFill>
                   <a:schemeClr val="tx1"/>
                 </a:solidFill>
               </a:rPr>
               <a:t>WAS</a:t>
             </a:r>
-            <a:endParaRPr lang="en-US" altLang="ko-KR" sz="1400" b="1" dirty="0" smtClean="0">
-              <a:solidFill>
-                <a:schemeClr val="tx1"/>
-              </a:solidFill>
-            </a:endParaRPr>
           </a:p>
         </p:txBody>
       </p:sp>
@@ -3476,14 +3465,14 @@
           <a:p>
             <a:pPr algn="ctr"/>
             <a:r>
-              <a:rPr lang="en-US" altLang="ko-KR" sz="1400" b="1" dirty="0" smtClean="0"/>
+              <a:rPr lang="en-US" altLang="ko-KR" sz="1400" b="1" dirty="0"/>
               <a:t>Load</a:t>
             </a:r>
           </a:p>
           <a:p>
             <a:pPr algn="ctr"/>
             <a:r>
-              <a:rPr lang="en-US" altLang="ko-KR" sz="1400" b="1" dirty="0" smtClean="0"/>
+              <a:rPr lang="en-US" altLang="ko-KR" sz="1400" b="1" dirty="0"/>
               <a:t>Balancer</a:t>
             </a:r>
             <a:endParaRPr lang="ko-KR" altLang="en-US" sz="1400" b="1" dirty="0"/>
@@ -3724,7 +3713,7 @@
           <a:p>
             <a:pPr algn="ctr"/>
             <a:r>
-              <a:rPr lang="ko-KR" altLang="en-US" sz="1100" smtClean="0"/>
+              <a:rPr lang="ko-KR" altLang="en-US" sz="1100"/>
               <a:t>부하 분산</a:t>
             </a:r>
             <a:endParaRPr lang="ko-KR" altLang="en-US" sz="1100" dirty="0"/>
@@ -3836,7 +3825,7 @@
           <a:p>
             <a:pPr algn="ctr"/>
             <a:r>
-              <a:rPr lang="en-US" altLang="ko-KR" sz="1600" b="1" dirty="0" smtClean="0">
+              <a:rPr lang="en-US" altLang="ko-KR" sz="1600" b="1" dirty="0">
                 <a:solidFill>
                   <a:schemeClr val="tx1"/>
                 </a:solidFill>
@@ -4055,18 +4044,13 @@
           <a:p>
             <a:pPr algn="ctr"/>
             <a:r>
-              <a:rPr lang="en-US" altLang="ko-KR" sz="1400" b="1" dirty="0" smtClean="0">
+              <a:rPr lang="en-US" altLang="ko-KR" sz="1400" b="1" dirty="0">
                 <a:solidFill>
                   <a:schemeClr val="bg1"/>
                 </a:solidFill>
               </a:rPr>
               <a:t>WAS #1</a:t>
             </a:r>
-            <a:endParaRPr lang="en-US" altLang="ko-KR" sz="1400" b="1" dirty="0" smtClean="0">
-              <a:solidFill>
-                <a:schemeClr val="bg1"/>
-              </a:solidFill>
-            </a:endParaRPr>
           </a:p>
         </p:txBody>
       </p:sp>
@@ -4113,18 +4097,13 @@
           <a:p>
             <a:pPr algn="ctr"/>
             <a:r>
-              <a:rPr lang="en-US" altLang="ko-KR" sz="1400" b="1" dirty="0" smtClean="0">
+              <a:rPr lang="en-US" altLang="ko-KR" sz="1400" b="1" dirty="0">
                 <a:solidFill>
                   <a:schemeClr val="tx1"/>
                 </a:solidFill>
               </a:rPr>
               <a:t>WAS #2</a:t>
             </a:r>
-            <a:endParaRPr lang="en-US" altLang="ko-KR" sz="1400" b="1" dirty="0" smtClean="0">
-              <a:solidFill>
-                <a:schemeClr val="tx1"/>
-              </a:solidFill>
-            </a:endParaRPr>
           </a:p>
         </p:txBody>
       </p:sp>
@@ -4205,14 +4184,14 @@
           <a:p>
             <a:pPr algn="ctr"/>
             <a:r>
-              <a:rPr lang="en-US" altLang="ko-KR" sz="1400" b="1" dirty="0" smtClean="0"/>
+              <a:rPr lang="en-US" altLang="ko-KR" sz="1400" b="1" dirty="0"/>
               <a:t>Load</a:t>
             </a:r>
           </a:p>
           <a:p>
             <a:pPr algn="ctr"/>
             <a:r>
-              <a:rPr lang="en-US" altLang="ko-KR" sz="1400" b="1" dirty="0" smtClean="0"/>
+              <a:rPr lang="en-US" altLang="ko-KR" sz="1400" b="1" dirty="0"/>
               <a:t>Balancer</a:t>
             </a:r>
             <a:endParaRPr lang="ko-KR" altLang="en-US" sz="1400" b="1" dirty="0"/>
@@ -4328,7 +4307,7 @@
           <a:p>
             <a:pPr algn="ctr"/>
             <a:r>
-              <a:rPr lang="en-US" altLang="ko-KR" sz="1100" b="1" dirty="0" smtClean="0"/>
+              <a:rPr lang="en-US" altLang="ko-KR" sz="1100" b="1" dirty="0"/>
               <a:t>Health Check</a:t>
             </a:r>
             <a:endParaRPr lang="ko-KR" altLang="en-US" sz="1100" b="1" dirty="0"/>
@@ -4432,18 +4411,13 @@
           <a:p>
             <a:pPr algn="ctr"/>
             <a:r>
-              <a:rPr lang="en-US" altLang="ko-KR" sz="1400" b="1" dirty="0" smtClean="0">
+              <a:rPr lang="en-US" altLang="ko-KR" sz="1400" b="1" dirty="0">
                 <a:solidFill>
                   <a:schemeClr val="tx1"/>
                 </a:solidFill>
               </a:rPr>
               <a:t>WAS #3</a:t>
             </a:r>
-            <a:endParaRPr lang="en-US" altLang="ko-KR" sz="1400" b="1" dirty="0" smtClean="0">
-              <a:solidFill>
-                <a:schemeClr val="tx1"/>
-              </a:solidFill>
-            </a:endParaRPr>
           </a:p>
         </p:txBody>
       </p:sp>
@@ -4490,18 +4464,13 @@
           <a:p>
             <a:pPr algn="ctr"/>
             <a:r>
-              <a:rPr lang="en-US" altLang="ko-KR" sz="1400" b="1" dirty="0" smtClean="0">
+              <a:rPr lang="en-US" altLang="ko-KR" sz="1400" b="1" dirty="0">
                 <a:solidFill>
                   <a:schemeClr val="tx1"/>
                 </a:solidFill>
               </a:rPr>
               <a:t>WAS #4</a:t>
             </a:r>
-            <a:endParaRPr lang="en-US" altLang="ko-KR" sz="1400" b="1" dirty="0" smtClean="0">
-              <a:solidFill>
-                <a:schemeClr val="tx1"/>
-              </a:solidFill>
-            </a:endParaRPr>
           </a:p>
         </p:txBody>
       </p:sp>
@@ -4613,7 +4582,7 @@
           <a:p>
             <a:pPr algn="ctr"/>
             <a:r>
-              <a:rPr lang="en-US" altLang="ko-KR" sz="1400" b="1" dirty="0" smtClean="0">
+              <a:rPr lang="en-US" altLang="ko-KR" sz="1400" b="1" dirty="0">
                 <a:solidFill>
                   <a:srgbClr val="FF0000"/>
                 </a:solidFill>
@@ -4652,7 +4621,7 @@
           <a:p>
             <a:pPr algn="ctr"/>
             <a:r>
-              <a:rPr lang="en-US" altLang="ko-KR" sz="1400" b="1" dirty="0" smtClean="0"/>
+              <a:rPr lang="en-US" altLang="ko-KR" sz="1400" b="1" dirty="0"/>
               <a:t>Interface System</a:t>
             </a:r>
             <a:endParaRPr lang="ko-KR" altLang="en-US" sz="1400" b="1" dirty="0"/>
@@ -4881,7 +4850,7 @@
           <a:lstStyle/>
           <a:p>
             <a:r>
-              <a:rPr lang="ko-KR" altLang="en-US" sz="1400" b="1" dirty="0" smtClean="0">
+              <a:rPr lang="ko-KR" altLang="en-US" sz="1400" b="1" dirty="0">
                 <a:solidFill>
                   <a:schemeClr val="tx1"/>
                 </a:solidFill>
@@ -4889,7 +4858,7 @@
               <a:t>운영시스템</a:t>
             </a:r>
             <a:r>
-              <a:rPr lang="en-US" altLang="ko-KR" sz="1400" b="1" dirty="0" smtClean="0">
+              <a:rPr lang="en-US" altLang="ko-KR" sz="1400" b="1" dirty="0">
                 <a:solidFill>
                   <a:schemeClr val="tx1"/>
                 </a:solidFill>
@@ -4897,7 +4866,7 @@
               <a:t>(</a:t>
             </a:r>
             <a:r>
-              <a:rPr lang="ko-KR" altLang="en-US" sz="1400" b="1" dirty="0" smtClean="0">
+              <a:rPr lang="ko-KR" altLang="en-US" sz="1400" b="1" dirty="0">
                 <a:solidFill>
                   <a:schemeClr val="tx1"/>
                 </a:solidFill>
@@ -4905,18 +4874,13 @@
               <a:t>서울</a:t>
             </a:r>
             <a:r>
-              <a:rPr lang="en-US" altLang="ko-KR" sz="1400" b="1" dirty="0" smtClean="0">
+              <a:rPr lang="en-US" altLang="ko-KR" sz="1400" b="1" dirty="0">
                 <a:solidFill>
                   <a:schemeClr val="tx1"/>
                 </a:solidFill>
               </a:rPr>
               <a:t>)</a:t>
             </a:r>
-            <a:endParaRPr lang="en-US" altLang="ko-KR" sz="1400" b="1" dirty="0" smtClean="0">
-              <a:solidFill>
-                <a:schemeClr val="tx1"/>
-              </a:solidFill>
-            </a:endParaRPr>
           </a:p>
         </p:txBody>
       </p:sp>
@@ -4970,7 +4934,7 @@
           <a:lstStyle/>
           <a:p>
             <a:r>
-              <a:rPr lang="en-US" altLang="ko-KR" sz="1400" b="1" dirty="0" smtClean="0">
+              <a:rPr lang="en-US" altLang="ko-KR" sz="1400" b="1" dirty="0">
                 <a:solidFill>
                   <a:schemeClr val="tx1"/>
                 </a:solidFill>
@@ -4978,7 +4942,7 @@
               <a:t>DR </a:t>
             </a:r>
             <a:r>
-              <a:rPr lang="ko-KR" altLang="en-US" sz="1400" b="1" dirty="0" smtClean="0">
+              <a:rPr lang="ko-KR" altLang="en-US" sz="1400" b="1" dirty="0">
                 <a:solidFill>
                   <a:schemeClr val="tx1"/>
                 </a:solidFill>
@@ -4986,7 +4950,7 @@
               <a:t>시스템</a:t>
             </a:r>
             <a:r>
-              <a:rPr lang="en-US" altLang="ko-KR" sz="1400" b="1" dirty="0" smtClean="0">
+              <a:rPr lang="en-US" altLang="ko-KR" sz="1400" b="1" dirty="0">
                 <a:solidFill>
                   <a:schemeClr val="tx1"/>
                 </a:solidFill>
@@ -4994,7 +4958,7 @@
               <a:t>(</a:t>
             </a:r>
             <a:r>
-              <a:rPr lang="ko-KR" altLang="en-US" sz="1400" b="1" dirty="0" smtClean="0">
+              <a:rPr lang="ko-KR" altLang="en-US" sz="1400" b="1" dirty="0">
                 <a:solidFill>
                   <a:schemeClr val="tx1"/>
                 </a:solidFill>
@@ -5002,18 +4966,13 @@
               <a:t>부산</a:t>
             </a:r>
             <a:r>
-              <a:rPr lang="en-US" altLang="ko-KR" sz="1400" b="1" dirty="0" smtClean="0">
+              <a:rPr lang="en-US" altLang="ko-KR" sz="1400" b="1" dirty="0">
                 <a:solidFill>
                   <a:schemeClr val="tx1"/>
                 </a:solidFill>
               </a:rPr>
               <a:t>)</a:t>
             </a:r>
-            <a:endParaRPr lang="en-US" altLang="ko-KR" sz="1400" b="1" dirty="0" smtClean="0">
-              <a:solidFill>
-                <a:schemeClr val="tx1"/>
-              </a:solidFill>
-            </a:endParaRPr>
           </a:p>
         </p:txBody>
       </p:sp>
@@ -5060,14 +5019,14 @@
           <a:p>
             <a:pPr algn="ctr"/>
             <a:r>
-              <a:rPr lang="ko-KR" altLang="en-US" sz="1400" b="1" dirty="0" smtClean="0">
+              <a:rPr lang="ko-KR" altLang="en-US" sz="1400" b="1" dirty="0">
                 <a:solidFill>
                   <a:schemeClr val="tx1"/>
                 </a:solidFill>
               </a:rPr>
               <a:t>운영 시스템</a:t>
             </a:r>
-            <a:endParaRPr lang="en-US" altLang="ko-KR" sz="1400" b="1" dirty="0" smtClean="0">
+            <a:endParaRPr lang="en-US" altLang="ko-KR" sz="1400" b="1" dirty="0">
               <a:solidFill>
                 <a:schemeClr val="tx1"/>
               </a:solidFill>
@@ -5126,7 +5085,7 @@
           <a:p>
             <a:pPr algn="ctr"/>
             <a:r>
-              <a:rPr lang="en-US" altLang="ko-KR" sz="1600" b="1" dirty="0" smtClean="0">
+              <a:rPr lang="en-US" altLang="ko-KR" sz="1600" b="1" dirty="0">
                 <a:solidFill>
                   <a:schemeClr val="tx1"/>
                 </a:solidFill>
@@ -5184,7 +5143,7 @@
           <a:p>
             <a:pPr algn="ctr"/>
             <a:r>
-              <a:rPr lang="en-US" altLang="ko-KR" sz="1400" b="1" dirty="0" smtClean="0">
+              <a:rPr lang="en-US" altLang="ko-KR" sz="1400" b="1" dirty="0">
                 <a:solidFill>
                   <a:schemeClr val="tx1"/>
                 </a:solidFill>
@@ -5192,14 +5151,14 @@
               <a:t>DR</a:t>
             </a:r>
             <a:r>
-              <a:rPr lang="ko-KR" altLang="en-US" sz="1400" b="1" dirty="0" smtClean="0">
+              <a:rPr lang="ko-KR" altLang="en-US" sz="1400" b="1" dirty="0">
                 <a:solidFill>
                   <a:schemeClr val="tx1"/>
                 </a:solidFill>
               </a:rPr>
               <a:t> 시스템</a:t>
             </a:r>
-            <a:endParaRPr lang="en-US" altLang="ko-KR" sz="1400" b="1" dirty="0" smtClean="0">
+            <a:endParaRPr lang="en-US" altLang="ko-KR" sz="1400" b="1" dirty="0">
               <a:solidFill>
                 <a:schemeClr val="tx1"/>
               </a:solidFill>
@@ -5258,7 +5217,7 @@
           <a:p>
             <a:pPr algn="ctr"/>
             <a:r>
-              <a:rPr lang="en-US" altLang="ko-KR" sz="1600" b="1" dirty="0" smtClean="0">
+              <a:rPr lang="en-US" altLang="ko-KR" sz="1600" b="1" dirty="0">
                 <a:solidFill>
                   <a:schemeClr val="tx1"/>
                 </a:solidFill>
@@ -5414,10 +5373,10 @@
           <a:p>
             <a:pPr algn="ctr"/>
             <a:r>
-              <a:rPr lang="ko-KR" altLang="en-US" sz="1100" dirty="0" smtClean="0"/>
+              <a:rPr lang="ko-KR" altLang="en-US" sz="1100" dirty="0"/>
               <a:t>주기적으로 백업</a:t>
             </a:r>
-            <a:endParaRPr lang="en-US" altLang="ko-KR" sz="1100" dirty="0" smtClean="0"/>
+            <a:endParaRPr lang="en-US" altLang="ko-KR" sz="1100" dirty="0"/>
           </a:p>
         </p:txBody>
       </p:sp>
@@ -5482,10 +5441,10 @@
           <a:p>
             <a:pPr algn="ctr"/>
             <a:r>
-              <a:rPr lang="ko-KR" altLang="en-US" sz="1100" dirty="0" smtClean="0"/>
+              <a:rPr lang="ko-KR" altLang="en-US" sz="1100" dirty="0"/>
               <a:t>주기적으로 백업</a:t>
             </a:r>
-            <a:endParaRPr lang="en-US" altLang="ko-KR" sz="1100" dirty="0" smtClean="0"/>
+            <a:endParaRPr lang="en-US" altLang="ko-KR" sz="1100" dirty="0"/>
           </a:p>
         </p:txBody>
       </p:sp>
@@ -5493,6 +5452,1245 @@
     <p:extLst>
       <p:ext uri="{BB962C8B-B14F-4D97-AF65-F5344CB8AC3E}">
         <p14:creationId xmlns:p14="http://schemas.microsoft.com/office/powerpoint/2010/main" val="3629441031"/>
+      </p:ext>
+    </p:extLst>
+  </p:cSld>
+  <p:clrMapOvr>
+    <a:masterClrMapping/>
+  </p:clrMapOvr>
+</p:sld>
+</file>
+
+<file path=ppt/slides/slide12.xml><?xml version="1.0" encoding="utf-8"?>
+<p:sld xmlns:a="http://schemas.openxmlformats.org/drawingml/2006/main" xmlns:r="http://schemas.openxmlformats.org/officeDocument/2006/relationships" xmlns:p="http://schemas.openxmlformats.org/presentationml/2006/main">
+  <p:cSld>
+    <p:spTree>
+      <p:nvGrpSpPr>
+        <p:cNvPr id="1" name=""/>
+        <p:cNvGrpSpPr/>
+        <p:nvPr/>
+      </p:nvGrpSpPr>
+      <p:grpSpPr>
+        <a:xfrm>
+          <a:off x="0" y="0"/>
+          <a:ext cx="0" cy="0"/>
+          <a:chOff x="0" y="0"/>
+          <a:chExt cx="0" cy="0"/>
+        </a:xfrm>
+      </p:grpSpPr>
+      <p:pic>
+        <p:nvPicPr>
+          <p:cNvPr id="9" name="그림 8">
+            <a:extLst>
+              <a:ext uri="{FF2B5EF4-FFF2-40B4-BE49-F238E27FC236}">
+                <a16:creationId xmlns:a16="http://schemas.microsoft.com/office/drawing/2014/main" id="{EF5C5CFD-33B1-ACF7-79A1-5595BF259B30}"/>
+              </a:ext>
+            </a:extLst>
+          </p:cNvPr>
+          <p:cNvPicPr>
+            <a:picLocks noChangeAspect="1"/>
+          </p:cNvPicPr>
+          <p:nvPr/>
+        </p:nvPicPr>
+        <p:blipFill>
+          <a:blip r:embed="rId2"/>
+          <a:stretch>
+            <a:fillRect/>
+          </a:stretch>
+        </p:blipFill>
+        <p:spPr>
+          <a:xfrm>
+            <a:off x="0" y="337613"/>
+            <a:ext cx="6382430" cy="4315524"/>
+          </a:xfrm>
+          <a:prstGeom prst="rect">
+            <a:avLst/>
+          </a:prstGeom>
+        </p:spPr>
+      </p:pic>
+      <p:pic>
+        <p:nvPicPr>
+          <p:cNvPr id="10" name="그림 9">
+            <a:extLst>
+              <a:ext uri="{FF2B5EF4-FFF2-40B4-BE49-F238E27FC236}">
+                <a16:creationId xmlns:a16="http://schemas.microsoft.com/office/drawing/2014/main" id="{0643578E-8555-DDE1-A6C9-E8C16A418C63}"/>
+              </a:ext>
+            </a:extLst>
+          </p:cNvPr>
+          <p:cNvPicPr>
+            <a:picLocks noChangeAspect="1"/>
+          </p:cNvPicPr>
+          <p:nvPr/>
+        </p:nvPicPr>
+        <p:blipFill>
+          <a:blip r:embed="rId3"/>
+          <a:stretch>
+            <a:fillRect/>
+          </a:stretch>
+        </p:blipFill>
+        <p:spPr>
+          <a:xfrm>
+            <a:off x="0" y="337614"/>
+            <a:ext cx="6382430" cy="4302188"/>
+          </a:xfrm>
+          <a:prstGeom prst="rect">
+            <a:avLst/>
+          </a:prstGeom>
+        </p:spPr>
+      </p:pic>
+    </p:spTree>
+    <p:extLst>
+      <p:ext uri="{BB962C8B-B14F-4D97-AF65-F5344CB8AC3E}">
+        <p14:creationId xmlns:p14="http://schemas.microsoft.com/office/powerpoint/2010/main" val="2289160820"/>
+      </p:ext>
+    </p:extLst>
+  </p:cSld>
+  <p:clrMapOvr>
+    <a:masterClrMapping/>
+  </p:clrMapOvr>
+</p:sld>
+</file>
+
+<file path=ppt/slides/slide13.xml><?xml version="1.0" encoding="utf-8"?>
+<p:sld xmlns:a="http://schemas.openxmlformats.org/drawingml/2006/main" xmlns:r="http://schemas.openxmlformats.org/officeDocument/2006/relationships" xmlns:p="http://schemas.openxmlformats.org/presentationml/2006/main">
+  <p:cSld>
+    <p:spTree>
+      <p:nvGrpSpPr>
+        <p:cNvPr id="1" name=""/>
+        <p:cNvGrpSpPr/>
+        <p:nvPr/>
+      </p:nvGrpSpPr>
+      <p:grpSpPr>
+        <a:xfrm>
+          <a:off x="0" y="0"/>
+          <a:ext cx="0" cy="0"/>
+          <a:chOff x="0" y="0"/>
+          <a:chExt cx="0" cy="0"/>
+        </a:xfrm>
+      </p:grpSpPr>
+      <p:pic>
+        <p:nvPicPr>
+          <p:cNvPr id="9" name="그림 8">
+            <a:extLst>
+              <a:ext uri="{FF2B5EF4-FFF2-40B4-BE49-F238E27FC236}">
+                <a16:creationId xmlns:a16="http://schemas.microsoft.com/office/drawing/2014/main" id="{10A9F57A-B96E-2E79-FA96-0F16A766562E}"/>
+              </a:ext>
+            </a:extLst>
+          </p:cNvPr>
+          <p:cNvPicPr>
+            <a:picLocks noChangeAspect="1"/>
+          </p:cNvPicPr>
+          <p:nvPr/>
+        </p:nvPicPr>
+        <p:blipFill>
+          <a:blip r:embed="rId2"/>
+          <a:stretch>
+            <a:fillRect/>
+          </a:stretch>
+        </p:blipFill>
+        <p:spPr>
+          <a:xfrm>
+            <a:off x="0" y="347163"/>
+            <a:ext cx="9144000" cy="6163673"/>
+          </a:xfrm>
+          <a:prstGeom prst="rect">
+            <a:avLst/>
+          </a:prstGeom>
+        </p:spPr>
+      </p:pic>
+    </p:spTree>
+    <p:extLst>
+      <p:ext uri="{BB962C8B-B14F-4D97-AF65-F5344CB8AC3E}">
+        <p14:creationId xmlns:p14="http://schemas.microsoft.com/office/powerpoint/2010/main" val="447818881"/>
+      </p:ext>
+    </p:extLst>
+  </p:cSld>
+  <p:clrMapOvr>
+    <a:masterClrMapping/>
+  </p:clrMapOvr>
+</p:sld>
+</file>
+
+<file path=ppt/slides/slide14.xml><?xml version="1.0" encoding="utf-8"?>
+<p:sld xmlns:a="http://schemas.openxmlformats.org/drawingml/2006/main" xmlns:r="http://schemas.openxmlformats.org/officeDocument/2006/relationships" xmlns:p="http://schemas.openxmlformats.org/presentationml/2006/main">
+  <p:cSld>
+    <p:spTree>
+      <p:nvGrpSpPr>
+        <p:cNvPr id="1" name=""/>
+        <p:cNvGrpSpPr/>
+        <p:nvPr/>
+      </p:nvGrpSpPr>
+      <p:grpSpPr>
+        <a:xfrm>
+          <a:off x="0" y="0"/>
+          <a:ext cx="0" cy="0"/>
+          <a:chOff x="0" y="0"/>
+          <a:chExt cx="0" cy="0"/>
+        </a:xfrm>
+      </p:grpSpPr>
+      <p:pic>
+        <p:nvPicPr>
+          <p:cNvPr id="7" name="그림 6">
+            <a:extLst>
+              <a:ext uri="{FF2B5EF4-FFF2-40B4-BE49-F238E27FC236}">
+                <a16:creationId xmlns:a16="http://schemas.microsoft.com/office/drawing/2014/main" id="{ED04DD62-D70B-E3C9-7694-D62CB85D7036}"/>
+              </a:ext>
+            </a:extLst>
+          </p:cNvPr>
+          <p:cNvPicPr>
+            <a:picLocks noChangeAspect="1"/>
+          </p:cNvPicPr>
+          <p:nvPr/>
+        </p:nvPicPr>
+        <p:blipFill>
+          <a:blip r:embed="rId2"/>
+          <a:stretch>
+            <a:fillRect/>
+          </a:stretch>
+        </p:blipFill>
+        <p:spPr>
+          <a:xfrm>
+            <a:off x="0" y="337727"/>
+            <a:ext cx="9144000" cy="6182545"/>
+          </a:xfrm>
+          <a:prstGeom prst="rect">
+            <a:avLst/>
+          </a:prstGeom>
+        </p:spPr>
+      </p:pic>
+    </p:spTree>
+    <p:extLst>
+      <p:ext uri="{BB962C8B-B14F-4D97-AF65-F5344CB8AC3E}">
+        <p14:creationId xmlns:p14="http://schemas.microsoft.com/office/powerpoint/2010/main" val="3545511621"/>
+      </p:ext>
+    </p:extLst>
+  </p:cSld>
+  <p:clrMapOvr>
+    <a:masterClrMapping/>
+  </p:clrMapOvr>
+</p:sld>
+</file>
+
+<file path=ppt/slides/slide15.xml><?xml version="1.0" encoding="utf-8"?>
+<p:sld xmlns:a="http://schemas.openxmlformats.org/drawingml/2006/main" xmlns:r="http://schemas.openxmlformats.org/officeDocument/2006/relationships" xmlns:p="http://schemas.openxmlformats.org/presentationml/2006/main">
+  <p:cSld>
+    <p:spTree>
+      <p:nvGrpSpPr>
+        <p:cNvPr id="1" name=""/>
+        <p:cNvGrpSpPr/>
+        <p:nvPr/>
+      </p:nvGrpSpPr>
+      <p:grpSpPr>
+        <a:xfrm>
+          <a:off x="0" y="0"/>
+          <a:ext cx="0" cy="0"/>
+          <a:chOff x="0" y="0"/>
+          <a:chExt cx="0" cy="0"/>
+        </a:xfrm>
+      </p:grpSpPr>
+      <p:sp>
+        <p:nvSpPr>
+          <p:cNvPr id="6" name="원통 3">
+            <a:extLst>
+              <a:ext uri="{FF2B5EF4-FFF2-40B4-BE49-F238E27FC236}">
+                <a16:creationId xmlns:a16="http://schemas.microsoft.com/office/drawing/2014/main" id="{90D8EA38-3C83-F99C-19F5-CFB4CC11E05C}"/>
+              </a:ext>
+            </a:extLst>
+          </p:cNvPr>
+          <p:cNvSpPr/>
+          <p:nvPr/>
+        </p:nvSpPr>
+        <p:spPr>
+          <a:xfrm>
+            <a:off x="7308304" y="2441251"/>
+            <a:ext cx="1224136" cy="936104"/>
+          </a:xfrm>
+          <a:prstGeom prst="can">
+            <a:avLst/>
+          </a:prstGeom>
+          <a:solidFill>
+            <a:schemeClr val="accent6">
+              <a:lumMod val="20000"/>
+              <a:lumOff val="80000"/>
+            </a:schemeClr>
+          </a:solidFill>
+          <a:ln>
+            <a:solidFill>
+              <a:schemeClr val="accent6">
+                <a:lumMod val="60000"/>
+                <a:lumOff val="40000"/>
+              </a:schemeClr>
+            </a:solidFill>
+          </a:ln>
+        </p:spPr>
+        <p:style>
+          <a:lnRef idx="2">
+            <a:schemeClr val="accent1">
+              <a:shade val="50000"/>
+            </a:schemeClr>
+          </a:lnRef>
+          <a:fillRef idx="1">
+            <a:schemeClr val="accent1"/>
+          </a:fillRef>
+          <a:effectRef idx="0">
+            <a:schemeClr val="accent1"/>
+          </a:effectRef>
+          <a:fontRef idx="minor">
+            <a:schemeClr val="lt1"/>
+          </a:fontRef>
+        </p:style>
+        <p:txBody>
+          <a:bodyPr rtlCol="0" anchor="ctr"/>
+          <a:lstStyle/>
+          <a:p>
+            <a:pPr algn="ctr"/>
+            <a:r>
+              <a:rPr lang="en-US" altLang="ko-KR" sz="1600" b="1" dirty="0" err="1">
+                <a:solidFill>
+                  <a:schemeClr val="tx1"/>
+                </a:solidFill>
+              </a:rPr>
+              <a:t>Redis</a:t>
+            </a:r>
+            <a:endParaRPr lang="ko-KR" altLang="en-US" sz="1600" b="1" dirty="0">
+              <a:solidFill>
+                <a:schemeClr val="tx1"/>
+              </a:solidFill>
+            </a:endParaRPr>
+          </a:p>
+        </p:txBody>
+      </p:sp>
+      <p:sp>
+        <p:nvSpPr>
+          <p:cNvPr id="7" name="모서리가 둥근 직사각형 6">
+            <a:extLst>
+              <a:ext uri="{FF2B5EF4-FFF2-40B4-BE49-F238E27FC236}">
+                <a16:creationId xmlns:a16="http://schemas.microsoft.com/office/drawing/2014/main" id="{25B6336C-CC5D-566A-765E-3F1A4427EBC4}"/>
+              </a:ext>
+            </a:extLst>
+          </p:cNvPr>
+          <p:cNvSpPr/>
+          <p:nvPr/>
+        </p:nvSpPr>
+        <p:spPr>
+          <a:xfrm>
+            <a:off x="4716016" y="1340768"/>
+            <a:ext cx="1872208" cy="1153981"/>
+          </a:xfrm>
+          <a:prstGeom prst="roundRect">
+            <a:avLst/>
+          </a:prstGeom>
+          <a:solidFill>
+            <a:schemeClr val="accent1">
+              <a:lumMod val="20000"/>
+              <a:lumOff val="80000"/>
+            </a:schemeClr>
+          </a:solidFill>
+        </p:spPr>
+        <p:style>
+          <a:lnRef idx="2">
+            <a:schemeClr val="accent1">
+              <a:shade val="50000"/>
+            </a:schemeClr>
+          </a:lnRef>
+          <a:fillRef idx="1">
+            <a:schemeClr val="accent1"/>
+          </a:fillRef>
+          <a:effectRef idx="0">
+            <a:schemeClr val="accent1"/>
+          </a:effectRef>
+          <a:fontRef idx="minor">
+            <a:schemeClr val="lt1"/>
+          </a:fontRef>
+        </p:style>
+        <p:txBody>
+          <a:bodyPr rtlCol="0" anchor="ctr"/>
+          <a:lstStyle/>
+          <a:p>
+            <a:pPr algn="ctr"/>
+            <a:r>
+              <a:rPr lang="ko-KR" altLang="en-US" sz="1400" b="1" dirty="0" err="1">
+                <a:solidFill>
+                  <a:schemeClr val="tx1"/>
+                </a:solidFill>
+              </a:rPr>
+              <a:t>채번</a:t>
+            </a:r>
+            <a:r>
+              <a:rPr lang="ko-KR" altLang="en-US" sz="1400" b="1" dirty="0">
+                <a:solidFill>
+                  <a:schemeClr val="tx1"/>
+                </a:solidFill>
+              </a:rPr>
+              <a:t> </a:t>
+            </a:r>
+            <a:r>
+              <a:rPr lang="en-US" altLang="ko-KR" sz="1400" b="1" dirty="0">
+                <a:solidFill>
+                  <a:schemeClr val="tx1"/>
+                </a:solidFill>
+              </a:rPr>
+              <a:t>API </a:t>
+            </a:r>
+            <a:r>
+              <a:rPr lang="ko-KR" altLang="en-US" sz="1400" b="1" dirty="0">
+                <a:solidFill>
+                  <a:schemeClr val="tx1"/>
+                </a:solidFill>
+              </a:rPr>
+              <a:t>서버</a:t>
+            </a:r>
+            <a:endParaRPr lang="en-US" altLang="ko-KR" sz="1400" b="1" dirty="0">
+              <a:solidFill>
+                <a:schemeClr val="tx1"/>
+              </a:solidFill>
+            </a:endParaRPr>
+          </a:p>
+          <a:p>
+            <a:pPr algn="ctr"/>
+            <a:r>
+              <a:rPr lang="ko-KR" altLang="en-US" sz="1400" b="1" dirty="0" err="1">
+                <a:solidFill>
+                  <a:schemeClr val="tx1"/>
+                </a:solidFill>
+              </a:rPr>
+              <a:t>인스턴스</a:t>
+            </a:r>
+            <a:r>
+              <a:rPr lang="ko-KR" altLang="en-US" sz="1400" b="1" dirty="0">
+                <a:solidFill>
+                  <a:schemeClr val="tx1"/>
+                </a:solidFill>
+              </a:rPr>
+              <a:t> </a:t>
+            </a:r>
+            <a:r>
+              <a:rPr lang="en-US" altLang="ko-KR" sz="1400" b="1" dirty="0">
+                <a:solidFill>
+                  <a:schemeClr val="tx1"/>
+                </a:solidFill>
+              </a:rPr>
+              <a:t>#1</a:t>
+            </a:r>
+            <a:endParaRPr lang="ko-KR" altLang="en-US" sz="1400" b="1" dirty="0">
+              <a:solidFill>
+                <a:schemeClr val="tx1"/>
+              </a:solidFill>
+            </a:endParaRPr>
+          </a:p>
+        </p:txBody>
+      </p:sp>
+      <p:sp>
+        <p:nvSpPr>
+          <p:cNvPr id="8" name="모서리가 둥근 직사각형 9">
+            <a:extLst>
+              <a:ext uri="{FF2B5EF4-FFF2-40B4-BE49-F238E27FC236}">
+                <a16:creationId xmlns:a16="http://schemas.microsoft.com/office/drawing/2014/main" id="{B6ED61B6-3068-F4D0-E67A-F3D6A1643EEA}"/>
+              </a:ext>
+            </a:extLst>
+          </p:cNvPr>
+          <p:cNvSpPr/>
+          <p:nvPr/>
+        </p:nvSpPr>
+        <p:spPr>
+          <a:xfrm>
+            <a:off x="4716016" y="3406221"/>
+            <a:ext cx="1872208" cy="1102899"/>
+          </a:xfrm>
+          <a:prstGeom prst="roundRect">
+            <a:avLst/>
+          </a:prstGeom>
+          <a:solidFill>
+            <a:schemeClr val="accent1">
+              <a:lumMod val="20000"/>
+              <a:lumOff val="80000"/>
+            </a:schemeClr>
+          </a:solidFill>
+        </p:spPr>
+        <p:style>
+          <a:lnRef idx="2">
+            <a:schemeClr val="accent1">
+              <a:shade val="50000"/>
+            </a:schemeClr>
+          </a:lnRef>
+          <a:fillRef idx="1">
+            <a:schemeClr val="accent1"/>
+          </a:fillRef>
+          <a:effectRef idx="0">
+            <a:schemeClr val="accent1"/>
+          </a:effectRef>
+          <a:fontRef idx="minor">
+            <a:schemeClr val="lt1"/>
+          </a:fontRef>
+        </p:style>
+        <p:txBody>
+          <a:bodyPr rtlCol="0" anchor="ctr"/>
+          <a:lstStyle/>
+          <a:p>
+            <a:pPr algn="ctr"/>
+            <a:r>
+              <a:rPr lang="ko-KR" altLang="en-US" sz="1400" b="1" dirty="0" err="1">
+                <a:solidFill>
+                  <a:schemeClr val="tx1"/>
+                </a:solidFill>
+              </a:rPr>
+              <a:t>채번</a:t>
+            </a:r>
+            <a:r>
+              <a:rPr lang="ko-KR" altLang="en-US" sz="1400" b="1" dirty="0">
+                <a:solidFill>
+                  <a:schemeClr val="tx1"/>
+                </a:solidFill>
+              </a:rPr>
+              <a:t> </a:t>
+            </a:r>
+            <a:r>
+              <a:rPr lang="en-US" altLang="ko-KR" sz="1400" b="1" dirty="0">
+                <a:solidFill>
+                  <a:schemeClr val="tx1"/>
+                </a:solidFill>
+              </a:rPr>
+              <a:t>API </a:t>
+            </a:r>
+            <a:r>
+              <a:rPr lang="ko-KR" altLang="en-US" sz="1400" b="1" dirty="0">
+                <a:solidFill>
+                  <a:schemeClr val="tx1"/>
+                </a:solidFill>
+              </a:rPr>
+              <a:t>서버</a:t>
+            </a:r>
+            <a:endParaRPr lang="en-US" altLang="ko-KR" sz="1400" b="1" dirty="0">
+              <a:solidFill>
+                <a:schemeClr val="tx1"/>
+              </a:solidFill>
+            </a:endParaRPr>
+          </a:p>
+          <a:p>
+            <a:pPr algn="ctr"/>
+            <a:r>
+              <a:rPr lang="ko-KR" altLang="en-US" sz="1400" b="1" dirty="0" err="1">
+                <a:solidFill>
+                  <a:schemeClr val="tx1"/>
+                </a:solidFill>
+              </a:rPr>
+              <a:t>인스턴스</a:t>
+            </a:r>
+            <a:r>
+              <a:rPr lang="ko-KR" altLang="en-US" sz="1400" b="1" dirty="0">
+                <a:solidFill>
+                  <a:schemeClr val="tx1"/>
+                </a:solidFill>
+              </a:rPr>
+              <a:t> </a:t>
+            </a:r>
+            <a:r>
+              <a:rPr lang="en-US" altLang="ko-KR" sz="1400" b="1" dirty="0">
+                <a:solidFill>
+                  <a:schemeClr val="tx1"/>
+                </a:solidFill>
+              </a:rPr>
+              <a:t>#2</a:t>
+            </a:r>
+            <a:endParaRPr lang="ko-KR" altLang="en-US" sz="1400" b="1" dirty="0">
+              <a:solidFill>
+                <a:schemeClr val="tx1"/>
+              </a:solidFill>
+            </a:endParaRPr>
+          </a:p>
+        </p:txBody>
+      </p:sp>
+      <p:sp>
+        <p:nvSpPr>
+          <p:cNvPr id="9" name="직사각형 8">
+            <a:extLst>
+              <a:ext uri="{FF2B5EF4-FFF2-40B4-BE49-F238E27FC236}">
+                <a16:creationId xmlns:a16="http://schemas.microsoft.com/office/drawing/2014/main" id="{8217BB27-988D-C0DC-D1A8-292C87C422C1}"/>
+              </a:ext>
+            </a:extLst>
+          </p:cNvPr>
+          <p:cNvSpPr/>
+          <p:nvPr/>
+        </p:nvSpPr>
+        <p:spPr>
+          <a:xfrm>
+            <a:off x="115186" y="2448635"/>
+            <a:ext cx="1066918" cy="972108"/>
+          </a:xfrm>
+          <a:prstGeom prst="rect">
+            <a:avLst/>
+          </a:prstGeom>
+          <a:solidFill>
+            <a:schemeClr val="bg1">
+              <a:lumMod val="95000"/>
+            </a:schemeClr>
+          </a:solidFill>
+          <a:ln>
+            <a:solidFill>
+              <a:schemeClr val="bg1">
+                <a:lumMod val="75000"/>
+              </a:schemeClr>
+            </a:solidFill>
+          </a:ln>
+        </p:spPr>
+        <p:style>
+          <a:lnRef idx="2">
+            <a:schemeClr val="accent1">
+              <a:shade val="50000"/>
+            </a:schemeClr>
+          </a:lnRef>
+          <a:fillRef idx="1">
+            <a:schemeClr val="accent1"/>
+          </a:fillRef>
+          <a:effectRef idx="0">
+            <a:schemeClr val="accent1"/>
+          </a:effectRef>
+          <a:fontRef idx="minor">
+            <a:schemeClr val="lt1"/>
+          </a:fontRef>
+        </p:style>
+        <p:txBody>
+          <a:bodyPr rtlCol="0" anchor="ctr"/>
+          <a:lstStyle/>
+          <a:p>
+            <a:pPr algn="ctr"/>
+            <a:endParaRPr lang="ko-KR" altLang="en-US" dirty="0">
+              <a:solidFill>
+                <a:sysClr val="windowText" lastClr="000000"/>
+              </a:solidFill>
+            </a:endParaRPr>
+          </a:p>
+        </p:txBody>
+      </p:sp>
+      <p:pic>
+        <p:nvPicPr>
+          <p:cNvPr id="10" name="Picture 2">
+            <a:extLst>
+              <a:ext uri="{FF2B5EF4-FFF2-40B4-BE49-F238E27FC236}">
+                <a16:creationId xmlns:a16="http://schemas.microsoft.com/office/drawing/2014/main" id="{664BF822-1CEC-4C7E-2AF8-C285E843AD2A}"/>
+              </a:ext>
+            </a:extLst>
+          </p:cNvPr>
+          <p:cNvPicPr>
+            <a:picLocks noChangeAspect="1" noChangeArrowheads="1"/>
+          </p:cNvPicPr>
+          <p:nvPr/>
+        </p:nvPicPr>
+        <p:blipFill>
+          <a:blip r:embed="rId2">
+            <a:extLst>
+              <a:ext uri="{28A0092B-C50C-407E-A947-70E740481C1C}">
+                <a14:useLocalDpi xmlns:a14="http://schemas.microsoft.com/office/drawing/2010/main" val="0"/>
+              </a:ext>
+            </a:extLst>
+          </a:blip>
+          <a:srcRect/>
+          <a:stretch>
+            <a:fillRect/>
+          </a:stretch>
+        </p:blipFill>
+        <p:spPr bwMode="auto">
+          <a:xfrm>
+            <a:off x="300006" y="2628582"/>
+            <a:ext cx="697278" cy="585714"/>
+          </a:xfrm>
+          <a:prstGeom prst="rect">
+            <a:avLst/>
+          </a:prstGeom>
+          <a:noFill/>
+          <a:ln>
+            <a:noFill/>
+          </a:ln>
+          <a:extLst>
+            <a:ext uri="{909E8E84-426E-40DD-AFC4-6F175D3DCCD1}">
+              <a14:hiddenFill xmlns:a14="http://schemas.microsoft.com/office/drawing/2010/main">
+                <a:solidFill>
+                  <a:schemeClr val="accent1"/>
+                </a:solidFill>
+              </a14:hiddenFill>
+            </a:ext>
+            <a:ext uri="{91240B29-F687-4F45-9708-019B960494DF}">
+              <a14:hiddenLine xmlns:a14="http://schemas.microsoft.com/office/drawing/2010/main" w="9525">
+                <a:solidFill>
+                  <a:schemeClr val="tx1"/>
+                </a:solidFill>
+                <a:miter lim="800000"/>
+                <a:headEnd/>
+                <a:tailEnd/>
+              </a14:hiddenLine>
+            </a:ext>
+          </a:extLst>
+        </p:spPr>
+      </p:pic>
+      <p:sp>
+        <p:nvSpPr>
+          <p:cNvPr id="11" name="직사각형 10">
+            <a:extLst>
+              <a:ext uri="{FF2B5EF4-FFF2-40B4-BE49-F238E27FC236}">
+                <a16:creationId xmlns:a16="http://schemas.microsoft.com/office/drawing/2014/main" id="{A2483066-5BB2-12DC-DA60-3DDCF6D0268A}"/>
+              </a:ext>
+            </a:extLst>
+          </p:cNvPr>
+          <p:cNvSpPr/>
+          <p:nvPr/>
+        </p:nvSpPr>
+        <p:spPr>
+          <a:xfrm>
+            <a:off x="1907704" y="2506024"/>
+            <a:ext cx="1606790" cy="857330"/>
+          </a:xfrm>
+          <a:prstGeom prst="rect">
+            <a:avLst/>
+          </a:prstGeom>
+          <a:solidFill>
+            <a:schemeClr val="accent3">
+              <a:lumMod val="20000"/>
+              <a:lumOff val="80000"/>
+            </a:schemeClr>
+          </a:solidFill>
+          <a:ln>
+            <a:solidFill>
+              <a:schemeClr val="accent3">
+                <a:lumMod val="75000"/>
+              </a:schemeClr>
+            </a:solidFill>
+          </a:ln>
+        </p:spPr>
+        <p:style>
+          <a:lnRef idx="2">
+            <a:schemeClr val="accent1">
+              <a:shade val="50000"/>
+            </a:schemeClr>
+          </a:lnRef>
+          <a:fillRef idx="1">
+            <a:schemeClr val="accent1"/>
+          </a:fillRef>
+          <a:effectRef idx="0">
+            <a:schemeClr val="accent1"/>
+          </a:effectRef>
+          <a:fontRef idx="minor">
+            <a:schemeClr val="lt1"/>
+          </a:fontRef>
+        </p:style>
+        <p:txBody>
+          <a:bodyPr rtlCol="0" anchor="ctr"/>
+          <a:lstStyle/>
+          <a:p>
+            <a:pPr algn="ctr"/>
+            <a:endParaRPr lang="ko-KR" altLang="en-US"/>
+          </a:p>
+        </p:txBody>
+      </p:sp>
+      <p:pic>
+        <p:nvPicPr>
+          <p:cNvPr id="12" name="Picture 3">
+            <a:extLst>
+              <a:ext uri="{FF2B5EF4-FFF2-40B4-BE49-F238E27FC236}">
+                <a16:creationId xmlns:a16="http://schemas.microsoft.com/office/drawing/2014/main" id="{B7D96690-8E68-B811-B6AD-9931E58AEB40}"/>
+              </a:ext>
+            </a:extLst>
+          </p:cNvPr>
+          <p:cNvPicPr>
+            <a:picLocks noChangeAspect="1" noChangeArrowheads="1"/>
+          </p:cNvPicPr>
+          <p:nvPr/>
+        </p:nvPicPr>
+        <p:blipFill>
+          <a:blip r:embed="rId3" cstate="print">
+            <a:extLst>
+              <a:ext uri="{28A0092B-C50C-407E-A947-70E740481C1C}">
+                <a14:useLocalDpi xmlns:a14="http://schemas.microsoft.com/office/drawing/2010/main" val="0"/>
+              </a:ext>
+            </a:extLst>
+          </a:blip>
+          <a:srcRect/>
+          <a:stretch>
+            <a:fillRect/>
+          </a:stretch>
+        </p:blipFill>
+        <p:spPr bwMode="auto">
+          <a:xfrm>
+            <a:off x="1931850" y="2603862"/>
+            <a:ext cx="610026" cy="667690"/>
+          </a:xfrm>
+          <a:prstGeom prst="rect">
+            <a:avLst/>
+          </a:prstGeom>
+          <a:noFill/>
+          <a:ln>
+            <a:noFill/>
+          </a:ln>
+          <a:extLst>
+            <a:ext uri="{909E8E84-426E-40DD-AFC4-6F175D3DCCD1}">
+              <a14:hiddenFill xmlns:a14="http://schemas.microsoft.com/office/drawing/2010/main">
+                <a:solidFill>
+                  <a:schemeClr val="accent1"/>
+                </a:solidFill>
+              </a14:hiddenFill>
+            </a:ext>
+            <a:ext uri="{91240B29-F687-4F45-9708-019B960494DF}">
+              <a14:hiddenLine xmlns:a14="http://schemas.microsoft.com/office/drawing/2010/main" w="9525">
+                <a:solidFill>
+                  <a:schemeClr val="tx1"/>
+                </a:solidFill>
+                <a:miter lim="800000"/>
+                <a:headEnd/>
+                <a:tailEnd/>
+              </a14:hiddenLine>
+            </a:ext>
+          </a:extLst>
+        </p:spPr>
+      </p:pic>
+      <p:sp>
+        <p:nvSpPr>
+          <p:cNvPr id="13" name="TextBox 12">
+            <a:extLst>
+              <a:ext uri="{FF2B5EF4-FFF2-40B4-BE49-F238E27FC236}">
+                <a16:creationId xmlns:a16="http://schemas.microsoft.com/office/drawing/2014/main" id="{BB1F7289-D745-E8A4-6991-772D7BDE7289}"/>
+              </a:ext>
+            </a:extLst>
+          </p:cNvPr>
+          <p:cNvSpPr txBox="1"/>
+          <p:nvPr/>
+        </p:nvSpPr>
+        <p:spPr>
+          <a:xfrm>
+            <a:off x="2541876" y="2664344"/>
+            <a:ext cx="1044116" cy="523220"/>
+          </a:xfrm>
+          <a:prstGeom prst="rect">
+            <a:avLst/>
+          </a:prstGeom>
+          <a:noFill/>
+        </p:spPr>
+        <p:txBody>
+          <a:bodyPr wrap="square" rtlCol="0">
+            <a:spAutoFit/>
+          </a:bodyPr>
+          <a:lstStyle/>
+          <a:p>
+            <a:pPr algn="ctr"/>
+            <a:r>
+              <a:rPr lang="en-US" altLang="ko-KR" sz="1400" b="1" dirty="0"/>
+              <a:t>Nginx</a:t>
+            </a:r>
+          </a:p>
+          <a:p>
+            <a:pPr algn="ctr"/>
+            <a:r>
+              <a:rPr lang="en-US" altLang="ko-KR" sz="1400" b="1" dirty="0"/>
+              <a:t>(9090)</a:t>
+            </a:r>
+            <a:endParaRPr lang="ko-KR" altLang="en-US" sz="1400" b="1" dirty="0"/>
+          </a:p>
+        </p:txBody>
+      </p:sp>
+      <p:sp>
+        <p:nvSpPr>
+          <p:cNvPr id="14" name="TextBox 13">
+            <a:extLst>
+              <a:ext uri="{FF2B5EF4-FFF2-40B4-BE49-F238E27FC236}">
+                <a16:creationId xmlns:a16="http://schemas.microsoft.com/office/drawing/2014/main" id="{8842790E-0733-8CED-9D78-D6A2BD65D413}"/>
+              </a:ext>
+            </a:extLst>
+          </p:cNvPr>
+          <p:cNvSpPr txBox="1"/>
+          <p:nvPr/>
+        </p:nvSpPr>
+        <p:spPr>
+          <a:xfrm>
+            <a:off x="133727" y="3029630"/>
+            <a:ext cx="1044116" cy="369332"/>
+          </a:xfrm>
+          <a:prstGeom prst="rect">
+            <a:avLst/>
+          </a:prstGeom>
+          <a:noFill/>
+        </p:spPr>
+        <p:txBody>
+          <a:bodyPr wrap="square" rtlCol="0">
+            <a:spAutoFit/>
+          </a:bodyPr>
+          <a:lstStyle/>
+          <a:p>
+            <a:pPr algn="ctr"/>
+            <a:r>
+              <a:rPr lang="en-US" altLang="ko-KR" b="1" dirty="0" err="1"/>
+              <a:t>Jmeter</a:t>
+            </a:r>
+            <a:endParaRPr lang="ko-KR" altLang="en-US" b="1" dirty="0"/>
+          </a:p>
+        </p:txBody>
+      </p:sp>
+      <p:cxnSp>
+        <p:nvCxnSpPr>
+          <p:cNvPr id="15" name="직선 화살표 연결선 14">
+            <a:extLst>
+              <a:ext uri="{FF2B5EF4-FFF2-40B4-BE49-F238E27FC236}">
+                <a16:creationId xmlns:a16="http://schemas.microsoft.com/office/drawing/2014/main" id="{9946B713-80AC-4F72-8F55-8CEA91CF43DF}"/>
+              </a:ext>
+            </a:extLst>
+          </p:cNvPr>
+          <p:cNvCxnSpPr>
+            <a:stCxn id="9" idx="3"/>
+            <a:endCxn id="11" idx="1"/>
+          </p:cNvCxnSpPr>
+          <p:nvPr/>
+        </p:nvCxnSpPr>
+        <p:spPr>
+          <a:xfrm>
+            <a:off x="1182104" y="2934689"/>
+            <a:ext cx="725600" cy="0"/>
+          </a:xfrm>
+          <a:prstGeom prst="straightConnector1">
+            <a:avLst/>
+          </a:prstGeom>
+          <a:ln w="19050">
+            <a:solidFill>
+              <a:schemeClr val="bg1">
+                <a:lumMod val="50000"/>
+              </a:schemeClr>
+            </a:solidFill>
+            <a:tailEnd type="arrow"/>
+          </a:ln>
+        </p:spPr>
+        <p:style>
+          <a:lnRef idx="1">
+            <a:schemeClr val="dk1"/>
+          </a:lnRef>
+          <a:fillRef idx="0">
+            <a:schemeClr val="dk1"/>
+          </a:fillRef>
+          <a:effectRef idx="0">
+            <a:schemeClr val="dk1"/>
+          </a:effectRef>
+          <a:fontRef idx="minor">
+            <a:schemeClr val="tx1"/>
+          </a:fontRef>
+        </p:style>
+      </p:cxnSp>
+      <p:cxnSp>
+        <p:nvCxnSpPr>
+          <p:cNvPr id="16" name="직선 화살표 연결선 15">
+            <a:extLst>
+              <a:ext uri="{FF2B5EF4-FFF2-40B4-BE49-F238E27FC236}">
+                <a16:creationId xmlns:a16="http://schemas.microsoft.com/office/drawing/2014/main" id="{62EF618B-D49B-1AA8-A42E-92F392D29AB1}"/>
+              </a:ext>
+            </a:extLst>
+          </p:cNvPr>
+          <p:cNvCxnSpPr>
+            <a:stCxn id="11" idx="3"/>
+            <a:endCxn id="7" idx="1"/>
+          </p:cNvCxnSpPr>
+          <p:nvPr/>
+        </p:nvCxnSpPr>
+        <p:spPr>
+          <a:xfrm flipV="1">
+            <a:off x="3514494" y="1917759"/>
+            <a:ext cx="1201522" cy="1016930"/>
+          </a:xfrm>
+          <a:prstGeom prst="straightConnector1">
+            <a:avLst/>
+          </a:prstGeom>
+          <a:ln w="19050">
+            <a:solidFill>
+              <a:schemeClr val="bg1">
+                <a:lumMod val="50000"/>
+              </a:schemeClr>
+            </a:solidFill>
+            <a:tailEnd type="arrow"/>
+          </a:ln>
+        </p:spPr>
+        <p:style>
+          <a:lnRef idx="1">
+            <a:schemeClr val="dk1"/>
+          </a:lnRef>
+          <a:fillRef idx="0">
+            <a:schemeClr val="dk1"/>
+          </a:fillRef>
+          <a:effectRef idx="0">
+            <a:schemeClr val="dk1"/>
+          </a:effectRef>
+          <a:fontRef idx="minor">
+            <a:schemeClr val="tx1"/>
+          </a:fontRef>
+        </p:style>
+      </p:cxnSp>
+      <p:cxnSp>
+        <p:nvCxnSpPr>
+          <p:cNvPr id="17" name="직선 화살표 연결선 16">
+            <a:extLst>
+              <a:ext uri="{FF2B5EF4-FFF2-40B4-BE49-F238E27FC236}">
+                <a16:creationId xmlns:a16="http://schemas.microsoft.com/office/drawing/2014/main" id="{8A7DDB0D-94B3-769C-31D5-21B0553FD6EF}"/>
+              </a:ext>
+            </a:extLst>
+          </p:cNvPr>
+          <p:cNvCxnSpPr>
+            <a:stCxn id="11" idx="3"/>
+            <a:endCxn id="8" idx="1"/>
+          </p:cNvCxnSpPr>
+          <p:nvPr/>
+        </p:nvCxnSpPr>
+        <p:spPr>
+          <a:xfrm>
+            <a:off x="3514494" y="2934689"/>
+            <a:ext cx="1201522" cy="1022982"/>
+          </a:xfrm>
+          <a:prstGeom prst="straightConnector1">
+            <a:avLst/>
+          </a:prstGeom>
+          <a:ln w="19050">
+            <a:solidFill>
+              <a:schemeClr val="bg1">
+                <a:lumMod val="50000"/>
+              </a:schemeClr>
+            </a:solidFill>
+            <a:tailEnd type="arrow"/>
+          </a:ln>
+        </p:spPr>
+        <p:style>
+          <a:lnRef idx="1">
+            <a:schemeClr val="dk1"/>
+          </a:lnRef>
+          <a:fillRef idx="0">
+            <a:schemeClr val="dk1"/>
+          </a:fillRef>
+          <a:effectRef idx="0">
+            <a:schemeClr val="dk1"/>
+          </a:effectRef>
+          <a:fontRef idx="minor">
+            <a:schemeClr val="tx1"/>
+          </a:fontRef>
+        </p:style>
+      </p:cxnSp>
+      <p:cxnSp>
+        <p:nvCxnSpPr>
+          <p:cNvPr id="18" name="직선 화살표 연결선 17">
+            <a:extLst>
+              <a:ext uri="{FF2B5EF4-FFF2-40B4-BE49-F238E27FC236}">
+                <a16:creationId xmlns:a16="http://schemas.microsoft.com/office/drawing/2014/main" id="{E8E29ACE-85D5-EAC6-D2BA-D61A73B6CA81}"/>
+              </a:ext>
+            </a:extLst>
+          </p:cNvPr>
+          <p:cNvCxnSpPr>
+            <a:stCxn id="7" idx="3"/>
+            <a:endCxn id="6" idx="2"/>
+          </p:cNvCxnSpPr>
+          <p:nvPr/>
+        </p:nvCxnSpPr>
+        <p:spPr>
+          <a:xfrm>
+            <a:off x="6588224" y="1917759"/>
+            <a:ext cx="720080" cy="991544"/>
+          </a:xfrm>
+          <a:prstGeom prst="straightConnector1">
+            <a:avLst/>
+          </a:prstGeom>
+          <a:ln w="19050">
+            <a:solidFill>
+              <a:schemeClr val="bg1">
+                <a:lumMod val="50000"/>
+              </a:schemeClr>
+            </a:solidFill>
+            <a:headEnd type="arrow" w="med" len="med"/>
+            <a:tailEnd type="arrow" w="med" len="med"/>
+          </a:ln>
+        </p:spPr>
+        <p:style>
+          <a:lnRef idx="1">
+            <a:schemeClr val="dk1"/>
+          </a:lnRef>
+          <a:fillRef idx="0">
+            <a:schemeClr val="dk1"/>
+          </a:fillRef>
+          <a:effectRef idx="0">
+            <a:schemeClr val="dk1"/>
+          </a:effectRef>
+          <a:fontRef idx="minor">
+            <a:schemeClr val="tx1"/>
+          </a:fontRef>
+        </p:style>
+      </p:cxnSp>
+      <p:cxnSp>
+        <p:nvCxnSpPr>
+          <p:cNvPr id="19" name="직선 화살표 연결선 18">
+            <a:extLst>
+              <a:ext uri="{FF2B5EF4-FFF2-40B4-BE49-F238E27FC236}">
+                <a16:creationId xmlns:a16="http://schemas.microsoft.com/office/drawing/2014/main" id="{F809FC05-49BA-E282-C469-439983B32AB3}"/>
+              </a:ext>
+            </a:extLst>
+          </p:cNvPr>
+          <p:cNvCxnSpPr>
+            <a:stCxn id="8" idx="3"/>
+            <a:endCxn id="6" idx="2"/>
+          </p:cNvCxnSpPr>
+          <p:nvPr/>
+        </p:nvCxnSpPr>
+        <p:spPr>
+          <a:xfrm flipV="1">
+            <a:off x="6588224" y="2909303"/>
+            <a:ext cx="720080" cy="1048368"/>
+          </a:xfrm>
+          <a:prstGeom prst="straightConnector1">
+            <a:avLst/>
+          </a:prstGeom>
+          <a:ln w="19050">
+            <a:solidFill>
+              <a:schemeClr val="bg1">
+                <a:lumMod val="50000"/>
+              </a:schemeClr>
+            </a:solidFill>
+            <a:headEnd type="arrow" w="med" len="med"/>
+            <a:tailEnd type="arrow" w="med" len="med"/>
+          </a:ln>
+        </p:spPr>
+        <p:style>
+          <a:lnRef idx="1">
+            <a:schemeClr val="dk1"/>
+          </a:lnRef>
+          <a:fillRef idx="0">
+            <a:schemeClr val="dk1"/>
+          </a:fillRef>
+          <a:effectRef idx="0">
+            <a:schemeClr val="dk1"/>
+          </a:effectRef>
+          <a:fontRef idx="minor">
+            <a:schemeClr val="tx1"/>
+          </a:fontRef>
+        </p:style>
+      </p:cxnSp>
+      <p:sp>
+        <p:nvSpPr>
+          <p:cNvPr id="21" name="TextBox 20">
+            <a:extLst>
+              <a:ext uri="{FF2B5EF4-FFF2-40B4-BE49-F238E27FC236}">
+                <a16:creationId xmlns:a16="http://schemas.microsoft.com/office/drawing/2014/main" id="{38FA1201-C5F7-72ED-35A1-BDDECCB93A32}"/>
+              </a:ext>
+            </a:extLst>
+          </p:cNvPr>
+          <p:cNvSpPr txBox="1"/>
+          <p:nvPr/>
+        </p:nvSpPr>
+        <p:spPr>
+          <a:xfrm>
+            <a:off x="3370478" y="2778040"/>
+            <a:ext cx="1368152" cy="261610"/>
+          </a:xfrm>
+          <a:prstGeom prst="rect">
+            <a:avLst/>
+          </a:prstGeom>
+          <a:noFill/>
+        </p:spPr>
+        <p:txBody>
+          <a:bodyPr wrap="square" rtlCol="0">
+            <a:spAutoFit/>
+          </a:bodyPr>
+          <a:lstStyle/>
+          <a:p>
+            <a:pPr algn="ctr"/>
+            <a:r>
+              <a:rPr lang="ko-KR" altLang="en-US" sz="1100" dirty="0" err="1"/>
+              <a:t>로드밸런싱</a:t>
+            </a:r>
+            <a:endParaRPr lang="ko-KR" altLang="en-US" sz="1100" dirty="0"/>
+          </a:p>
+        </p:txBody>
+      </p:sp>
+      <p:sp>
+        <p:nvSpPr>
+          <p:cNvPr id="24" name="TextBox 23">
+            <a:extLst>
+              <a:ext uri="{FF2B5EF4-FFF2-40B4-BE49-F238E27FC236}">
+                <a16:creationId xmlns:a16="http://schemas.microsoft.com/office/drawing/2014/main" id="{A0D91ABE-5691-53FF-C6A5-D187FDED2FE1}"/>
+              </a:ext>
+            </a:extLst>
+          </p:cNvPr>
+          <p:cNvSpPr txBox="1"/>
+          <p:nvPr/>
+        </p:nvSpPr>
+        <p:spPr>
+          <a:xfrm>
+            <a:off x="755576" y="2663334"/>
+            <a:ext cx="1607269" cy="261610"/>
+          </a:xfrm>
+          <a:prstGeom prst="rect">
+            <a:avLst/>
+          </a:prstGeom>
+          <a:noFill/>
+        </p:spPr>
+        <p:txBody>
+          <a:bodyPr wrap="square" rtlCol="0">
+            <a:spAutoFit/>
+          </a:bodyPr>
+          <a:lstStyle/>
+          <a:p>
+            <a:pPr algn="ctr"/>
+            <a:r>
+              <a:rPr lang="ko-KR" altLang="en-US" sz="1100"/>
+              <a:t>부하 발생</a:t>
+            </a:r>
+            <a:endParaRPr lang="ko-KR" altLang="en-US" sz="1100" dirty="0"/>
+          </a:p>
+        </p:txBody>
+      </p:sp>
+      <p:sp>
+        <p:nvSpPr>
+          <p:cNvPr id="27" name="직사각형 26">
+            <a:extLst>
+              <a:ext uri="{FF2B5EF4-FFF2-40B4-BE49-F238E27FC236}">
+                <a16:creationId xmlns:a16="http://schemas.microsoft.com/office/drawing/2014/main" id="{27C86742-8A6A-6E6A-73D1-6974DDD42553}"/>
+              </a:ext>
+            </a:extLst>
+          </p:cNvPr>
+          <p:cNvSpPr/>
+          <p:nvPr/>
+        </p:nvSpPr>
+        <p:spPr>
+          <a:xfrm>
+            <a:off x="0" y="1124744"/>
+            <a:ext cx="8748464" cy="3528392"/>
+          </a:xfrm>
+          <a:prstGeom prst="rect">
+            <a:avLst/>
+          </a:prstGeom>
+          <a:noFill/>
+          <a:ln>
+            <a:solidFill>
+              <a:schemeClr val="bg1">
+                <a:lumMod val="85000"/>
+              </a:schemeClr>
+            </a:solidFill>
+          </a:ln>
+        </p:spPr>
+        <p:style>
+          <a:lnRef idx="2">
+            <a:schemeClr val="accent1">
+              <a:shade val="50000"/>
+            </a:schemeClr>
+          </a:lnRef>
+          <a:fillRef idx="1">
+            <a:schemeClr val="accent1"/>
+          </a:fillRef>
+          <a:effectRef idx="0">
+            <a:schemeClr val="accent1"/>
+          </a:effectRef>
+          <a:fontRef idx="minor">
+            <a:schemeClr val="lt1"/>
+          </a:fontRef>
+        </p:style>
+        <p:txBody>
+          <a:bodyPr rtlCol="0" anchor="ctr"/>
+          <a:lstStyle/>
+          <a:p>
+            <a:pPr algn="ctr"/>
+            <a:endParaRPr lang="ko-KR" altLang="en-US"/>
+          </a:p>
+        </p:txBody>
+      </p:sp>
+    </p:spTree>
+    <p:extLst>
+      <p:ext uri="{BB962C8B-B14F-4D97-AF65-F5344CB8AC3E}">
+        <p14:creationId xmlns:p14="http://schemas.microsoft.com/office/powerpoint/2010/main" val="873430455"/>
       </p:ext>
     </p:extLst>
   </p:cSld>
@@ -6138,7 +7336,7 @@
           <a:p>
             <a:pPr algn="ctr"/>
             <a:r>
-              <a:rPr lang="en-US" altLang="ko-KR" sz="1600" b="1" dirty="0" err="1" smtClean="0">
+              <a:rPr lang="en-US" altLang="ko-KR" sz="1600" b="1" dirty="0" err="1">
                 <a:solidFill>
                   <a:schemeClr val="tx1"/>
                 </a:solidFill>
@@ -6244,7 +7442,7 @@
           <a:p>
             <a:pPr algn="ctr"/>
             <a:r>
-              <a:rPr lang="ko-KR" altLang="en-US" sz="1400" b="1" dirty="0" err="1" smtClean="0">
+              <a:rPr lang="ko-KR" altLang="en-US" sz="1400" b="1" dirty="0" err="1">
                 <a:solidFill>
                   <a:schemeClr val="tx1"/>
                 </a:solidFill>
@@ -6252,7 +7450,7 @@
               <a:t>채번</a:t>
             </a:r>
             <a:r>
-              <a:rPr lang="ko-KR" altLang="en-US" sz="1400" b="1" dirty="0" smtClean="0">
+              <a:rPr lang="ko-KR" altLang="en-US" sz="1400" b="1" dirty="0">
                 <a:solidFill>
                   <a:schemeClr val="tx1"/>
                 </a:solidFill>
@@ -6260,7 +7458,7 @@
               <a:t> </a:t>
             </a:r>
             <a:r>
-              <a:rPr lang="en-US" altLang="ko-KR" sz="1400" b="1" dirty="0" smtClean="0">
+              <a:rPr lang="en-US" altLang="ko-KR" sz="1400" b="1" dirty="0">
                 <a:solidFill>
                   <a:schemeClr val="tx1"/>
                 </a:solidFill>
@@ -6268,14 +7466,14 @@
               <a:t>API </a:t>
             </a:r>
             <a:r>
-              <a:rPr lang="ko-KR" altLang="en-US" sz="1400" b="1" dirty="0" smtClean="0">
+              <a:rPr lang="ko-KR" altLang="en-US" sz="1400" b="1" dirty="0">
                 <a:solidFill>
                   <a:schemeClr val="tx1"/>
                 </a:solidFill>
               </a:rPr>
               <a:t>서버</a:t>
             </a:r>
-            <a:endParaRPr lang="en-US" altLang="ko-KR" sz="1400" b="1" dirty="0" smtClean="0">
+            <a:endParaRPr lang="en-US" altLang="ko-KR" sz="1400" b="1" dirty="0">
               <a:solidFill>
                 <a:schemeClr val="tx1"/>
               </a:solidFill>
@@ -6284,7 +7482,7 @@
           <a:p>
             <a:pPr algn="ctr"/>
             <a:r>
-              <a:rPr lang="ko-KR" altLang="en-US" sz="1400" b="1" dirty="0" err="1" smtClean="0">
+              <a:rPr lang="ko-KR" altLang="en-US" sz="1400" b="1" dirty="0" err="1">
                 <a:solidFill>
                   <a:schemeClr val="tx1"/>
                 </a:solidFill>
@@ -6292,7 +7490,7 @@
               <a:t>인스턴스</a:t>
             </a:r>
             <a:r>
-              <a:rPr lang="ko-KR" altLang="en-US" sz="1400" b="1" dirty="0" smtClean="0">
+              <a:rPr lang="ko-KR" altLang="en-US" sz="1400" b="1" dirty="0">
                 <a:solidFill>
                   <a:schemeClr val="tx1"/>
                 </a:solidFill>
@@ -6300,7 +7498,7 @@
               <a:t> </a:t>
             </a:r>
             <a:r>
-              <a:rPr lang="en-US" altLang="ko-KR" sz="1400" b="1" dirty="0" smtClean="0">
+              <a:rPr lang="en-US" altLang="ko-KR" sz="1400" b="1" dirty="0">
                 <a:solidFill>
                   <a:schemeClr val="tx1"/>
                 </a:solidFill>
@@ -6311,7 +7509,7 @@
           <a:p>
             <a:pPr algn="ctr"/>
             <a:r>
-              <a:rPr lang="en-US" altLang="ko-KR" sz="1400" b="1" dirty="0" smtClean="0">
+              <a:rPr lang="en-US" altLang="ko-KR" sz="1400" b="1" dirty="0">
                 <a:solidFill>
                   <a:schemeClr val="tx1"/>
                 </a:solidFill>
@@ -6369,7 +7567,7 @@
           <a:p>
             <a:pPr algn="ctr"/>
             <a:r>
-              <a:rPr lang="ko-KR" altLang="en-US" sz="1400" b="1" dirty="0" err="1" smtClean="0">
+              <a:rPr lang="ko-KR" altLang="en-US" sz="1400" b="1" dirty="0" err="1">
                 <a:solidFill>
                   <a:schemeClr val="tx1"/>
                 </a:solidFill>
@@ -6377,7 +7575,7 @@
               <a:t>채번</a:t>
             </a:r>
             <a:r>
-              <a:rPr lang="ko-KR" altLang="en-US" sz="1400" b="1" dirty="0" smtClean="0">
+              <a:rPr lang="ko-KR" altLang="en-US" sz="1400" b="1" dirty="0">
                 <a:solidFill>
                   <a:schemeClr val="tx1"/>
                 </a:solidFill>
@@ -6385,7 +7583,7 @@
               <a:t> </a:t>
             </a:r>
             <a:r>
-              <a:rPr lang="en-US" altLang="ko-KR" sz="1400" b="1" dirty="0" smtClean="0">
+              <a:rPr lang="en-US" altLang="ko-KR" sz="1400" b="1" dirty="0">
                 <a:solidFill>
                   <a:schemeClr val="tx1"/>
                 </a:solidFill>
@@ -6393,14 +7591,14 @@
               <a:t>API </a:t>
             </a:r>
             <a:r>
-              <a:rPr lang="ko-KR" altLang="en-US" sz="1400" b="1" dirty="0" smtClean="0">
+              <a:rPr lang="ko-KR" altLang="en-US" sz="1400" b="1" dirty="0">
                 <a:solidFill>
                   <a:schemeClr val="tx1"/>
                 </a:solidFill>
               </a:rPr>
               <a:t>서버</a:t>
             </a:r>
-            <a:endParaRPr lang="en-US" altLang="ko-KR" sz="1400" b="1" dirty="0" smtClean="0">
+            <a:endParaRPr lang="en-US" altLang="ko-KR" sz="1400" b="1" dirty="0">
               <a:solidFill>
                 <a:schemeClr val="tx1"/>
               </a:solidFill>
@@ -6409,7 +7607,7 @@
           <a:p>
             <a:pPr algn="ctr"/>
             <a:r>
-              <a:rPr lang="ko-KR" altLang="en-US" sz="1400" b="1" dirty="0" err="1" smtClean="0">
+              <a:rPr lang="ko-KR" altLang="en-US" sz="1400" b="1" dirty="0" err="1">
                 <a:solidFill>
                   <a:schemeClr val="tx1"/>
                 </a:solidFill>
@@ -6417,7 +7615,7 @@
               <a:t>인스턴스</a:t>
             </a:r>
             <a:r>
-              <a:rPr lang="ko-KR" altLang="en-US" sz="1400" b="1" dirty="0" smtClean="0">
+              <a:rPr lang="ko-KR" altLang="en-US" sz="1400" b="1" dirty="0">
                 <a:solidFill>
                   <a:schemeClr val="tx1"/>
                 </a:solidFill>
@@ -6425,7 +7623,7 @@
               <a:t> </a:t>
             </a:r>
             <a:r>
-              <a:rPr lang="en-US" altLang="ko-KR" sz="1400" b="1" dirty="0" smtClean="0">
+              <a:rPr lang="en-US" altLang="ko-KR" sz="1400" b="1" dirty="0">
                 <a:solidFill>
                   <a:schemeClr val="tx1"/>
                 </a:solidFill>
@@ -6436,14 +7634,14 @@
           <a:p>
             <a:pPr algn="ctr"/>
             <a:r>
-              <a:rPr lang="en-US" altLang="ko-KR" sz="1400" b="1" dirty="0" smtClean="0">
+              <a:rPr lang="en-US" altLang="ko-KR" sz="1400" b="1" dirty="0">
                 <a:solidFill>
                   <a:schemeClr val="tx1"/>
                 </a:solidFill>
               </a:rPr>
               <a:t>(Spring boot)</a:t>
             </a:r>
-            <a:endParaRPr lang="ko-KR" altLang="en-US" sz="1400" b="1" dirty="0" smtClean="0">
+            <a:endParaRPr lang="ko-KR" altLang="en-US" sz="1400" b="1" dirty="0">
               <a:solidFill>
                 <a:schemeClr val="tx1"/>
               </a:solidFill>
@@ -6582,14 +7780,14 @@
           <a:p>
             <a:pPr algn="ctr"/>
             <a:r>
-              <a:rPr lang="en-US" altLang="ko-KR" sz="1400" b="1" dirty="0" smtClean="0"/>
+              <a:rPr lang="en-US" altLang="ko-KR" sz="1400" b="1" dirty="0"/>
               <a:t>Nginx</a:t>
             </a:r>
           </a:p>
           <a:p>
             <a:pPr algn="ctr"/>
             <a:r>
-              <a:rPr lang="en-US" altLang="ko-KR" sz="1400" b="1" dirty="0" smtClean="0"/>
+              <a:rPr lang="en-US" altLang="ko-KR" sz="1400" b="1" dirty="0"/>
               <a:t>(9090)</a:t>
             </a:r>
             <a:endParaRPr lang="ko-KR" altLang="en-US" sz="1400" b="1" dirty="0"/>
@@ -6786,11 +7984,11 @@
           <a:p>
             <a:pPr algn="ctr"/>
             <a:r>
-              <a:rPr lang="en-US" altLang="ko-KR" sz="1100" dirty="0" smtClean="0"/>
+              <a:rPr lang="en-US" altLang="ko-KR" sz="1100" dirty="0"/>
               <a:t>Nginx</a:t>
             </a:r>
             <a:r>
-              <a:rPr lang="ko-KR" altLang="en-US" sz="1100" dirty="0" smtClean="0"/>
+              <a:rPr lang="ko-KR" altLang="en-US" sz="1100" dirty="0"/>
               <a:t>를</a:t>
             </a:r>
             <a:r>
@@ -6798,15 +7996,15 @@
               <a:t> </a:t>
             </a:r>
             <a:r>
-              <a:rPr lang="ko-KR" altLang="en-US" sz="1100" dirty="0" smtClean="0"/>
+              <a:rPr lang="ko-KR" altLang="en-US" sz="1100" dirty="0"/>
               <a:t>통한</a:t>
             </a:r>
-            <a:endParaRPr lang="en-US" altLang="ko-KR" sz="1100" dirty="0" smtClean="0"/>
-          </a:p>
-          <a:p>
-            <a:pPr algn="ctr"/>
-            <a:r>
-              <a:rPr lang="ko-KR" altLang="en-US" sz="1100" dirty="0" err="1" smtClean="0"/>
+            <a:endParaRPr lang="en-US" altLang="ko-KR" sz="1100" dirty="0"/>
+          </a:p>
+          <a:p>
+            <a:pPr algn="ctr"/>
+            <a:r>
+              <a:rPr lang="ko-KR" altLang="en-US" sz="1100" dirty="0" err="1"/>
               <a:t>로드밸런싱</a:t>
             </a:r>
             <a:endParaRPr lang="ko-KR" altLang="en-US" sz="1100" dirty="0"/>
@@ -6837,22 +8035,21 @@
           <a:p>
             <a:pPr algn="ctr"/>
             <a:r>
-              <a:rPr lang="en-US" altLang="ko-KR" sz="1100" dirty="0" err="1" smtClean="0"/>
+              <a:rPr lang="en-US" altLang="ko-KR" sz="1100" dirty="0" err="1"/>
               <a:t>Redis</a:t>
             </a:r>
             <a:r>
-              <a:rPr lang="ko-KR" altLang="en-US" sz="1100" dirty="0" smtClean="0"/>
+              <a:rPr lang="ko-KR" altLang="en-US" sz="1100" dirty="0"/>
               <a:t>를 통한</a:t>
             </a:r>
-            <a:endParaRPr lang="en-US" altLang="ko-KR" sz="1100" dirty="0" smtClean="0"/>
-          </a:p>
-          <a:p>
-            <a:pPr algn="ctr"/>
-            <a:r>
-              <a:rPr lang="ko-KR" altLang="en-US" sz="1100" dirty="0" smtClean="0"/>
+            <a:endParaRPr lang="en-US" altLang="ko-KR" sz="1100" dirty="0"/>
+          </a:p>
+          <a:p>
+            <a:pPr algn="ctr"/>
+            <a:r>
+              <a:rPr lang="ko-KR" altLang="en-US" sz="1100" dirty="0"/>
               <a:t>데이터 관리</a:t>
             </a:r>
-            <a:endParaRPr lang="ko-KR" altLang="en-US" sz="1100" dirty="0"/>
           </a:p>
         </p:txBody>
       </p:sp>
@@ -6937,7 +8134,7 @@
           <a:p>
             <a:pPr algn="ctr"/>
             <a:r>
-              <a:rPr lang="en-US" altLang="ko-KR" sz="1600" b="1" dirty="0" err="1" smtClean="0">
+              <a:rPr lang="en-US" altLang="ko-KR" sz="1600" b="1" dirty="0" err="1">
                 <a:solidFill>
                   <a:schemeClr val="tx1"/>
                 </a:solidFill>
@@ -7049,7 +8246,7 @@
           <a:p>
             <a:pPr algn="ctr"/>
             <a:r>
-              <a:rPr lang="en-US" altLang="ko-KR" sz="1600" b="1" dirty="0" smtClean="0">
+              <a:rPr lang="en-US" altLang="ko-KR" sz="1600" b="1" dirty="0">
                 <a:solidFill>
                   <a:sysClr val="windowText" lastClr="000000"/>
                 </a:solidFill>
@@ -7107,7 +8304,7 @@
           <a:p>
             <a:pPr algn="ctr"/>
             <a:r>
-              <a:rPr lang="ko-KR" altLang="en-US" sz="1400" b="1" dirty="0" err="1" smtClean="0">
+              <a:rPr lang="ko-KR" altLang="en-US" sz="1400" b="1" dirty="0" err="1">
                 <a:solidFill>
                   <a:schemeClr val="tx1"/>
                 </a:solidFill>
@@ -7115,7 +8312,7 @@
               <a:t>채번</a:t>
             </a:r>
             <a:r>
-              <a:rPr lang="ko-KR" altLang="en-US" sz="1400" b="1" dirty="0" smtClean="0">
+              <a:rPr lang="ko-KR" altLang="en-US" sz="1400" b="1" dirty="0">
                 <a:solidFill>
                   <a:schemeClr val="tx1"/>
                 </a:solidFill>
@@ -7123,7 +8320,7 @@
               <a:t> </a:t>
             </a:r>
             <a:r>
-              <a:rPr lang="en-US" altLang="ko-KR" sz="1400" b="1" dirty="0" smtClean="0">
+              <a:rPr lang="en-US" altLang="ko-KR" sz="1400" b="1" dirty="0">
                 <a:solidFill>
                   <a:schemeClr val="tx1"/>
                 </a:solidFill>
@@ -7131,14 +8328,14 @@
               <a:t>API </a:t>
             </a:r>
             <a:r>
-              <a:rPr lang="ko-KR" altLang="en-US" sz="1400" b="1" dirty="0" smtClean="0">
+              <a:rPr lang="ko-KR" altLang="en-US" sz="1400" b="1" dirty="0">
                 <a:solidFill>
                   <a:schemeClr val="tx1"/>
                 </a:solidFill>
               </a:rPr>
               <a:t>서버</a:t>
             </a:r>
-            <a:endParaRPr lang="en-US" altLang="ko-KR" sz="1400" b="1" dirty="0" smtClean="0">
+            <a:endParaRPr lang="en-US" altLang="ko-KR" sz="1400" b="1" dirty="0">
               <a:solidFill>
                 <a:schemeClr val="tx1"/>
               </a:solidFill>
@@ -7147,7 +8344,7 @@
           <a:p>
             <a:pPr algn="ctr"/>
             <a:r>
-              <a:rPr lang="ko-KR" altLang="en-US" sz="1400" b="1" dirty="0" err="1" smtClean="0">
+              <a:rPr lang="ko-KR" altLang="en-US" sz="1400" b="1" dirty="0" err="1">
                 <a:solidFill>
                   <a:schemeClr val="tx1"/>
                 </a:solidFill>
@@ -7155,7 +8352,7 @@
               <a:t>인스턴스</a:t>
             </a:r>
             <a:r>
-              <a:rPr lang="ko-KR" altLang="en-US" sz="1400" b="1" dirty="0" smtClean="0">
+              <a:rPr lang="ko-KR" altLang="en-US" sz="1400" b="1" dirty="0">
                 <a:solidFill>
                   <a:schemeClr val="tx1"/>
                 </a:solidFill>
@@ -7163,7 +8360,7 @@
               <a:t> </a:t>
             </a:r>
             <a:r>
-              <a:rPr lang="en-US" altLang="ko-KR" sz="1400" b="1" dirty="0" smtClean="0">
+              <a:rPr lang="en-US" altLang="ko-KR" sz="1400" b="1" dirty="0">
                 <a:solidFill>
                   <a:schemeClr val="tx1"/>
                 </a:solidFill>
@@ -7174,7 +8371,7 @@
           <a:p>
             <a:pPr algn="ctr"/>
             <a:r>
-              <a:rPr lang="en-US" altLang="ko-KR" sz="1400" b="1" dirty="0" smtClean="0">
+              <a:rPr lang="en-US" altLang="ko-KR" sz="1400" b="1" dirty="0">
                 <a:solidFill>
                   <a:schemeClr val="tx1"/>
                 </a:solidFill>
@@ -7232,7 +8429,7 @@
           <a:p>
             <a:pPr algn="ctr"/>
             <a:r>
-              <a:rPr lang="ko-KR" altLang="en-US" sz="1400" b="1" dirty="0" err="1" smtClean="0">
+              <a:rPr lang="ko-KR" altLang="en-US" sz="1400" b="1" dirty="0" err="1">
                 <a:solidFill>
                   <a:schemeClr val="tx1"/>
                 </a:solidFill>
@@ -7240,7 +8437,7 @@
               <a:t>채번</a:t>
             </a:r>
             <a:r>
-              <a:rPr lang="ko-KR" altLang="en-US" sz="1400" b="1" dirty="0" smtClean="0">
+              <a:rPr lang="ko-KR" altLang="en-US" sz="1400" b="1" dirty="0">
                 <a:solidFill>
                   <a:schemeClr val="tx1"/>
                 </a:solidFill>
@@ -7248,7 +8445,7 @@
               <a:t> </a:t>
             </a:r>
             <a:r>
-              <a:rPr lang="en-US" altLang="ko-KR" sz="1400" b="1" dirty="0" smtClean="0">
+              <a:rPr lang="en-US" altLang="ko-KR" sz="1400" b="1" dirty="0">
                 <a:solidFill>
                   <a:schemeClr val="tx1"/>
                 </a:solidFill>
@@ -7256,14 +8453,14 @@
               <a:t>API </a:t>
             </a:r>
             <a:r>
-              <a:rPr lang="ko-KR" altLang="en-US" sz="1400" b="1" dirty="0" smtClean="0">
+              <a:rPr lang="ko-KR" altLang="en-US" sz="1400" b="1" dirty="0">
                 <a:solidFill>
                   <a:schemeClr val="tx1"/>
                 </a:solidFill>
               </a:rPr>
               <a:t>서버</a:t>
             </a:r>
-            <a:endParaRPr lang="en-US" altLang="ko-KR" sz="1400" b="1" dirty="0" smtClean="0">
+            <a:endParaRPr lang="en-US" altLang="ko-KR" sz="1400" b="1" dirty="0">
               <a:solidFill>
                 <a:schemeClr val="tx1"/>
               </a:solidFill>
@@ -7272,7 +8469,7 @@
           <a:p>
             <a:pPr algn="ctr"/>
             <a:r>
-              <a:rPr lang="ko-KR" altLang="en-US" sz="1400" b="1" dirty="0" err="1" smtClean="0">
+              <a:rPr lang="ko-KR" altLang="en-US" sz="1400" b="1" dirty="0" err="1">
                 <a:solidFill>
                   <a:schemeClr val="tx1"/>
                 </a:solidFill>
@@ -7280,7 +8477,7 @@
               <a:t>인스턴스</a:t>
             </a:r>
             <a:r>
-              <a:rPr lang="ko-KR" altLang="en-US" sz="1400" b="1" dirty="0" smtClean="0">
+              <a:rPr lang="ko-KR" altLang="en-US" sz="1400" b="1" dirty="0">
                 <a:solidFill>
                   <a:schemeClr val="tx1"/>
                 </a:solidFill>
@@ -7288,7 +8485,7 @@
               <a:t> </a:t>
             </a:r>
             <a:r>
-              <a:rPr lang="en-US" altLang="ko-KR" sz="1400" b="1" dirty="0" smtClean="0">
+              <a:rPr lang="en-US" altLang="ko-KR" sz="1400" b="1" dirty="0">
                 <a:solidFill>
                   <a:schemeClr val="tx1"/>
                 </a:solidFill>
@@ -7299,14 +8496,14 @@
           <a:p>
             <a:pPr algn="ctr"/>
             <a:r>
-              <a:rPr lang="en-US" altLang="ko-KR" sz="1400" b="1" dirty="0" smtClean="0">
+              <a:rPr lang="en-US" altLang="ko-KR" sz="1400" b="1" dirty="0">
                 <a:solidFill>
                   <a:schemeClr val="tx1"/>
                 </a:solidFill>
               </a:rPr>
               <a:t>(Spring boot)</a:t>
             </a:r>
-            <a:endParaRPr lang="ko-KR" altLang="en-US" sz="1400" b="1" dirty="0" smtClean="0">
+            <a:endParaRPr lang="ko-KR" altLang="en-US" sz="1400" b="1" dirty="0">
               <a:solidFill>
                 <a:schemeClr val="tx1"/>
               </a:solidFill>
@@ -7445,14 +8642,14 @@
           <a:p>
             <a:pPr algn="ctr"/>
             <a:r>
-              <a:rPr lang="en-US" altLang="ko-KR" sz="1400" b="1" dirty="0" smtClean="0"/>
+              <a:rPr lang="en-US" altLang="ko-KR" sz="1400" b="1" dirty="0"/>
               <a:t>Nginx</a:t>
             </a:r>
           </a:p>
           <a:p>
             <a:pPr algn="ctr"/>
             <a:r>
-              <a:rPr lang="en-US" altLang="ko-KR" sz="1400" b="1" dirty="0" smtClean="0"/>
+              <a:rPr lang="en-US" altLang="ko-KR" sz="1400" b="1" dirty="0"/>
               <a:t>(9090)</a:t>
             </a:r>
             <a:endParaRPr lang="ko-KR" altLang="en-US" sz="1400" b="1" dirty="0"/>
@@ -7690,11 +8887,11 @@
           <a:p>
             <a:pPr algn="ctr"/>
             <a:r>
-              <a:rPr lang="en-US" altLang="ko-KR" sz="1100" dirty="0" smtClean="0"/>
+              <a:rPr lang="en-US" altLang="ko-KR" sz="1100" dirty="0"/>
               <a:t>Nginx</a:t>
             </a:r>
             <a:r>
-              <a:rPr lang="ko-KR" altLang="en-US" sz="1100" dirty="0" smtClean="0"/>
+              <a:rPr lang="ko-KR" altLang="en-US" sz="1100" dirty="0"/>
               <a:t>를</a:t>
             </a:r>
             <a:r>
@@ -7702,15 +8899,15 @@
               <a:t> </a:t>
             </a:r>
             <a:r>
-              <a:rPr lang="ko-KR" altLang="en-US" sz="1100" dirty="0" smtClean="0"/>
+              <a:rPr lang="ko-KR" altLang="en-US" sz="1100" dirty="0"/>
               <a:t>통한</a:t>
             </a:r>
-            <a:endParaRPr lang="en-US" altLang="ko-KR" sz="1100" dirty="0" smtClean="0"/>
-          </a:p>
-          <a:p>
-            <a:pPr algn="ctr"/>
-            <a:r>
-              <a:rPr lang="ko-KR" altLang="en-US" sz="1100" dirty="0" err="1" smtClean="0"/>
+            <a:endParaRPr lang="en-US" altLang="ko-KR" sz="1100" dirty="0"/>
+          </a:p>
+          <a:p>
+            <a:pPr algn="ctr"/>
+            <a:r>
+              <a:rPr lang="ko-KR" altLang="en-US" sz="1100" dirty="0" err="1"/>
               <a:t>로드밸런싱</a:t>
             </a:r>
             <a:endParaRPr lang="ko-KR" altLang="en-US" sz="1100" dirty="0"/>
@@ -7741,22 +8938,21 @@
           <a:p>
             <a:pPr algn="ctr"/>
             <a:r>
-              <a:rPr lang="en-US" altLang="ko-KR" sz="1100" dirty="0" err="1" smtClean="0"/>
+              <a:rPr lang="en-US" altLang="ko-KR" sz="1100" dirty="0" err="1"/>
               <a:t>Redis</a:t>
             </a:r>
             <a:r>
-              <a:rPr lang="ko-KR" altLang="en-US" sz="1100" dirty="0" smtClean="0"/>
+              <a:rPr lang="ko-KR" altLang="en-US" sz="1100" dirty="0"/>
               <a:t>를 통한</a:t>
             </a:r>
-            <a:endParaRPr lang="en-US" altLang="ko-KR" sz="1100" dirty="0" smtClean="0"/>
-          </a:p>
-          <a:p>
-            <a:pPr algn="ctr"/>
-            <a:r>
-              <a:rPr lang="ko-KR" altLang="en-US" sz="1100" dirty="0" smtClean="0"/>
+            <a:endParaRPr lang="en-US" altLang="ko-KR" sz="1100" dirty="0"/>
+          </a:p>
+          <a:p>
+            <a:pPr algn="ctr"/>
+            <a:r>
+              <a:rPr lang="ko-KR" altLang="en-US" sz="1100" dirty="0"/>
               <a:t>데이터 관리</a:t>
             </a:r>
-            <a:endParaRPr lang="ko-KR" altLang="en-US" sz="1100" dirty="0"/>
           </a:p>
         </p:txBody>
       </p:sp>
@@ -7784,58 +8980,53 @@
           <a:p>
             <a:pPr algn="ctr"/>
             <a:r>
-              <a:rPr lang="ko-KR" altLang="en-US" sz="1100" dirty="0" smtClean="0"/>
+              <a:rPr lang="ko-KR" altLang="en-US" sz="1100" dirty="0"/>
               <a:t>시퀀스 </a:t>
             </a:r>
             <a:r>
-              <a:rPr lang="ko-KR" altLang="en-US" sz="1100" dirty="0" err="1" smtClean="0"/>
+              <a:rPr lang="ko-KR" altLang="en-US" sz="1100" dirty="0" err="1"/>
               <a:t>채번</a:t>
             </a:r>
             <a:r>
-              <a:rPr lang="ko-KR" altLang="en-US" sz="1100" dirty="0" smtClean="0"/>
+              <a:rPr lang="ko-KR" altLang="en-US" sz="1100" dirty="0"/>
               <a:t> 테스트</a:t>
             </a:r>
-            <a:endParaRPr lang="en-US" altLang="ko-KR" sz="1100" dirty="0" smtClean="0"/>
-          </a:p>
-          <a:p>
-            <a:pPr algn="ctr"/>
-            <a:r>
-              <a:rPr lang="en-US" altLang="ko-KR" sz="1100" dirty="0" smtClean="0"/>
+            <a:endParaRPr lang="en-US" altLang="ko-KR" sz="1100" dirty="0"/>
+          </a:p>
+          <a:p>
+            <a:pPr algn="ctr"/>
+            <a:r>
+              <a:rPr lang="en-US" altLang="ko-KR" sz="1100" dirty="0"/>
               <a:t>GUID </a:t>
             </a:r>
             <a:r>
-              <a:rPr lang="ko-KR" altLang="en-US" sz="1100" dirty="0" err="1" smtClean="0"/>
+              <a:rPr lang="ko-KR" altLang="en-US" sz="1100" dirty="0" err="1"/>
               <a:t>채번</a:t>
             </a:r>
             <a:r>
-              <a:rPr lang="ko-KR" altLang="en-US" sz="1100" dirty="0" smtClean="0"/>
-              <a:t> 테스트 </a:t>
-            </a:r>
-            <a:r>
-              <a:rPr lang="ko-KR" altLang="en-US" sz="1100" dirty="0" smtClean="0"/>
-              <a:t>요청</a:t>
-            </a:r>
-            <a:endParaRPr lang="en-US" altLang="ko-KR" sz="1100" dirty="0" smtClean="0"/>
-          </a:p>
-          <a:p>
-            <a:pPr algn="ctr"/>
-            <a:r>
-              <a:rPr lang="en-US" altLang="ko-KR" sz="1100" dirty="0" smtClean="0"/>
+              <a:rPr lang="ko-KR" altLang="en-US" sz="1100" dirty="0"/>
+              <a:t> 테스트 요청</a:t>
+            </a:r>
+            <a:endParaRPr lang="en-US" altLang="ko-KR" sz="1100" dirty="0"/>
+          </a:p>
+          <a:p>
+            <a:pPr algn="ctr"/>
+            <a:r>
+              <a:rPr lang="en-US" altLang="ko-KR" sz="1100" dirty="0"/>
               <a:t>Http, </a:t>
             </a:r>
             <a:r>
-              <a:rPr lang="en-US" altLang="ko-KR" sz="1100" dirty="0" err="1" smtClean="0"/>
+              <a:rPr lang="en-US" altLang="ko-KR" sz="1100" dirty="0" err="1"/>
               <a:t>Json</a:t>
             </a:r>
             <a:r>
-              <a:rPr lang="en-US" altLang="ko-KR" sz="1100" dirty="0" smtClean="0"/>
+              <a:rPr lang="en-US" altLang="ko-KR" sz="1100" dirty="0"/>
               <a:t> </a:t>
             </a:r>
             <a:r>
-              <a:rPr lang="ko-KR" altLang="en-US" sz="1100" dirty="0" smtClean="0"/>
+              <a:rPr lang="ko-KR" altLang="en-US" sz="1100" dirty="0"/>
               <a:t>방식</a:t>
             </a:r>
-            <a:endParaRPr lang="ko-KR" altLang="en-US" sz="1100" dirty="0"/>
           </a:p>
         </p:txBody>
       </p:sp>
@@ -7915,16 +9106,6 @@
                 </a:solidFill>
               </a14:hiddenFill>
             </a:ext>
-            <a:ext uri="{91240B29-F687-4F45-9708-019B960494DF}">
-              <a14:hiddenLine xmlns:a14="http://schemas.microsoft.com/office/drawing/2010/main" w="9525">
-                <a:solidFill>
-                  <a:schemeClr val="tx1"/>
-                </a:solidFill>
-                <a:miter lim="800000"/>
-                <a:headEnd/>
-                <a:tailEnd/>
-              </a14:hiddenLine>
-            </a:ext>
           </a:extLst>
         </p:spPr>
       </p:pic>
@@ -8020,16 +9201,6 @@
                 </a:solidFill>
               </a14:hiddenFill>
             </a:ext>
-            <a:ext uri="{91240B29-F687-4F45-9708-019B960494DF}">
-              <a14:hiddenLine xmlns:a14="http://schemas.microsoft.com/office/drawing/2010/main" w="9525">
-                <a:solidFill>
-                  <a:schemeClr val="tx1"/>
-                </a:solidFill>
-                <a:miter lim="800000"/>
-                <a:headEnd/>
-                <a:tailEnd/>
-              </a14:hiddenLine>
-            </a:ext>
           </a:extLst>
         </p:spPr>
       </p:pic>
@@ -8166,16 +9337,6 @@
                 </a:solidFill>
               </a14:hiddenFill>
             </a:ext>
-            <a:ext uri="{91240B29-F687-4F45-9708-019B960494DF}">
-              <a14:hiddenLine xmlns:a14="http://schemas.microsoft.com/office/drawing/2010/main" w="9525">
-                <a:solidFill>
-                  <a:schemeClr val="tx1"/>
-                </a:solidFill>
-                <a:miter lim="800000"/>
-                <a:headEnd/>
-                <a:tailEnd/>
-              </a14:hiddenLine>
-            </a:ext>
           </a:extLst>
         </p:spPr>
       </p:pic>
@@ -8316,16 +9477,6 @@
                   <a:schemeClr val="accent1"/>
                 </a:solidFill>
               </a14:hiddenFill>
-            </a:ext>
-            <a:ext uri="{91240B29-F687-4F45-9708-019B960494DF}">
-              <a14:hiddenLine xmlns:a14="http://schemas.microsoft.com/office/drawing/2010/main" w="9525">
-                <a:solidFill>
-                  <a:schemeClr val="tx1"/>
-                </a:solidFill>
-                <a:miter lim="800000"/>
-                <a:headEnd/>
-                <a:tailEnd/>
-              </a14:hiddenLine>
             </a:ext>
           </a:extLst>
         </p:spPr>
@@ -8498,16 +9649,6 @@
                 </a:solidFill>
               </a14:hiddenFill>
             </a:ext>
-            <a:ext uri="{91240B29-F687-4F45-9708-019B960494DF}">
-              <a14:hiddenLine xmlns:a14="http://schemas.microsoft.com/office/drawing/2010/main" w="9525">
-                <a:solidFill>
-                  <a:schemeClr val="tx1"/>
-                </a:solidFill>
-                <a:miter lim="800000"/>
-                <a:headEnd/>
-                <a:tailEnd/>
-              </a14:hiddenLine>
-            </a:ext>
           </a:extLst>
         </p:spPr>
       </p:pic>
@@ -8649,16 +9790,6 @@
                 </a:solidFill>
               </a14:hiddenFill>
             </a:ext>
-            <a:ext uri="{91240B29-F687-4F45-9708-019B960494DF}">
-              <a14:hiddenLine xmlns:a14="http://schemas.microsoft.com/office/drawing/2010/main" w="9525">
-                <a:solidFill>
-                  <a:schemeClr val="tx1"/>
-                </a:solidFill>
-                <a:miter lim="800000"/>
-                <a:headEnd/>
-                <a:tailEnd/>
-              </a14:hiddenLine>
-            </a:ext>
           </a:extLst>
         </p:spPr>
       </p:pic>
@@ -8841,16 +9972,6 @@
                 </a:solidFill>
               </a14:hiddenFill>
             </a:ext>
-            <a:ext uri="{91240B29-F687-4F45-9708-019B960494DF}">
-              <a14:hiddenLine xmlns:a14="http://schemas.microsoft.com/office/drawing/2010/main" w="9525">
-                <a:solidFill>
-                  <a:schemeClr val="tx1"/>
-                </a:solidFill>
-                <a:miter lim="800000"/>
-                <a:headEnd/>
-                <a:tailEnd/>
-              </a14:hiddenLine>
-            </a:ext>
           </a:extLst>
         </p:spPr>
       </p:pic>
@@ -8992,16 +10113,6 @@
                 </a:solidFill>
               </a14:hiddenFill>
             </a:ext>
-            <a:ext uri="{91240B29-F687-4F45-9708-019B960494DF}">
-              <a14:hiddenLine xmlns:a14="http://schemas.microsoft.com/office/drawing/2010/main" w="9525">
-                <a:solidFill>
-                  <a:schemeClr val="tx1"/>
-                </a:solidFill>
-                <a:miter lim="800000"/>
-                <a:headEnd/>
-                <a:tailEnd/>
-              </a14:hiddenLine>
-            </a:ext>
           </a:extLst>
         </p:spPr>
       </p:pic>
@@ -9050,16 +10161,6 @@
                   <a:schemeClr val="accent1"/>
                 </a:solidFill>
               </a14:hiddenFill>
-            </a:ext>
-            <a:ext uri="{91240B29-F687-4F45-9708-019B960494DF}">
-              <a14:hiddenLine xmlns:a14="http://schemas.microsoft.com/office/drawing/2010/main" w="9525">
-                <a:solidFill>
-                  <a:schemeClr val="tx1"/>
-                </a:solidFill>
-                <a:miter lim="800000"/>
-                <a:headEnd/>
-                <a:tailEnd/>
-              </a14:hiddenLine>
             </a:ext>
           </a:extLst>
         </p:spPr>
@@ -9406,16 +10507,6 @@
                 </a:solidFill>
               </a14:hiddenFill>
             </a:ext>
-            <a:ext uri="{91240B29-F687-4F45-9708-019B960494DF}">
-              <a14:hiddenLine xmlns:a14="http://schemas.microsoft.com/office/drawing/2010/main" w="9525">
-                <a:solidFill>
-                  <a:schemeClr val="tx1"/>
-                </a:solidFill>
-                <a:miter lim="800000"/>
-                <a:headEnd/>
-                <a:tailEnd/>
-              </a14:hiddenLine>
-            </a:ext>
           </a:extLst>
         </p:spPr>
       </p:pic>
@@ -9557,16 +10648,6 @@
                 </a:solidFill>
               </a14:hiddenFill>
             </a:ext>
-            <a:ext uri="{91240B29-F687-4F45-9708-019B960494DF}">
-              <a14:hiddenLine xmlns:a14="http://schemas.microsoft.com/office/drawing/2010/main" w="9525">
-                <a:solidFill>
-                  <a:schemeClr val="tx1"/>
-                </a:solidFill>
-                <a:miter lim="800000"/>
-                <a:headEnd/>
-                <a:tailEnd/>
-              </a14:hiddenLine>
-            </a:ext>
           </a:extLst>
         </p:spPr>
       </p:pic>
@@ -9708,16 +10789,6 @@
                 </a:solidFill>
               </a14:hiddenFill>
             </a:ext>
-            <a:ext uri="{91240B29-F687-4F45-9708-019B960494DF}">
-              <a14:hiddenLine xmlns:a14="http://schemas.microsoft.com/office/drawing/2010/main" w="9525">
-                <a:solidFill>
-                  <a:schemeClr val="tx1"/>
-                </a:solidFill>
-                <a:miter lim="800000"/>
-                <a:headEnd/>
-                <a:tailEnd/>
-              </a14:hiddenLine>
-            </a:ext>
           </a:extLst>
         </p:spPr>
       </p:pic>
@@ -9766,16 +10837,6 @@
                   <a:schemeClr val="accent1"/>
                 </a:solidFill>
               </a14:hiddenFill>
-            </a:ext>
-            <a:ext uri="{91240B29-F687-4F45-9708-019B960494DF}">
-              <a14:hiddenLine xmlns:a14="http://schemas.microsoft.com/office/drawing/2010/main" w="9525">
-                <a:solidFill>
-                  <a:schemeClr val="tx1"/>
-                </a:solidFill>
-                <a:miter lim="800000"/>
-                <a:headEnd/>
-                <a:tailEnd/>
-              </a14:hiddenLine>
             </a:ext>
           </a:extLst>
         </p:spPr>
@@ -9994,7 +11055,7 @@
           <a:p>
             <a:pPr algn="ctr"/>
             <a:r>
-              <a:rPr lang="en-US" altLang="ko-KR" sz="1600" b="1" dirty="0" err="1" smtClean="0">
+              <a:rPr lang="en-US" altLang="ko-KR" sz="1600" b="1" dirty="0" err="1">
                 <a:solidFill>
                   <a:schemeClr val="tx1"/>
                 </a:solidFill>
@@ -10053,7 +11114,7 @@
           <a:lstStyle/>
           <a:p>
             <a:r>
-              <a:rPr lang="en-US" altLang="ko-KR" b="1" dirty="0" smtClean="0">
+              <a:rPr lang="en-US" altLang="ko-KR" b="1" dirty="0">
                 <a:solidFill>
                   <a:schemeClr val="tx1"/>
                 </a:solidFill>
@@ -10118,14 +11179,14 @@
           <a:p>
             <a:pPr algn="ctr"/>
             <a:r>
-              <a:rPr lang="en-US" altLang="ko-KR" sz="1600" b="1" dirty="0" err="1" smtClean="0">
+              <a:rPr lang="en-US" altLang="ko-KR" sz="1600" b="1" dirty="0" err="1">
                 <a:solidFill>
                   <a:sysClr val="windowText" lastClr="000000"/>
                 </a:solidFill>
               </a:rPr>
               <a:t>SeqApiController</a:t>
             </a:r>
-            <a:endParaRPr lang="en-US" altLang="ko-KR" sz="1600" b="1" dirty="0" smtClean="0">
+            <a:endParaRPr lang="en-US" altLang="ko-KR" sz="1600" b="1" dirty="0">
               <a:solidFill>
                 <a:sysClr val="windowText" lastClr="000000"/>
               </a:solidFill>
@@ -10134,7 +11195,7 @@
           <a:p>
             <a:pPr algn="ctr"/>
             <a:r>
-              <a:rPr lang="en-US" altLang="ko-KR" sz="1600" b="1" dirty="0" smtClean="0">
+              <a:rPr lang="en-US" altLang="ko-KR" sz="1600" b="1" dirty="0">
                 <a:solidFill>
                   <a:sysClr val="windowText" lastClr="000000"/>
                 </a:solidFill>
@@ -10142,7 +11203,7 @@
               <a:t>(</a:t>
             </a:r>
             <a:r>
-              <a:rPr lang="en-US" altLang="ko-KR" sz="1600" b="1" dirty="0" err="1" smtClean="0">
+              <a:rPr lang="en-US" altLang="ko-KR" sz="1600" b="1" dirty="0" err="1">
                 <a:solidFill>
                   <a:sysClr val="windowText" lastClr="000000"/>
                 </a:solidFill>
@@ -10150,7 +11211,7 @@
               <a:t>restApi</a:t>
             </a:r>
             <a:r>
-              <a:rPr lang="en-US" altLang="ko-KR" sz="1600" b="1" dirty="0" smtClean="0">
+              <a:rPr lang="en-US" altLang="ko-KR" sz="1600" b="1" dirty="0">
                 <a:solidFill>
                   <a:sysClr val="windowText" lastClr="000000"/>
                 </a:solidFill>
@@ -10208,7 +11269,7 @@
           <a:p>
             <a:pPr algn="ctr"/>
             <a:r>
-              <a:rPr lang="ko-KR" altLang="en-US" sz="1400" b="1" dirty="0" err="1" smtClean="0">
+              <a:rPr lang="ko-KR" altLang="en-US" sz="1400" b="1" dirty="0" err="1">
                 <a:solidFill>
                   <a:schemeClr val="tx1"/>
                 </a:solidFill>
@@ -10216,7 +11277,7 @@
               <a:t>채번</a:t>
             </a:r>
             <a:r>
-              <a:rPr lang="ko-KR" altLang="en-US" sz="1400" b="1" dirty="0" smtClean="0">
+              <a:rPr lang="ko-KR" altLang="en-US" sz="1400" b="1" dirty="0">
                 <a:solidFill>
                   <a:schemeClr val="tx1"/>
                 </a:solidFill>
@@ -10224,7 +11285,7 @@
               <a:t> </a:t>
             </a:r>
             <a:r>
-              <a:rPr lang="en-US" altLang="ko-KR" sz="1400" b="1" dirty="0" smtClean="0">
+              <a:rPr lang="en-US" altLang="ko-KR" sz="1400" b="1" dirty="0">
                 <a:solidFill>
                   <a:schemeClr val="tx1"/>
                 </a:solidFill>
@@ -10232,14 +11293,14 @@
               <a:t>API </a:t>
             </a:r>
             <a:r>
-              <a:rPr lang="ko-KR" altLang="en-US" sz="1400" b="1" dirty="0" smtClean="0">
+              <a:rPr lang="ko-KR" altLang="en-US" sz="1400" b="1" dirty="0">
                 <a:solidFill>
                   <a:schemeClr val="tx1"/>
                 </a:solidFill>
               </a:rPr>
               <a:t>서버</a:t>
             </a:r>
-            <a:endParaRPr lang="en-US" altLang="ko-KR" sz="1400" b="1" dirty="0" smtClean="0">
+            <a:endParaRPr lang="en-US" altLang="ko-KR" sz="1400" b="1" dirty="0">
               <a:solidFill>
                 <a:schemeClr val="tx1"/>
               </a:solidFill>
@@ -10248,7 +11309,7 @@
           <a:p>
             <a:pPr algn="ctr"/>
             <a:r>
-              <a:rPr lang="ko-KR" altLang="en-US" sz="1400" b="1" dirty="0" err="1" smtClean="0">
+              <a:rPr lang="ko-KR" altLang="en-US" sz="1400" b="1" dirty="0" err="1">
                 <a:solidFill>
                   <a:schemeClr val="tx1"/>
                 </a:solidFill>
@@ -10256,7 +11317,7 @@
               <a:t>인스턴스</a:t>
             </a:r>
             <a:r>
-              <a:rPr lang="ko-KR" altLang="en-US" sz="1400" b="1" dirty="0" smtClean="0">
+              <a:rPr lang="ko-KR" altLang="en-US" sz="1400" b="1" dirty="0">
                 <a:solidFill>
                   <a:schemeClr val="tx1"/>
                 </a:solidFill>
@@ -10264,7 +11325,7 @@
               <a:t> </a:t>
             </a:r>
             <a:r>
-              <a:rPr lang="en-US" altLang="ko-KR" sz="1400" b="1" dirty="0" smtClean="0">
+              <a:rPr lang="en-US" altLang="ko-KR" sz="1400" b="1" dirty="0">
                 <a:solidFill>
                   <a:schemeClr val="tx1"/>
                 </a:solidFill>
@@ -10275,7 +11336,7 @@
           <a:p>
             <a:pPr algn="ctr"/>
             <a:r>
-              <a:rPr lang="en-US" altLang="ko-KR" sz="1400" b="1" dirty="0" smtClean="0">
+              <a:rPr lang="en-US" altLang="ko-KR" sz="1400" b="1" dirty="0">
                 <a:solidFill>
                   <a:schemeClr val="tx1"/>
                 </a:solidFill>
@@ -10333,7 +11394,7 @@
           <a:p>
             <a:pPr algn="ctr"/>
             <a:r>
-              <a:rPr lang="ko-KR" altLang="en-US" sz="1400" b="1" dirty="0" err="1" smtClean="0">
+              <a:rPr lang="ko-KR" altLang="en-US" sz="1400" b="1" dirty="0" err="1">
                 <a:solidFill>
                   <a:schemeClr val="tx1"/>
                 </a:solidFill>
@@ -10341,7 +11402,7 @@
               <a:t>채번</a:t>
             </a:r>
             <a:r>
-              <a:rPr lang="ko-KR" altLang="en-US" sz="1400" b="1" dirty="0" smtClean="0">
+              <a:rPr lang="ko-KR" altLang="en-US" sz="1400" b="1" dirty="0">
                 <a:solidFill>
                   <a:schemeClr val="tx1"/>
                 </a:solidFill>
@@ -10349,7 +11410,7 @@
               <a:t> </a:t>
             </a:r>
             <a:r>
-              <a:rPr lang="en-US" altLang="ko-KR" sz="1400" b="1" dirty="0" smtClean="0">
+              <a:rPr lang="en-US" altLang="ko-KR" sz="1400" b="1" dirty="0">
                 <a:solidFill>
                   <a:schemeClr val="tx1"/>
                 </a:solidFill>
@@ -10357,14 +11418,14 @@
               <a:t>API </a:t>
             </a:r>
             <a:r>
-              <a:rPr lang="ko-KR" altLang="en-US" sz="1400" b="1" dirty="0" smtClean="0">
+              <a:rPr lang="ko-KR" altLang="en-US" sz="1400" b="1" dirty="0">
                 <a:solidFill>
                   <a:schemeClr val="tx1"/>
                 </a:solidFill>
               </a:rPr>
               <a:t>서버</a:t>
             </a:r>
-            <a:endParaRPr lang="en-US" altLang="ko-KR" sz="1400" b="1" dirty="0" smtClean="0">
+            <a:endParaRPr lang="en-US" altLang="ko-KR" sz="1400" b="1" dirty="0">
               <a:solidFill>
                 <a:schemeClr val="tx1"/>
               </a:solidFill>
@@ -10373,7 +11434,7 @@
           <a:p>
             <a:pPr algn="ctr"/>
             <a:r>
-              <a:rPr lang="ko-KR" altLang="en-US" sz="1400" b="1" dirty="0" err="1" smtClean="0">
+              <a:rPr lang="ko-KR" altLang="en-US" sz="1400" b="1" dirty="0" err="1">
                 <a:solidFill>
                   <a:schemeClr val="tx1"/>
                 </a:solidFill>
@@ -10381,7 +11442,7 @@
               <a:t>인스턴스</a:t>
             </a:r>
             <a:r>
-              <a:rPr lang="ko-KR" altLang="en-US" sz="1400" b="1" dirty="0" smtClean="0">
+              <a:rPr lang="ko-KR" altLang="en-US" sz="1400" b="1" dirty="0">
                 <a:solidFill>
                   <a:schemeClr val="tx1"/>
                 </a:solidFill>
@@ -10389,7 +11450,7 @@
               <a:t> </a:t>
             </a:r>
             <a:r>
-              <a:rPr lang="en-US" altLang="ko-KR" sz="1400" b="1" dirty="0" smtClean="0">
+              <a:rPr lang="en-US" altLang="ko-KR" sz="1400" b="1" dirty="0">
                 <a:solidFill>
                   <a:schemeClr val="tx1"/>
                 </a:solidFill>
@@ -10400,14 +11461,14 @@
           <a:p>
             <a:pPr algn="ctr"/>
             <a:r>
-              <a:rPr lang="en-US" altLang="ko-KR" sz="1400" b="1" dirty="0" smtClean="0">
+              <a:rPr lang="en-US" altLang="ko-KR" sz="1400" b="1" dirty="0">
                 <a:solidFill>
                   <a:schemeClr val="tx1"/>
                 </a:solidFill>
               </a:rPr>
               <a:t>(Spring boot)</a:t>
             </a:r>
-            <a:endParaRPr lang="ko-KR" altLang="en-US" sz="1400" b="1" dirty="0" smtClean="0">
+            <a:endParaRPr lang="ko-KR" altLang="en-US" sz="1400" b="1" dirty="0">
               <a:solidFill>
                 <a:schemeClr val="tx1"/>
               </a:solidFill>
@@ -10656,14 +11717,14 @@
           <a:p>
             <a:pPr algn="ctr"/>
             <a:r>
-              <a:rPr lang="en-US" altLang="ko-KR" sz="1400" b="1" dirty="0" smtClean="0"/>
+              <a:rPr lang="en-US" altLang="ko-KR" sz="1400" b="1" dirty="0"/>
               <a:t>Nginx</a:t>
             </a:r>
           </a:p>
           <a:p>
             <a:pPr algn="ctr"/>
             <a:r>
-              <a:rPr lang="en-US" altLang="ko-KR" sz="1400" b="1" dirty="0" smtClean="0"/>
+              <a:rPr lang="en-US" altLang="ko-KR" sz="1400" b="1" dirty="0"/>
               <a:t>(9090)</a:t>
             </a:r>
             <a:endParaRPr lang="ko-KR" altLang="en-US" sz="1400" b="1" dirty="0"/>
@@ -10694,7 +11755,7 @@
           <a:p>
             <a:pPr algn="ctr"/>
             <a:r>
-              <a:rPr lang="en-US" altLang="ko-KR" b="1" dirty="0" err="1" smtClean="0"/>
+              <a:rPr lang="en-US" altLang="ko-KR" b="1" dirty="0" err="1"/>
               <a:t>Jmeter</a:t>
             </a:r>
             <a:endParaRPr lang="ko-KR" altLang="en-US" b="1" dirty="0"/>
@@ -10932,18 +11993,17 @@
           <a:p>
             <a:pPr algn="ctr"/>
             <a:r>
-              <a:rPr lang="ko-KR" altLang="en-US" sz="1100" dirty="0" smtClean="0"/>
+              <a:rPr lang="ko-KR" altLang="en-US" sz="1100" dirty="0"/>
               <a:t>각각 테스트 페이지에서 </a:t>
             </a:r>
             <a:r>
-              <a:rPr lang="en-US" altLang="ko-KR" sz="1100" dirty="0" smtClean="0"/>
+              <a:rPr lang="en-US" altLang="ko-KR" sz="1100" dirty="0"/>
               <a:t>http </a:t>
             </a:r>
             <a:r>
-              <a:rPr lang="ko-KR" altLang="en-US" sz="1100" dirty="0" smtClean="0"/>
+              <a:rPr lang="ko-KR" altLang="en-US" sz="1100" dirty="0"/>
               <a:t>요청</a:t>
             </a:r>
-            <a:endParaRPr lang="ko-KR" altLang="en-US" sz="1100" dirty="0"/>
           </a:p>
         </p:txBody>
       </p:sp>
@@ -10971,11 +12031,11 @@
           <a:p>
             <a:pPr algn="ctr"/>
             <a:r>
-              <a:rPr lang="en-US" altLang="ko-KR" sz="1100" dirty="0" smtClean="0"/>
+              <a:rPr lang="en-US" altLang="ko-KR" sz="1100" dirty="0"/>
               <a:t>Nginx</a:t>
             </a:r>
             <a:r>
-              <a:rPr lang="ko-KR" altLang="en-US" sz="1100" dirty="0" smtClean="0"/>
+              <a:rPr lang="ko-KR" altLang="en-US" sz="1100" dirty="0"/>
               <a:t>를</a:t>
             </a:r>
             <a:r>
@@ -10983,15 +12043,15 @@
               <a:t> </a:t>
             </a:r>
             <a:r>
-              <a:rPr lang="ko-KR" altLang="en-US" sz="1100" dirty="0" smtClean="0"/>
+              <a:rPr lang="ko-KR" altLang="en-US" sz="1100" dirty="0"/>
               <a:t>통한</a:t>
             </a:r>
-            <a:endParaRPr lang="en-US" altLang="ko-KR" sz="1100" dirty="0" smtClean="0"/>
-          </a:p>
-          <a:p>
-            <a:pPr algn="ctr"/>
-            <a:r>
-              <a:rPr lang="ko-KR" altLang="en-US" sz="1100" dirty="0" err="1" smtClean="0"/>
+            <a:endParaRPr lang="en-US" altLang="ko-KR" sz="1100" dirty="0"/>
+          </a:p>
+          <a:p>
+            <a:pPr algn="ctr"/>
+            <a:r>
+              <a:rPr lang="ko-KR" altLang="en-US" sz="1100" dirty="0" err="1"/>
               <a:t>로드밸런싱</a:t>
             </a:r>
             <a:endParaRPr lang="ko-KR" altLang="en-US" sz="1100" dirty="0"/>
@@ -11022,22 +12082,21 @@
           <a:p>
             <a:pPr algn="ctr"/>
             <a:r>
-              <a:rPr lang="en-US" altLang="ko-KR" sz="1100" dirty="0" err="1" smtClean="0"/>
+              <a:rPr lang="en-US" altLang="ko-KR" sz="1100" dirty="0" err="1"/>
               <a:t>Redis</a:t>
             </a:r>
             <a:r>
-              <a:rPr lang="ko-KR" altLang="en-US" sz="1100" dirty="0" smtClean="0"/>
+              <a:rPr lang="ko-KR" altLang="en-US" sz="1100" dirty="0"/>
               <a:t>를 통한</a:t>
             </a:r>
-            <a:endParaRPr lang="en-US" altLang="ko-KR" sz="1100" dirty="0" smtClean="0"/>
-          </a:p>
-          <a:p>
-            <a:pPr algn="ctr"/>
-            <a:r>
-              <a:rPr lang="ko-KR" altLang="en-US" sz="1100" dirty="0" smtClean="0"/>
+            <a:endParaRPr lang="en-US" altLang="ko-KR" sz="1100" dirty="0"/>
+          </a:p>
+          <a:p>
+            <a:pPr algn="ctr"/>
+            <a:r>
+              <a:rPr lang="ko-KR" altLang="en-US" sz="1100" dirty="0"/>
               <a:t>데이터 관리</a:t>
             </a:r>
-            <a:endParaRPr lang="ko-KR" altLang="en-US" sz="1100" dirty="0"/>
           </a:p>
         </p:txBody>
       </p:sp>
@@ -11065,14 +12124,13 @@
           <a:p>
             <a:pPr algn="ctr"/>
             <a:r>
-              <a:rPr lang="ko-KR" altLang="en-US" sz="1100" dirty="0" err="1" smtClean="0"/>
+              <a:rPr lang="ko-KR" altLang="en-US" sz="1100" dirty="0" err="1"/>
               <a:t>단건</a:t>
             </a:r>
             <a:r>
-              <a:rPr lang="ko-KR" altLang="en-US" sz="1100" dirty="0" smtClean="0"/>
+              <a:rPr lang="ko-KR" altLang="en-US" sz="1100" dirty="0"/>
               <a:t> 테스트 요청</a:t>
             </a:r>
-            <a:endParaRPr lang="ko-KR" altLang="en-US" sz="1100" dirty="0"/>
           </a:p>
         </p:txBody>
       </p:sp>
@@ -11100,18 +12158,17 @@
           <a:p>
             <a:pPr algn="ctr"/>
             <a:r>
-              <a:rPr lang="ko-KR" altLang="en-US" sz="1100" dirty="0" smtClean="0"/>
+              <a:rPr lang="ko-KR" altLang="en-US" sz="1100" dirty="0"/>
               <a:t>성능 테스트를 위한</a:t>
             </a:r>
-            <a:endParaRPr lang="en-US" altLang="ko-KR" sz="1100" dirty="0" smtClean="0"/>
-          </a:p>
-          <a:p>
-            <a:pPr algn="ctr"/>
-            <a:r>
-              <a:rPr lang="ko-KR" altLang="en-US" sz="1100" dirty="0" smtClean="0"/>
+            <a:endParaRPr lang="en-US" altLang="ko-KR" sz="1100" dirty="0"/>
+          </a:p>
+          <a:p>
+            <a:pPr algn="ctr"/>
+            <a:r>
+              <a:rPr lang="ko-KR" altLang="en-US" sz="1100" dirty="0"/>
               <a:t>다건 요청</a:t>
             </a:r>
-            <a:endParaRPr lang="ko-KR" altLang="en-US" sz="1100" dirty="0"/>
           </a:p>
         </p:txBody>
       </p:sp>
@@ -11282,7 +12339,7 @@
           <a:p>
             <a:pPr algn="ctr"/>
             <a:r>
-              <a:rPr lang="en-US" altLang="ko-KR" sz="1600" b="1" dirty="0" err="1" smtClean="0">
+              <a:rPr lang="en-US" altLang="ko-KR" sz="1600" b="1" dirty="0" err="1">
                 <a:solidFill>
                   <a:schemeClr val="tx1"/>
                 </a:solidFill>
@@ -11357,7 +12414,7 @@
           <a:p>
             <a:pPr algn="ctr"/>
             <a:r>
-              <a:rPr lang="ko-KR" altLang="en-US" sz="1100" b="1" dirty="0" smtClean="0">
+              <a:rPr lang="ko-KR" altLang="en-US" sz="1100" b="1" dirty="0">
                 <a:solidFill>
                   <a:srgbClr val="FF0000"/>
                 </a:solidFill>
@@ -11365,7 +12422,7 @@
               <a:t>시퀀스 </a:t>
             </a:r>
             <a:r>
-              <a:rPr lang="ko-KR" altLang="en-US" sz="1100" b="1" dirty="0" err="1" smtClean="0">
+              <a:rPr lang="ko-KR" altLang="en-US" sz="1100" b="1" dirty="0" err="1">
                 <a:solidFill>
                   <a:srgbClr val="FF0000"/>
                 </a:solidFill>
@@ -11373,14 +12430,14 @@
               <a:t>채번</a:t>
             </a:r>
             <a:r>
-              <a:rPr lang="ko-KR" altLang="en-US" sz="1100" b="1" dirty="0" smtClean="0">
+              <a:rPr lang="ko-KR" altLang="en-US" sz="1100" b="1" dirty="0">
                 <a:solidFill>
                   <a:srgbClr val="FF0000"/>
                 </a:solidFill>
               </a:rPr>
               <a:t> 요청</a:t>
             </a:r>
-            <a:endParaRPr lang="en-US" altLang="ko-KR" sz="1100" b="1" dirty="0" smtClean="0">
+            <a:endParaRPr lang="en-US" altLang="ko-KR" sz="1100" b="1" dirty="0">
               <a:solidFill>
                 <a:srgbClr val="FF0000"/>
               </a:solidFill>
@@ -11389,29 +12446,29 @@
           <a:p>
             <a:pPr algn="ctr"/>
             <a:r>
-              <a:rPr lang="en-US" altLang="ko-KR" sz="1100" dirty="0" smtClean="0"/>
+              <a:rPr lang="en-US" altLang="ko-KR" sz="1100" dirty="0"/>
               <a:t>GET – http </a:t>
             </a:r>
           </a:p>
           <a:p>
             <a:pPr algn="ctr"/>
             <a:r>
-              <a:rPr lang="en-US" altLang="ko-KR" sz="1100" dirty="0" smtClean="0"/>
+              <a:rPr lang="en-US" altLang="ko-KR" sz="1100" dirty="0"/>
               <a:t>- /</a:t>
             </a:r>
             <a:r>
-              <a:rPr lang="en-US" altLang="ko-KR" sz="1100" dirty="0" err="1" smtClean="0"/>
+              <a:rPr lang="en-US" altLang="ko-KR" sz="1100" dirty="0" err="1"/>
               <a:t>seqApi</a:t>
             </a:r>
             <a:r>
-              <a:rPr lang="en-US" altLang="ko-KR" sz="1100" dirty="0" smtClean="0"/>
+              <a:rPr lang="en-US" altLang="ko-KR" sz="1100" dirty="0"/>
               <a:t>/</a:t>
             </a:r>
             <a:r>
-              <a:rPr lang="en-US" altLang="ko-KR" sz="1100" dirty="0" err="1" smtClean="0"/>
+              <a:rPr lang="en-US" altLang="ko-KR" sz="1100" dirty="0" err="1"/>
               <a:t>getSeq</a:t>
             </a:r>
-            <a:endParaRPr lang="en-US" altLang="ko-KR" sz="1100" dirty="0" smtClean="0"/>
+            <a:endParaRPr lang="en-US" altLang="ko-KR" sz="1100" dirty="0"/>
           </a:p>
         </p:txBody>
       </p:sp>
@@ -11511,26 +12568,26 @@
           <a:p>
             <a:pPr algn="ctr"/>
             <a:r>
-              <a:rPr lang="ko-KR" altLang="en-US" sz="1100" dirty="0" smtClean="0"/>
+              <a:rPr lang="ko-KR" altLang="en-US" sz="1100" dirty="0"/>
               <a:t>시퀀스 </a:t>
             </a:r>
             <a:r>
-              <a:rPr lang="ko-KR" altLang="en-US" sz="1100" dirty="0" err="1" smtClean="0"/>
+              <a:rPr lang="ko-KR" altLang="en-US" sz="1100" dirty="0" err="1"/>
               <a:t>채번</a:t>
             </a:r>
             <a:r>
-              <a:rPr lang="ko-KR" altLang="en-US" sz="1100" dirty="0" smtClean="0"/>
+              <a:rPr lang="ko-KR" altLang="en-US" sz="1100" dirty="0"/>
               <a:t> </a:t>
             </a:r>
-            <a:endParaRPr lang="en-US" altLang="ko-KR" sz="1100" dirty="0" smtClean="0"/>
-          </a:p>
-          <a:p>
-            <a:pPr algn="ctr"/>
-            <a:r>
-              <a:rPr lang="ko-KR" altLang="en-US" sz="1100" dirty="0" smtClean="0"/>
+            <a:endParaRPr lang="en-US" altLang="ko-KR" sz="1100" dirty="0"/>
+          </a:p>
+          <a:p>
+            <a:pPr algn="ctr"/>
+            <a:r>
+              <a:rPr lang="ko-KR" altLang="en-US" sz="1100" dirty="0"/>
               <a:t>서비스 호출</a:t>
             </a:r>
-            <a:endParaRPr lang="en-US" altLang="ko-KR" sz="1100" dirty="0" smtClean="0"/>
+            <a:endParaRPr lang="en-US" altLang="ko-KR" sz="1100" dirty="0"/>
           </a:p>
         </p:txBody>
       </p:sp>
@@ -11687,69 +12744,69 @@
               <a:buAutoNum type="arabicPeriod"/>
             </a:pPr>
             <a:r>
-              <a:rPr lang="en-US" altLang="ko-KR" sz="1100" dirty="0" err="1" smtClean="0"/>
+              <a:rPr lang="en-US" altLang="ko-KR" sz="1100" dirty="0" err="1"/>
               <a:t>Redis</a:t>
             </a:r>
             <a:r>
-              <a:rPr lang="en-US" altLang="ko-KR" sz="1100" dirty="0" smtClean="0"/>
+              <a:rPr lang="en-US" altLang="ko-KR" sz="1100" dirty="0"/>
               <a:t> Lock </a:t>
             </a:r>
             <a:r>
-              <a:rPr lang="ko-KR" altLang="en-US" sz="1100" dirty="0" smtClean="0"/>
+              <a:rPr lang="ko-KR" altLang="en-US" sz="1100" dirty="0"/>
               <a:t>획득</a:t>
             </a:r>
-            <a:endParaRPr lang="en-US" altLang="ko-KR" sz="1100" dirty="0" smtClean="0"/>
+            <a:endParaRPr lang="en-US" altLang="ko-KR" sz="1100" dirty="0"/>
           </a:p>
           <a:p>
             <a:pPr marL="228600" indent="-228600">
               <a:buAutoNum type="arabicPeriod"/>
             </a:pPr>
             <a:r>
-              <a:rPr lang="en-US" altLang="ko-KR" sz="1100" dirty="0" err="1" smtClean="0"/>
+              <a:rPr lang="en-US" altLang="ko-KR" sz="1100" dirty="0" err="1"/>
               <a:t>Seq</a:t>
             </a:r>
             <a:r>
-              <a:rPr lang="en-US" altLang="ko-KR" sz="1100" dirty="0" smtClean="0"/>
+              <a:rPr lang="en-US" altLang="ko-KR" sz="1100" dirty="0"/>
               <a:t> </a:t>
             </a:r>
             <a:r>
-              <a:rPr lang="ko-KR" altLang="en-US" sz="1100" dirty="0" smtClean="0"/>
+              <a:rPr lang="ko-KR" altLang="en-US" sz="1100" dirty="0"/>
               <a:t>조회</a:t>
             </a:r>
-            <a:endParaRPr lang="en-US" altLang="ko-KR" sz="1100" dirty="0" smtClean="0"/>
+            <a:endParaRPr lang="en-US" altLang="ko-KR" sz="1100" dirty="0"/>
           </a:p>
           <a:p>
             <a:pPr marL="228600" indent="-228600">
               <a:buAutoNum type="arabicPeriod"/>
             </a:pPr>
             <a:r>
-              <a:rPr lang="en-US" altLang="ko-KR" sz="1100" dirty="0" err="1" smtClean="0"/>
+              <a:rPr lang="en-US" altLang="ko-KR" sz="1100" dirty="0" err="1"/>
               <a:t>Seq</a:t>
             </a:r>
             <a:r>
-              <a:rPr lang="en-US" altLang="ko-KR" sz="1100" dirty="0" smtClean="0"/>
+              <a:rPr lang="en-US" altLang="ko-KR" sz="1100" dirty="0"/>
               <a:t> </a:t>
             </a:r>
             <a:r>
-              <a:rPr lang="ko-KR" altLang="en-US" sz="1100" dirty="0" smtClean="0"/>
+              <a:rPr lang="ko-KR" altLang="en-US" sz="1100" dirty="0"/>
               <a:t>번호 증가</a:t>
             </a:r>
-            <a:endParaRPr lang="en-US" altLang="ko-KR" sz="1100" dirty="0" smtClean="0"/>
+            <a:endParaRPr lang="en-US" altLang="ko-KR" sz="1100" dirty="0"/>
           </a:p>
           <a:p>
             <a:pPr marL="228600" indent="-228600">
               <a:buAutoNum type="arabicPeriod"/>
             </a:pPr>
             <a:r>
-              <a:rPr lang="en-US" altLang="ko-KR" sz="1100" dirty="0" err="1" smtClean="0"/>
+              <a:rPr lang="en-US" altLang="ko-KR" sz="1100" dirty="0" err="1"/>
               <a:t>Seq</a:t>
             </a:r>
             <a:r>
-              <a:rPr lang="en-US" altLang="ko-KR" sz="1100" dirty="0" smtClean="0"/>
+              <a:rPr lang="en-US" altLang="ko-KR" sz="1100" dirty="0"/>
               <a:t> </a:t>
             </a:r>
             <a:r>
-              <a:rPr lang="ko-KR" altLang="en-US" sz="1100" dirty="0" smtClean="0"/>
+              <a:rPr lang="ko-KR" altLang="en-US" sz="1100" dirty="0"/>
               <a:t>업데이트</a:t>
             </a:r>
             <a:endParaRPr lang="en-US" altLang="ko-KR" sz="1100" dirty="0"/>
@@ -11759,14 +12816,14 @@
               <a:buAutoNum type="arabicPeriod"/>
             </a:pPr>
             <a:r>
-              <a:rPr lang="en-US" altLang="ko-KR" sz="1100" dirty="0" smtClean="0"/>
+              <a:rPr lang="en-US" altLang="ko-KR" sz="1100" dirty="0"/>
               <a:t>Lock </a:t>
             </a:r>
             <a:r>
-              <a:rPr lang="ko-KR" altLang="en-US" sz="1100" dirty="0" smtClean="0"/>
+              <a:rPr lang="ko-KR" altLang="en-US" sz="1100" dirty="0"/>
               <a:t>반납 </a:t>
             </a:r>
-            <a:endParaRPr lang="en-US" altLang="ko-KR" sz="1100" dirty="0" smtClean="0"/>
+            <a:endParaRPr lang="en-US" altLang="ko-KR" sz="1100" dirty="0"/>
           </a:p>
         </p:txBody>
       </p:sp>
@@ -11794,26 +12851,26 @@
           <a:p>
             <a:pPr algn="ctr"/>
             <a:r>
-              <a:rPr lang="ko-KR" altLang="en-US" sz="1100" dirty="0" smtClean="0"/>
+              <a:rPr lang="ko-KR" altLang="en-US" sz="1100" dirty="0"/>
               <a:t>시퀀스 </a:t>
             </a:r>
             <a:r>
-              <a:rPr lang="ko-KR" altLang="en-US" sz="1100" dirty="0" err="1" smtClean="0"/>
+              <a:rPr lang="ko-KR" altLang="en-US" sz="1100" dirty="0" err="1"/>
               <a:t>채번</a:t>
             </a:r>
             <a:r>
-              <a:rPr lang="ko-KR" altLang="en-US" sz="1100" dirty="0" smtClean="0"/>
+              <a:rPr lang="ko-KR" altLang="en-US" sz="1100" dirty="0"/>
               <a:t> </a:t>
             </a:r>
-            <a:endParaRPr lang="en-US" altLang="ko-KR" sz="1100" dirty="0" smtClean="0"/>
-          </a:p>
-          <a:p>
-            <a:pPr algn="ctr"/>
-            <a:r>
-              <a:rPr lang="ko-KR" altLang="en-US" sz="1100" dirty="0" smtClean="0"/>
+            <a:endParaRPr lang="en-US" altLang="ko-KR" sz="1100" dirty="0"/>
+          </a:p>
+          <a:p>
+            <a:pPr algn="ctr"/>
+            <a:r>
+              <a:rPr lang="ko-KR" altLang="en-US" sz="1100" dirty="0"/>
               <a:t>결과 응답 전달</a:t>
             </a:r>
-            <a:endParaRPr lang="en-US" altLang="ko-KR" sz="1100" dirty="0" smtClean="0"/>
+            <a:endParaRPr lang="en-US" altLang="ko-KR" sz="1100" dirty="0"/>
           </a:p>
         </p:txBody>
       </p:sp>
@@ -11841,18 +12898,18 @@
           <a:p>
             <a:pPr algn="ctr"/>
             <a:r>
-              <a:rPr lang="ko-KR" altLang="en-US" sz="1100" dirty="0" smtClean="0"/>
+              <a:rPr lang="ko-KR" altLang="en-US" sz="1100" dirty="0"/>
               <a:t>시퀀스 </a:t>
             </a:r>
             <a:r>
-              <a:rPr lang="ko-KR" altLang="en-US" sz="1100" dirty="0" err="1" smtClean="0"/>
+              <a:rPr lang="ko-KR" altLang="en-US" sz="1100" dirty="0" err="1"/>
               <a:t>채번</a:t>
             </a:r>
             <a:r>
-              <a:rPr lang="ko-KR" altLang="en-US" sz="1100" dirty="0" smtClean="0"/>
+              <a:rPr lang="ko-KR" altLang="en-US" sz="1100" dirty="0"/>
               <a:t> 응답</a:t>
             </a:r>
-            <a:endParaRPr lang="en-US" altLang="ko-KR" sz="1100" dirty="0" smtClean="0"/>
+            <a:endParaRPr lang="en-US" altLang="ko-KR" sz="1100" dirty="0"/>
           </a:p>
         </p:txBody>
       </p:sp>
@@ -12024,7 +13081,7 @@
           <a:p>
             <a:pPr algn="ctr"/>
             <a:r>
-              <a:rPr lang="en-US" altLang="ko-KR" sz="1100" b="1" dirty="0" err="1" smtClean="0">
+              <a:rPr lang="en-US" altLang="ko-KR" sz="1100" b="1" dirty="0" err="1">
                 <a:solidFill>
                   <a:srgbClr val="0000FF"/>
                 </a:solidFill>
@@ -12032,30 +13089,14 @@
               <a:t>guid</a:t>
             </a:r>
             <a:r>
-              <a:rPr lang="ko-KR" altLang="en-US" sz="1100" b="1" dirty="0" smtClean="0">
+              <a:rPr lang="ko-KR" altLang="en-US" sz="1100" b="1" dirty="0">
                 <a:solidFill>
                   <a:srgbClr val="0000FF"/>
                 </a:solidFill>
               </a:rPr>
-              <a:t> 생</a:t>
-            </a:r>
-            <a:r>
-              <a:rPr lang="ko-KR" altLang="en-US" sz="1100" b="1" dirty="0">
-                <a:solidFill>
-                  <a:srgbClr val="0000FF"/>
-                </a:solidFill>
-              </a:rPr>
-              <a:t>성</a:t>
-            </a:r>
-            <a:r>
-              <a:rPr lang="ko-KR" altLang="en-US" sz="1100" b="1" dirty="0" smtClean="0">
-                <a:solidFill>
-                  <a:srgbClr val="0000FF"/>
-                </a:solidFill>
-              </a:rPr>
-              <a:t> 요청</a:t>
-            </a:r>
-            <a:endParaRPr lang="en-US" altLang="ko-KR" sz="1100" b="1" dirty="0" smtClean="0">
+              <a:t> 생성 요청</a:t>
+            </a:r>
+            <a:endParaRPr lang="en-US" altLang="ko-KR" sz="1100" b="1" dirty="0">
               <a:solidFill>
                 <a:srgbClr val="0000FF"/>
               </a:solidFill>
@@ -12064,7 +13105,7 @@
           <a:p>
             <a:pPr algn="ctr"/>
             <a:r>
-              <a:rPr lang="en-US" altLang="ko-KR" sz="1100" dirty="0" smtClean="0"/>
+              <a:rPr lang="en-US" altLang="ko-KR" sz="1100" dirty="0"/>
               <a:t>POST – http - /</a:t>
             </a:r>
             <a:r>
@@ -12083,7 +13124,7 @@
           </a:p>
           <a:p>
             <a:pPr algn="ctr"/>
-            <a:endParaRPr lang="en-US" altLang="ko-KR" sz="1100" dirty="0" smtClean="0"/>
+            <a:endParaRPr lang="en-US" altLang="ko-KR" sz="1100" dirty="0"/>
           </a:p>
         </p:txBody>
       </p:sp>
@@ -12111,10 +13152,10 @@
           <a:p>
             <a:pPr algn="ctr"/>
             <a:r>
-              <a:rPr lang="en-US" altLang="ko-KR" sz="1100" b="1" dirty="0" err="1" smtClean="0"/>
+              <a:rPr lang="en-US" altLang="ko-KR" sz="1100" b="1" dirty="0" err="1"/>
               <a:t>Json</a:t>
             </a:r>
-            <a:endParaRPr lang="en-US" altLang="ko-KR" sz="1100" b="1" dirty="0" smtClean="0"/>
+            <a:endParaRPr lang="en-US" altLang="ko-KR" sz="1100" b="1" dirty="0"/>
           </a:p>
         </p:txBody>
       </p:sp>
@@ -12142,10 +13183,10 @@
           <a:p>
             <a:pPr algn="ctr"/>
             <a:r>
-              <a:rPr lang="en-US" altLang="ko-KR" sz="1100" b="1" dirty="0" err="1" smtClean="0"/>
+              <a:rPr lang="en-US" altLang="ko-KR" sz="1100" b="1" dirty="0" err="1"/>
               <a:t>Json</a:t>
             </a:r>
-            <a:endParaRPr lang="en-US" altLang="ko-KR" sz="1100" b="1" dirty="0" smtClean="0"/>
+            <a:endParaRPr lang="en-US" altLang="ko-KR" sz="1100" b="1" dirty="0"/>
           </a:p>
         </p:txBody>
       </p:sp>
@@ -12173,22 +13214,22 @@
           <a:p>
             <a:pPr algn="ctr"/>
             <a:r>
-              <a:rPr lang="en-US" altLang="ko-KR" sz="1100" dirty="0" smtClean="0"/>
+              <a:rPr lang="en-US" altLang="ko-KR" sz="1100" dirty="0"/>
               <a:t>GUID</a:t>
             </a:r>
             <a:r>
-              <a:rPr lang="ko-KR" altLang="en-US" sz="1100" dirty="0" smtClean="0"/>
+              <a:rPr lang="ko-KR" altLang="en-US" sz="1100" dirty="0"/>
               <a:t> 생성 </a:t>
             </a:r>
-            <a:endParaRPr lang="en-US" altLang="ko-KR" sz="1100" dirty="0" smtClean="0"/>
-          </a:p>
-          <a:p>
-            <a:pPr algn="ctr"/>
-            <a:r>
-              <a:rPr lang="ko-KR" altLang="en-US" sz="1100" dirty="0" smtClean="0"/>
+            <a:endParaRPr lang="en-US" altLang="ko-KR" sz="1100" dirty="0"/>
+          </a:p>
+          <a:p>
+            <a:pPr algn="ctr"/>
+            <a:r>
+              <a:rPr lang="ko-KR" altLang="en-US" sz="1100" dirty="0"/>
               <a:t>서비스 호출</a:t>
             </a:r>
-            <a:endParaRPr lang="en-US" altLang="ko-KR" sz="1100" dirty="0" smtClean="0"/>
+            <a:endParaRPr lang="en-US" altLang="ko-KR" sz="1100" dirty="0"/>
           </a:p>
         </p:txBody>
       </p:sp>
@@ -12216,22 +13257,22 @@
           <a:p>
             <a:pPr algn="ctr"/>
             <a:r>
-              <a:rPr lang="en-US" altLang="ko-KR" sz="1100" dirty="0" smtClean="0"/>
+              <a:rPr lang="en-US" altLang="ko-KR" sz="1100" dirty="0"/>
               <a:t>GUID</a:t>
             </a:r>
             <a:r>
-              <a:rPr lang="ko-KR" altLang="en-US" sz="1100" dirty="0" smtClean="0"/>
+              <a:rPr lang="ko-KR" altLang="en-US" sz="1100" dirty="0"/>
               <a:t> 생성 </a:t>
             </a:r>
-            <a:endParaRPr lang="en-US" altLang="ko-KR" sz="1100" dirty="0" smtClean="0"/>
-          </a:p>
-          <a:p>
-            <a:pPr algn="ctr"/>
-            <a:r>
-              <a:rPr lang="ko-KR" altLang="en-US" sz="1100" dirty="0" smtClean="0"/>
+            <a:endParaRPr lang="en-US" altLang="ko-KR" sz="1100" dirty="0"/>
+          </a:p>
+          <a:p>
+            <a:pPr algn="ctr"/>
+            <a:r>
+              <a:rPr lang="ko-KR" altLang="en-US" sz="1100" dirty="0"/>
               <a:t>결과 전달</a:t>
             </a:r>
-            <a:endParaRPr lang="en-US" altLang="ko-KR" sz="1100" dirty="0" smtClean="0"/>
+            <a:endParaRPr lang="en-US" altLang="ko-KR" sz="1100" dirty="0"/>
           </a:p>
         </p:txBody>
       </p:sp>
@@ -12259,22 +13300,22 @@
           <a:p>
             <a:pPr algn="ctr"/>
             <a:r>
-              <a:rPr lang="en-US" altLang="ko-KR" sz="1100" dirty="0" err="1" smtClean="0"/>
+              <a:rPr lang="en-US" altLang="ko-KR" sz="1100" dirty="0" err="1"/>
               <a:t>Guid</a:t>
             </a:r>
             <a:r>
-              <a:rPr lang="en-US" altLang="ko-KR" sz="1100" dirty="0" smtClean="0"/>
+              <a:rPr lang="en-US" altLang="ko-KR" sz="1100" dirty="0"/>
               <a:t> </a:t>
             </a:r>
             <a:r>
-              <a:rPr lang="ko-KR" altLang="en-US" sz="1100" dirty="0" smtClean="0"/>
+              <a:rPr lang="ko-KR" altLang="en-US" sz="1100" dirty="0"/>
               <a:t>결과 응답</a:t>
             </a:r>
             <a:endParaRPr lang="en-US" altLang="ko-KR" sz="1100" dirty="0"/>
           </a:p>
           <a:p>
             <a:pPr algn="ctr"/>
-            <a:endParaRPr lang="en-US" altLang="ko-KR" sz="1100" dirty="0" smtClean="0"/>
+            <a:endParaRPr lang="en-US" altLang="ko-KR" sz="1100" dirty="0"/>
           </a:p>
         </p:txBody>
       </p:sp>

--- a/restSeqApi/work/이미지.pptx
+++ b/restSeqApi/work/이미지.pptx
@@ -20,6 +20,7 @@
     <p:sldId id="268" r:id="rId14"/>
     <p:sldId id="269" r:id="rId15"/>
     <p:sldId id="270" r:id="rId16"/>
+    <p:sldId id="271" r:id="rId17"/>
   </p:sldIdLst>
   <p:sldSz cx="9144000" cy="6858000" type="screen4x3"/>
   <p:notesSz cx="6858000" cy="9144000"/>
@@ -120,7 +121,7 @@
   </p:defaultTextStyle>
   <p:extLst>
     <p:ext uri="{EFAFB233-063F-42B5-8137-9DF3F51BA10A}">
-      <p15:sldGuideLst xmlns:p15="http://schemas.microsoft.com/office/powerpoint/2012/main">
+      <p15:sldGuideLst xmlns:p15="http://schemas.microsoft.com/office/powerpoint/2012/main" xmlns="">
         <p15:guide id="1" orient="horz" pos="2160">
           <p15:clr>
             <a:srgbClr val="A4A3A4"/>
@@ -4858,7 +4859,7 @@
               <a:t>운영시스템</a:t>
             </a:r>
             <a:r>
-              <a:rPr lang="en-US" altLang="ko-KR" sz="1400" b="1" dirty="0">
+              <a:rPr lang="en-US" altLang="ko-KR" sz="1400" b="1" dirty="0" smtClean="0">
                 <a:solidFill>
                   <a:schemeClr val="tx1"/>
                 </a:solidFill>
@@ -4866,7 +4867,23 @@
               <a:t>(</a:t>
             </a:r>
             <a:r>
-              <a:rPr lang="ko-KR" altLang="en-US" sz="1400" b="1" dirty="0">
+              <a:rPr lang="ko-KR" altLang="en-US" sz="1400" b="1" dirty="0" smtClean="0">
+                <a:solidFill>
+                  <a:schemeClr val="tx1"/>
+                </a:solidFill>
+              </a:rPr>
+              <a:t>지리적 위치 예 </a:t>
+            </a:r>
+            <a:r>
+              <a:rPr lang="en-US" altLang="ko-KR" sz="1400" b="1" dirty="0" smtClean="0">
+                <a:solidFill>
+                  <a:schemeClr val="tx1"/>
+                </a:solidFill>
+              </a:rPr>
+              <a:t>: </a:t>
+            </a:r>
+            <a:r>
+              <a:rPr lang="ko-KR" altLang="en-US" sz="1400" b="1" dirty="0" smtClean="0">
                 <a:solidFill>
                   <a:schemeClr val="tx1"/>
                 </a:solidFill>
@@ -4950,7 +4967,7 @@
               <a:t>시스템</a:t>
             </a:r>
             <a:r>
-              <a:rPr lang="en-US" altLang="ko-KR" sz="1400" b="1" dirty="0">
+              <a:rPr lang="en-US" altLang="ko-KR" sz="1400" b="1" dirty="0" smtClean="0">
                 <a:solidFill>
                   <a:schemeClr val="tx1"/>
                 </a:solidFill>
@@ -4958,7 +4975,23 @@
               <a:t>(</a:t>
             </a:r>
             <a:r>
-              <a:rPr lang="ko-KR" altLang="en-US" sz="1400" b="1" dirty="0">
+              <a:rPr lang="ko-KR" altLang="en-US" sz="1400" b="1" dirty="0" smtClean="0">
+                <a:solidFill>
+                  <a:schemeClr val="tx1"/>
+                </a:solidFill>
+              </a:rPr>
+              <a:t>지리적 위치 예 </a:t>
+            </a:r>
+            <a:r>
+              <a:rPr lang="en-US" altLang="ko-KR" sz="1400" b="1" dirty="0" smtClean="0">
+                <a:solidFill>
+                  <a:schemeClr val="tx1"/>
+                </a:solidFill>
+              </a:rPr>
+              <a:t>: </a:t>
+            </a:r>
+            <a:r>
+              <a:rPr lang="ko-KR" altLang="en-US" sz="1400" b="1" dirty="0" smtClean="0">
                 <a:solidFill>
                   <a:schemeClr val="tx1"/>
                 </a:solidFill>
@@ -5483,7 +5516,7 @@
           <p:cNvPr id="9" name="그림 8">
             <a:extLst>
               <a:ext uri="{FF2B5EF4-FFF2-40B4-BE49-F238E27FC236}">
-                <a16:creationId xmlns:a16="http://schemas.microsoft.com/office/drawing/2014/main" id="{EF5C5CFD-33B1-ACF7-79A1-5595BF259B30}"/>
+                <a16:creationId xmlns:a16="http://schemas.microsoft.com/office/drawing/2014/main" xmlns="" id="{EF5C5CFD-33B1-ACF7-79A1-5595BF259B30}"/>
               </a:ext>
             </a:extLst>
           </p:cNvPr>
@@ -5513,7 +5546,7 @@
           <p:cNvPr id="10" name="그림 9">
             <a:extLst>
               <a:ext uri="{FF2B5EF4-FFF2-40B4-BE49-F238E27FC236}">
-                <a16:creationId xmlns:a16="http://schemas.microsoft.com/office/drawing/2014/main" id="{0643578E-8555-DDE1-A6C9-E8C16A418C63}"/>
+                <a16:creationId xmlns:a16="http://schemas.microsoft.com/office/drawing/2014/main" xmlns="" id="{0643578E-8555-DDE1-A6C9-E8C16A418C63}"/>
               </a:ext>
             </a:extLst>
           </p:cNvPr>
@@ -5573,7 +5606,7 @@
           <p:cNvPr id="9" name="그림 8">
             <a:extLst>
               <a:ext uri="{FF2B5EF4-FFF2-40B4-BE49-F238E27FC236}">
-                <a16:creationId xmlns:a16="http://schemas.microsoft.com/office/drawing/2014/main" id="{10A9F57A-B96E-2E79-FA96-0F16A766562E}"/>
+                <a16:creationId xmlns:a16="http://schemas.microsoft.com/office/drawing/2014/main" xmlns="" id="{10A9F57A-B96E-2E79-FA96-0F16A766562E}"/>
               </a:ext>
             </a:extLst>
           </p:cNvPr>
@@ -5633,7 +5666,7 @@
           <p:cNvPr id="7" name="그림 6">
             <a:extLst>
               <a:ext uri="{FF2B5EF4-FFF2-40B4-BE49-F238E27FC236}">
-                <a16:creationId xmlns:a16="http://schemas.microsoft.com/office/drawing/2014/main" id="{ED04DD62-D70B-E3C9-7694-D62CB85D7036}"/>
+                <a16:creationId xmlns:a16="http://schemas.microsoft.com/office/drawing/2014/main" xmlns="" id="{ED04DD62-D70B-E3C9-7694-D62CB85D7036}"/>
               </a:ext>
             </a:extLst>
           </p:cNvPr>
@@ -5693,7 +5726,7 @@
           <p:cNvPr id="6" name="원통 3">
             <a:extLst>
               <a:ext uri="{FF2B5EF4-FFF2-40B4-BE49-F238E27FC236}">
-                <a16:creationId xmlns:a16="http://schemas.microsoft.com/office/drawing/2014/main" id="{90D8EA38-3C83-F99C-19F5-CFB4CC11E05C}"/>
+                <a16:creationId xmlns:a16="http://schemas.microsoft.com/office/drawing/2014/main" xmlns="" id="{90D8EA38-3C83-F99C-19F5-CFB4CC11E05C}"/>
               </a:ext>
             </a:extLst>
           </p:cNvPr>
@@ -5765,7 +5798,7 @@
           <p:cNvPr id="7" name="모서리가 둥근 직사각형 6">
             <a:extLst>
               <a:ext uri="{FF2B5EF4-FFF2-40B4-BE49-F238E27FC236}">
-                <a16:creationId xmlns:a16="http://schemas.microsoft.com/office/drawing/2014/main" id="{25B6336C-CC5D-566A-765E-3F1A4427EBC4}"/>
+                <a16:creationId xmlns:a16="http://schemas.microsoft.com/office/drawing/2014/main" xmlns="" id="{25B6336C-CC5D-566A-765E-3F1A4427EBC4}"/>
               </a:ext>
             </a:extLst>
           </p:cNvPr>
@@ -5885,7 +5918,7 @@
           <p:cNvPr id="8" name="모서리가 둥근 직사각형 9">
             <a:extLst>
               <a:ext uri="{FF2B5EF4-FFF2-40B4-BE49-F238E27FC236}">
-                <a16:creationId xmlns:a16="http://schemas.microsoft.com/office/drawing/2014/main" id="{B6ED61B6-3068-F4D0-E67A-F3D6A1643EEA}"/>
+                <a16:creationId xmlns:a16="http://schemas.microsoft.com/office/drawing/2014/main" xmlns="" id="{B6ED61B6-3068-F4D0-E67A-F3D6A1643EEA}"/>
               </a:ext>
             </a:extLst>
           </p:cNvPr>
@@ -6005,7 +6038,7 @@
           <p:cNvPr id="9" name="직사각형 8">
             <a:extLst>
               <a:ext uri="{FF2B5EF4-FFF2-40B4-BE49-F238E27FC236}">
-                <a16:creationId xmlns:a16="http://schemas.microsoft.com/office/drawing/2014/main" id="{8217BB27-988D-C0DC-D1A8-292C87C422C1}"/>
+                <a16:creationId xmlns:a16="http://schemas.microsoft.com/office/drawing/2014/main" xmlns="" id="{8217BB27-988D-C0DC-D1A8-292C87C422C1}"/>
               </a:ext>
             </a:extLst>
           </p:cNvPr>
@@ -6067,7 +6100,7 @@
           <p:cNvPr id="10" name="Picture 2">
             <a:extLst>
               <a:ext uri="{FF2B5EF4-FFF2-40B4-BE49-F238E27FC236}">
-                <a16:creationId xmlns:a16="http://schemas.microsoft.com/office/drawing/2014/main" id="{664BF822-1CEC-4C7E-2AF8-C285E843AD2A}"/>
+                <a16:creationId xmlns:a16="http://schemas.microsoft.com/office/drawing/2014/main" xmlns="" id="{664BF822-1CEC-4C7E-2AF8-C285E843AD2A}"/>
               </a:ext>
             </a:extLst>
           </p:cNvPr>
@@ -6127,7 +6160,7 @@
           <p:cNvPr id="11" name="직사각형 10">
             <a:extLst>
               <a:ext uri="{FF2B5EF4-FFF2-40B4-BE49-F238E27FC236}">
-                <a16:creationId xmlns:a16="http://schemas.microsoft.com/office/drawing/2014/main" id="{A2483066-5BB2-12DC-DA60-3DDCF6D0268A}"/>
+                <a16:creationId xmlns:a16="http://schemas.microsoft.com/office/drawing/2014/main" xmlns="" id="{A2483066-5BB2-12DC-DA60-3DDCF6D0268A}"/>
               </a:ext>
             </a:extLst>
           </p:cNvPr>
@@ -6186,7 +6219,7 @@
           <p:cNvPr id="12" name="Picture 3">
             <a:extLst>
               <a:ext uri="{FF2B5EF4-FFF2-40B4-BE49-F238E27FC236}">
-                <a16:creationId xmlns:a16="http://schemas.microsoft.com/office/drawing/2014/main" id="{B7D96690-8E68-B811-B6AD-9931E58AEB40}"/>
+                <a16:creationId xmlns:a16="http://schemas.microsoft.com/office/drawing/2014/main" xmlns="" id="{B7D96690-8E68-B811-B6AD-9931E58AEB40}"/>
               </a:ext>
             </a:extLst>
           </p:cNvPr>
@@ -6246,7 +6279,7 @@
           <p:cNvPr id="13" name="TextBox 12">
             <a:extLst>
               <a:ext uri="{FF2B5EF4-FFF2-40B4-BE49-F238E27FC236}">
-                <a16:creationId xmlns:a16="http://schemas.microsoft.com/office/drawing/2014/main" id="{BB1F7289-D745-E8A4-6991-772D7BDE7289}"/>
+                <a16:creationId xmlns:a16="http://schemas.microsoft.com/office/drawing/2014/main" xmlns="" id="{BB1F7289-D745-E8A4-6991-772D7BDE7289}"/>
               </a:ext>
             </a:extLst>
           </p:cNvPr>
@@ -6290,7 +6323,7 @@
           <p:cNvPr id="14" name="TextBox 13">
             <a:extLst>
               <a:ext uri="{FF2B5EF4-FFF2-40B4-BE49-F238E27FC236}">
-                <a16:creationId xmlns:a16="http://schemas.microsoft.com/office/drawing/2014/main" id="{8842790E-0733-8CED-9D78-D6A2BD65D413}"/>
+                <a16:creationId xmlns:a16="http://schemas.microsoft.com/office/drawing/2014/main" xmlns="" id="{8842790E-0733-8CED-9D78-D6A2BD65D413}"/>
               </a:ext>
             </a:extLst>
           </p:cNvPr>
@@ -6327,7 +6360,7 @@
           <p:cNvPr id="15" name="직선 화살표 연결선 14">
             <a:extLst>
               <a:ext uri="{FF2B5EF4-FFF2-40B4-BE49-F238E27FC236}">
-                <a16:creationId xmlns:a16="http://schemas.microsoft.com/office/drawing/2014/main" id="{9946B713-80AC-4F72-8F55-8CEA91CF43DF}"/>
+                <a16:creationId xmlns:a16="http://schemas.microsoft.com/office/drawing/2014/main" xmlns="" id="{9946B713-80AC-4F72-8F55-8CEA91CF43DF}"/>
               </a:ext>
             </a:extLst>
           </p:cNvPr>
@@ -6374,7 +6407,7 @@
           <p:cNvPr id="16" name="직선 화살표 연결선 15">
             <a:extLst>
               <a:ext uri="{FF2B5EF4-FFF2-40B4-BE49-F238E27FC236}">
-                <a16:creationId xmlns:a16="http://schemas.microsoft.com/office/drawing/2014/main" id="{62EF618B-D49B-1AA8-A42E-92F392D29AB1}"/>
+                <a16:creationId xmlns:a16="http://schemas.microsoft.com/office/drawing/2014/main" xmlns="" id="{62EF618B-D49B-1AA8-A42E-92F392D29AB1}"/>
               </a:ext>
             </a:extLst>
           </p:cNvPr>
@@ -6421,7 +6454,7 @@
           <p:cNvPr id="17" name="직선 화살표 연결선 16">
             <a:extLst>
               <a:ext uri="{FF2B5EF4-FFF2-40B4-BE49-F238E27FC236}">
-                <a16:creationId xmlns:a16="http://schemas.microsoft.com/office/drawing/2014/main" id="{8A7DDB0D-94B3-769C-31D5-21B0553FD6EF}"/>
+                <a16:creationId xmlns:a16="http://schemas.microsoft.com/office/drawing/2014/main" xmlns="" id="{8A7DDB0D-94B3-769C-31D5-21B0553FD6EF}"/>
               </a:ext>
             </a:extLst>
           </p:cNvPr>
@@ -6468,7 +6501,7 @@
           <p:cNvPr id="18" name="직선 화살표 연결선 17">
             <a:extLst>
               <a:ext uri="{FF2B5EF4-FFF2-40B4-BE49-F238E27FC236}">
-                <a16:creationId xmlns:a16="http://schemas.microsoft.com/office/drawing/2014/main" id="{E8E29ACE-85D5-EAC6-D2BA-D61A73B6CA81}"/>
+                <a16:creationId xmlns:a16="http://schemas.microsoft.com/office/drawing/2014/main" xmlns="" id="{E8E29ACE-85D5-EAC6-D2BA-D61A73B6CA81}"/>
               </a:ext>
             </a:extLst>
           </p:cNvPr>
@@ -6516,7 +6549,7 @@
           <p:cNvPr id="19" name="직선 화살표 연결선 18">
             <a:extLst>
               <a:ext uri="{FF2B5EF4-FFF2-40B4-BE49-F238E27FC236}">
-                <a16:creationId xmlns:a16="http://schemas.microsoft.com/office/drawing/2014/main" id="{F809FC05-49BA-E282-C469-439983B32AB3}"/>
+                <a16:creationId xmlns:a16="http://schemas.microsoft.com/office/drawing/2014/main" xmlns="" id="{F809FC05-49BA-E282-C469-439983B32AB3}"/>
               </a:ext>
             </a:extLst>
           </p:cNvPr>
@@ -6564,7 +6597,7 @@
           <p:cNvPr id="21" name="TextBox 20">
             <a:extLst>
               <a:ext uri="{FF2B5EF4-FFF2-40B4-BE49-F238E27FC236}">
-                <a16:creationId xmlns:a16="http://schemas.microsoft.com/office/drawing/2014/main" id="{38FA1201-C5F7-72ED-35A1-BDDECCB93A32}"/>
+                <a16:creationId xmlns:a16="http://schemas.microsoft.com/office/drawing/2014/main" xmlns="" id="{38FA1201-C5F7-72ED-35A1-BDDECCB93A32}"/>
               </a:ext>
             </a:extLst>
           </p:cNvPr>
@@ -6601,7 +6634,7 @@
           <p:cNvPr id="24" name="TextBox 23">
             <a:extLst>
               <a:ext uri="{FF2B5EF4-FFF2-40B4-BE49-F238E27FC236}">
-                <a16:creationId xmlns:a16="http://schemas.microsoft.com/office/drawing/2014/main" id="{A0D91ABE-5691-53FF-C6A5-D187FDED2FE1}"/>
+                <a16:creationId xmlns:a16="http://schemas.microsoft.com/office/drawing/2014/main" xmlns="" id="{A0D91ABE-5691-53FF-C6A5-D187FDED2FE1}"/>
               </a:ext>
             </a:extLst>
           </p:cNvPr>
@@ -6638,7 +6671,7 @@
           <p:cNvPr id="27" name="직사각형 26">
             <a:extLst>
               <a:ext uri="{FF2B5EF4-FFF2-40B4-BE49-F238E27FC236}">
-                <a16:creationId xmlns:a16="http://schemas.microsoft.com/office/drawing/2014/main" id="{27C86742-8A6A-6E6A-73D1-6974DDD42553}"/>
+                <a16:creationId xmlns:a16="http://schemas.microsoft.com/office/drawing/2014/main" xmlns="" id="{27C86742-8A6A-6E6A-73D1-6974DDD42553}"/>
               </a:ext>
             </a:extLst>
           </p:cNvPr>
@@ -6691,6 +6724,375 @@
     <p:extLst>
       <p:ext uri="{BB962C8B-B14F-4D97-AF65-F5344CB8AC3E}">
         <p14:creationId xmlns:p14="http://schemas.microsoft.com/office/powerpoint/2010/main" val="873430455"/>
+      </p:ext>
+    </p:extLst>
+  </p:cSld>
+  <p:clrMapOvr>
+    <a:masterClrMapping/>
+  </p:clrMapOvr>
+</p:sld>
+</file>
+
+<file path=ppt/slides/slide16.xml><?xml version="1.0" encoding="utf-8"?>
+<p:sld xmlns:a="http://schemas.openxmlformats.org/drawingml/2006/main" xmlns:r="http://schemas.openxmlformats.org/officeDocument/2006/relationships" xmlns:p="http://schemas.openxmlformats.org/presentationml/2006/main">
+  <p:cSld>
+    <p:spTree>
+      <p:nvGrpSpPr>
+        <p:cNvPr id="1" name=""/>
+        <p:cNvGrpSpPr/>
+        <p:nvPr/>
+      </p:nvGrpSpPr>
+      <p:grpSpPr>
+        <a:xfrm>
+          <a:off x="0" y="0"/>
+          <a:ext cx="0" cy="0"/>
+          <a:chOff x="0" y="0"/>
+          <a:chExt cx="0" cy="0"/>
+        </a:xfrm>
+      </p:grpSpPr>
+      <p:pic>
+        <p:nvPicPr>
+          <p:cNvPr id="1026" name="Picture 2"/>
+          <p:cNvPicPr>
+            <a:picLocks noChangeAspect="1" noChangeArrowheads="1"/>
+          </p:cNvPicPr>
+          <p:nvPr/>
+        </p:nvPicPr>
+        <p:blipFill>
+          <a:blip r:embed="rId2">
+            <a:extLst>
+              <a:ext uri="{28A0092B-C50C-407E-A947-70E740481C1C}">
+                <a14:useLocalDpi xmlns:a14="http://schemas.microsoft.com/office/drawing/2010/main" val="0"/>
+              </a:ext>
+            </a:extLst>
+          </a:blip>
+          <a:srcRect/>
+          <a:stretch>
+            <a:fillRect/>
+          </a:stretch>
+        </p:blipFill>
+        <p:spPr bwMode="auto">
+          <a:xfrm>
+            <a:off x="395535" y="1196752"/>
+            <a:ext cx="3361835" cy="2947989"/>
+          </a:xfrm>
+          <a:prstGeom prst="rect">
+            <a:avLst/>
+          </a:prstGeom>
+          <a:noFill/>
+          <a:ln>
+            <a:noFill/>
+          </a:ln>
+          <a:extLst>
+            <a:ext uri="{909E8E84-426E-40DD-AFC4-6F175D3DCCD1}">
+              <a14:hiddenFill xmlns:a14="http://schemas.microsoft.com/office/drawing/2010/main">
+                <a:solidFill>
+                  <a:schemeClr val="accent1"/>
+                </a:solidFill>
+              </a14:hiddenFill>
+            </a:ext>
+            <a:ext uri="{91240B29-F687-4F45-9708-019B960494DF}">
+              <a14:hiddenLine xmlns:a14="http://schemas.microsoft.com/office/drawing/2010/main" w="9525">
+                <a:solidFill>
+                  <a:schemeClr val="tx1"/>
+                </a:solidFill>
+                <a:miter lim="800000"/>
+                <a:headEnd/>
+                <a:tailEnd/>
+              </a14:hiddenLine>
+            </a:ext>
+          </a:extLst>
+        </p:spPr>
+      </p:pic>
+      <p:pic>
+        <p:nvPicPr>
+          <p:cNvPr id="1027" name="Picture 3"/>
+          <p:cNvPicPr>
+            <a:picLocks noChangeAspect="1" noChangeArrowheads="1"/>
+          </p:cNvPicPr>
+          <p:nvPr/>
+        </p:nvPicPr>
+        <p:blipFill>
+          <a:blip r:embed="rId3">
+            <a:extLst>
+              <a:ext uri="{28A0092B-C50C-407E-A947-70E740481C1C}">
+                <a14:useLocalDpi xmlns:a14="http://schemas.microsoft.com/office/drawing/2010/main" val="0"/>
+              </a:ext>
+            </a:extLst>
+          </a:blip>
+          <a:srcRect/>
+          <a:stretch>
+            <a:fillRect/>
+          </a:stretch>
+        </p:blipFill>
+        <p:spPr bwMode="auto">
+          <a:xfrm>
+            <a:off x="4499992" y="1196753"/>
+            <a:ext cx="3133725" cy="2947988"/>
+          </a:xfrm>
+          <a:prstGeom prst="rect">
+            <a:avLst/>
+          </a:prstGeom>
+          <a:noFill/>
+          <a:ln>
+            <a:noFill/>
+          </a:ln>
+          <a:extLst>
+            <a:ext uri="{909E8E84-426E-40DD-AFC4-6F175D3DCCD1}">
+              <a14:hiddenFill xmlns:a14="http://schemas.microsoft.com/office/drawing/2010/main">
+                <a:solidFill>
+                  <a:schemeClr val="accent1"/>
+                </a:solidFill>
+              </a14:hiddenFill>
+            </a:ext>
+            <a:ext uri="{91240B29-F687-4F45-9708-019B960494DF}">
+              <a14:hiddenLine xmlns:a14="http://schemas.microsoft.com/office/drawing/2010/main" w="9525">
+                <a:solidFill>
+                  <a:schemeClr val="tx1"/>
+                </a:solidFill>
+                <a:miter lim="800000"/>
+                <a:headEnd/>
+                <a:tailEnd/>
+              </a14:hiddenLine>
+            </a:ext>
+          </a:extLst>
+        </p:spPr>
+      </p:pic>
+      <p:cxnSp>
+        <p:nvCxnSpPr>
+          <p:cNvPr id="6" name="직선 화살표 연결선 5"/>
+          <p:cNvCxnSpPr>
+            <a:stCxn id="1026" idx="3"/>
+            <a:endCxn id="1027" idx="1"/>
+          </p:cNvCxnSpPr>
+          <p:nvPr/>
+        </p:nvCxnSpPr>
+        <p:spPr>
+          <a:xfrm>
+            <a:off x="3757370" y="2670747"/>
+            <a:ext cx="742622" cy="0"/>
+          </a:xfrm>
+          <a:prstGeom prst="straightConnector1">
+            <a:avLst/>
+          </a:prstGeom>
+          <a:ln w="19050">
+            <a:solidFill>
+              <a:srgbClr val="0000FF"/>
+            </a:solidFill>
+            <a:tailEnd type="arrow"/>
+          </a:ln>
+        </p:spPr>
+        <p:style>
+          <a:lnRef idx="1">
+            <a:schemeClr val="dk1"/>
+          </a:lnRef>
+          <a:fillRef idx="0">
+            <a:schemeClr val="dk1"/>
+          </a:fillRef>
+          <a:effectRef idx="0">
+            <a:schemeClr val="dk1"/>
+          </a:effectRef>
+          <a:fontRef idx="minor">
+            <a:schemeClr val="tx1"/>
+          </a:fontRef>
+        </p:style>
+      </p:cxnSp>
+      <p:sp>
+        <p:nvSpPr>
+          <p:cNvPr id="10" name="직사각형 9"/>
+          <p:cNvSpPr/>
+          <p:nvPr/>
+        </p:nvSpPr>
+        <p:spPr>
+          <a:xfrm>
+            <a:off x="395535" y="1935494"/>
+            <a:ext cx="648073" cy="172138"/>
+          </a:xfrm>
+          <a:prstGeom prst="rect">
+            <a:avLst/>
+          </a:prstGeom>
+          <a:noFill/>
+          <a:ln w="19050">
+            <a:solidFill>
+              <a:srgbClr val="0070C0"/>
+            </a:solidFill>
+          </a:ln>
+        </p:spPr>
+        <p:style>
+          <a:lnRef idx="2">
+            <a:schemeClr val="accent1">
+              <a:shade val="50000"/>
+            </a:schemeClr>
+          </a:lnRef>
+          <a:fillRef idx="1">
+            <a:schemeClr val="accent1"/>
+          </a:fillRef>
+          <a:effectRef idx="0">
+            <a:schemeClr val="accent1"/>
+          </a:effectRef>
+          <a:fontRef idx="minor">
+            <a:schemeClr val="lt1"/>
+          </a:fontRef>
+        </p:style>
+        <p:txBody>
+          <a:bodyPr rtlCol="0" anchor="ctr"/>
+          <a:lstStyle/>
+          <a:p>
+            <a:pPr algn="ctr"/>
+            <a:endParaRPr lang="ko-KR" altLang="en-US"/>
+          </a:p>
+        </p:txBody>
+      </p:sp>
+      <p:sp>
+        <p:nvSpPr>
+          <p:cNvPr id="11" name="직사각형 10"/>
+          <p:cNvSpPr/>
+          <p:nvPr/>
+        </p:nvSpPr>
+        <p:spPr>
+          <a:xfrm>
+            <a:off x="6380775" y="3761047"/>
+            <a:ext cx="486906" cy="288032"/>
+          </a:xfrm>
+          <a:prstGeom prst="rect">
+            <a:avLst/>
+          </a:prstGeom>
+          <a:noFill/>
+          <a:ln w="19050">
+            <a:solidFill>
+              <a:srgbClr val="0070C0"/>
+            </a:solidFill>
+          </a:ln>
+        </p:spPr>
+        <p:style>
+          <a:lnRef idx="2">
+            <a:schemeClr val="accent1">
+              <a:shade val="50000"/>
+            </a:schemeClr>
+          </a:lnRef>
+          <a:fillRef idx="1">
+            <a:schemeClr val="accent1"/>
+          </a:fillRef>
+          <a:effectRef idx="0">
+            <a:schemeClr val="accent1"/>
+          </a:effectRef>
+          <a:fontRef idx="minor">
+            <a:schemeClr val="lt1"/>
+          </a:fontRef>
+        </p:style>
+        <p:txBody>
+          <a:bodyPr rtlCol="0" anchor="ctr"/>
+          <a:lstStyle/>
+          <a:p>
+            <a:pPr algn="ctr"/>
+            <a:endParaRPr lang="ko-KR" altLang="en-US"/>
+          </a:p>
+        </p:txBody>
+      </p:sp>
+      <p:pic>
+        <p:nvPicPr>
+          <p:cNvPr id="1028" name="Picture 4"/>
+          <p:cNvPicPr>
+            <a:picLocks noChangeAspect="1" noChangeArrowheads="1"/>
+          </p:cNvPicPr>
+          <p:nvPr/>
+        </p:nvPicPr>
+        <p:blipFill>
+          <a:blip r:embed="rId4">
+            <a:extLst>
+              <a:ext uri="{28A0092B-C50C-407E-A947-70E740481C1C}">
+                <a14:useLocalDpi xmlns:a14="http://schemas.microsoft.com/office/drawing/2010/main" val="0"/>
+              </a:ext>
+            </a:extLst>
+          </a:blip>
+          <a:srcRect/>
+          <a:stretch>
+            <a:fillRect/>
+          </a:stretch>
+        </p:blipFill>
+        <p:spPr bwMode="auto">
+          <a:xfrm>
+            <a:off x="-2070127" y="2924944"/>
+            <a:ext cx="4931323" cy="3493563"/>
+          </a:xfrm>
+          <a:prstGeom prst="rect">
+            <a:avLst/>
+          </a:prstGeom>
+          <a:noFill/>
+          <a:ln>
+            <a:noFill/>
+          </a:ln>
+          <a:extLst>
+            <a:ext uri="{909E8E84-426E-40DD-AFC4-6F175D3DCCD1}">
+              <a14:hiddenFill xmlns:a14="http://schemas.microsoft.com/office/drawing/2010/main">
+                <a:solidFill>
+                  <a:schemeClr val="accent1"/>
+                </a:solidFill>
+              </a14:hiddenFill>
+            </a:ext>
+            <a:ext uri="{91240B29-F687-4F45-9708-019B960494DF}">
+              <a14:hiddenLine xmlns:a14="http://schemas.microsoft.com/office/drawing/2010/main" w="9525">
+                <a:solidFill>
+                  <a:schemeClr val="tx1"/>
+                </a:solidFill>
+                <a:miter lim="800000"/>
+                <a:headEnd/>
+                <a:tailEnd/>
+              </a14:hiddenLine>
+            </a:ext>
+          </a:extLst>
+        </p:spPr>
+      </p:pic>
+      <p:sp>
+        <p:nvSpPr>
+          <p:cNvPr id="13" name="직사각형 12"/>
+          <p:cNvSpPr/>
+          <p:nvPr/>
+        </p:nvSpPr>
+        <p:spPr>
+          <a:xfrm>
+            <a:off x="899591" y="6093296"/>
+            <a:ext cx="1087461" cy="356578"/>
+          </a:xfrm>
+          <a:prstGeom prst="rect">
+            <a:avLst/>
+          </a:prstGeom>
+          <a:noFill/>
+          <a:ln w="19050">
+            <a:solidFill>
+              <a:srgbClr val="FF0000"/>
+            </a:solidFill>
+          </a:ln>
+        </p:spPr>
+        <p:style>
+          <a:lnRef idx="2">
+            <a:schemeClr val="accent1">
+              <a:shade val="50000"/>
+            </a:schemeClr>
+          </a:lnRef>
+          <a:fillRef idx="1">
+            <a:schemeClr val="accent1"/>
+          </a:fillRef>
+          <a:effectRef idx="0">
+            <a:schemeClr val="accent1"/>
+          </a:effectRef>
+          <a:fontRef idx="minor">
+            <a:schemeClr val="lt1"/>
+          </a:fontRef>
+        </p:style>
+        <p:txBody>
+          <a:bodyPr rtlCol="0" anchor="ctr"/>
+          <a:lstStyle/>
+          <a:p>
+            <a:pPr algn="ctr"/>
+            <a:endParaRPr lang="ko-KR" altLang="en-US"/>
+          </a:p>
+        </p:txBody>
+      </p:sp>
+    </p:spTree>
+    <p:extLst>
+      <p:ext uri="{BB962C8B-B14F-4D97-AF65-F5344CB8AC3E}">
+        <p14:creationId xmlns:p14="http://schemas.microsoft.com/office/powerpoint/2010/main" val="263429183"/>
       </p:ext>
     </p:extLst>
   </p:cSld>
